--- a/spring18/slidesS18/normal-forms.pptx
+++ b/spring18/slidesS18/normal-forms.pptx
@@ -5,10 +5,10 @@
     <p:sldMasterId id="2147483650" r:id="rId1"/>
   </p:sldMasterIdLst>
   <p:notesMasterIdLst>
-    <p:notesMasterId r:id="rId20"/>
+    <p:notesMasterId r:id="rId23"/>
   </p:notesMasterIdLst>
   <p:handoutMasterIdLst>
-    <p:handoutMasterId r:id="rId21"/>
+    <p:handoutMasterId r:id="rId24"/>
   </p:handoutMasterIdLst>
   <p:sldIdLst>
     <p:sldId id="392" r:id="rId2"/>
@@ -19,21 +19,24 @@
     <p:sldId id="468" r:id="rId7"/>
     <p:sldId id="487" r:id="rId8"/>
     <p:sldId id="469" r:id="rId9"/>
-    <p:sldId id="471" r:id="rId10"/>
-    <p:sldId id="484" r:id="rId11"/>
-    <p:sldId id="473" r:id="rId12"/>
-    <p:sldId id="489" r:id="rId13"/>
-    <p:sldId id="491" r:id="rId14"/>
-    <p:sldId id="477" r:id="rId15"/>
-    <p:sldId id="488" r:id="rId16"/>
-    <p:sldId id="478" r:id="rId17"/>
-    <p:sldId id="480" r:id="rId18"/>
-    <p:sldId id="483" r:id="rId19"/>
+    <p:sldId id="493" r:id="rId10"/>
+    <p:sldId id="471" r:id="rId11"/>
+    <p:sldId id="484" r:id="rId12"/>
+    <p:sldId id="473" r:id="rId13"/>
+    <p:sldId id="492" r:id="rId14"/>
+    <p:sldId id="489" r:id="rId15"/>
+    <p:sldId id="491" r:id="rId16"/>
+    <p:sldId id="477" r:id="rId17"/>
+    <p:sldId id="488" r:id="rId18"/>
+    <p:sldId id="478" r:id="rId19"/>
+    <p:sldId id="480" r:id="rId20"/>
+    <p:sldId id="494" r:id="rId21"/>
+    <p:sldId id="483" r:id="rId22"/>
   </p:sldIdLst>
   <p:sldSz cx="9144000" cy="6858000" type="screen4x3"/>
   <p:notesSz cx="9601200" cy="7315200"/>
   <p:custDataLst>
-    <p:tags r:id="rId23"/>
+    <p:tags r:id="rId26"/>
   </p:custDataLst>
   <p:defaultTextStyle>
     <a:defPPr>
@@ -1864,13 +1867,7 @@
               <a:rPr lang="en-US" sz="1100" dirty="0" smtClean="0">
                 <a:latin typeface="Comic Sans MS" pitchFamily="66" charset="0"/>
               </a:rPr>
-              <a:t>, </a:t>
-            </a:r>
-            <a:r>
-              <a:rPr lang="en-US" sz="1100" dirty="0" smtClean="0">
-                <a:latin typeface="Comic Sans MS" pitchFamily="66" charset="0"/>
-              </a:rPr>
-              <a:t>2018</a:t>
+              <a:t>, 2018</a:t>
             </a:r>
             <a:endParaRPr lang="en-US" sz="1100" dirty="0">
               <a:latin typeface="Comic Sans MS" pitchFamily="66" charset="0"/>
@@ -2667,6 +2664,306 @@
       </p:grpSpPr>
       <p:sp>
         <p:nvSpPr>
+          <p:cNvPr id="2" name="Title 1"/>
+          <p:cNvSpPr>
+            <a:spLocks noGrp="1"/>
+          </p:cNvSpPr>
+          <p:nvPr>
+            <p:ph type="title" sz="quarter"/>
+          </p:nvPr>
+        </p:nvSpPr>
+        <p:spPr>
+          <a:xfrm>
+            <a:off x="1488856" y="336518"/>
+            <a:ext cx="7493000" cy="973949"/>
+          </a:xfrm>
+        </p:spPr>
+        <p:txBody>
+          <a:bodyPr/>
+          <a:lstStyle/>
+          <a:p>
+            <a:r>
+              <a:rPr lang="en-US" dirty="0" smtClean="0"/>
+              <a:t>Every formula </a:t>
+            </a:r>
+            <a:r>
+              <a:rPr lang="en-US" dirty="0" smtClean="0">
+                <a:solidFill>
+                  <a:srgbClr val="000099"/>
+                </a:solidFill>
+                <a:latin typeface="Euclid Symbol" charset="2"/>
+                <a:cs typeface="Euclid Symbol" charset="2"/>
+              </a:rPr>
+              <a:t>≡</a:t>
+            </a:r>
+            <a:r>
+              <a:rPr lang="en-US" dirty="0" smtClean="0"/>
+              <a:t> Full DNF</a:t>
+            </a:r>
+            <a:endParaRPr lang="en-US" dirty="0"/>
+          </a:p>
+        </p:txBody>
+      </p:sp>
+      <p:sp>
+        <p:nvSpPr>
+          <p:cNvPr id="3" name="Slide Number Placeholder 2"/>
+          <p:cNvSpPr>
+            <a:spLocks noGrp="1"/>
+          </p:cNvSpPr>
+          <p:nvPr>
+            <p:ph type="sldNum" sz="quarter" idx="4"/>
+          </p:nvPr>
+        </p:nvSpPr>
+        <p:spPr>
+          <a:xfrm>
+            <a:off x="8127154" y="6553200"/>
+            <a:ext cx="1016850" cy="276999"/>
+          </a:xfrm>
+        </p:spPr>
+        <p:txBody>
+          <a:bodyPr/>
+          <a:lstStyle/>
+          <a:p>
+            <a:pPr>
+              <a:defRPr/>
+            </a:pPr>
+            <a:r>
+              <a:rPr lang="en-US" dirty="0" smtClean="0"/>
+              <a:t>DNF-CNF.</a:t>
+            </a:r>
+            <a:fld id="{068AF58D-0467-409E-A30A-0D5E3A2B197F}" type="slidenum">
+              <a:rPr lang="en-US" smtClean="0"/>
+              <a:pPr>
+                <a:defRPr/>
+              </a:pPr>
+              <a:t>10</a:t>
+            </a:fld>
+            <a:endParaRPr lang="en-US" dirty="0"/>
+          </a:p>
+        </p:txBody>
+      </p:sp>
+      <p:sp>
+        <p:nvSpPr>
+          <p:cNvPr id="4" name="TextBox 3"/>
+          <p:cNvSpPr txBox="1"/>
+          <p:nvPr/>
+        </p:nvSpPr>
+        <p:spPr>
+          <a:xfrm>
+            <a:off x="274438" y="1855862"/>
+            <a:ext cx="8252191" cy="3139321"/>
+          </a:xfrm>
+          <a:prstGeom prst="rect">
+            <a:avLst/>
+          </a:prstGeom>
+          <a:noFill/>
+        </p:spPr>
+        <p:txBody>
+          <a:bodyPr wrap="none" rtlCol="0">
+            <a:spAutoFit/>
+          </a:bodyPr>
+          <a:lstStyle/>
+          <a:p>
+            <a:pPr algn="l"/>
+            <a:r>
+              <a:rPr lang="en-US" sz="6600" dirty="0" smtClean="0">
+                <a:latin typeface="Comic Sans MS" pitchFamily="66" charset="0"/>
+              </a:rPr>
+              <a:t>Read the  </a:t>
+            </a:r>
+            <a:r>
+              <a:rPr lang="en-US" sz="6600" dirty="0" smtClean="0">
+                <a:solidFill>
+                  <a:srgbClr val="BB0FAB"/>
+                </a:solidFill>
+                <a:latin typeface="Comic Sans MS" pitchFamily="66" charset="0"/>
+              </a:rPr>
+              <a:t>Full </a:t>
+            </a:r>
+            <a:r>
+              <a:rPr lang="en-US" sz="6600" dirty="0" smtClean="0">
+                <a:solidFill>
+                  <a:srgbClr val="BB0FAB"/>
+                </a:solidFill>
+                <a:latin typeface="Comic Sans MS" pitchFamily="66" charset="0"/>
+              </a:rPr>
+              <a:t>DNF</a:t>
+            </a:r>
+          </a:p>
+          <a:p>
+            <a:pPr algn="l"/>
+            <a:r>
+              <a:rPr lang="en-US" sz="6600" dirty="0" smtClean="0">
+                <a:latin typeface="Comic Sans MS" pitchFamily="66" charset="0"/>
+              </a:rPr>
+              <a:t>right off</a:t>
+            </a:r>
+            <a:r>
+              <a:rPr lang="en-US" sz="6600" dirty="0" smtClean="0">
+                <a:solidFill>
+                  <a:srgbClr val="BB0FAB"/>
+                </a:solidFill>
+                <a:latin typeface="Comic Sans MS" pitchFamily="66" charset="0"/>
+              </a:rPr>
+              <a:t> </a:t>
+            </a:r>
+            <a:r>
+              <a:rPr lang="en-US" sz="6600" dirty="0" smtClean="0">
+                <a:latin typeface="Comic Sans MS" pitchFamily="66" charset="0"/>
+              </a:rPr>
+              <a:t>the </a:t>
+            </a:r>
+            <a:r>
+              <a:rPr lang="en-US" sz="6600" dirty="0" smtClean="0">
+                <a:solidFill>
+                  <a:srgbClr val="006600"/>
+                </a:solidFill>
+                <a:latin typeface="Comic Sans MS" pitchFamily="66" charset="0"/>
+              </a:rPr>
+              <a:t>T rows</a:t>
+            </a:r>
+          </a:p>
+          <a:p>
+            <a:pPr algn="l"/>
+            <a:r>
+              <a:rPr lang="en-US" sz="6600" dirty="0" smtClean="0">
+                <a:latin typeface="Comic Sans MS" pitchFamily="66" charset="0"/>
+              </a:rPr>
+              <a:t>of the truth table</a:t>
+            </a:r>
+          </a:p>
+        </p:txBody>
+      </p:sp>
+    </p:spTree>
+    <p:extLst>
+      <p:ext uri="{BB962C8B-B14F-4D97-AF65-F5344CB8AC3E}">
+        <p14:creationId xmlns:p14="http://schemas.microsoft.com/office/powerpoint/2010/main" val="1623020947"/>
+      </p:ext>
+    </p:extLst>
+  </p:cSld>
+  <p:clrMapOvr>
+    <a:masterClrMapping/>
+  </p:clrMapOvr>
+  <mc:AlternateContent xmlns:mc="http://schemas.openxmlformats.org/markup-compatibility/2006" xmlns:p14="http://schemas.microsoft.com/office/powerpoint/2010/main">
+    <mc:Choice Requires="p14">
+      <p:transition spd="med" p14:dur="700" advClick="0">
+        <p:fade thruBlk="1"/>
+      </p:transition>
+    </mc:Choice>
+    <mc:Fallback xmlns="">
+      <p:transition xmlns:p14="http://schemas.microsoft.com/office/powerpoint/2010/main" spd="med" advClick="0">
+        <p:fade thruBlk="1"/>
+      </p:transition>
+    </mc:Fallback>
+  </mc:AlternateContent>
+  <p:timing>
+    <p:tnLst>
+      <p:par>
+        <p:cTn xmlns:p14="http://schemas.microsoft.com/office/powerpoint/2010/main" id="1" dur="indefinite" restart="never" nodeType="tmRoot">
+          <p:childTnLst>
+            <p:seq concurrent="1" nextAc="seek">
+              <p:cTn id="2" dur="indefinite" nodeType="mainSeq">
+                <p:childTnLst>
+                  <p:par>
+                    <p:cTn id="3" fill="hold">
+                      <p:stCondLst>
+                        <p:cond delay="indefinite"/>
+                      </p:stCondLst>
+                      <p:childTnLst>
+                        <p:par>
+                          <p:cTn id="4" fill="hold">
+                            <p:stCondLst>
+                              <p:cond delay="0"/>
+                            </p:stCondLst>
+                            <p:childTnLst>
+                              <p:par>
+                                <p:cTn id="5" presetID="10" presetClass="entr" presetSubtype="0" fill="hold" grpId="0" nodeType="clickEffect">
+                                  <p:stCondLst>
+                                    <p:cond delay="0"/>
+                                  </p:stCondLst>
+                                  <p:childTnLst>
+                                    <p:set>
+                                      <p:cBhvr>
+                                        <p:cTn id="6" dur="1" fill="hold">
+                                          <p:stCondLst>
+                                            <p:cond delay="0"/>
+                                          </p:stCondLst>
+                                        </p:cTn>
+                                        <p:tgtEl>
+                                          <p:spTgt spid="4"/>
+                                        </p:tgtEl>
+                                        <p:attrNameLst>
+                                          <p:attrName>style.visibility</p:attrName>
+                                        </p:attrNameLst>
+                                      </p:cBhvr>
+                                      <p:to>
+                                        <p:strVal val="visible"/>
+                                      </p:to>
+                                    </p:set>
+                                    <p:animEffect transition="in" filter="fade">
+                                      <p:cBhvr>
+                                        <p:cTn id="7" dur="500"/>
+                                        <p:tgtEl>
+                                          <p:spTgt spid="4"/>
+                                        </p:tgtEl>
+                                      </p:cBhvr>
+                                    </p:animEffect>
+                                  </p:childTnLst>
+                                </p:cTn>
+                              </p:par>
+                            </p:childTnLst>
+                          </p:cTn>
+                        </p:par>
+                      </p:childTnLst>
+                    </p:cTn>
+                  </p:par>
+                </p:childTnLst>
+              </p:cTn>
+              <p:prevCondLst>
+                <p:cond evt="onPrev" delay="0">
+                  <p:tgtEl>
+                    <p:sldTgt/>
+                  </p:tgtEl>
+                </p:cond>
+              </p:prevCondLst>
+              <p:nextCondLst>
+                <p:cond evt="onNext" delay="0">
+                  <p:tgtEl>
+                    <p:sldTgt/>
+                  </p:tgtEl>
+                </p:cond>
+              </p:nextCondLst>
+            </p:seq>
+          </p:childTnLst>
+        </p:cTn>
+      </p:par>
+    </p:tnLst>
+    <p:bldLst>
+      <p:bldP spid="4" grpId="0"/>
+    </p:bldLst>
+  </p:timing>
+</p:sld>
+</file>
+
+<file path=ppt/slides/slide11.xml><?xml version="1.0" encoding="utf-8"?>
+<p:sld xmlns:a="http://schemas.openxmlformats.org/drawingml/2006/main" xmlns:r="http://schemas.openxmlformats.org/officeDocument/2006/relationships" xmlns:p="http://schemas.openxmlformats.org/presentationml/2006/main">
+  <p:cSld>
+    <p:spTree>
+      <p:nvGrpSpPr>
+        <p:cNvPr id="1" name=""/>
+        <p:cNvGrpSpPr/>
+        <p:nvPr/>
+      </p:nvGrpSpPr>
+      <p:grpSpPr>
+        <a:xfrm>
+          <a:off x="0" y="0"/>
+          <a:ext cx="0" cy="0"/>
+          <a:chOff x="0" y="0"/>
+          <a:chExt cx="0" cy="0"/>
+        </a:xfrm>
+      </p:grpSpPr>
+      <p:sp>
+        <p:nvSpPr>
           <p:cNvPr id="3" name="Slide Number Placeholder 2"/>
           <p:cNvSpPr>
             <a:spLocks noGrp="1"/>
@@ -2697,7 +2994,7 @@
               <a:pPr>
                 <a:defRPr/>
               </a:pPr>
-              <a:t>10</a:t>
+              <a:t>11</a:t>
             </a:fld>
             <a:endParaRPr lang="en-US" dirty="0"/>
           </a:p>
@@ -2711,8 +3008,8 @@
         </p:nvSpPr>
         <p:spPr>
           <a:xfrm>
-            <a:off x="67560" y="1484215"/>
-            <a:ext cx="8698865" cy="4219617"/>
+            <a:off x="405360" y="1430175"/>
+            <a:ext cx="8294571" cy="3942618"/>
           </a:xfrm>
           <a:prstGeom prst="rect">
             <a:avLst/>
@@ -2727,22 +3024,43 @@
           <a:p>
             <a:pPr algn="l"/>
             <a:r>
-              <a:rPr lang="en-US" sz="6000" dirty="0" smtClean="0">
+              <a:rPr lang="en-US" sz="4800" dirty="0" smtClean="0">
                 <a:solidFill>
                   <a:srgbClr val="800000"/>
                 </a:solidFill>
                 <a:latin typeface="Comic Sans MS" pitchFamily="66" charset="0"/>
               </a:rPr>
-              <a:t>Corollary: </a:t>
-            </a:r>
-            <a:r>
-              <a:rPr lang="en-US" sz="6000" dirty="0" smtClean="0">
+              <a:t>Corollary:</a:t>
+            </a:r>
+            <a:r>
+              <a:rPr lang="en-US" sz="5400" dirty="0" smtClean="0">
+                <a:solidFill>
+                  <a:srgbClr val="800000"/>
+                </a:solidFill>
                 <a:latin typeface="Comic Sans MS" pitchFamily="66" charset="0"/>
               </a:rPr>
-              <a:t>Two </a:t>
-            </a:r>
-            <a:r>
-              <a:rPr lang="en-US" sz="6000" dirty="0" smtClean="0">
+              <a:t> </a:t>
+            </a:r>
+            <a:r>
+              <a:rPr lang="en-US" sz="5400" dirty="0" smtClean="0">
+                <a:latin typeface="Comic Sans MS" pitchFamily="66" charset="0"/>
+              </a:rPr>
+              <a:t>If </a:t>
+            </a:r>
+            <a:r>
+              <a:rPr lang="en-US" sz="5400" dirty="0" smtClean="0">
+                <a:latin typeface="Comic Sans MS" pitchFamily="66" charset="0"/>
+              </a:rPr>
+              <a:t>two</a:t>
+            </a:r>
+            <a:r>
+              <a:rPr lang="en-US" sz="5400" dirty="0" smtClean="0">
+                <a:latin typeface="Comic Sans MS" pitchFamily="66" charset="0"/>
+              </a:rPr>
+              <a:t> </a:t>
+            </a:r>
+            <a:r>
+              <a:rPr lang="en-US" sz="5400" dirty="0" smtClean="0">
                 <a:latin typeface="Comic Sans MS" pitchFamily="66" charset="0"/>
               </a:rPr>
               <a:t>formulas</a:t>
@@ -2751,40 +3069,39 @@
           <a:p>
             <a:pPr algn="l"/>
             <a:r>
-              <a:rPr lang="en-US" sz="6000" dirty="0" smtClean="0">
+              <a:rPr lang="en-US" sz="5400" dirty="0" smtClean="0">
                 <a:latin typeface="Comic Sans MS" pitchFamily="66" charset="0"/>
               </a:rPr>
               <a:t>are equivalent </a:t>
             </a:r>
             <a:r>
-              <a:rPr lang="en-US" sz="6000" dirty="0" err="1" smtClean="0">
+              <a:rPr lang="en-US" sz="5400" dirty="0" smtClean="0">
                 <a:latin typeface="Comic Sans MS" pitchFamily="66" charset="0"/>
               </a:rPr>
-              <a:t>iff</a:t>
-            </a:r>
-            <a:r>
-              <a:rPr lang="en-US" sz="6000" dirty="0" smtClean="0">
+              <a:t>then </a:t>
+            </a:r>
+            <a:r>
+              <a:rPr lang="en-US" sz="5400" dirty="0" smtClean="0">
                 <a:latin typeface="Comic Sans MS" pitchFamily="66" charset="0"/>
               </a:rPr>
-              <a:t> they</a:t>
+              <a:t>they</a:t>
             </a:r>
           </a:p>
           <a:p>
             <a:pPr algn="l"/>
             <a:r>
-              <a:rPr lang="en-US" sz="6000" dirty="0" smtClean="0">
+              <a:rPr lang="en-US" sz="5400" dirty="0" smtClean="0">
                 <a:latin typeface="Comic Sans MS" pitchFamily="66" charset="0"/>
               </a:rPr>
-              <a:t>have the same* DNF</a:t>
-            </a:r>
-          </a:p>
-          <a:p>
-            <a:pPr algn="l">
-              <a:lnSpc>
-                <a:spcPct val="80000"/>
-              </a:lnSpc>
-            </a:pPr>
-            <a:endParaRPr lang="en-US" sz="5400" dirty="0">
+              <a:t>have the same* </a:t>
+            </a:r>
+            <a:r>
+              <a:rPr lang="en-US" sz="5400" dirty="0" smtClean="0">
+                <a:latin typeface="Comic Sans MS" pitchFamily="66" charset="0"/>
+              </a:rPr>
+              <a:t>Full DNF</a:t>
+            </a:r>
+            <a:endParaRPr lang="en-US" sz="5400" dirty="0" smtClean="0">
               <a:latin typeface="Comic Sans MS" pitchFamily="66" charset="0"/>
             </a:endParaRPr>
           </a:p>
@@ -2794,12 +3111,25 @@
                 <a:spcPct val="80000"/>
               </a:lnSpc>
             </a:pPr>
-            <a:r>
-              <a:rPr lang="en-US" sz="5400" dirty="0" smtClean="0">
+            <a:endParaRPr lang="en-US" sz="4800" dirty="0">
+              <a:latin typeface="Comic Sans MS" pitchFamily="66" charset="0"/>
+            </a:endParaRPr>
+          </a:p>
+          <a:p>
+            <a:pPr algn="l">
+              <a:lnSpc>
+                <a:spcPct val="80000"/>
+              </a:lnSpc>
+            </a:pPr>
+            <a:r>
+              <a:rPr lang="en-US" sz="4800" dirty="0" smtClean="0">
                 <a:latin typeface="Comic Sans MS" pitchFamily="66" charset="0"/>
               </a:rPr>
-              <a:t>*alphabetized</a:t>
-            </a:r>
+              <a:t>*sorted</a:t>
+            </a:r>
+            <a:endParaRPr lang="en-US" sz="4800" dirty="0" smtClean="0">
+              <a:latin typeface="Comic Sans MS" pitchFamily="66" charset="0"/>
+            </a:endParaRPr>
           </a:p>
         </p:txBody>
       </p:sp>
@@ -2839,11 +3169,7 @@
             </a:r>
             <a:r>
               <a:rPr lang="en-US" dirty="0" smtClean="0"/>
-              <a:t> </a:t>
-            </a:r>
-            <a:r>
-              <a:rPr lang="en-US" dirty="0" smtClean="0"/>
-              <a:t>Full DNF</a:t>
+              <a:t> Full DNF</a:t>
             </a:r>
             <a:endParaRPr lang="en-US" dirty="0"/>
           </a:p>
@@ -2965,7 +3291,7 @@
 </p:sld>
 </file>
 
-<file path=ppt/slides/slide11.xml><?xml version="1.0" encoding="utf-8"?>
+<file path=ppt/slides/slide12.xml><?xml version="1.0" encoding="utf-8"?>
 <p:sld xmlns:a="http://schemas.openxmlformats.org/drawingml/2006/main" xmlns:r="http://schemas.openxmlformats.org/officeDocument/2006/relationships" xmlns:p="http://schemas.openxmlformats.org/presentationml/2006/main">
   <p:cSld>
     <p:spTree>
@@ -3014,7 +3340,7 @@
               <a:pPr>
                 <a:defRPr/>
               </a:pPr>
-              <a:t>11</a:t>
+              <a:t>12</a:t>
             </a:fld>
             <a:endParaRPr lang="en-US" dirty="0"/>
           </a:p>
@@ -3127,8 +3453,11 @@
                 </a:solidFill>
                 <a:latin typeface="Comic Sans MS" pitchFamily="66" charset="0"/>
               </a:rPr>
-              <a:t>junctive </a:t>
-            </a:r>
+              <a:t>junctive Normal</a:t>
+            </a:r>
+          </a:p>
+          <a:p>
+            <a:pPr algn="l"/>
             <a:r>
               <a:rPr lang="en-US" sz="6600" dirty="0" smtClean="0">
                 <a:solidFill>
@@ -3136,11 +3465,17 @@
                 </a:solidFill>
                 <a:latin typeface="Comic Sans MS" pitchFamily="66" charset="0"/>
               </a:rPr>
-              <a:t>Normal</a:t>
-            </a:r>
-          </a:p>
-          <a:p>
-            <a:pPr algn="l"/>
+              <a:t>Form (</a:t>
+            </a:r>
+            <a:r>
+              <a:rPr lang="en-US" sz="6600" dirty="0" smtClean="0">
+                <a:solidFill>
+                  <a:srgbClr val="BB0FAB"/>
+                </a:solidFill>
+                <a:latin typeface="Comic Sans MS" pitchFamily="66" charset="0"/>
+              </a:rPr>
+              <a:t>C</a:t>
+            </a:r>
             <a:r>
               <a:rPr lang="en-US" sz="6600" dirty="0" smtClean="0">
                 <a:solidFill>
@@ -3148,32 +3483,8 @@
                 </a:solidFill>
                 <a:latin typeface="Comic Sans MS" pitchFamily="66" charset="0"/>
               </a:rPr>
-              <a:t>Form (</a:t>
-            </a:r>
-            <a:r>
-              <a:rPr lang="en-US" sz="6600" dirty="0" smtClean="0">
-                <a:solidFill>
-                  <a:srgbClr val="BB0FAB"/>
-                </a:solidFill>
-                <a:latin typeface="Comic Sans MS" pitchFamily="66" charset="0"/>
-              </a:rPr>
-              <a:t>C</a:t>
-            </a:r>
-            <a:r>
-              <a:rPr lang="en-US" sz="6600" dirty="0" smtClean="0">
-                <a:solidFill>
-                  <a:srgbClr val="000000"/>
-                </a:solidFill>
-                <a:latin typeface="Comic Sans MS" pitchFamily="66" charset="0"/>
-              </a:rPr>
               <a:t>NF)</a:t>
             </a:r>
-            <a:endParaRPr lang="en-US" sz="6600" dirty="0" smtClean="0">
-              <a:solidFill>
-                <a:srgbClr val="000000"/>
-              </a:solidFill>
-              <a:latin typeface="Comic Sans MS" pitchFamily="66" charset="0"/>
-            </a:endParaRPr>
           </a:p>
         </p:txBody>
       </p:sp>
@@ -3199,11 +3510,7 @@
           <a:p>
             <a:r>
               <a:rPr lang="en-US" dirty="0" smtClean="0"/>
-              <a:t>Product of Sums </a:t>
-            </a:r>
-            <a:r>
-              <a:rPr lang="en-US" dirty="0" smtClean="0"/>
-              <a:t>Form</a:t>
+              <a:t>Product of Sums Form</a:t>
             </a:r>
             <a:endParaRPr lang="en-US" dirty="0"/>
           </a:p>
@@ -3219,13 +3526,13 @@
   <p:clrMapOvr>
     <a:masterClrMapping/>
   </p:clrMapOvr>
-  <mc:AlternateContent xmlns:mc="http://schemas.openxmlformats.org/markup-compatibility/2006" xmlns:p14="http://schemas.microsoft.com/office/powerpoint/2010/main">
-    <mc:Choice Requires="p14">
-      <p:transition spd="slow" p14:dur="1200" advClick="0">
+  <mc:AlternateContent xmlns:mc="http://schemas.openxmlformats.org/markup-compatibility/2006">
+    <mc:Choice xmlns:p14="http://schemas.microsoft.com/office/powerpoint/2010/main" Requires="p14">
+      <p:transition spd="slow" p14:dur="1500" advClick="0">
         <p:fade thruBlk="1"/>
       </p:transition>
     </mc:Choice>
-    <mc:Fallback xmlns="">
+    <mc:Fallback>
       <p:transition xmlns:p14="http://schemas.microsoft.com/office/powerpoint/2010/main" spd="slow" advClick="0">
         <p:fade thruBlk="1"/>
       </p:transition>
@@ -3374,7 +3681,1730 @@
 </p:sld>
 </file>
 
-<file path=ppt/slides/slide12.xml><?xml version="1.0" encoding="utf-8"?>
+<file path=ppt/slides/slide13.xml><?xml version="1.0" encoding="utf-8"?>
+<p:sld xmlns:a="http://schemas.openxmlformats.org/drawingml/2006/main" xmlns:r="http://schemas.openxmlformats.org/officeDocument/2006/relationships" xmlns:p="http://schemas.openxmlformats.org/presentationml/2006/main">
+  <p:cSld>
+    <p:spTree>
+      <p:nvGrpSpPr>
+        <p:cNvPr id="1" name=""/>
+        <p:cNvGrpSpPr/>
+        <p:nvPr/>
+      </p:nvGrpSpPr>
+      <p:grpSpPr>
+        <a:xfrm>
+          <a:off x="0" y="0"/>
+          <a:ext cx="0" cy="0"/>
+          <a:chOff x="0" y="0"/>
+          <a:chExt cx="0" cy="0"/>
+        </a:xfrm>
+      </p:grpSpPr>
+      <p:sp>
+        <p:nvSpPr>
+          <p:cNvPr id="7" name="Slide Number Placeholder 6"/>
+          <p:cNvSpPr>
+            <a:spLocks noGrp="1"/>
+          </p:cNvSpPr>
+          <p:nvPr>
+            <p:ph type="sldNum" sz="quarter" idx="4"/>
+          </p:nvPr>
+        </p:nvSpPr>
+        <p:spPr>
+          <a:xfrm>
+            <a:off x="8127154" y="6553200"/>
+            <a:ext cx="1016850" cy="276999"/>
+          </a:xfrm>
+        </p:spPr>
+        <p:txBody>
+          <a:bodyPr/>
+          <a:lstStyle/>
+          <a:p>
+            <a:pPr>
+              <a:defRPr/>
+            </a:pPr>
+            <a:r>
+              <a:rPr lang="en-US" dirty="0" smtClean="0"/>
+              <a:t>DNF-CNF.</a:t>
+            </a:r>
+            <a:fld id="{068AF58D-0467-409E-A30A-0D5E3A2B197F}" type="slidenum">
+              <a:rPr lang="en-US" smtClean="0"/>
+              <a:pPr>
+                <a:defRPr/>
+              </a:pPr>
+              <a:t>13</a:t>
+            </a:fld>
+            <a:endParaRPr lang="en-US" dirty="0"/>
+          </a:p>
+        </p:txBody>
+      </p:sp>
+      <p:graphicFrame>
+        <p:nvGraphicFramePr>
+          <p:cNvPr id="8" name="Table 7"/>
+          <p:cNvGraphicFramePr>
+            <a:graphicFrameLocks noGrp="1"/>
+          </p:cNvGraphicFramePr>
+          <p:nvPr>
+            <p:extLst>
+              <p:ext uri="{D42A27DB-BD31-4B8C-83A1-F6EECF244321}">
+                <p14:modId xmlns:p14="http://schemas.microsoft.com/office/powerpoint/2010/main" val="511323811"/>
+              </p:ext>
+            </p:extLst>
+          </p:nvPr>
+        </p:nvGraphicFramePr>
+        <p:xfrm>
+          <a:off x="2362201" y="1092199"/>
+          <a:ext cx="5334000" cy="5373585"/>
+        </p:xfrm>
+        <a:graphic>
+          <a:graphicData uri="http://schemas.openxmlformats.org/drawingml/2006/table">
+            <a:tbl>
+              <a:tblPr firstRow="1" bandRow="1">
+                <a:tableStyleId>{5C22544A-7EE6-4342-B048-85BDC9FD1C3A}</a:tableStyleId>
+              </a:tblPr>
+              <a:tblGrid>
+                <a:gridCol w="1056350"/>
+                <a:gridCol w="1056350"/>
+                <a:gridCol w="1056350"/>
+                <a:gridCol w="2164950"/>
+              </a:tblGrid>
+              <a:tr h="911817">
+                <a:tc>
+                  <a:txBody>
+                    <a:bodyPr/>
+                    <a:lstStyle/>
+                    <a:p>
+                      <a:pPr algn="ctr"/>
+                      <a:r>
+                        <a:rPr lang="en-US" sz="2800" dirty="0" smtClean="0">
+                          <a:solidFill>
+                            <a:srgbClr val="0000FF"/>
+                          </a:solidFill>
+                          <a:latin typeface="Comic Sans MS"/>
+                          <a:cs typeface="Comic Sans MS"/>
+                        </a:rPr>
+                        <a:t>P</a:t>
+                      </a:r>
+                      <a:endParaRPr lang="en-US" sz="2800" dirty="0">
+                        <a:solidFill>
+                          <a:srgbClr val="0000FF"/>
+                        </a:solidFill>
+                        <a:latin typeface="Comic Sans MS"/>
+                        <a:cs typeface="Comic Sans MS"/>
+                      </a:endParaRPr>
+                    </a:p>
+                  </a:txBody>
+                  <a:tcPr anchor="ctr"/>
+                </a:tc>
+                <a:tc>
+                  <a:txBody>
+                    <a:bodyPr/>
+                    <a:lstStyle/>
+                    <a:p>
+                      <a:pPr marL="0" marR="0" lvl="0" indent="0" algn="ctr" defTabSz="914400" rtl="0" eaLnBrk="1" fontAlgn="auto" latinLnBrk="0" hangingPunct="1">
+                        <a:lnSpc>
+                          <a:spcPct val="100000"/>
+                        </a:lnSpc>
+                        <a:spcBef>
+                          <a:spcPts val="0"/>
+                        </a:spcBef>
+                        <a:spcAft>
+                          <a:spcPts val="0"/>
+                        </a:spcAft>
+                        <a:buClrTx/>
+                        <a:buSzTx/>
+                        <a:buFontTx/>
+                        <a:buNone/>
+                        <a:tabLst/>
+                        <a:defRPr/>
+                      </a:pPr>
+                      <a:r>
+                        <a:rPr kumimoji="0" lang="en-US" sz="2800" b="1" i="0" u="none" strike="noStrike" kern="1200" cap="none" spc="0" normalizeH="0" baseline="0" noProof="0" dirty="0" smtClean="0">
+                          <a:ln>
+                            <a:noFill/>
+                          </a:ln>
+                          <a:solidFill>
+                            <a:srgbClr val="0000FF"/>
+                          </a:solidFill>
+                          <a:effectLst/>
+                          <a:uLnTx/>
+                          <a:uFillTx/>
+                          <a:latin typeface="Comic Sans MS"/>
+                          <a:ea typeface="+mn-ea"/>
+                          <a:cs typeface="Comic Sans MS"/>
+                        </a:rPr>
+                        <a:t>Q</a:t>
+                      </a:r>
+                      <a:endParaRPr lang="en-US" sz="2800" dirty="0"/>
+                    </a:p>
+                  </a:txBody>
+                  <a:tcPr anchor="ctr"/>
+                </a:tc>
+                <a:tc>
+                  <a:txBody>
+                    <a:bodyPr/>
+                    <a:lstStyle/>
+                    <a:p>
+                      <a:pPr marL="0" marR="0" lvl="0" indent="0" algn="ctr" defTabSz="914400" rtl="0" eaLnBrk="1" fontAlgn="auto" latinLnBrk="0" hangingPunct="1">
+                        <a:lnSpc>
+                          <a:spcPct val="100000"/>
+                        </a:lnSpc>
+                        <a:spcBef>
+                          <a:spcPts val="0"/>
+                        </a:spcBef>
+                        <a:spcAft>
+                          <a:spcPts val="0"/>
+                        </a:spcAft>
+                        <a:buClrTx/>
+                        <a:buSzTx/>
+                        <a:buFontTx/>
+                        <a:buNone/>
+                        <a:tabLst/>
+                        <a:defRPr/>
+                      </a:pPr>
+                      <a:r>
+                        <a:rPr kumimoji="0" lang="en-US" sz="2800" b="1" i="0" u="none" strike="noStrike" kern="1200" cap="none" spc="0" normalizeH="0" baseline="0" noProof="0" dirty="0" smtClean="0">
+                          <a:ln>
+                            <a:noFill/>
+                          </a:ln>
+                          <a:solidFill>
+                            <a:srgbClr val="0000FF"/>
+                          </a:solidFill>
+                          <a:effectLst/>
+                          <a:uLnTx/>
+                          <a:uFillTx/>
+                          <a:latin typeface="Comic Sans MS"/>
+                          <a:ea typeface="+mn-ea"/>
+                          <a:cs typeface="Comic Sans MS"/>
+                        </a:rPr>
+                        <a:t>R</a:t>
+                      </a:r>
+                      <a:endParaRPr lang="en-US" sz="2800" dirty="0"/>
+                    </a:p>
+                  </a:txBody>
+                  <a:tcPr anchor="ctr"/>
+                </a:tc>
+                <a:tc>
+                  <a:txBody>
+                    <a:bodyPr/>
+                    <a:lstStyle/>
+                    <a:p>
+                      <a:pPr algn="ctr"/>
+                      <a:r>
+                        <a:rPr lang="en-US" sz="2800" b="0" i="0" dirty="0" smtClean="0">
+                          <a:solidFill>
+                            <a:srgbClr val="0000E5"/>
+                          </a:solidFill>
+                          <a:latin typeface="Comic Sans MS"/>
+                          <a:cs typeface="Comic Sans MS"/>
+                        </a:rPr>
+                        <a:t>M</a:t>
+                      </a:r>
+                      <a:r>
+                        <a:rPr lang="en-US" sz="2800" dirty="0" smtClean="0">
+                          <a:solidFill>
+                            <a:srgbClr val="0000E5"/>
+                          </a:solidFill>
+                          <a:latin typeface="Comic Sans MS"/>
+                          <a:cs typeface="Comic Sans MS"/>
+                        </a:rPr>
+                        <a:t>(P,Q,R)</a:t>
+                      </a:r>
+                      <a:endParaRPr lang="en-US" sz="2800" dirty="0">
+                        <a:solidFill>
+                          <a:srgbClr val="0000E5"/>
+                        </a:solidFill>
+                        <a:latin typeface="Comic Sans MS"/>
+                        <a:cs typeface="Comic Sans MS"/>
+                      </a:endParaRPr>
+                    </a:p>
+                  </a:txBody>
+                  <a:tcPr anchor="ctr"/>
+                </a:tc>
+              </a:tr>
+              <a:tr h="557721">
+                <a:tc>
+                  <a:txBody>
+                    <a:bodyPr/>
+                    <a:lstStyle/>
+                    <a:p>
+                      <a:pPr algn="ctr"/>
+                      <a:r>
+                        <a:rPr lang="en-US" sz="2800" dirty="0" smtClean="0">
+                          <a:solidFill>
+                            <a:srgbClr val="008000"/>
+                          </a:solidFill>
+                          <a:latin typeface="Comic Sans MS"/>
+                          <a:cs typeface="Comic Sans MS"/>
+                        </a:rPr>
+                        <a:t>T</a:t>
+                      </a:r>
+                      <a:endParaRPr lang="en-US" sz="2800" dirty="0">
+                        <a:solidFill>
+                          <a:srgbClr val="008000"/>
+                        </a:solidFill>
+                        <a:latin typeface="Comic Sans MS"/>
+                        <a:cs typeface="Comic Sans MS"/>
+                      </a:endParaRPr>
+                    </a:p>
+                  </a:txBody>
+                  <a:tcPr anchor="ctr"/>
+                </a:tc>
+                <a:tc>
+                  <a:txBody>
+                    <a:bodyPr/>
+                    <a:lstStyle/>
+                    <a:p>
+                      <a:pPr marL="0" marR="0" lvl="0" indent="0" algn="ctr" defTabSz="914400" rtl="0" eaLnBrk="1" fontAlgn="auto" latinLnBrk="0" hangingPunct="1">
+                        <a:lnSpc>
+                          <a:spcPct val="100000"/>
+                        </a:lnSpc>
+                        <a:spcBef>
+                          <a:spcPts val="0"/>
+                        </a:spcBef>
+                        <a:spcAft>
+                          <a:spcPts val="0"/>
+                        </a:spcAft>
+                        <a:buClrTx/>
+                        <a:buSzTx/>
+                        <a:buFontTx/>
+                        <a:buNone/>
+                        <a:tabLst/>
+                        <a:defRPr/>
+                      </a:pPr>
+                      <a:r>
+                        <a:rPr kumimoji="0" lang="en-US" sz="2800" b="0" i="0" u="none" strike="noStrike" kern="1200" cap="none" spc="0" normalizeH="0" baseline="0" noProof="0" dirty="0" smtClean="0">
+                          <a:ln>
+                            <a:noFill/>
+                          </a:ln>
+                          <a:solidFill>
+                            <a:srgbClr val="008000"/>
+                          </a:solidFill>
+                          <a:effectLst/>
+                          <a:uLnTx/>
+                          <a:uFillTx/>
+                          <a:latin typeface="Comic Sans MS"/>
+                          <a:ea typeface="+mn-ea"/>
+                          <a:cs typeface="Comic Sans MS"/>
+                        </a:rPr>
+                        <a:t>T</a:t>
+                      </a:r>
+                    </a:p>
+                  </a:txBody>
+                  <a:tcPr anchor="ctr"/>
+                </a:tc>
+                <a:tc>
+                  <a:txBody>
+                    <a:bodyPr/>
+                    <a:lstStyle/>
+                    <a:p>
+                      <a:pPr marL="0" marR="0" lvl="0" indent="0" algn="ctr" defTabSz="914400" rtl="0" eaLnBrk="1" fontAlgn="auto" latinLnBrk="0" hangingPunct="1">
+                        <a:lnSpc>
+                          <a:spcPct val="100000"/>
+                        </a:lnSpc>
+                        <a:spcBef>
+                          <a:spcPts val="0"/>
+                        </a:spcBef>
+                        <a:spcAft>
+                          <a:spcPts val="0"/>
+                        </a:spcAft>
+                        <a:buClrTx/>
+                        <a:buSzTx/>
+                        <a:buFontTx/>
+                        <a:buNone/>
+                        <a:tabLst/>
+                        <a:defRPr/>
+                      </a:pPr>
+                      <a:r>
+                        <a:rPr kumimoji="0" lang="en-US" sz="2800" b="0" i="0" u="none" strike="noStrike" kern="1200" cap="none" spc="0" normalizeH="0" baseline="0" noProof="0" dirty="0" smtClean="0">
+                          <a:ln>
+                            <a:noFill/>
+                          </a:ln>
+                          <a:solidFill>
+                            <a:srgbClr val="008000"/>
+                          </a:solidFill>
+                          <a:effectLst/>
+                          <a:uLnTx/>
+                          <a:uFillTx/>
+                          <a:latin typeface="Comic Sans MS"/>
+                          <a:ea typeface="+mn-ea"/>
+                          <a:cs typeface="Comic Sans MS"/>
+                        </a:rPr>
+                        <a:t>T</a:t>
+                      </a:r>
+                    </a:p>
+                  </a:txBody>
+                  <a:tcPr anchor="ctr"/>
+                </a:tc>
+                <a:tc>
+                  <a:txBody>
+                    <a:bodyPr/>
+                    <a:lstStyle/>
+                    <a:p>
+                      <a:pPr marL="0" marR="0" lvl="0" indent="0" algn="ctr" defTabSz="914400" rtl="0" eaLnBrk="1" fontAlgn="auto" latinLnBrk="0" hangingPunct="1">
+                        <a:lnSpc>
+                          <a:spcPct val="100000"/>
+                        </a:lnSpc>
+                        <a:spcBef>
+                          <a:spcPts val="0"/>
+                        </a:spcBef>
+                        <a:spcAft>
+                          <a:spcPts val="0"/>
+                        </a:spcAft>
+                        <a:buClrTx/>
+                        <a:buSzTx/>
+                        <a:buFontTx/>
+                        <a:buNone/>
+                        <a:tabLst/>
+                        <a:defRPr/>
+                      </a:pPr>
+                      <a:r>
+                        <a:rPr kumimoji="0" lang="en-US" sz="2800" b="0" i="0" u="none" strike="noStrike" kern="1200" cap="none" spc="0" normalizeH="0" baseline="0" noProof="0" dirty="0" smtClean="0">
+                          <a:ln>
+                            <a:noFill/>
+                          </a:ln>
+                          <a:solidFill>
+                            <a:srgbClr val="008000"/>
+                          </a:solidFill>
+                          <a:effectLst/>
+                          <a:uLnTx/>
+                          <a:uFillTx/>
+                          <a:latin typeface="Comic Sans MS"/>
+                          <a:ea typeface="+mn-ea"/>
+                          <a:cs typeface="Comic Sans MS"/>
+                        </a:rPr>
+                        <a:t>T</a:t>
+                      </a:r>
+                    </a:p>
+                  </a:txBody>
+                  <a:tcPr anchor="ctr"/>
+                </a:tc>
+              </a:tr>
+              <a:tr h="557721">
+                <a:tc>
+                  <a:txBody>
+                    <a:bodyPr/>
+                    <a:lstStyle/>
+                    <a:p>
+                      <a:pPr marL="0" marR="0" lvl="0" indent="0" algn="ctr" defTabSz="914400" rtl="0" eaLnBrk="1" fontAlgn="auto" latinLnBrk="0" hangingPunct="1">
+                        <a:lnSpc>
+                          <a:spcPct val="100000"/>
+                        </a:lnSpc>
+                        <a:spcBef>
+                          <a:spcPts val="0"/>
+                        </a:spcBef>
+                        <a:spcAft>
+                          <a:spcPts val="0"/>
+                        </a:spcAft>
+                        <a:buClrTx/>
+                        <a:buSzTx/>
+                        <a:buFontTx/>
+                        <a:buNone/>
+                        <a:tabLst/>
+                        <a:defRPr/>
+                      </a:pPr>
+                      <a:r>
+                        <a:rPr kumimoji="0" lang="en-US" sz="2800" b="0" i="0" u="none" strike="noStrike" kern="1200" cap="none" spc="0" normalizeH="0" baseline="0" noProof="0" dirty="0" smtClean="0">
+                          <a:ln>
+                            <a:noFill/>
+                          </a:ln>
+                          <a:solidFill>
+                            <a:srgbClr val="008000"/>
+                          </a:solidFill>
+                          <a:effectLst/>
+                          <a:uLnTx/>
+                          <a:uFillTx/>
+                          <a:latin typeface="Comic Sans MS"/>
+                          <a:ea typeface="+mn-ea"/>
+                          <a:cs typeface="Comic Sans MS"/>
+                        </a:rPr>
+                        <a:t>T</a:t>
+                      </a:r>
+                    </a:p>
+                  </a:txBody>
+                  <a:tcPr anchor="ctr"/>
+                </a:tc>
+                <a:tc>
+                  <a:txBody>
+                    <a:bodyPr/>
+                    <a:lstStyle/>
+                    <a:p>
+                      <a:pPr marL="0" marR="0" lvl="0" indent="0" algn="ctr" defTabSz="914400" rtl="0" eaLnBrk="1" fontAlgn="auto" latinLnBrk="0" hangingPunct="1">
+                        <a:lnSpc>
+                          <a:spcPct val="100000"/>
+                        </a:lnSpc>
+                        <a:spcBef>
+                          <a:spcPts val="0"/>
+                        </a:spcBef>
+                        <a:spcAft>
+                          <a:spcPts val="0"/>
+                        </a:spcAft>
+                        <a:buClrTx/>
+                        <a:buSzTx/>
+                        <a:buFontTx/>
+                        <a:buNone/>
+                        <a:tabLst/>
+                        <a:defRPr/>
+                      </a:pPr>
+                      <a:r>
+                        <a:rPr kumimoji="0" lang="en-US" sz="2800" b="0" i="0" u="none" strike="noStrike" kern="1200" cap="none" spc="0" normalizeH="0" baseline="0" noProof="0" dirty="0" smtClean="0">
+                          <a:ln>
+                            <a:noFill/>
+                          </a:ln>
+                          <a:solidFill>
+                            <a:srgbClr val="008000"/>
+                          </a:solidFill>
+                          <a:effectLst/>
+                          <a:uLnTx/>
+                          <a:uFillTx/>
+                          <a:latin typeface="Comic Sans MS"/>
+                          <a:ea typeface="+mn-ea"/>
+                          <a:cs typeface="Comic Sans MS"/>
+                        </a:rPr>
+                        <a:t>T</a:t>
+                      </a:r>
+                    </a:p>
+                  </a:txBody>
+                  <a:tcPr anchor="ctr"/>
+                </a:tc>
+                <a:tc>
+                  <a:txBody>
+                    <a:bodyPr/>
+                    <a:lstStyle/>
+                    <a:p>
+                      <a:pPr marL="0" marR="0" indent="0" algn="ctr" defTabSz="914400" rtl="0" eaLnBrk="1" fontAlgn="auto" latinLnBrk="0" hangingPunct="1">
+                        <a:lnSpc>
+                          <a:spcPct val="100000"/>
+                        </a:lnSpc>
+                        <a:spcBef>
+                          <a:spcPts val="0"/>
+                        </a:spcBef>
+                        <a:spcAft>
+                          <a:spcPts val="0"/>
+                        </a:spcAft>
+                        <a:buClrTx/>
+                        <a:buSzTx/>
+                        <a:buFontTx/>
+                        <a:buNone/>
+                        <a:tabLst/>
+                        <a:defRPr/>
+                      </a:pPr>
+                      <a:r>
+                        <a:rPr lang="en-US" sz="2800" dirty="0" smtClean="0">
+                          <a:solidFill>
+                            <a:srgbClr val="FF0000"/>
+                          </a:solidFill>
+                          <a:latin typeface="Comic Sans MS"/>
+                          <a:cs typeface="Comic Sans MS"/>
+                        </a:rPr>
+                        <a:t>F</a:t>
+                      </a:r>
+                    </a:p>
+                  </a:txBody>
+                  <a:tcPr anchor="ctr"/>
+                </a:tc>
+                <a:tc>
+                  <a:txBody>
+                    <a:bodyPr/>
+                    <a:lstStyle/>
+                    <a:p>
+                      <a:pPr marL="0" marR="0" lvl="0" indent="0" algn="ctr" defTabSz="914400" rtl="0" eaLnBrk="1" fontAlgn="auto" latinLnBrk="0" hangingPunct="1">
+                        <a:lnSpc>
+                          <a:spcPct val="100000"/>
+                        </a:lnSpc>
+                        <a:spcBef>
+                          <a:spcPts val="0"/>
+                        </a:spcBef>
+                        <a:spcAft>
+                          <a:spcPts val="0"/>
+                        </a:spcAft>
+                        <a:buClrTx/>
+                        <a:buSzTx/>
+                        <a:buFontTx/>
+                        <a:buNone/>
+                        <a:tabLst/>
+                        <a:defRPr/>
+                      </a:pPr>
+                      <a:r>
+                        <a:rPr kumimoji="0" lang="en-US" sz="2800" b="0" i="0" u="none" strike="noStrike" kern="1200" cap="none" spc="0" normalizeH="0" baseline="0" noProof="0" dirty="0" smtClean="0">
+                          <a:ln>
+                            <a:noFill/>
+                          </a:ln>
+                          <a:solidFill>
+                            <a:srgbClr val="008000"/>
+                          </a:solidFill>
+                          <a:effectLst/>
+                          <a:uLnTx/>
+                          <a:uFillTx/>
+                          <a:latin typeface="Comic Sans MS"/>
+                          <a:ea typeface="+mn-ea"/>
+                          <a:cs typeface="Comic Sans MS"/>
+                        </a:rPr>
+                        <a:t>T</a:t>
+                      </a:r>
+                    </a:p>
+                  </a:txBody>
+                  <a:tcPr anchor="ctr"/>
+                </a:tc>
+              </a:tr>
+              <a:tr h="557721">
+                <a:tc>
+                  <a:txBody>
+                    <a:bodyPr/>
+                    <a:lstStyle/>
+                    <a:p>
+                      <a:pPr marL="0" marR="0" lvl="0" indent="0" algn="ctr" defTabSz="914400" rtl="0" eaLnBrk="1" fontAlgn="auto" latinLnBrk="0" hangingPunct="1">
+                        <a:lnSpc>
+                          <a:spcPct val="100000"/>
+                        </a:lnSpc>
+                        <a:spcBef>
+                          <a:spcPts val="0"/>
+                        </a:spcBef>
+                        <a:spcAft>
+                          <a:spcPts val="0"/>
+                        </a:spcAft>
+                        <a:buClrTx/>
+                        <a:buSzTx/>
+                        <a:buFontTx/>
+                        <a:buNone/>
+                        <a:tabLst/>
+                        <a:defRPr/>
+                      </a:pPr>
+                      <a:r>
+                        <a:rPr kumimoji="0" lang="en-US" sz="2800" b="0" i="0" u="none" strike="noStrike" kern="1200" cap="none" spc="0" normalizeH="0" baseline="0" noProof="0" dirty="0" smtClean="0">
+                          <a:ln>
+                            <a:noFill/>
+                          </a:ln>
+                          <a:solidFill>
+                            <a:srgbClr val="008000"/>
+                          </a:solidFill>
+                          <a:effectLst/>
+                          <a:uLnTx/>
+                          <a:uFillTx/>
+                          <a:latin typeface="Comic Sans MS"/>
+                          <a:ea typeface="+mn-ea"/>
+                          <a:cs typeface="Comic Sans MS"/>
+                        </a:rPr>
+                        <a:t>T</a:t>
+                      </a:r>
+                    </a:p>
+                  </a:txBody>
+                  <a:tcPr anchor="ctr"/>
+                </a:tc>
+                <a:tc>
+                  <a:txBody>
+                    <a:bodyPr/>
+                    <a:lstStyle/>
+                    <a:p>
+                      <a:pPr marL="0" marR="0" indent="0" algn="ctr" defTabSz="914400" rtl="0" eaLnBrk="1" fontAlgn="auto" latinLnBrk="0" hangingPunct="1">
+                        <a:lnSpc>
+                          <a:spcPct val="100000"/>
+                        </a:lnSpc>
+                        <a:spcBef>
+                          <a:spcPts val="0"/>
+                        </a:spcBef>
+                        <a:spcAft>
+                          <a:spcPts val="0"/>
+                        </a:spcAft>
+                        <a:buClrTx/>
+                        <a:buSzTx/>
+                        <a:buFontTx/>
+                        <a:buNone/>
+                        <a:tabLst/>
+                        <a:defRPr/>
+                      </a:pPr>
+                      <a:r>
+                        <a:rPr lang="en-US" sz="2800" dirty="0" smtClean="0">
+                          <a:solidFill>
+                            <a:srgbClr val="FF0000"/>
+                          </a:solidFill>
+                          <a:latin typeface="Comic Sans MS"/>
+                          <a:cs typeface="Comic Sans MS"/>
+                        </a:rPr>
+                        <a:t>F</a:t>
+                      </a:r>
+                    </a:p>
+                  </a:txBody>
+                  <a:tcPr anchor="ctr"/>
+                </a:tc>
+                <a:tc>
+                  <a:txBody>
+                    <a:bodyPr/>
+                    <a:lstStyle/>
+                    <a:p>
+                      <a:pPr marL="0" marR="0" lvl="0" indent="0" algn="ctr" defTabSz="914400" rtl="0" eaLnBrk="1" fontAlgn="auto" latinLnBrk="0" hangingPunct="1">
+                        <a:lnSpc>
+                          <a:spcPct val="100000"/>
+                        </a:lnSpc>
+                        <a:spcBef>
+                          <a:spcPts val="0"/>
+                        </a:spcBef>
+                        <a:spcAft>
+                          <a:spcPts val="0"/>
+                        </a:spcAft>
+                        <a:buClrTx/>
+                        <a:buSzTx/>
+                        <a:buFontTx/>
+                        <a:buNone/>
+                        <a:tabLst/>
+                        <a:defRPr/>
+                      </a:pPr>
+                      <a:r>
+                        <a:rPr kumimoji="0" lang="en-US" sz="2800" b="0" i="0" u="none" strike="noStrike" kern="1200" cap="none" spc="0" normalizeH="0" baseline="0" noProof="0" dirty="0" smtClean="0">
+                          <a:ln>
+                            <a:noFill/>
+                          </a:ln>
+                          <a:solidFill>
+                            <a:srgbClr val="008000"/>
+                          </a:solidFill>
+                          <a:effectLst/>
+                          <a:uLnTx/>
+                          <a:uFillTx/>
+                          <a:latin typeface="Comic Sans MS"/>
+                          <a:ea typeface="+mn-ea"/>
+                          <a:cs typeface="Comic Sans MS"/>
+                        </a:rPr>
+                        <a:t>T</a:t>
+                      </a:r>
+                    </a:p>
+                  </a:txBody>
+                  <a:tcPr anchor="ctr"/>
+                </a:tc>
+                <a:tc>
+                  <a:txBody>
+                    <a:bodyPr/>
+                    <a:lstStyle/>
+                    <a:p>
+                      <a:pPr marL="0" marR="0" lvl="0" indent="0" algn="ctr" defTabSz="914400" rtl="0" eaLnBrk="1" fontAlgn="auto" latinLnBrk="0" hangingPunct="1">
+                        <a:lnSpc>
+                          <a:spcPct val="100000"/>
+                        </a:lnSpc>
+                        <a:spcBef>
+                          <a:spcPts val="0"/>
+                        </a:spcBef>
+                        <a:spcAft>
+                          <a:spcPts val="0"/>
+                        </a:spcAft>
+                        <a:buClrTx/>
+                        <a:buSzTx/>
+                        <a:buFontTx/>
+                        <a:buNone/>
+                        <a:tabLst/>
+                        <a:defRPr/>
+                      </a:pPr>
+                      <a:r>
+                        <a:rPr kumimoji="0" lang="en-US" sz="2800" b="0" i="0" u="none" strike="noStrike" kern="1200" cap="none" spc="0" normalizeH="0" baseline="0" noProof="0" dirty="0" smtClean="0">
+                          <a:ln>
+                            <a:noFill/>
+                          </a:ln>
+                          <a:solidFill>
+                            <a:srgbClr val="008000"/>
+                          </a:solidFill>
+                          <a:effectLst/>
+                          <a:uLnTx/>
+                          <a:uFillTx/>
+                          <a:latin typeface="Comic Sans MS"/>
+                          <a:ea typeface="+mn-ea"/>
+                          <a:cs typeface="Comic Sans MS"/>
+                        </a:rPr>
+                        <a:t>T</a:t>
+                      </a:r>
+                    </a:p>
+                  </a:txBody>
+                  <a:tcPr anchor="ctr"/>
+                </a:tc>
+              </a:tr>
+              <a:tr h="557721">
+                <a:tc>
+                  <a:txBody>
+                    <a:bodyPr/>
+                    <a:lstStyle/>
+                    <a:p>
+                      <a:pPr marL="0" marR="0" lvl="0" indent="0" algn="ctr" defTabSz="914400" rtl="0" eaLnBrk="1" fontAlgn="auto" latinLnBrk="0" hangingPunct="1">
+                        <a:lnSpc>
+                          <a:spcPct val="100000"/>
+                        </a:lnSpc>
+                        <a:spcBef>
+                          <a:spcPts val="0"/>
+                        </a:spcBef>
+                        <a:spcAft>
+                          <a:spcPts val="0"/>
+                        </a:spcAft>
+                        <a:buClrTx/>
+                        <a:buSzTx/>
+                        <a:buFontTx/>
+                        <a:buNone/>
+                        <a:tabLst/>
+                        <a:defRPr/>
+                      </a:pPr>
+                      <a:r>
+                        <a:rPr kumimoji="0" lang="en-US" sz="2800" b="0" i="0" u="none" strike="noStrike" kern="1200" cap="none" spc="0" normalizeH="0" baseline="0" noProof="0" dirty="0" smtClean="0">
+                          <a:ln>
+                            <a:noFill/>
+                          </a:ln>
+                          <a:solidFill>
+                            <a:srgbClr val="008000"/>
+                          </a:solidFill>
+                          <a:effectLst/>
+                          <a:uLnTx/>
+                          <a:uFillTx/>
+                          <a:latin typeface="Comic Sans MS"/>
+                          <a:ea typeface="+mn-ea"/>
+                          <a:cs typeface="Comic Sans MS"/>
+                        </a:rPr>
+                        <a:t>T</a:t>
+                      </a:r>
+                    </a:p>
+                  </a:txBody>
+                  <a:tcPr anchor="ctr"/>
+                </a:tc>
+                <a:tc>
+                  <a:txBody>
+                    <a:bodyPr/>
+                    <a:lstStyle/>
+                    <a:p>
+                      <a:pPr marL="0" marR="0" indent="0" algn="ctr" defTabSz="914400" rtl="0" eaLnBrk="1" fontAlgn="auto" latinLnBrk="0" hangingPunct="1">
+                        <a:lnSpc>
+                          <a:spcPct val="100000"/>
+                        </a:lnSpc>
+                        <a:spcBef>
+                          <a:spcPts val="0"/>
+                        </a:spcBef>
+                        <a:spcAft>
+                          <a:spcPts val="0"/>
+                        </a:spcAft>
+                        <a:buClrTx/>
+                        <a:buSzTx/>
+                        <a:buFontTx/>
+                        <a:buNone/>
+                        <a:tabLst/>
+                        <a:defRPr/>
+                      </a:pPr>
+                      <a:r>
+                        <a:rPr lang="en-US" sz="2800" dirty="0" smtClean="0">
+                          <a:solidFill>
+                            <a:srgbClr val="FF0000"/>
+                          </a:solidFill>
+                          <a:latin typeface="Comic Sans MS"/>
+                          <a:cs typeface="Comic Sans MS"/>
+                        </a:rPr>
+                        <a:t>F</a:t>
+                      </a:r>
+                    </a:p>
+                  </a:txBody>
+                  <a:tcPr anchor="ctr"/>
+                </a:tc>
+                <a:tc>
+                  <a:txBody>
+                    <a:bodyPr/>
+                    <a:lstStyle/>
+                    <a:p>
+                      <a:pPr marL="0" marR="0" indent="0" algn="ctr" defTabSz="914400" rtl="0" eaLnBrk="1" fontAlgn="auto" latinLnBrk="0" hangingPunct="1">
+                        <a:lnSpc>
+                          <a:spcPct val="100000"/>
+                        </a:lnSpc>
+                        <a:spcBef>
+                          <a:spcPts val="0"/>
+                        </a:spcBef>
+                        <a:spcAft>
+                          <a:spcPts val="0"/>
+                        </a:spcAft>
+                        <a:buClrTx/>
+                        <a:buSzTx/>
+                        <a:buFontTx/>
+                        <a:buNone/>
+                        <a:tabLst/>
+                        <a:defRPr/>
+                      </a:pPr>
+                      <a:r>
+                        <a:rPr lang="en-US" sz="2800" dirty="0" smtClean="0">
+                          <a:solidFill>
+                            <a:srgbClr val="FF0000"/>
+                          </a:solidFill>
+                          <a:latin typeface="Comic Sans MS"/>
+                          <a:cs typeface="Comic Sans MS"/>
+                        </a:rPr>
+                        <a:t>F</a:t>
+                      </a:r>
+                    </a:p>
+                  </a:txBody>
+                  <a:tcPr anchor="ctr"/>
+                </a:tc>
+                <a:tc>
+                  <a:txBody>
+                    <a:bodyPr/>
+                    <a:lstStyle/>
+                    <a:p>
+                      <a:pPr marL="0" marR="0" lvl="0" indent="0" algn="ctr" defTabSz="914400" rtl="0" eaLnBrk="1" fontAlgn="auto" latinLnBrk="0" hangingPunct="1">
+                        <a:lnSpc>
+                          <a:spcPct val="100000"/>
+                        </a:lnSpc>
+                        <a:spcBef>
+                          <a:spcPts val="0"/>
+                        </a:spcBef>
+                        <a:spcAft>
+                          <a:spcPts val="0"/>
+                        </a:spcAft>
+                        <a:buClrTx/>
+                        <a:buSzTx/>
+                        <a:buFontTx/>
+                        <a:buNone/>
+                        <a:tabLst/>
+                        <a:defRPr/>
+                      </a:pPr>
+                      <a:r>
+                        <a:rPr kumimoji="0" lang="en-US" sz="2800" b="0" i="0" u="none" strike="noStrike" kern="1200" cap="none" spc="0" normalizeH="0" baseline="0" noProof="0" dirty="0" smtClean="0">
+                          <a:ln>
+                            <a:noFill/>
+                          </a:ln>
+                          <a:solidFill>
+                            <a:srgbClr val="FF0000"/>
+                          </a:solidFill>
+                          <a:effectLst/>
+                          <a:uLnTx/>
+                          <a:uFillTx/>
+                          <a:latin typeface="Comic Sans MS"/>
+                          <a:ea typeface="+mn-ea"/>
+                          <a:cs typeface="Comic Sans MS"/>
+                        </a:rPr>
+                        <a:t>F</a:t>
+                      </a:r>
+                    </a:p>
+                  </a:txBody>
+                  <a:tcPr anchor="ctr"/>
+                </a:tc>
+              </a:tr>
+              <a:tr h="557721">
+                <a:tc>
+                  <a:txBody>
+                    <a:bodyPr/>
+                    <a:lstStyle/>
+                    <a:p>
+                      <a:pPr marL="0" marR="0" indent="0" algn="ctr" defTabSz="914400" rtl="0" eaLnBrk="1" fontAlgn="auto" latinLnBrk="0" hangingPunct="1">
+                        <a:lnSpc>
+                          <a:spcPct val="100000"/>
+                        </a:lnSpc>
+                        <a:spcBef>
+                          <a:spcPts val="0"/>
+                        </a:spcBef>
+                        <a:spcAft>
+                          <a:spcPts val="0"/>
+                        </a:spcAft>
+                        <a:buClrTx/>
+                        <a:buSzTx/>
+                        <a:buFontTx/>
+                        <a:buNone/>
+                        <a:tabLst/>
+                        <a:defRPr/>
+                      </a:pPr>
+                      <a:r>
+                        <a:rPr lang="en-US" sz="2800" dirty="0" smtClean="0">
+                          <a:solidFill>
+                            <a:srgbClr val="FF0000"/>
+                          </a:solidFill>
+                          <a:latin typeface="Comic Sans MS"/>
+                          <a:cs typeface="Comic Sans MS"/>
+                        </a:rPr>
+                        <a:t>F</a:t>
+                      </a:r>
+                    </a:p>
+                  </a:txBody>
+                  <a:tcPr anchor="ctr"/>
+                </a:tc>
+                <a:tc>
+                  <a:txBody>
+                    <a:bodyPr/>
+                    <a:lstStyle/>
+                    <a:p>
+                      <a:pPr marL="0" marR="0" lvl="0" indent="0" algn="ctr" defTabSz="914400" rtl="0" eaLnBrk="1" fontAlgn="auto" latinLnBrk="0" hangingPunct="1">
+                        <a:lnSpc>
+                          <a:spcPct val="100000"/>
+                        </a:lnSpc>
+                        <a:spcBef>
+                          <a:spcPts val="0"/>
+                        </a:spcBef>
+                        <a:spcAft>
+                          <a:spcPts val="0"/>
+                        </a:spcAft>
+                        <a:buClrTx/>
+                        <a:buSzTx/>
+                        <a:buFontTx/>
+                        <a:buNone/>
+                        <a:tabLst/>
+                        <a:defRPr/>
+                      </a:pPr>
+                      <a:r>
+                        <a:rPr kumimoji="0" lang="en-US" sz="2800" b="0" i="0" u="none" strike="noStrike" kern="1200" cap="none" spc="0" normalizeH="0" baseline="0" noProof="0" dirty="0" smtClean="0">
+                          <a:ln>
+                            <a:noFill/>
+                          </a:ln>
+                          <a:solidFill>
+                            <a:srgbClr val="008000"/>
+                          </a:solidFill>
+                          <a:effectLst/>
+                          <a:uLnTx/>
+                          <a:uFillTx/>
+                          <a:latin typeface="Comic Sans MS"/>
+                          <a:ea typeface="+mn-ea"/>
+                          <a:cs typeface="Comic Sans MS"/>
+                        </a:rPr>
+                        <a:t>T</a:t>
+                      </a:r>
+                    </a:p>
+                  </a:txBody>
+                  <a:tcPr anchor="ctr"/>
+                </a:tc>
+                <a:tc>
+                  <a:txBody>
+                    <a:bodyPr/>
+                    <a:lstStyle/>
+                    <a:p>
+                      <a:pPr marL="0" marR="0" lvl="0" indent="0" algn="ctr" defTabSz="914400" rtl="0" eaLnBrk="1" fontAlgn="auto" latinLnBrk="0" hangingPunct="1">
+                        <a:lnSpc>
+                          <a:spcPct val="100000"/>
+                        </a:lnSpc>
+                        <a:spcBef>
+                          <a:spcPts val="0"/>
+                        </a:spcBef>
+                        <a:spcAft>
+                          <a:spcPts val="0"/>
+                        </a:spcAft>
+                        <a:buClrTx/>
+                        <a:buSzTx/>
+                        <a:buFontTx/>
+                        <a:buNone/>
+                        <a:tabLst/>
+                        <a:defRPr/>
+                      </a:pPr>
+                      <a:r>
+                        <a:rPr kumimoji="0" lang="en-US" sz="2800" b="0" i="0" u="none" strike="noStrike" kern="1200" cap="none" spc="0" normalizeH="0" baseline="0" noProof="0" dirty="0" smtClean="0">
+                          <a:ln>
+                            <a:noFill/>
+                          </a:ln>
+                          <a:solidFill>
+                            <a:srgbClr val="008000"/>
+                          </a:solidFill>
+                          <a:effectLst/>
+                          <a:uLnTx/>
+                          <a:uFillTx/>
+                          <a:latin typeface="Comic Sans MS"/>
+                          <a:ea typeface="+mn-ea"/>
+                          <a:cs typeface="Comic Sans MS"/>
+                        </a:rPr>
+                        <a:t>T</a:t>
+                      </a:r>
+                    </a:p>
+                  </a:txBody>
+                  <a:tcPr anchor="ctr"/>
+                </a:tc>
+                <a:tc>
+                  <a:txBody>
+                    <a:bodyPr/>
+                    <a:lstStyle/>
+                    <a:p>
+                      <a:pPr marL="0" marR="0" lvl="0" indent="0" algn="ctr" defTabSz="914400" rtl="0" eaLnBrk="1" fontAlgn="auto" latinLnBrk="0" hangingPunct="1">
+                        <a:lnSpc>
+                          <a:spcPct val="100000"/>
+                        </a:lnSpc>
+                        <a:spcBef>
+                          <a:spcPts val="0"/>
+                        </a:spcBef>
+                        <a:spcAft>
+                          <a:spcPts val="0"/>
+                        </a:spcAft>
+                        <a:buClrTx/>
+                        <a:buSzTx/>
+                        <a:buFontTx/>
+                        <a:buNone/>
+                        <a:tabLst/>
+                        <a:defRPr/>
+                      </a:pPr>
+                      <a:r>
+                        <a:rPr kumimoji="0" lang="en-US" sz="2800" b="0" i="0" u="none" strike="noStrike" kern="1200" cap="none" spc="0" normalizeH="0" baseline="0" noProof="0" dirty="0" smtClean="0">
+                          <a:ln>
+                            <a:noFill/>
+                          </a:ln>
+                          <a:solidFill>
+                            <a:srgbClr val="008000"/>
+                          </a:solidFill>
+                          <a:effectLst/>
+                          <a:uLnTx/>
+                          <a:uFillTx/>
+                          <a:latin typeface="Comic Sans MS"/>
+                          <a:ea typeface="+mn-ea"/>
+                          <a:cs typeface="Comic Sans MS"/>
+                        </a:rPr>
+                        <a:t>T</a:t>
+                      </a:r>
+                    </a:p>
+                  </a:txBody>
+                  <a:tcPr anchor="ctr"/>
+                </a:tc>
+              </a:tr>
+              <a:tr h="557721">
+                <a:tc>
+                  <a:txBody>
+                    <a:bodyPr/>
+                    <a:lstStyle/>
+                    <a:p>
+                      <a:pPr marL="0" marR="0" indent="0" algn="ctr" defTabSz="914400" rtl="0" eaLnBrk="1" fontAlgn="auto" latinLnBrk="0" hangingPunct="1">
+                        <a:lnSpc>
+                          <a:spcPct val="100000"/>
+                        </a:lnSpc>
+                        <a:spcBef>
+                          <a:spcPts val="0"/>
+                        </a:spcBef>
+                        <a:spcAft>
+                          <a:spcPts val="0"/>
+                        </a:spcAft>
+                        <a:buClrTx/>
+                        <a:buSzTx/>
+                        <a:buFontTx/>
+                        <a:buNone/>
+                        <a:tabLst/>
+                        <a:defRPr/>
+                      </a:pPr>
+                      <a:r>
+                        <a:rPr lang="en-US" sz="2800" dirty="0" smtClean="0">
+                          <a:solidFill>
+                            <a:srgbClr val="FF0000"/>
+                          </a:solidFill>
+                          <a:latin typeface="Comic Sans MS"/>
+                          <a:cs typeface="Comic Sans MS"/>
+                        </a:rPr>
+                        <a:t>F</a:t>
+                      </a:r>
+                    </a:p>
+                  </a:txBody>
+                  <a:tcPr anchor="ctr"/>
+                </a:tc>
+                <a:tc>
+                  <a:txBody>
+                    <a:bodyPr/>
+                    <a:lstStyle/>
+                    <a:p>
+                      <a:pPr marL="0" marR="0" lvl="0" indent="0" algn="ctr" defTabSz="914400" rtl="0" eaLnBrk="1" fontAlgn="auto" latinLnBrk="0" hangingPunct="1">
+                        <a:lnSpc>
+                          <a:spcPct val="100000"/>
+                        </a:lnSpc>
+                        <a:spcBef>
+                          <a:spcPts val="0"/>
+                        </a:spcBef>
+                        <a:spcAft>
+                          <a:spcPts val="0"/>
+                        </a:spcAft>
+                        <a:buClrTx/>
+                        <a:buSzTx/>
+                        <a:buFontTx/>
+                        <a:buNone/>
+                        <a:tabLst/>
+                        <a:defRPr/>
+                      </a:pPr>
+                      <a:r>
+                        <a:rPr kumimoji="0" lang="en-US" sz="2800" b="0" i="0" u="none" strike="noStrike" kern="1200" cap="none" spc="0" normalizeH="0" baseline="0" noProof="0" dirty="0" smtClean="0">
+                          <a:ln>
+                            <a:noFill/>
+                          </a:ln>
+                          <a:solidFill>
+                            <a:srgbClr val="008000"/>
+                          </a:solidFill>
+                          <a:effectLst/>
+                          <a:uLnTx/>
+                          <a:uFillTx/>
+                          <a:latin typeface="Comic Sans MS"/>
+                          <a:ea typeface="+mn-ea"/>
+                          <a:cs typeface="Comic Sans MS"/>
+                        </a:rPr>
+                        <a:t>T</a:t>
+                      </a:r>
+                    </a:p>
+                  </a:txBody>
+                  <a:tcPr anchor="ctr"/>
+                </a:tc>
+                <a:tc>
+                  <a:txBody>
+                    <a:bodyPr/>
+                    <a:lstStyle/>
+                    <a:p>
+                      <a:pPr marL="0" marR="0" lvl="0" indent="0" algn="ctr" defTabSz="914400" rtl="0" eaLnBrk="1" fontAlgn="auto" latinLnBrk="0" hangingPunct="1">
+                        <a:lnSpc>
+                          <a:spcPct val="100000"/>
+                        </a:lnSpc>
+                        <a:spcBef>
+                          <a:spcPts val="0"/>
+                        </a:spcBef>
+                        <a:spcAft>
+                          <a:spcPts val="0"/>
+                        </a:spcAft>
+                        <a:buClrTx/>
+                        <a:buSzTx/>
+                        <a:buFontTx/>
+                        <a:buNone/>
+                        <a:tabLst/>
+                        <a:defRPr/>
+                      </a:pPr>
+                      <a:r>
+                        <a:rPr lang="en-US" sz="2800" dirty="0" smtClean="0">
+                          <a:solidFill>
+                            <a:srgbClr val="FF0000"/>
+                          </a:solidFill>
+                          <a:latin typeface="Comic Sans MS"/>
+                          <a:cs typeface="Comic Sans MS"/>
+                        </a:rPr>
+                        <a:t>F</a:t>
+                      </a:r>
+                    </a:p>
+                  </a:txBody>
+                  <a:tcPr anchor="ctr"/>
+                </a:tc>
+                <a:tc>
+                  <a:txBody>
+                    <a:bodyPr/>
+                    <a:lstStyle/>
+                    <a:p>
+                      <a:pPr marL="0" marR="0" indent="0" algn="ctr" defTabSz="914400" rtl="0" eaLnBrk="1" fontAlgn="auto" latinLnBrk="0" hangingPunct="1">
+                        <a:lnSpc>
+                          <a:spcPct val="100000"/>
+                        </a:lnSpc>
+                        <a:spcBef>
+                          <a:spcPts val="0"/>
+                        </a:spcBef>
+                        <a:spcAft>
+                          <a:spcPts val="0"/>
+                        </a:spcAft>
+                        <a:buClrTx/>
+                        <a:buSzTx/>
+                        <a:buFontTx/>
+                        <a:buNone/>
+                        <a:tabLst/>
+                        <a:defRPr/>
+                      </a:pPr>
+                      <a:r>
+                        <a:rPr lang="en-US" sz="2800" dirty="0" smtClean="0">
+                          <a:solidFill>
+                            <a:srgbClr val="FF0000"/>
+                          </a:solidFill>
+                          <a:latin typeface="Comic Sans MS"/>
+                          <a:cs typeface="Comic Sans MS"/>
+                        </a:rPr>
+                        <a:t>F</a:t>
+                      </a:r>
+                    </a:p>
+                  </a:txBody>
+                  <a:tcPr anchor="ctr"/>
+                </a:tc>
+              </a:tr>
+              <a:tr h="557721">
+                <a:tc>
+                  <a:txBody>
+                    <a:bodyPr/>
+                    <a:lstStyle/>
+                    <a:p>
+                      <a:pPr marL="0" marR="0" indent="0" algn="ctr" defTabSz="914400" rtl="0" eaLnBrk="1" fontAlgn="auto" latinLnBrk="0" hangingPunct="1">
+                        <a:lnSpc>
+                          <a:spcPct val="100000"/>
+                        </a:lnSpc>
+                        <a:spcBef>
+                          <a:spcPts val="0"/>
+                        </a:spcBef>
+                        <a:spcAft>
+                          <a:spcPts val="0"/>
+                        </a:spcAft>
+                        <a:buClrTx/>
+                        <a:buSzTx/>
+                        <a:buFontTx/>
+                        <a:buNone/>
+                        <a:tabLst/>
+                        <a:defRPr/>
+                      </a:pPr>
+                      <a:r>
+                        <a:rPr lang="en-US" sz="2800" dirty="0" smtClean="0">
+                          <a:solidFill>
+                            <a:srgbClr val="FF0000"/>
+                          </a:solidFill>
+                          <a:latin typeface="Comic Sans MS"/>
+                          <a:cs typeface="Comic Sans MS"/>
+                        </a:rPr>
+                        <a:t>F</a:t>
+                      </a:r>
+                    </a:p>
+                  </a:txBody>
+                  <a:tcPr anchor="ctr"/>
+                </a:tc>
+                <a:tc>
+                  <a:txBody>
+                    <a:bodyPr/>
+                    <a:lstStyle/>
+                    <a:p>
+                      <a:pPr marL="0" marR="0" indent="0" algn="ctr" defTabSz="914400" rtl="0" eaLnBrk="1" fontAlgn="auto" latinLnBrk="0" hangingPunct="1">
+                        <a:lnSpc>
+                          <a:spcPct val="100000"/>
+                        </a:lnSpc>
+                        <a:spcBef>
+                          <a:spcPts val="0"/>
+                        </a:spcBef>
+                        <a:spcAft>
+                          <a:spcPts val="0"/>
+                        </a:spcAft>
+                        <a:buClrTx/>
+                        <a:buSzTx/>
+                        <a:buFontTx/>
+                        <a:buNone/>
+                        <a:tabLst/>
+                        <a:defRPr/>
+                      </a:pPr>
+                      <a:r>
+                        <a:rPr lang="en-US" sz="2800" dirty="0" smtClean="0">
+                          <a:solidFill>
+                            <a:srgbClr val="FF0000"/>
+                          </a:solidFill>
+                          <a:latin typeface="Comic Sans MS"/>
+                          <a:cs typeface="Comic Sans MS"/>
+                        </a:rPr>
+                        <a:t>F</a:t>
+                      </a:r>
+                    </a:p>
+                  </a:txBody>
+                  <a:tcPr anchor="ctr"/>
+                </a:tc>
+                <a:tc>
+                  <a:txBody>
+                    <a:bodyPr/>
+                    <a:lstStyle/>
+                    <a:p>
+                      <a:pPr marL="0" marR="0" lvl="0" indent="0" algn="ctr" defTabSz="914400" rtl="0" eaLnBrk="1" fontAlgn="auto" latinLnBrk="0" hangingPunct="1">
+                        <a:lnSpc>
+                          <a:spcPct val="100000"/>
+                        </a:lnSpc>
+                        <a:spcBef>
+                          <a:spcPts val="0"/>
+                        </a:spcBef>
+                        <a:spcAft>
+                          <a:spcPts val="0"/>
+                        </a:spcAft>
+                        <a:buClrTx/>
+                        <a:buSzTx/>
+                        <a:buFontTx/>
+                        <a:buNone/>
+                        <a:tabLst/>
+                        <a:defRPr/>
+                      </a:pPr>
+                      <a:r>
+                        <a:rPr kumimoji="0" lang="en-US" sz="2800" b="0" i="0" u="none" strike="noStrike" kern="1200" cap="none" spc="0" normalizeH="0" baseline="0" noProof="0" dirty="0" smtClean="0">
+                          <a:ln>
+                            <a:noFill/>
+                          </a:ln>
+                          <a:solidFill>
+                            <a:srgbClr val="008000"/>
+                          </a:solidFill>
+                          <a:effectLst/>
+                          <a:uLnTx/>
+                          <a:uFillTx/>
+                          <a:latin typeface="Comic Sans MS"/>
+                          <a:ea typeface="+mn-ea"/>
+                          <a:cs typeface="Comic Sans MS"/>
+                        </a:rPr>
+                        <a:t>T</a:t>
+                      </a:r>
+                    </a:p>
+                  </a:txBody>
+                  <a:tcPr anchor="ctr"/>
+                </a:tc>
+                <a:tc>
+                  <a:txBody>
+                    <a:bodyPr/>
+                    <a:lstStyle/>
+                    <a:p>
+                      <a:pPr marL="0" marR="0" indent="0" algn="ctr" defTabSz="914400" rtl="0" eaLnBrk="1" fontAlgn="auto" latinLnBrk="0" hangingPunct="1">
+                        <a:lnSpc>
+                          <a:spcPct val="100000"/>
+                        </a:lnSpc>
+                        <a:spcBef>
+                          <a:spcPts val="0"/>
+                        </a:spcBef>
+                        <a:spcAft>
+                          <a:spcPts val="0"/>
+                        </a:spcAft>
+                        <a:buClrTx/>
+                        <a:buSzTx/>
+                        <a:buFontTx/>
+                        <a:buNone/>
+                        <a:tabLst/>
+                        <a:defRPr/>
+                      </a:pPr>
+                      <a:r>
+                        <a:rPr lang="en-US" sz="2800" dirty="0" smtClean="0">
+                          <a:solidFill>
+                            <a:srgbClr val="FF0000"/>
+                          </a:solidFill>
+                          <a:latin typeface="Comic Sans MS"/>
+                          <a:cs typeface="Comic Sans MS"/>
+                        </a:rPr>
+                        <a:t>F</a:t>
+                      </a:r>
+                    </a:p>
+                  </a:txBody>
+                  <a:tcPr anchor="ctr"/>
+                </a:tc>
+              </a:tr>
+              <a:tr h="557721">
+                <a:tc>
+                  <a:txBody>
+                    <a:bodyPr/>
+                    <a:lstStyle/>
+                    <a:p>
+                      <a:pPr marL="0" marR="0" indent="0" algn="ctr" defTabSz="914400" rtl="0" eaLnBrk="1" fontAlgn="auto" latinLnBrk="0" hangingPunct="1">
+                        <a:lnSpc>
+                          <a:spcPct val="100000"/>
+                        </a:lnSpc>
+                        <a:spcBef>
+                          <a:spcPts val="0"/>
+                        </a:spcBef>
+                        <a:spcAft>
+                          <a:spcPts val="0"/>
+                        </a:spcAft>
+                        <a:buClrTx/>
+                        <a:buSzTx/>
+                        <a:buFontTx/>
+                        <a:buNone/>
+                        <a:tabLst/>
+                        <a:defRPr/>
+                      </a:pPr>
+                      <a:r>
+                        <a:rPr lang="en-US" sz="2800" dirty="0" smtClean="0">
+                          <a:solidFill>
+                            <a:srgbClr val="FF0000"/>
+                          </a:solidFill>
+                          <a:latin typeface="Comic Sans MS"/>
+                          <a:cs typeface="Comic Sans MS"/>
+                        </a:rPr>
+                        <a:t>F</a:t>
+                      </a:r>
+                    </a:p>
+                  </a:txBody>
+                  <a:tcPr anchor="ctr"/>
+                </a:tc>
+                <a:tc>
+                  <a:txBody>
+                    <a:bodyPr/>
+                    <a:lstStyle/>
+                    <a:p>
+                      <a:pPr marL="0" marR="0" indent="0" algn="ctr" defTabSz="914400" rtl="0" eaLnBrk="1" fontAlgn="auto" latinLnBrk="0" hangingPunct="1">
+                        <a:lnSpc>
+                          <a:spcPct val="100000"/>
+                        </a:lnSpc>
+                        <a:spcBef>
+                          <a:spcPts val="0"/>
+                        </a:spcBef>
+                        <a:spcAft>
+                          <a:spcPts val="0"/>
+                        </a:spcAft>
+                        <a:buClrTx/>
+                        <a:buSzTx/>
+                        <a:buFontTx/>
+                        <a:buNone/>
+                        <a:tabLst/>
+                        <a:defRPr/>
+                      </a:pPr>
+                      <a:r>
+                        <a:rPr lang="en-US" sz="2800" dirty="0" smtClean="0">
+                          <a:solidFill>
+                            <a:srgbClr val="FF0000"/>
+                          </a:solidFill>
+                          <a:latin typeface="Comic Sans MS"/>
+                          <a:cs typeface="Comic Sans MS"/>
+                        </a:rPr>
+                        <a:t>F</a:t>
+                      </a:r>
+                    </a:p>
+                  </a:txBody>
+                  <a:tcPr anchor="ctr"/>
+                </a:tc>
+                <a:tc>
+                  <a:txBody>
+                    <a:bodyPr/>
+                    <a:lstStyle/>
+                    <a:p>
+                      <a:pPr marL="0" marR="0" indent="0" algn="ctr" defTabSz="914400" rtl="0" eaLnBrk="1" fontAlgn="auto" latinLnBrk="0" hangingPunct="1">
+                        <a:lnSpc>
+                          <a:spcPct val="100000"/>
+                        </a:lnSpc>
+                        <a:spcBef>
+                          <a:spcPts val="0"/>
+                        </a:spcBef>
+                        <a:spcAft>
+                          <a:spcPts val="0"/>
+                        </a:spcAft>
+                        <a:buClrTx/>
+                        <a:buSzTx/>
+                        <a:buFontTx/>
+                        <a:buNone/>
+                        <a:tabLst/>
+                        <a:defRPr/>
+                      </a:pPr>
+                      <a:r>
+                        <a:rPr lang="en-US" sz="2800" dirty="0" smtClean="0">
+                          <a:solidFill>
+                            <a:srgbClr val="FF0000"/>
+                          </a:solidFill>
+                          <a:latin typeface="Comic Sans MS"/>
+                          <a:cs typeface="Comic Sans MS"/>
+                        </a:rPr>
+                        <a:t>F</a:t>
+                      </a:r>
+                    </a:p>
+                  </a:txBody>
+                  <a:tcPr anchor="ctr"/>
+                </a:tc>
+                <a:tc>
+                  <a:txBody>
+                    <a:bodyPr/>
+                    <a:lstStyle/>
+                    <a:p>
+                      <a:pPr marL="0" marR="0" indent="0" algn="ctr" defTabSz="914400" rtl="0" eaLnBrk="1" fontAlgn="auto" latinLnBrk="0" hangingPunct="1">
+                        <a:lnSpc>
+                          <a:spcPct val="100000"/>
+                        </a:lnSpc>
+                        <a:spcBef>
+                          <a:spcPts val="0"/>
+                        </a:spcBef>
+                        <a:spcAft>
+                          <a:spcPts val="0"/>
+                        </a:spcAft>
+                        <a:buClrTx/>
+                        <a:buSzTx/>
+                        <a:buFontTx/>
+                        <a:buNone/>
+                        <a:tabLst/>
+                        <a:defRPr/>
+                      </a:pPr>
+                      <a:r>
+                        <a:rPr lang="en-US" sz="2800" dirty="0" smtClean="0">
+                          <a:solidFill>
+                            <a:srgbClr val="FF0000"/>
+                          </a:solidFill>
+                          <a:latin typeface="Comic Sans MS"/>
+                          <a:cs typeface="Comic Sans MS"/>
+                        </a:rPr>
+                        <a:t>F</a:t>
+                      </a:r>
+                    </a:p>
+                  </a:txBody>
+                  <a:tcPr anchor="ctr"/>
+                </a:tc>
+              </a:tr>
+            </a:tbl>
+          </a:graphicData>
+        </a:graphic>
+      </p:graphicFrame>
+      <p:sp>
+        <p:nvSpPr>
+          <p:cNvPr id="9" name="TextBox 8"/>
+          <p:cNvSpPr txBox="1"/>
+          <p:nvPr/>
+        </p:nvSpPr>
+        <p:spPr>
+          <a:xfrm>
+            <a:off x="1689100" y="165100"/>
+            <a:ext cx="6154850" cy="830997"/>
+          </a:xfrm>
+          <a:prstGeom prst="rect">
+            <a:avLst/>
+          </a:prstGeom>
+          <a:noFill/>
+        </p:spPr>
+        <p:txBody>
+          <a:bodyPr wrap="none" rtlCol="0">
+            <a:spAutoFit/>
+          </a:bodyPr>
+          <a:lstStyle/>
+          <a:p>
+            <a:pPr algn="l"/>
+            <a:r>
+              <a:rPr lang="en-US" sz="4800" dirty="0" smtClean="0">
+                <a:latin typeface="Comic Sans MS" pitchFamily="66" charset="0"/>
+              </a:rPr>
+              <a:t>Majority function </a:t>
+            </a:r>
+            <a:r>
+              <a:rPr lang="en-US" sz="4800" dirty="0" smtClean="0">
+                <a:solidFill>
+                  <a:schemeClr val="accent1">
+                    <a:lumMod val="50000"/>
+                  </a:schemeClr>
+                </a:solidFill>
+                <a:latin typeface="Comic Sans MS"/>
+                <a:cs typeface="Comic Sans MS"/>
+              </a:rPr>
+              <a:t>M</a:t>
+            </a:r>
+          </a:p>
+        </p:txBody>
+      </p:sp>
+      <p:sp>
+        <p:nvSpPr>
+          <p:cNvPr id="2" name="Rounded Rectangle 1"/>
+          <p:cNvSpPr/>
+          <p:nvPr/>
+        </p:nvSpPr>
+        <p:spPr bwMode="auto">
+          <a:xfrm>
+            <a:off x="2134839" y="3674713"/>
+            <a:ext cx="5810003" cy="526889"/>
+          </a:xfrm>
+          <a:prstGeom prst="roundRect">
+            <a:avLst/>
+          </a:prstGeom>
+          <a:noFill/>
+          <a:ln w="44450" cap="flat" cmpd="sng" algn="ctr">
+            <a:solidFill>
+              <a:srgbClr val="BB0FAB"/>
+            </a:solidFill>
+            <a:prstDash val="sysDash"/>
+            <a:round/>
+            <a:headEnd type="none" w="med" len="med"/>
+            <a:tailEnd type="none" w="med" len="med"/>
+          </a:ln>
+          <a:effectLst/>
+        </p:spPr>
+        <p:txBody>
+          <a:bodyPr vert="horz" wrap="none" lIns="91440" tIns="45720" rIns="91440" bIns="45720" numCol="1" rtlCol="0" anchor="ctr" anchorCtr="0" compatLnSpc="1">
+            <a:prstTxWarp prst="textNoShape">
+              <a:avLst/>
+            </a:prstTxWarp>
+          </a:bodyPr>
+          <a:lstStyle/>
+          <a:p>
+            <a:pPr marL="0" marR="0" indent="0" algn="ctr" defTabSz="914400" rtl="0" eaLnBrk="1" fontAlgn="base" latinLnBrk="0" hangingPunct="1">
+              <a:lnSpc>
+                <a:spcPct val="100000"/>
+              </a:lnSpc>
+              <a:spcBef>
+                <a:spcPct val="0"/>
+              </a:spcBef>
+              <a:spcAft>
+                <a:spcPct val="0"/>
+              </a:spcAft>
+              <a:buClrTx/>
+              <a:buSzTx/>
+              <a:buFontTx/>
+              <a:buNone/>
+              <a:tabLst/>
+            </a:pPr>
+            <a:endParaRPr kumimoji="0" lang="en-US" sz="3200" b="0" i="0" u="none" strike="noStrike" cap="none" normalizeH="0" baseline="0" smtClean="0">
+              <a:ln>
+                <a:noFill/>
+              </a:ln>
+              <a:solidFill>
+                <a:schemeClr val="tx1"/>
+              </a:solidFill>
+              <a:effectLst/>
+              <a:latin typeface="Times New Roman" pitchFamily="18" charset="0"/>
+            </a:endParaRPr>
+          </a:p>
+        </p:txBody>
+      </p:sp>
+    </p:spTree>
+    <p:extLst>
+      <p:ext uri="{BB962C8B-B14F-4D97-AF65-F5344CB8AC3E}">
+        <p14:creationId xmlns:p14="http://schemas.microsoft.com/office/powerpoint/2010/main" val="3090292088"/>
+      </p:ext>
+    </p:extLst>
+  </p:cSld>
+  <p:clrMapOvr>
+    <a:masterClrMapping/>
+  </p:clrMapOvr>
+  <p:transition xmlns:p14="http://schemas.microsoft.com/office/powerpoint/2010/main" spd="slow" advClick="0">
+    <p:fade thruBlk="1"/>
+  </p:transition>
+  <p:timing>
+    <p:tnLst>
+      <p:par>
+        <p:cTn xmlns:p14="http://schemas.microsoft.com/office/powerpoint/2010/main" id="1" dur="indefinite" restart="never" nodeType="tmRoot">
+          <p:childTnLst>
+            <p:seq concurrent="1" nextAc="seek">
+              <p:cTn id="2" dur="indefinite" nodeType="mainSeq">
+                <p:childTnLst>
+                  <p:par>
+                    <p:cTn id="3" fill="hold">
+                      <p:stCondLst>
+                        <p:cond delay="indefinite"/>
+                      </p:stCondLst>
+                      <p:childTnLst>
+                        <p:par>
+                          <p:cTn id="4" fill="hold">
+                            <p:stCondLst>
+                              <p:cond delay="0"/>
+                            </p:stCondLst>
+                            <p:childTnLst>
+                              <p:par>
+                                <p:cTn id="5" presetID="22" presetClass="entr" presetSubtype="8" fill="hold" grpId="0" nodeType="clickEffect">
+                                  <p:stCondLst>
+                                    <p:cond delay="0"/>
+                                  </p:stCondLst>
+                                  <p:childTnLst>
+                                    <p:set>
+                                      <p:cBhvr>
+                                        <p:cTn id="6" dur="1" fill="hold">
+                                          <p:stCondLst>
+                                            <p:cond delay="0"/>
+                                          </p:stCondLst>
+                                        </p:cTn>
+                                        <p:tgtEl>
+                                          <p:spTgt spid="2"/>
+                                        </p:tgtEl>
+                                        <p:attrNameLst>
+                                          <p:attrName>style.visibility</p:attrName>
+                                        </p:attrNameLst>
+                                      </p:cBhvr>
+                                      <p:to>
+                                        <p:strVal val="visible"/>
+                                      </p:to>
+                                    </p:set>
+                                    <p:animEffect transition="in" filter="wipe(left)">
+                                      <p:cBhvr>
+                                        <p:cTn id="7" dur="500"/>
+                                        <p:tgtEl>
+                                          <p:spTgt spid="2"/>
+                                        </p:tgtEl>
+                                      </p:cBhvr>
+                                    </p:animEffect>
+                                  </p:childTnLst>
+                                </p:cTn>
+                              </p:par>
+                            </p:childTnLst>
+                          </p:cTn>
+                        </p:par>
+                      </p:childTnLst>
+                    </p:cTn>
+                  </p:par>
+                </p:childTnLst>
+              </p:cTn>
+              <p:prevCondLst>
+                <p:cond evt="onPrev" delay="0">
+                  <p:tgtEl>
+                    <p:sldTgt/>
+                  </p:tgtEl>
+                </p:cond>
+              </p:prevCondLst>
+              <p:nextCondLst>
+                <p:cond evt="onNext" delay="0">
+                  <p:tgtEl>
+                    <p:sldTgt/>
+                  </p:tgtEl>
+                </p:cond>
+              </p:nextCondLst>
+            </p:seq>
+          </p:childTnLst>
+        </p:cTn>
+      </p:par>
+    </p:tnLst>
+    <p:bldLst>
+      <p:bldP spid="2" grpId="0" animBg="1"/>
+    </p:bldLst>
+  </p:timing>
+</p:sld>
+</file>
+
+<file path=ppt/slides/slide14.xml><?xml version="1.0" encoding="utf-8"?>
 <p:sld xmlns:a="http://schemas.openxmlformats.org/drawingml/2006/main" xmlns:r="http://schemas.openxmlformats.org/officeDocument/2006/relationships" xmlns:p="http://schemas.openxmlformats.org/presentationml/2006/main">
   <p:cSld>
     <p:spTree>
@@ -3407,19 +5437,19 @@
           <a:lstStyle/>
           <a:p>
             <a:r>
-              <a:rPr lang="en-US" dirty="0" smtClean="0"/>
+              <a:rPr lang="en-US" sz="5400" dirty="0" smtClean="0"/>
               <a:t>A </a:t>
             </a:r>
             <a:r>
-              <a:rPr lang="en-US" dirty="0"/>
+              <a:rPr lang="en-US" sz="5400" dirty="0"/>
               <a:t>S</a:t>
             </a:r>
             <a:r>
-              <a:rPr lang="en-US" dirty="0" smtClean="0"/>
+              <a:rPr lang="en-US" sz="5400" dirty="0" smtClean="0"/>
               <a:t>um (</a:t>
             </a:r>
             <a:r>
-              <a:rPr lang="en-US" sz="3600" dirty="0" smtClean="0">
+              <a:rPr lang="en-US" sz="5400" dirty="0" smtClean="0">
                 <a:solidFill>
                   <a:srgbClr val="0000E5"/>
                 </a:solidFill>
@@ -3427,14 +5457,10 @@
               <a:t>OR</a:t>
             </a:r>
             <a:r>
-              <a:rPr lang="en-US" dirty="0" smtClean="0"/>
-              <a:t>) </a:t>
-            </a:r>
-            <a:r>
-              <a:rPr lang="en-US" dirty="0" smtClean="0"/>
-              <a:t>Term</a:t>
-            </a:r>
-            <a:endParaRPr lang="en-US" dirty="0"/>
+              <a:rPr lang="en-US" sz="5400" dirty="0" smtClean="0"/>
+              <a:t>) Term</a:t>
+            </a:r>
+            <a:endParaRPr lang="en-US" sz="5400" dirty="0"/>
           </a:p>
         </p:txBody>
       </p:sp>
@@ -3470,7 +5496,7 @@
               <a:pPr>
                 <a:defRPr/>
               </a:pPr>
-              <a:t>12</a:t>
+              <a:t>14</a:t>
             </a:fld>
             <a:endParaRPr lang="en-US" dirty="0"/>
           </a:p>
@@ -3578,7 +5604,7 @@
           <a:graphicData uri="http://schemas.openxmlformats.org/presentationml/2006/ole">
             <mc:AlternateContent xmlns:mc="http://schemas.openxmlformats.org/markup-compatibility/2006">
               <mc:Choice xmlns:v="urn:schemas-microsoft-com:vml" Requires="v">
-                <p:oleObj spid="_x0000_s26627" name="Equation" r:id="rId3" imgW="927100" imgH="254000" progId="Equation.DSMT4">
+                <p:oleObj spid="_x0000_s26636" name="Equation" r:id="rId3" imgW="927100" imgH="254000" progId="Equation.DSMT4">
                   <p:embed/>
                 </p:oleObj>
               </mc:Choice>
@@ -3680,6 +5706,69 @@
                 <a:srgbClr val="006600"/>
               </a:solidFill>
               <a:latin typeface="Comic Sans MS" pitchFamily="66" charset="0"/>
+            </a:endParaRPr>
+          </a:p>
+        </p:txBody>
+      </p:sp>
+      <p:sp>
+        <p:nvSpPr>
+          <p:cNvPr id="4" name="Rounded Rectangle 3"/>
+          <p:cNvSpPr/>
+          <p:nvPr/>
+        </p:nvSpPr>
+        <p:spPr bwMode="auto">
+          <a:xfrm>
+            <a:off x="1445745" y="2485835"/>
+            <a:ext cx="6242376" cy="1229408"/>
+          </a:xfrm>
+          <a:prstGeom prst="roundRect">
+            <a:avLst/>
+          </a:prstGeom>
+          <a:noFill/>
+          <a:ln w="47625" cap="flat" cmpd="sng" algn="ctr">
+            <a:solidFill>
+              <a:srgbClr val="DC11CA"/>
+            </a:solidFill>
+            <a:prstDash val="sysDash"/>
+            <a:round/>
+            <a:headEnd type="none" w="med" len="med"/>
+            <a:tailEnd type="none" w="med" len="med"/>
+          </a:ln>
+          <a:effectLst/>
+        </p:spPr>
+        <p:txBody>
+          <a:bodyPr vert="horz" wrap="none" lIns="91440" tIns="45720" rIns="91440" bIns="45720" numCol="1" rtlCol="0" anchor="ctr" anchorCtr="0" compatLnSpc="1">
+            <a:prstTxWarp prst="textNoShape">
+              <a:avLst/>
+            </a:prstTxWarp>
+          </a:bodyPr>
+          <a:lstStyle/>
+          <a:p>
+            <a:pPr marL="0" marR="0" indent="0" algn="ctr" defTabSz="914400" rtl="0" eaLnBrk="1" fontAlgn="base" latinLnBrk="0" hangingPunct="1">
+              <a:lnSpc>
+                <a:spcPct val="100000"/>
+              </a:lnSpc>
+              <a:spcBef>
+                <a:spcPct val="0"/>
+              </a:spcBef>
+              <a:spcAft>
+                <a:spcPct val="0"/>
+              </a:spcAft>
+              <a:buClrTx/>
+              <a:buSzTx/>
+              <a:buFontTx/>
+              <a:buNone/>
+              <a:tabLst/>
+            </a:pPr>
+            <a:endParaRPr kumimoji="0" lang="en-US" sz="3200" b="0" i="0" u="none" strike="noStrike" cap="none" normalizeH="0" baseline="0" smtClean="0">
+              <a:ln>
+                <a:noFill/>
+              </a:ln>
+              <a:solidFill>
+                <a:schemeClr val="tx1"/>
+              </a:solidFill>
+              <a:effectLst/>
+              <a:latin typeface="Times New Roman" pitchFamily="18" charset="0"/>
             </a:endParaRPr>
           </a:p>
         </p:txBody>
@@ -3815,14 +5904,58 @@
                             </p:stCondLst>
                             <p:childTnLst>
                               <p:par>
-                                <p:cTn id="14" presetID="10" presetClass="entr" presetSubtype="0" fill="hold" grpId="0" nodeType="clickEffect">
+                                <p:cTn id="14" presetID="22" presetClass="entr" presetSubtype="8" fill="hold" grpId="0" nodeType="clickEffect">
                                   <p:stCondLst>
-                                    <p:cond delay="300"/>
+                                    <p:cond delay="0"/>
                                   </p:stCondLst>
                                   <p:childTnLst>
                                     <p:set>
                                       <p:cBhvr>
                                         <p:cTn id="15" dur="1" fill="hold">
+                                          <p:stCondLst>
+                                            <p:cond delay="0"/>
+                                          </p:stCondLst>
+                                        </p:cTn>
+                                        <p:tgtEl>
+                                          <p:spTgt spid="4"/>
+                                        </p:tgtEl>
+                                        <p:attrNameLst>
+                                          <p:attrName>style.visibility</p:attrName>
+                                        </p:attrNameLst>
+                                      </p:cBhvr>
+                                      <p:to>
+                                        <p:strVal val="visible"/>
+                                      </p:to>
+                                    </p:set>
+                                    <p:animEffect transition="in" filter="wipe(left)">
+                                      <p:cBhvr>
+                                        <p:cTn id="16" dur="500"/>
+                                        <p:tgtEl>
+                                          <p:spTgt spid="4"/>
+                                        </p:tgtEl>
+                                      </p:cBhvr>
+                                    </p:animEffect>
+                                  </p:childTnLst>
+                                </p:cTn>
+                              </p:par>
+                            </p:childTnLst>
+                          </p:cTn>
+                        </p:par>
+                        <p:par>
+                          <p:cTn id="17" fill="hold">
+                            <p:stCondLst>
+                              <p:cond delay="500"/>
+                            </p:stCondLst>
+                            <p:childTnLst>
+                              <p:par>
+                                <p:cTn id="18" presetID="10" presetClass="entr" presetSubtype="0" fill="hold" grpId="0" nodeType="afterEffect">
+                                  <p:stCondLst>
+                                    <p:cond delay="0"/>
+                                  </p:stCondLst>
+                                  <p:childTnLst>
+                                    <p:set>
+                                      <p:cBhvr>
+                                        <p:cTn id="19" dur="1" fill="hold">
                                           <p:stCondLst>
                                             <p:cond delay="0"/>
                                           </p:stCondLst>
@@ -3840,7 +5973,7 @@
                                     </p:set>
                                     <p:animEffect transition="in" filter="fade">
                                       <p:cBhvr>
-                                        <p:cTn id="16" dur="1000"/>
+                                        <p:cTn id="20" dur="1000"/>
                                         <p:tgtEl>
                                           <p:spTgt spid="2"/>
                                         </p:tgtEl>
@@ -3879,12 +6012,13 @@
     <p:bldLst>
       <p:bldP spid="2" grpId="0"/>
       <p:bldP spid="7" grpId="0"/>
+      <p:bldP spid="4" grpId="0" animBg="1"/>
     </p:bldLst>
   </p:timing>
 </p:sld>
 </file>
 
-<file path=ppt/slides/slide13.xml><?xml version="1.0" encoding="utf-8"?>
+<file path=ppt/slides/slide15.xml><?xml version="1.0" encoding="utf-8"?>
 <p:sld xmlns:a="http://schemas.openxmlformats.org/drawingml/2006/main" xmlns:r="http://schemas.openxmlformats.org/officeDocument/2006/relationships" xmlns:p="http://schemas.openxmlformats.org/presentationml/2006/main">
   <p:cSld>
     <p:spTree>
@@ -3901,49 +6035,63 @@
           <a:chExt cx="0" cy="0"/>
         </a:xfrm>
       </p:grpSpPr>
-      <p:sp>
-        <p:nvSpPr>
-          <p:cNvPr id="2" name="Title 1"/>
-          <p:cNvSpPr>
-            <a:spLocks noGrp="1"/>
-          </p:cNvSpPr>
+      <p:graphicFrame>
+        <p:nvGraphicFramePr>
+          <p:cNvPr id="8" name="Object 7"/>
+          <p:cNvGraphicFramePr>
+            <a:graphicFrameLocks noChangeAspect="1"/>
+          </p:cNvGraphicFramePr>
           <p:nvPr>
-            <p:ph type="title" sz="quarter"/>
+            <p:extLst>
+              <p:ext uri="{D42A27DB-BD31-4B8C-83A1-F6EECF244321}">
+                <p14:modId xmlns:p14="http://schemas.microsoft.com/office/powerpoint/2010/main" val="2199088092"/>
+              </p:ext>
+            </p:extLst>
           </p:nvPr>
-        </p:nvSpPr>
-        <p:spPr/>
-        <p:txBody>
-          <a:bodyPr/>
-          <a:lstStyle/>
-          <a:p>
-            <a:r>
-              <a:rPr lang="en-US" dirty="0" smtClean="0"/>
-              <a:t>A </a:t>
-            </a:r>
-            <a:r>
-              <a:rPr lang="en-US" dirty="0" smtClean="0"/>
-              <a:t>S</a:t>
-            </a:r>
-            <a:r>
-              <a:rPr lang="en-US" dirty="0" smtClean="0"/>
-              <a:t>um (</a:t>
-            </a:r>
-            <a:r>
-              <a:rPr lang="en-US" sz="3600" dirty="0" smtClean="0">
-                <a:solidFill>
-                  <a:srgbClr val="0000E5"/>
-                </a:solidFill>
-              </a:rPr>
-              <a:t>OR</a:t>
-            </a:r>
-            <a:r>
-              <a:rPr lang="en-US" dirty="0" smtClean="0"/>
-              <a:t>) Term</a:t>
-            </a:r>
-            <a:endParaRPr lang="en-US" dirty="0"/>
-          </a:p>
-        </p:txBody>
-      </p:sp>
+        </p:nvGraphicFramePr>
+        <p:xfrm>
+          <a:off x="1861481" y="1735708"/>
+          <a:ext cx="5458175" cy="3367388"/>
+        </p:xfrm>
+        <a:graphic>
+          <a:graphicData uri="http://schemas.openxmlformats.org/presentationml/2006/ole">
+            <mc:AlternateContent xmlns:mc="http://schemas.openxmlformats.org/markup-compatibility/2006">
+              <mc:Choice xmlns:v="urn:schemas-microsoft-com:vml" Requires="v">
+                <p:oleObj spid="_x0000_s28692" name="Equation" r:id="rId3" imgW="762000" imgH="469900" progId="Equation.DSMT4">
+                  <p:embed/>
+                </p:oleObj>
+              </mc:Choice>
+              <mc:Fallback>
+                <p:oleObj name="Equation" r:id="rId3" imgW="762000" imgH="469900" progId="Equation.DSMT4">
+                  <p:embed/>
+                  <p:pic>
+                    <p:nvPicPr>
+                      <p:cNvPr id="0" name=""/>
+                      <p:cNvPicPr/>
+                      <p:nvPr/>
+                    </p:nvPicPr>
+                    <p:blipFill>
+                      <a:blip r:embed="rId4"/>
+                      <a:stretch>
+                        <a:fillRect/>
+                      </a:stretch>
+                    </p:blipFill>
+                    <p:spPr>
+                      <a:xfrm>
+                        <a:off x="1861481" y="1735708"/>
+                        <a:ext cx="5458175" cy="3367388"/>
+                      </a:xfrm>
+                      <a:prstGeom prst="rect">
+                        <a:avLst/>
+                      </a:prstGeom>
+                    </p:spPr>
+                  </p:pic>
+                </p:oleObj>
+              </mc:Fallback>
+            </mc:AlternateContent>
+          </a:graphicData>
+        </a:graphic>
+      </p:graphicFrame>
       <p:sp>
         <p:nvSpPr>
           <p:cNvPr id="3" name="Slide Number Placeholder 2"/>
@@ -3976,7 +6124,7 @@
               <a:pPr>
                 <a:defRPr/>
               </a:pPr>
-              <a:t>13</a:t>
+              <a:t>15</a:t>
             </a:fld>
             <a:endParaRPr lang="en-US" dirty="0"/>
           </a:p>
@@ -4004,12 +6152,12 @@
           <a:graphicData uri="http://schemas.openxmlformats.org/presentationml/2006/ole">
             <mc:AlternateContent xmlns:mc="http://schemas.openxmlformats.org/markup-compatibility/2006">
               <mc:Choice xmlns:v="urn:schemas-microsoft-com:vml" Requires="v">
-                <p:oleObj spid="_x0000_s28675" name="Equation" r:id="rId3" imgW="927100" imgH="254000" progId="Equation.DSMT4">
+                <p:oleObj spid="_x0000_s28693" name="Equation" r:id="rId5" imgW="927100" imgH="254000" progId="Equation.DSMT4">
                   <p:embed/>
                 </p:oleObj>
               </mc:Choice>
               <mc:Fallback>
-                <p:oleObj name="Equation" r:id="rId3" imgW="927100" imgH="254000" progId="Equation.DSMT4">
+                <p:oleObj name="Equation" r:id="rId5" imgW="927100" imgH="254000" progId="Equation.DSMT4">
                   <p:embed/>
                   <p:pic>
                     <p:nvPicPr>
@@ -4018,7 +6166,7 @@
                       <p:nvPr/>
                     </p:nvPicPr>
                     <p:blipFill>
-                      <a:blip r:embed="rId4"/>
+                      <a:blip r:embed="rId6"/>
                       <a:stretch>
                         <a:fillRect/>
                       </a:stretch>
@@ -4047,8 +6195,8 @@
         </p:nvSpPr>
         <p:spPr>
           <a:xfrm>
-            <a:off x="1080680" y="1492741"/>
-            <a:ext cx="6801862" cy="923330"/>
+            <a:off x="1675208" y="1492741"/>
+            <a:ext cx="5747975" cy="923330"/>
           </a:xfrm>
           <a:prstGeom prst="rect">
             <a:avLst/>
@@ -4064,9 +6212,42 @@
             <a:pPr algn="l"/>
             <a:r>
               <a:rPr lang="en-US" sz="5400" dirty="0" smtClean="0">
+                <a:solidFill>
+                  <a:srgbClr val="FF0000"/>
+                </a:solidFill>
                 <a:latin typeface="Comic Sans MS" pitchFamily="66" charset="0"/>
               </a:rPr>
-              <a:t>Row </a:t>
+              <a:t>F </a:t>
+            </a:r>
+            <a:r>
+              <a:rPr lang="en-US" sz="5400" dirty="0" smtClean="0">
+                <a:solidFill>
+                  <a:srgbClr val="000000"/>
+                </a:solidFill>
+                <a:latin typeface="Comic Sans MS" pitchFamily="66" charset="0"/>
+              </a:rPr>
+              <a:t>in</a:t>
+            </a:r>
+            <a:r>
+              <a:rPr lang="en-US" sz="5400" dirty="0" smtClean="0">
+                <a:solidFill>
+                  <a:srgbClr val="FF0000"/>
+                </a:solidFill>
+                <a:latin typeface="Comic Sans MS" pitchFamily="66" charset="0"/>
+              </a:rPr>
+              <a:t> </a:t>
+            </a:r>
+            <a:r>
+              <a:rPr lang="en-US" sz="5400" dirty="0">
+                <a:latin typeface="Comic Sans MS" pitchFamily="66" charset="0"/>
+              </a:rPr>
+              <a:t>r</a:t>
+            </a:r>
+            <a:r>
+              <a:rPr lang="en-US" sz="5400" dirty="0" smtClean="0">
+                <a:latin typeface="Comic Sans MS" pitchFamily="66" charset="0"/>
+              </a:rPr>
+              <a:t>ow </a:t>
             </a:r>
             <a:r>
               <a:rPr lang="en-US" sz="5400" dirty="0" smtClean="0">
@@ -4078,7 +6259,7 @@
               <a:t>T</a:t>
             </a:r>
             <a:r>
-              <a:rPr lang="en-US" sz="5400" dirty="0">
+              <a:rPr lang="en-US" sz="5400" dirty="0" smtClean="0">
                 <a:solidFill>
                   <a:srgbClr val="FF0000"/>
                 </a:solidFill>
@@ -4088,85 +6269,70 @@
             </a:r>
             <a:r>
               <a:rPr lang="en-US" sz="5400" dirty="0" smtClean="0">
-                <a:latin typeface="Comic Sans MS" pitchFamily="66" charset="0"/>
-              </a:rPr>
-              <a:t> has value </a:t>
-            </a:r>
-            <a:r>
-              <a:rPr lang="en-US" sz="5400" dirty="0">
                 <a:solidFill>
-                  <a:srgbClr val="FF0000"/>
+                  <a:srgbClr val="000000"/>
                 </a:solidFill>
                 <a:latin typeface="Comic Sans MS" pitchFamily="66" charset="0"/>
               </a:rPr>
-              <a:t>F</a:t>
+              <a:t> only</a:t>
             </a:r>
             <a:endParaRPr lang="en-US" sz="5400" dirty="0" smtClean="0">
               <a:solidFill>
-                <a:srgbClr val="006600"/>
+                <a:srgbClr val="000000"/>
               </a:solidFill>
               <a:latin typeface="Comic Sans MS" pitchFamily="66" charset="0"/>
             </a:endParaRPr>
           </a:p>
         </p:txBody>
       </p:sp>
-      <p:graphicFrame>
-        <p:nvGraphicFramePr>
-          <p:cNvPr id="8" name="Object 7"/>
-          <p:cNvGraphicFramePr>
-            <a:graphicFrameLocks noChangeAspect="1"/>
-          </p:cNvGraphicFramePr>
+      <p:sp>
+        <p:nvSpPr>
+          <p:cNvPr id="11" name="Title 1"/>
+          <p:cNvSpPr>
+            <a:spLocks noGrp="1"/>
+          </p:cNvSpPr>
           <p:nvPr>
-            <p:extLst>
-              <p:ext uri="{D42A27DB-BD31-4B8C-83A1-F6EECF244321}">
-                <p14:modId xmlns:p14="http://schemas.microsoft.com/office/powerpoint/2010/main" val="3454194821"/>
-              </p:ext>
-            </p:extLst>
+            <p:ph type="title" sz="quarter"/>
           </p:nvPr>
-        </p:nvGraphicFramePr>
-        <p:xfrm>
-          <a:off x="1861481" y="1735708"/>
-          <a:ext cx="5458175" cy="3367388"/>
-        </p:xfrm>
-        <a:graphic>
-          <a:graphicData uri="http://schemas.openxmlformats.org/presentationml/2006/ole">
-            <mc:AlternateContent xmlns:mc="http://schemas.openxmlformats.org/markup-compatibility/2006">
-              <mc:Choice xmlns:v="urn:schemas-microsoft-com:vml" Requires="v">
-                <p:oleObj spid="_x0000_s28676" name="Equation" r:id="rId5" imgW="762000" imgH="469900" progId="Equation.DSMT4">
-                  <p:embed/>
-                </p:oleObj>
-              </mc:Choice>
-              <mc:Fallback>
-                <p:oleObj name="Equation" r:id="rId5" imgW="762000" imgH="469900" progId="Equation.DSMT4">
-                  <p:embed/>
-                  <p:pic>
-                    <p:nvPicPr>
-                      <p:cNvPr id="0" name=""/>
-                      <p:cNvPicPr/>
-                      <p:nvPr/>
-                    </p:nvPicPr>
-                    <p:blipFill>
-                      <a:blip r:embed="rId6"/>
-                      <a:stretch>
-                        <a:fillRect/>
-                      </a:stretch>
-                    </p:blipFill>
-                    <p:spPr>
-                      <a:xfrm>
-                        <a:off x="1861481" y="1735708"/>
-                        <a:ext cx="5458175" cy="3367388"/>
-                      </a:xfrm>
-                      <a:prstGeom prst="rect">
-                        <a:avLst/>
-                      </a:prstGeom>
-                    </p:spPr>
-                  </p:pic>
-                </p:oleObj>
-              </mc:Fallback>
-            </mc:AlternateContent>
-          </a:graphicData>
-        </a:graphic>
-      </p:graphicFrame>
+        </p:nvSpPr>
+        <p:spPr>
+          <a:xfrm>
+            <a:off x="1651000" y="363538"/>
+            <a:ext cx="6794500" cy="1003300"/>
+          </a:xfrm>
+        </p:spPr>
+        <p:txBody>
+          <a:bodyPr/>
+          <a:lstStyle/>
+          <a:p>
+            <a:r>
+              <a:rPr lang="en-US" sz="5400" dirty="0" smtClean="0"/>
+              <a:t>A </a:t>
+            </a:r>
+            <a:r>
+              <a:rPr lang="en-US" sz="5400" dirty="0"/>
+              <a:t>S</a:t>
+            </a:r>
+            <a:r>
+              <a:rPr lang="en-US" sz="5400" dirty="0" smtClean="0"/>
+              <a:t>um (</a:t>
+            </a:r>
+            <a:r>
+              <a:rPr lang="en-US" sz="5400" dirty="0" smtClean="0">
+                <a:solidFill>
+                  <a:srgbClr val="0000E5"/>
+                </a:solidFill>
+              </a:rPr>
+              <a:t>OR</a:t>
+            </a:r>
+            <a:r>
+              <a:rPr lang="en-US" sz="5400" dirty="0" smtClean="0"/>
+              <a:t>) Term</a:t>
+            </a:r>
+            <a:endParaRPr lang="en-US" sz="5400" dirty="0"/>
+          </a:p>
+        </p:txBody>
+      </p:sp>
     </p:spTree>
     <p:extLst>
       <p:ext uri="{BB962C8B-B14F-4D97-AF65-F5344CB8AC3E}">
@@ -4177,13 +6343,13 @@
   <p:clrMapOvr>
     <a:masterClrMapping/>
   </p:clrMapOvr>
-  <mc:AlternateContent xmlns:mc="http://schemas.openxmlformats.org/markup-compatibility/2006">
-    <mc:Choice xmlns:p14="http://schemas.microsoft.com/office/powerpoint/2010/main" Requires="p14">
+  <mc:AlternateContent xmlns:mc="http://schemas.openxmlformats.org/markup-compatibility/2006" xmlns:p14="http://schemas.microsoft.com/office/powerpoint/2010/main">
+    <mc:Choice Requires="p14">
       <p:transition spd="med" p14:dur="700" advClick="0">
         <p:fade/>
       </p:transition>
     </mc:Choice>
-    <mc:Fallback>
+    <mc:Fallback xmlns="">
       <p:transition xmlns:p14="http://schemas.microsoft.com/office/powerpoint/2010/main" spd="med" advClick="0">
         <p:fade/>
       </p:transition>
@@ -4192,14 +6358,222 @@
   <p:timing>
     <p:tnLst>
       <p:par>
-        <p:cTn xmlns:p14="http://schemas.microsoft.com/office/powerpoint/2010/main" id="1" dur="indefinite" restart="never" nodeType="tmRoot"/>
+        <p:cTn xmlns:p14="http://schemas.microsoft.com/office/powerpoint/2010/main" id="1" dur="indefinite" restart="never" nodeType="tmRoot">
+          <p:childTnLst>
+            <p:seq concurrent="1" nextAc="seek">
+              <p:cTn id="2" dur="indefinite" nodeType="mainSeq">
+                <p:childTnLst>
+                  <p:par>
+                    <p:cTn id="3" fill="hold">
+                      <p:stCondLst>
+                        <p:cond delay="indefinite"/>
+                        <p:cond evt="onBegin" delay="0">
+                          <p:tn val="2"/>
+                        </p:cond>
+                      </p:stCondLst>
+                      <p:childTnLst>
+                        <p:par>
+                          <p:cTn id="4" fill="hold">
+                            <p:stCondLst>
+                              <p:cond delay="0"/>
+                            </p:stCondLst>
+                            <p:childTnLst>
+                              <p:par>
+                                <p:cTn id="5" presetID="37" presetClass="entr" presetSubtype="0" fill="hold" nodeType="withEffect">
+                                  <p:stCondLst>
+                                    <p:cond delay="0"/>
+                                  </p:stCondLst>
+                                  <p:childTnLst>
+                                    <p:set>
+                                      <p:cBhvr>
+                                        <p:cTn id="6" dur="1" fill="hold">
+                                          <p:stCondLst>
+                                            <p:cond delay="0"/>
+                                          </p:stCondLst>
+                                        </p:cTn>
+                                        <p:tgtEl>
+                                          <p:spTgt spid="8"/>
+                                        </p:tgtEl>
+                                        <p:attrNameLst>
+                                          <p:attrName>style.visibility</p:attrName>
+                                        </p:attrNameLst>
+                                      </p:cBhvr>
+                                      <p:to>
+                                        <p:strVal val="visible"/>
+                                      </p:to>
+                                    </p:set>
+                                    <p:animEffect transition="in" filter="fade">
+                                      <p:cBhvr>
+                                        <p:cTn id="7" dur="1000"/>
+                                        <p:tgtEl>
+                                          <p:spTgt spid="8"/>
+                                        </p:tgtEl>
+                                      </p:cBhvr>
+                                    </p:animEffect>
+                                    <p:anim calcmode="lin" valueType="num">
+                                      <p:cBhvr>
+                                        <p:cTn id="8" dur="1000" fill="hold"/>
+                                        <p:tgtEl>
+                                          <p:spTgt spid="8"/>
+                                        </p:tgtEl>
+                                        <p:attrNameLst>
+                                          <p:attrName>ppt_x</p:attrName>
+                                        </p:attrNameLst>
+                                      </p:cBhvr>
+                                      <p:tavLst>
+                                        <p:tav tm="0">
+                                          <p:val>
+                                            <p:strVal val="#ppt_x"/>
+                                          </p:val>
+                                        </p:tav>
+                                        <p:tav tm="100000">
+                                          <p:val>
+                                            <p:strVal val="#ppt_x"/>
+                                          </p:val>
+                                        </p:tav>
+                                      </p:tavLst>
+                                    </p:anim>
+                                    <p:anim calcmode="lin" valueType="num">
+                                      <p:cBhvr>
+                                        <p:cTn id="9" dur="900" decel="100000" fill="hold"/>
+                                        <p:tgtEl>
+                                          <p:spTgt spid="8"/>
+                                        </p:tgtEl>
+                                        <p:attrNameLst>
+                                          <p:attrName>ppt_y</p:attrName>
+                                        </p:attrNameLst>
+                                      </p:cBhvr>
+                                      <p:tavLst>
+                                        <p:tav tm="0">
+                                          <p:val>
+                                            <p:strVal val="#ppt_y+1"/>
+                                          </p:val>
+                                        </p:tav>
+                                        <p:tav tm="100000">
+                                          <p:val>
+                                            <p:strVal val="#ppt_y-.03"/>
+                                          </p:val>
+                                        </p:tav>
+                                      </p:tavLst>
+                                    </p:anim>
+                                    <p:anim calcmode="lin" valueType="num">
+                                      <p:cBhvr>
+                                        <p:cTn id="10" dur="100" accel="100000" fill="hold">
+                                          <p:stCondLst>
+                                            <p:cond delay="900"/>
+                                          </p:stCondLst>
+                                        </p:cTn>
+                                        <p:tgtEl>
+                                          <p:spTgt spid="8"/>
+                                        </p:tgtEl>
+                                        <p:attrNameLst>
+                                          <p:attrName>ppt_y</p:attrName>
+                                        </p:attrNameLst>
+                                      </p:cBhvr>
+                                      <p:tavLst>
+                                        <p:tav tm="0">
+                                          <p:val>
+                                            <p:strVal val="#ppt_y-.03"/>
+                                          </p:val>
+                                        </p:tav>
+                                        <p:tav tm="100000">
+                                          <p:val>
+                                            <p:strVal val="#ppt_y"/>
+                                          </p:val>
+                                        </p:tav>
+                                      </p:tavLst>
+                                    </p:anim>
+                                  </p:childTnLst>
+                                </p:cTn>
+                              </p:par>
+                            </p:childTnLst>
+                          </p:cTn>
+                        </p:par>
+                      </p:childTnLst>
+                    </p:cTn>
+                  </p:par>
+                  <p:par>
+                    <p:cTn id="11" fill="hold">
+                      <p:stCondLst>
+                        <p:cond delay="indefinite"/>
+                      </p:stCondLst>
+                      <p:childTnLst>
+                        <p:par>
+                          <p:cTn id="12" fill="hold">
+                            <p:stCondLst>
+                              <p:cond delay="0"/>
+                            </p:stCondLst>
+                            <p:childTnLst>
+                              <p:par>
+                                <p:cTn id="13" presetID="22" presetClass="entr" presetSubtype="4" fill="hold" grpId="0" nodeType="clickEffect">
+                                  <p:stCondLst>
+                                    <p:cond delay="0"/>
+                                  </p:stCondLst>
+                                  <p:childTnLst>
+                                    <p:set>
+                                      <p:cBhvr>
+                                        <p:cTn id="14" dur="1" fill="hold">
+                                          <p:stCondLst>
+                                            <p:cond delay="0"/>
+                                          </p:stCondLst>
+                                        </p:cTn>
+                                        <p:tgtEl>
+                                          <p:spTgt spid="10"/>
+                                        </p:tgtEl>
+                                        <p:attrNameLst>
+                                          <p:attrName>style.visibility</p:attrName>
+                                        </p:attrNameLst>
+                                      </p:cBhvr>
+                                      <p:to>
+                                        <p:strVal val="visible"/>
+                                      </p:to>
+                                    </p:set>
+                                    <p:animEffect transition="in" filter="wipe(down)">
+                                      <p:cBhvr>
+                                        <p:cTn id="15" dur="500"/>
+                                        <p:tgtEl>
+                                          <p:spTgt spid="10"/>
+                                        </p:tgtEl>
+                                      </p:cBhvr>
+                                    </p:animEffect>
+                                  </p:childTnLst>
+                                </p:cTn>
+                              </p:par>
+                            </p:childTnLst>
+                          </p:cTn>
+                        </p:par>
+                      </p:childTnLst>
+                    </p:cTn>
+                  </p:par>
+                </p:childTnLst>
+              </p:cTn>
+              <p:prevCondLst>
+                <p:cond evt="onPrev" delay="0">
+                  <p:tgtEl>
+                    <p:sldTgt/>
+                  </p:tgtEl>
+                </p:cond>
+              </p:prevCondLst>
+              <p:nextCondLst>
+                <p:cond evt="onNext" delay="0">
+                  <p:tgtEl>
+                    <p:sldTgt/>
+                  </p:tgtEl>
+                </p:cond>
+              </p:nextCondLst>
+            </p:seq>
+          </p:childTnLst>
+        </p:cTn>
       </p:par>
     </p:tnLst>
+    <p:bldLst>
+      <p:bldP spid="10" grpId="0"/>
+    </p:bldLst>
   </p:timing>
 </p:sld>
 </file>
 
-<file path=ppt/slides/slide14.xml><?xml version="1.0" encoding="utf-8"?>
+<file path=ppt/slides/slide16.xml><?xml version="1.0" encoding="utf-8"?>
 <p:sld xmlns:a="http://schemas.openxmlformats.org/drawingml/2006/main" xmlns:r="http://schemas.openxmlformats.org/officeDocument/2006/relationships" xmlns:p="http://schemas.openxmlformats.org/presentationml/2006/main">
   <p:cSld>
     <p:spTree>
@@ -4238,7 +6612,7 @@
           <a:graphicData uri="http://schemas.openxmlformats.org/presentationml/2006/ole">
             <mc:AlternateContent xmlns:mc="http://schemas.openxmlformats.org/markup-compatibility/2006">
               <mc:Choice xmlns:v="urn:schemas-microsoft-com:vml" Requires="v">
-                <p:oleObj spid="_x0000_s8208" name="Equation" r:id="rId3" imgW="1155700" imgH="482600" progId="Equation.DSMT4">
+                <p:oleObj spid="_x0000_s8215" name="Equation" r:id="rId3" imgW="1155700" imgH="482600" progId="Equation.DSMT4">
                   <p:embed/>
                 </p:oleObj>
               </mc:Choice>
@@ -4340,7 +6714,7 @@
               <a:pPr>
                 <a:defRPr/>
               </a:pPr>
-              <a:t>14</a:t>
+              <a:t>16</a:t>
             </a:fld>
             <a:endParaRPr lang="en-US" dirty="0"/>
           </a:p>
@@ -4373,13 +6747,7 @@
               <a:rPr lang="en-US" sz="5400" dirty="0" smtClean="0">
                 <a:latin typeface="Comic Sans MS" pitchFamily="66" charset="0"/>
               </a:rPr>
-              <a:t>using rows </a:t>
-            </a:r>
-            <a:r>
-              <a:rPr lang="en-US" sz="5400" dirty="0" smtClean="0">
-                <a:latin typeface="Comic Sans MS" pitchFamily="66" charset="0"/>
-              </a:rPr>
-              <a:t>with value </a:t>
+              <a:t>using rows with value </a:t>
             </a:r>
             <a:r>
               <a:rPr lang="en-US" sz="5400" dirty="0" smtClean="0">
@@ -4418,6 +6786,9 @@
                     <p:cTn id="3" fill="hold">
                       <p:stCondLst>
                         <p:cond delay="indefinite"/>
+                        <p:cond evt="onBegin" delay="0">
+                          <p:tn val="2"/>
+                        </p:cond>
                       </p:stCondLst>
                       <p:childTnLst>
                         <p:par>
@@ -4427,7 +6798,7 @@
                             </p:stCondLst>
                             <p:childTnLst>
                               <p:par>
-                                <p:cTn id="5" presetID="10" presetClass="entr" presetSubtype="0" fill="hold" grpId="0" nodeType="clickEffect">
+                                <p:cTn id="5" presetID="10" presetClass="entr" presetSubtype="0" fill="hold" grpId="0" nodeType="afterEffect">
                                   <p:stCondLst>
                                     <p:cond delay="0"/>
                                   </p:stCondLst>
@@ -4548,7 +6919,7 @@
 </p:sld>
 </file>
 
-<file path=ppt/slides/slide15.xml><?xml version="1.0" encoding="utf-8"?>
+<file path=ppt/slides/slide17.xml><?xml version="1.0" encoding="utf-8"?>
 <p:sld xmlns:a="http://schemas.openxmlformats.org/drawingml/2006/main" xmlns:r="http://schemas.openxmlformats.org/officeDocument/2006/relationships" xmlns:p="http://schemas.openxmlformats.org/presentationml/2006/main">
   <p:cSld>
     <p:spTree>
@@ -4587,7 +6958,7 @@
           <a:graphicData uri="http://schemas.openxmlformats.org/presentationml/2006/ole">
             <mc:AlternateContent xmlns:mc="http://schemas.openxmlformats.org/markup-compatibility/2006">
               <mc:Choice xmlns:v="urn:schemas-microsoft-com:vml" Requires="v">
-                <p:oleObj spid="_x0000_s25603" name="Equation" r:id="rId3" imgW="1155700" imgH="482600" progId="Equation.DSMT4">
+                <p:oleObj spid="_x0000_s25610" name="Equation" r:id="rId3" imgW="1155700" imgH="482600" progId="Equation.DSMT4">
                   <p:embed/>
                 </p:oleObj>
               </mc:Choice>
@@ -4698,7 +7069,7 @@
               <a:pPr>
                 <a:defRPr/>
               </a:pPr>
-              <a:t>15</a:t>
+              <a:t>17</a:t>
             </a:fld>
             <a:endParaRPr lang="en-US" dirty="0"/>
           </a:p>
@@ -4727,7 +7098,7 @@
 </p:sld>
 </file>
 
-<file path=ppt/slides/slide16.xml><?xml version="1.0" encoding="utf-8"?>
+<file path=ppt/slides/slide18.xml><?xml version="1.0" encoding="utf-8"?>
 <p:sld xmlns:a="http://schemas.openxmlformats.org/drawingml/2006/main" xmlns:r="http://schemas.openxmlformats.org/officeDocument/2006/relationships" xmlns:p="http://schemas.openxmlformats.org/presentationml/2006/main">
   <p:cSld>
     <p:spTree>
@@ -4776,7 +7147,7 @@
               <a:pPr>
                 <a:defRPr/>
               </a:pPr>
-              <a:t>16</a:t>
+              <a:t>18</a:t>
             </a:fld>
             <a:endParaRPr lang="en-US" dirty="0"/>
           </a:p>
@@ -4804,7 +7175,7 @@
           <a:graphicData uri="http://schemas.openxmlformats.org/presentationml/2006/ole">
             <mc:AlternateContent xmlns:mc="http://schemas.openxmlformats.org/markup-compatibility/2006">
               <mc:Choice xmlns:v="urn:schemas-microsoft-com:vml" Requires="v">
-                <p:oleObj spid="_x0000_s10255" name="Equation" r:id="rId3" imgW="1181100" imgH="939800" progId="Equation.DSMT4">
+                <p:oleObj spid="_x0000_s10262" name="Equation" r:id="rId3" imgW="1181100" imgH="939800" progId="Equation.DSMT4">
                   <p:embed/>
                 </p:oleObj>
               </mc:Choice>
@@ -4915,12 +7286,6 @@
               </a:rPr>
               <a:t>Full</a:t>
             </a:r>
-            <a:endParaRPr lang="en-US" sz="6000" dirty="0" smtClean="0">
-              <a:solidFill>
-                <a:srgbClr val="BB0FAB"/>
-              </a:solidFill>
-              <a:latin typeface="Comic Sans MS" pitchFamily="66" charset="0"/>
-            </a:endParaRPr>
           </a:p>
         </p:txBody>
       </p:sp>
@@ -4954,16 +7319,7 @@
                 </a:solidFill>
                 <a:latin typeface="Comic Sans MS" pitchFamily="66" charset="0"/>
               </a:rPr>
-              <a:t>each sum </a:t>
-            </a:r>
-            <a:r>
-              <a:rPr lang="en-US" sz="4800" dirty="0" smtClean="0">
-                <a:solidFill>
-                  <a:srgbClr val="BB0FAB"/>
-                </a:solidFill>
-                <a:latin typeface="Comic Sans MS" pitchFamily="66" charset="0"/>
-              </a:rPr>
-              <a:t>has all variables</a:t>
+              <a:t>each sum has all variables</a:t>
             </a:r>
           </a:p>
         </p:txBody>
@@ -5180,7 +7536,7 @@
 </p:sld>
 </file>
 
-<file path=ppt/slides/slide17.xml><?xml version="1.0" encoding="utf-8"?>
+<file path=ppt/slides/slide19.xml><?xml version="1.0" encoding="utf-8"?>
 <p:sld xmlns:a="http://schemas.openxmlformats.org/drawingml/2006/main" xmlns:r="http://schemas.openxmlformats.org/officeDocument/2006/relationships" xmlns:p="http://schemas.openxmlformats.org/presentationml/2006/main">
   <p:cSld>
     <p:spTree>
@@ -5281,7 +7637,7 @@
               <a:pPr>
                 <a:defRPr/>
               </a:pPr>
-              <a:t>17</a:t>
+              <a:t>19</a:t>
             </a:fld>
             <a:endParaRPr lang="en-US" dirty="0"/>
           </a:p>
@@ -5306,241 +7662,6 @@
         <p:cTn xmlns:p14="http://schemas.microsoft.com/office/powerpoint/2010/main" id="1" dur="indefinite" restart="never" nodeType="tmRoot"/>
       </p:par>
     </p:tnLst>
-  </p:timing>
-</p:sld>
-</file>
-
-<file path=ppt/slides/slide18.xml><?xml version="1.0" encoding="utf-8"?>
-<p:sld xmlns:a="http://schemas.openxmlformats.org/drawingml/2006/main" xmlns:r="http://schemas.openxmlformats.org/officeDocument/2006/relationships" xmlns:p="http://schemas.openxmlformats.org/presentationml/2006/main" show="0">
-  <p:cSld>
-    <p:spTree>
-      <p:nvGrpSpPr>
-        <p:cNvPr id="1" name=""/>
-        <p:cNvGrpSpPr/>
-        <p:nvPr/>
-      </p:nvGrpSpPr>
-      <p:grpSpPr>
-        <a:xfrm>
-          <a:off x="0" y="0"/>
-          <a:ext cx="0" cy="0"/>
-          <a:chOff x="0" y="0"/>
-          <a:chExt cx="0" cy="0"/>
-        </a:xfrm>
-      </p:grpSpPr>
-      <p:sp>
-        <p:nvSpPr>
-          <p:cNvPr id="2" name="Title 1"/>
-          <p:cNvSpPr>
-            <a:spLocks noGrp="1"/>
-          </p:cNvSpPr>
-          <p:nvPr>
-            <p:ph type="title" sz="quarter"/>
-          </p:nvPr>
-        </p:nvSpPr>
-        <p:spPr/>
-        <p:txBody>
-          <a:bodyPr/>
-          <a:lstStyle/>
-          <a:p>
-            <a:r>
-              <a:rPr lang="en-US" dirty="0" smtClean="0"/>
-              <a:t>Every formula </a:t>
-            </a:r>
-            <a:r>
-              <a:rPr lang="en-US" dirty="0" smtClean="0">
-                <a:solidFill>
-                  <a:srgbClr val="000099"/>
-                </a:solidFill>
-                <a:latin typeface="Euclid Symbol" charset="2"/>
-                <a:cs typeface="Euclid Symbol" charset="2"/>
-              </a:rPr>
-              <a:t>≡</a:t>
-            </a:r>
-            <a:r>
-              <a:rPr lang="en-US" dirty="0" smtClean="0"/>
-              <a:t> CNF</a:t>
-            </a:r>
-            <a:endParaRPr lang="en-US" dirty="0"/>
-          </a:p>
-        </p:txBody>
-      </p:sp>
-      <p:sp>
-        <p:nvSpPr>
-          <p:cNvPr id="3" name="Slide Number Placeholder 2"/>
-          <p:cNvSpPr>
-            <a:spLocks noGrp="1"/>
-          </p:cNvSpPr>
-          <p:nvPr>
-            <p:ph type="sldNum" sz="quarter" idx="4"/>
-          </p:nvPr>
-        </p:nvSpPr>
-        <p:spPr>
-          <a:xfrm>
-            <a:off x="8057874" y="6553200"/>
-            <a:ext cx="1086130" cy="276999"/>
-          </a:xfrm>
-        </p:spPr>
-        <p:txBody>
-          <a:bodyPr/>
-          <a:lstStyle/>
-          <a:p>
-            <a:pPr>
-              <a:defRPr/>
-            </a:pPr>
-            <a:r>
-              <a:rPr lang="en-US" dirty="0" smtClean="0"/>
-              <a:t>DNF-CNF.</a:t>
-            </a:r>
-            <a:fld id="{068AF58D-0467-409E-A30A-0D5E3A2B197F}" type="slidenum">
-              <a:rPr lang="en-US" smtClean="0"/>
-              <a:pPr>
-                <a:defRPr/>
-              </a:pPr>
-              <a:t>18</a:t>
-            </a:fld>
-            <a:endParaRPr lang="en-US" dirty="0"/>
-          </a:p>
-        </p:txBody>
-      </p:sp>
-      <p:sp>
-        <p:nvSpPr>
-          <p:cNvPr id="4" name="TextBox 3"/>
-          <p:cNvSpPr txBox="1"/>
-          <p:nvPr/>
-        </p:nvSpPr>
-        <p:spPr>
-          <a:xfrm>
-            <a:off x="504149" y="2072021"/>
-            <a:ext cx="8116224" cy="2123658"/>
-          </a:xfrm>
-          <a:prstGeom prst="rect">
-            <a:avLst/>
-          </a:prstGeom>
-          <a:noFill/>
-        </p:spPr>
-        <p:txBody>
-          <a:bodyPr wrap="none" rtlCol="0">
-            <a:spAutoFit/>
-          </a:bodyPr>
-          <a:lstStyle/>
-          <a:p>
-            <a:pPr algn="l"/>
-            <a:r>
-              <a:rPr lang="en-US" sz="6600" dirty="0" smtClean="0">
-                <a:latin typeface="Comic Sans MS" pitchFamily="66" charset="0"/>
-              </a:rPr>
-              <a:t>Read the CNF right</a:t>
-            </a:r>
-          </a:p>
-          <a:p>
-            <a:pPr algn="l"/>
-            <a:r>
-              <a:rPr lang="en-US" sz="6600" dirty="0" smtClean="0">
-                <a:latin typeface="Comic Sans MS" pitchFamily="66" charset="0"/>
-              </a:rPr>
-              <a:t>off the Truth Table</a:t>
-            </a:r>
-          </a:p>
-        </p:txBody>
-      </p:sp>
-    </p:spTree>
-    <p:extLst>
-      <p:ext uri="{BB962C8B-B14F-4D97-AF65-F5344CB8AC3E}">
-        <p14:creationId xmlns:p14="http://schemas.microsoft.com/office/powerpoint/2010/main" val="2334716474"/>
-      </p:ext>
-    </p:extLst>
-  </p:cSld>
-  <p:clrMapOvr>
-    <a:masterClrMapping/>
-  </p:clrMapOvr>
-  <p:transition xmlns:p14="http://schemas.microsoft.com/office/powerpoint/2010/main" spd="slow" advClick="0">
-    <p:fade thruBlk="1"/>
-  </p:transition>
-  <p:timing>
-    <p:tnLst>
-      <p:par>
-        <p:cTn xmlns:p14="http://schemas.microsoft.com/office/powerpoint/2010/main" id="1" dur="indefinite" restart="never" nodeType="tmRoot">
-          <p:childTnLst>
-            <p:seq concurrent="1" nextAc="seek">
-              <p:cTn id="2" dur="indefinite" nodeType="mainSeq">
-                <p:childTnLst>
-                  <p:par>
-                    <p:cTn id="3" fill="hold">
-                      <p:stCondLst>
-                        <p:cond delay="indefinite"/>
-                      </p:stCondLst>
-                      <p:childTnLst>
-                        <p:par>
-                          <p:cTn id="4" fill="hold">
-                            <p:stCondLst>
-                              <p:cond delay="0"/>
-                            </p:stCondLst>
-                            <p:childTnLst>
-                              <p:par>
-                                <p:cTn id="5" presetID="10" presetClass="entr" presetSubtype="0" fill="hold" grpId="0" nodeType="clickEffect">
-                                  <p:stCondLst>
-                                    <p:cond delay="0"/>
-                                  </p:stCondLst>
-                                  <p:childTnLst>
-                                    <p:set>
-                                      <p:cBhvr>
-                                        <p:cTn id="6" dur="1" fill="hold">
-                                          <p:stCondLst>
-                                            <p:cond delay="0"/>
-                                          </p:stCondLst>
-                                        </p:cTn>
-                                        <p:tgtEl>
-                                          <p:spTgt spid="4"/>
-                                        </p:tgtEl>
-                                        <p:attrNameLst>
-                                          <p:attrName>style.visibility</p:attrName>
-                                        </p:attrNameLst>
-                                      </p:cBhvr>
-                                      <p:to>
-                                        <p:strVal val="visible"/>
-                                      </p:to>
-                                    </p:set>
-                                    <p:animEffect transition="in" filter="fade">
-                                      <p:cBhvr>
-                                        <p:cTn id="7" dur="500"/>
-                                        <p:tgtEl>
-                                          <p:spTgt spid="4"/>
-                                        </p:tgtEl>
-                                      </p:cBhvr>
-                                    </p:animEffect>
-                                  </p:childTnLst>
-                                </p:cTn>
-                              </p:par>
-                            </p:childTnLst>
-                          </p:cTn>
-                        </p:par>
-                      </p:childTnLst>
-                    </p:cTn>
-                  </p:par>
-                </p:childTnLst>
-              </p:cTn>
-              <p:prevCondLst>
-                <p:cond evt="onPrev" delay="0">
-                  <p:tgtEl>
-                    <p:sldTgt/>
-                  </p:tgtEl>
-                </p:cond>
-              </p:prevCondLst>
-              <p:nextCondLst>
-                <p:cond evt="onNext" delay="0">
-                  <p:tgtEl>
-                    <p:sldTgt/>
-                  </p:tgtEl>
-                </p:cond>
-              </p:nextCondLst>
-            </p:seq>
-          </p:childTnLst>
-        </p:cTn>
-      </p:par>
-    </p:tnLst>
-    <p:bldLst>
-      <p:bldP spid="4" grpId="0"/>
-    </p:bldLst>
   </p:timing>
 </p:sld>
 </file>
@@ -5743,12 +7864,6 @@
               </a:rPr>
               <a:t> </a:t>
             </a:r>
-            <a:endParaRPr lang="en-US" sz="8000" dirty="0" smtClean="0">
-              <a:solidFill>
-                <a:srgbClr val="000000"/>
-              </a:solidFill>
-              <a:latin typeface="Comic Sans MS" pitchFamily="66" charset="0"/>
-            </a:endParaRPr>
           </a:p>
           <a:p>
             <a:r>
@@ -5758,8 +7873,10 @@
                 </a:solidFill>
                 <a:latin typeface="Comic Sans MS" pitchFamily="66" charset="0"/>
               </a:rPr>
-              <a:t>Normal </a:t>
-            </a:r>
+              <a:t>Normal Form</a:t>
+            </a:r>
+          </a:p>
+          <a:p>
             <a:r>
               <a:rPr lang="en-US" sz="8000" dirty="0" smtClean="0">
                 <a:solidFill>
@@ -5767,25 +7884,8 @@
                 </a:solidFill>
                 <a:latin typeface="Comic Sans MS" pitchFamily="66" charset="0"/>
               </a:rPr>
-              <a:t>Form</a:t>
-            </a:r>
-          </a:p>
-          <a:p>
-            <a:r>
-              <a:rPr lang="en-US" sz="8000" dirty="0" smtClean="0">
-                <a:solidFill>
-                  <a:srgbClr val="000000"/>
-                </a:solidFill>
-                <a:latin typeface="Comic Sans MS" pitchFamily="66" charset="0"/>
-              </a:rPr>
               <a:t>(DNF)</a:t>
             </a:r>
-            <a:endParaRPr lang="en-US" sz="8000" dirty="0" smtClean="0">
-              <a:solidFill>
-                <a:srgbClr val="000000"/>
-              </a:solidFill>
-              <a:latin typeface="Comic Sans MS" pitchFamily="66" charset="0"/>
-            </a:endParaRPr>
           </a:p>
         </p:txBody>
       </p:sp>
@@ -5940,6 +8040,530 @@
     <p:bldLst>
       <p:bldP spid="4" grpId="0"/>
       <p:bldP spid="5" grpId="1"/>
+    </p:bldLst>
+  </p:timing>
+</p:sld>
+</file>
+
+<file path=ppt/slides/slide20.xml><?xml version="1.0" encoding="utf-8"?>
+<p:sld xmlns:a="http://schemas.openxmlformats.org/drawingml/2006/main" xmlns:r="http://schemas.openxmlformats.org/officeDocument/2006/relationships" xmlns:p="http://schemas.openxmlformats.org/presentationml/2006/main">
+  <p:cSld>
+    <p:spTree>
+      <p:nvGrpSpPr>
+        <p:cNvPr id="1" name=""/>
+        <p:cNvGrpSpPr/>
+        <p:nvPr/>
+      </p:nvGrpSpPr>
+      <p:grpSpPr>
+        <a:xfrm>
+          <a:off x="0" y="0"/>
+          <a:ext cx="0" cy="0"/>
+          <a:chOff x="0" y="0"/>
+          <a:chExt cx="0" cy="0"/>
+        </a:xfrm>
+      </p:grpSpPr>
+      <p:sp>
+        <p:nvSpPr>
+          <p:cNvPr id="3" name="Slide Number Placeholder 2"/>
+          <p:cNvSpPr>
+            <a:spLocks noGrp="1"/>
+          </p:cNvSpPr>
+          <p:nvPr>
+            <p:ph type="sldNum" sz="quarter" idx="4"/>
+          </p:nvPr>
+        </p:nvSpPr>
+        <p:spPr>
+          <a:xfrm>
+            <a:off x="8057874" y="6553200"/>
+            <a:ext cx="1086130" cy="276999"/>
+          </a:xfrm>
+        </p:spPr>
+        <p:txBody>
+          <a:bodyPr/>
+          <a:lstStyle/>
+          <a:p>
+            <a:pPr>
+              <a:defRPr/>
+            </a:pPr>
+            <a:r>
+              <a:rPr lang="en-US" dirty="0" smtClean="0"/>
+              <a:t>DNF-CNF.</a:t>
+            </a:r>
+            <a:fld id="{068AF58D-0467-409E-A30A-0D5E3A2B197F}" type="slidenum">
+              <a:rPr lang="en-US" smtClean="0"/>
+              <a:pPr>
+                <a:defRPr/>
+              </a:pPr>
+              <a:t>20</a:t>
+            </a:fld>
+            <a:endParaRPr lang="en-US" dirty="0"/>
+          </a:p>
+        </p:txBody>
+      </p:sp>
+      <p:sp>
+        <p:nvSpPr>
+          <p:cNvPr id="4" name="TextBox 3"/>
+          <p:cNvSpPr txBox="1"/>
+          <p:nvPr/>
+        </p:nvSpPr>
+        <p:spPr>
+          <a:xfrm>
+            <a:off x="405360" y="1430175"/>
+            <a:ext cx="8294571" cy="3942618"/>
+          </a:xfrm>
+          <a:prstGeom prst="rect">
+            <a:avLst/>
+          </a:prstGeom>
+          <a:noFill/>
+        </p:spPr>
+        <p:txBody>
+          <a:bodyPr wrap="none" rtlCol="0">
+            <a:spAutoFit/>
+          </a:bodyPr>
+          <a:lstStyle/>
+          <a:p>
+            <a:pPr algn="l"/>
+            <a:r>
+              <a:rPr lang="en-US" sz="4800" dirty="0" smtClean="0">
+                <a:solidFill>
+                  <a:srgbClr val="800000"/>
+                </a:solidFill>
+                <a:latin typeface="Comic Sans MS" pitchFamily="66" charset="0"/>
+              </a:rPr>
+              <a:t>Corollary:</a:t>
+            </a:r>
+            <a:r>
+              <a:rPr lang="en-US" sz="5400" dirty="0" smtClean="0">
+                <a:solidFill>
+                  <a:srgbClr val="800000"/>
+                </a:solidFill>
+                <a:latin typeface="Comic Sans MS" pitchFamily="66" charset="0"/>
+              </a:rPr>
+              <a:t> </a:t>
+            </a:r>
+            <a:r>
+              <a:rPr lang="en-US" sz="5400" dirty="0" smtClean="0">
+                <a:latin typeface="Comic Sans MS" pitchFamily="66" charset="0"/>
+              </a:rPr>
+              <a:t>If </a:t>
+            </a:r>
+            <a:r>
+              <a:rPr lang="en-US" sz="5400" dirty="0" smtClean="0">
+                <a:latin typeface="Comic Sans MS" pitchFamily="66" charset="0"/>
+              </a:rPr>
+              <a:t>two</a:t>
+            </a:r>
+            <a:r>
+              <a:rPr lang="en-US" sz="5400" dirty="0" smtClean="0">
+                <a:latin typeface="Comic Sans MS" pitchFamily="66" charset="0"/>
+              </a:rPr>
+              <a:t> </a:t>
+            </a:r>
+            <a:r>
+              <a:rPr lang="en-US" sz="5400" dirty="0" smtClean="0">
+                <a:latin typeface="Comic Sans MS" pitchFamily="66" charset="0"/>
+              </a:rPr>
+              <a:t>formulas</a:t>
+            </a:r>
+          </a:p>
+          <a:p>
+            <a:pPr algn="l"/>
+            <a:r>
+              <a:rPr lang="en-US" sz="5400" dirty="0" smtClean="0">
+                <a:latin typeface="Comic Sans MS" pitchFamily="66" charset="0"/>
+              </a:rPr>
+              <a:t>are equivalent </a:t>
+            </a:r>
+            <a:r>
+              <a:rPr lang="en-US" sz="5400" dirty="0" smtClean="0">
+                <a:latin typeface="Comic Sans MS" pitchFamily="66" charset="0"/>
+              </a:rPr>
+              <a:t>then </a:t>
+            </a:r>
+            <a:r>
+              <a:rPr lang="en-US" sz="5400" dirty="0" smtClean="0">
+                <a:latin typeface="Comic Sans MS" pitchFamily="66" charset="0"/>
+              </a:rPr>
+              <a:t>they</a:t>
+            </a:r>
+          </a:p>
+          <a:p>
+            <a:pPr algn="l"/>
+            <a:r>
+              <a:rPr lang="en-US" sz="5400" dirty="0" smtClean="0">
+                <a:latin typeface="Comic Sans MS" pitchFamily="66" charset="0"/>
+              </a:rPr>
+              <a:t>have the same* </a:t>
+            </a:r>
+            <a:r>
+              <a:rPr lang="en-US" sz="5400" dirty="0" smtClean="0">
+                <a:latin typeface="Comic Sans MS" pitchFamily="66" charset="0"/>
+              </a:rPr>
+              <a:t>Full </a:t>
+            </a:r>
+            <a:r>
+              <a:rPr lang="en-US" sz="5400" dirty="0" smtClean="0">
+                <a:solidFill>
+                  <a:srgbClr val="DC11CA"/>
+                </a:solidFill>
+                <a:latin typeface="Comic Sans MS" pitchFamily="66" charset="0"/>
+              </a:rPr>
+              <a:t>C</a:t>
+            </a:r>
+            <a:r>
+              <a:rPr lang="en-US" sz="5400" dirty="0" smtClean="0">
+                <a:latin typeface="Comic Sans MS" pitchFamily="66" charset="0"/>
+              </a:rPr>
+              <a:t>NF</a:t>
+            </a:r>
+            <a:endParaRPr lang="en-US" sz="5400" dirty="0" smtClean="0">
+              <a:latin typeface="Comic Sans MS" pitchFamily="66" charset="0"/>
+            </a:endParaRPr>
+          </a:p>
+          <a:p>
+            <a:pPr algn="l">
+              <a:lnSpc>
+                <a:spcPct val="80000"/>
+              </a:lnSpc>
+            </a:pPr>
+            <a:endParaRPr lang="en-US" sz="4800" dirty="0">
+              <a:latin typeface="Comic Sans MS" pitchFamily="66" charset="0"/>
+            </a:endParaRPr>
+          </a:p>
+          <a:p>
+            <a:pPr algn="l">
+              <a:lnSpc>
+                <a:spcPct val="80000"/>
+              </a:lnSpc>
+            </a:pPr>
+            <a:r>
+              <a:rPr lang="en-US" sz="4800" dirty="0" smtClean="0">
+                <a:latin typeface="Comic Sans MS" pitchFamily="66" charset="0"/>
+              </a:rPr>
+              <a:t>*sorted</a:t>
+            </a:r>
+            <a:endParaRPr lang="en-US" sz="4800" dirty="0" smtClean="0">
+              <a:latin typeface="Comic Sans MS" pitchFamily="66" charset="0"/>
+            </a:endParaRPr>
+          </a:p>
+        </p:txBody>
+      </p:sp>
+      <p:sp>
+        <p:nvSpPr>
+          <p:cNvPr id="6" name="Title 1"/>
+          <p:cNvSpPr>
+            <a:spLocks noGrp="1"/>
+          </p:cNvSpPr>
+          <p:nvPr>
+            <p:ph type="title" sz="quarter"/>
+          </p:nvPr>
+        </p:nvSpPr>
+        <p:spPr>
+          <a:xfrm>
+            <a:off x="1488856" y="336518"/>
+            <a:ext cx="7493000" cy="973949"/>
+          </a:xfrm>
+        </p:spPr>
+        <p:txBody>
+          <a:bodyPr/>
+          <a:lstStyle/>
+          <a:p>
+            <a:r>
+              <a:rPr lang="en-US" dirty="0" smtClean="0"/>
+              <a:t>Every formula </a:t>
+            </a:r>
+            <a:r>
+              <a:rPr lang="en-US" dirty="0" smtClean="0">
+                <a:solidFill>
+                  <a:srgbClr val="000099"/>
+                </a:solidFill>
+                <a:latin typeface="Euclid Symbol" charset="2"/>
+                <a:cs typeface="Euclid Symbol" charset="2"/>
+              </a:rPr>
+              <a:t>≡</a:t>
+            </a:r>
+            <a:r>
+              <a:rPr lang="en-US" dirty="0" smtClean="0"/>
+              <a:t> Full </a:t>
+            </a:r>
+            <a:r>
+              <a:rPr lang="en-US" dirty="0" smtClean="0">
+                <a:solidFill>
+                  <a:srgbClr val="DC11CA"/>
+                </a:solidFill>
+              </a:rPr>
+              <a:t>C</a:t>
+            </a:r>
+            <a:r>
+              <a:rPr lang="en-US" dirty="0" smtClean="0"/>
+              <a:t>NF</a:t>
+            </a:r>
+            <a:endParaRPr lang="en-US" dirty="0"/>
+          </a:p>
+        </p:txBody>
+      </p:sp>
+    </p:spTree>
+    <p:extLst>
+      <p:ext uri="{BB962C8B-B14F-4D97-AF65-F5344CB8AC3E}">
+        <p14:creationId xmlns:p14="http://schemas.microsoft.com/office/powerpoint/2010/main" val="1956444830"/>
+      </p:ext>
+    </p:extLst>
+  </p:cSld>
+  <p:clrMapOvr>
+    <a:masterClrMapping/>
+  </p:clrMapOvr>
+  <mc:AlternateContent xmlns:mc="http://schemas.openxmlformats.org/markup-compatibility/2006" xmlns:p14="http://schemas.microsoft.com/office/powerpoint/2010/main">
+    <mc:Choice Requires="p14">
+      <p:transition spd="med" p14:dur="700" advClick="0">
+        <p:fade/>
+      </p:transition>
+    </mc:Choice>
+    <mc:Fallback xmlns="">
+      <p:transition xmlns:p14="http://schemas.microsoft.com/office/powerpoint/2010/main" spd="med" advClick="0">
+        <p:fade/>
+      </p:transition>
+    </mc:Fallback>
+  </mc:AlternateContent>
+  <p:timing>
+    <p:tnLst>
+      <p:par>
+        <p:cTn xmlns:p14="http://schemas.microsoft.com/office/powerpoint/2010/main" id="1" dur="indefinite" restart="never" nodeType="tmRoot"/>
+      </p:par>
+    </p:tnLst>
+  </p:timing>
+</p:sld>
+</file>
+
+<file path=ppt/slides/slide21.xml><?xml version="1.0" encoding="utf-8"?>
+<p:sld xmlns:a="http://schemas.openxmlformats.org/drawingml/2006/main" xmlns:r="http://schemas.openxmlformats.org/officeDocument/2006/relationships" xmlns:p="http://schemas.openxmlformats.org/presentationml/2006/main" show="0">
+  <p:cSld>
+    <p:spTree>
+      <p:nvGrpSpPr>
+        <p:cNvPr id="1" name=""/>
+        <p:cNvGrpSpPr/>
+        <p:nvPr/>
+      </p:nvGrpSpPr>
+      <p:grpSpPr>
+        <a:xfrm>
+          <a:off x="0" y="0"/>
+          <a:ext cx="0" cy="0"/>
+          <a:chOff x="0" y="0"/>
+          <a:chExt cx="0" cy="0"/>
+        </a:xfrm>
+      </p:grpSpPr>
+      <p:sp>
+        <p:nvSpPr>
+          <p:cNvPr id="2" name="Title 1"/>
+          <p:cNvSpPr>
+            <a:spLocks noGrp="1"/>
+          </p:cNvSpPr>
+          <p:nvPr>
+            <p:ph type="title" sz="quarter"/>
+          </p:nvPr>
+        </p:nvSpPr>
+        <p:spPr/>
+        <p:txBody>
+          <a:bodyPr/>
+          <a:lstStyle/>
+          <a:p>
+            <a:r>
+              <a:rPr lang="en-US" dirty="0" smtClean="0"/>
+              <a:t>Every formula </a:t>
+            </a:r>
+            <a:r>
+              <a:rPr lang="en-US" dirty="0" smtClean="0">
+                <a:solidFill>
+                  <a:srgbClr val="000099"/>
+                </a:solidFill>
+                <a:latin typeface="Euclid Symbol" charset="2"/>
+                <a:cs typeface="Euclid Symbol" charset="2"/>
+              </a:rPr>
+              <a:t>≡</a:t>
+            </a:r>
+            <a:r>
+              <a:rPr lang="en-US" dirty="0" smtClean="0"/>
+              <a:t> CNF</a:t>
+            </a:r>
+            <a:endParaRPr lang="en-US" dirty="0"/>
+          </a:p>
+        </p:txBody>
+      </p:sp>
+      <p:sp>
+        <p:nvSpPr>
+          <p:cNvPr id="3" name="Slide Number Placeholder 2"/>
+          <p:cNvSpPr>
+            <a:spLocks noGrp="1"/>
+          </p:cNvSpPr>
+          <p:nvPr>
+            <p:ph type="sldNum" sz="quarter" idx="4"/>
+          </p:nvPr>
+        </p:nvSpPr>
+        <p:spPr>
+          <a:xfrm>
+            <a:off x="8057874" y="6553200"/>
+            <a:ext cx="1086130" cy="276999"/>
+          </a:xfrm>
+        </p:spPr>
+        <p:txBody>
+          <a:bodyPr/>
+          <a:lstStyle/>
+          <a:p>
+            <a:pPr>
+              <a:defRPr/>
+            </a:pPr>
+            <a:r>
+              <a:rPr lang="en-US" dirty="0" smtClean="0"/>
+              <a:t>DNF-CNF.</a:t>
+            </a:r>
+            <a:fld id="{068AF58D-0467-409E-A30A-0D5E3A2B197F}" type="slidenum">
+              <a:rPr lang="en-US" smtClean="0"/>
+              <a:pPr>
+                <a:defRPr/>
+              </a:pPr>
+              <a:t>21</a:t>
+            </a:fld>
+            <a:endParaRPr lang="en-US" dirty="0"/>
+          </a:p>
+        </p:txBody>
+      </p:sp>
+      <p:sp>
+        <p:nvSpPr>
+          <p:cNvPr id="4" name="TextBox 3"/>
+          <p:cNvSpPr txBox="1"/>
+          <p:nvPr/>
+        </p:nvSpPr>
+        <p:spPr>
+          <a:xfrm>
+            <a:off x="504149" y="2072021"/>
+            <a:ext cx="8116224" cy="2123658"/>
+          </a:xfrm>
+          <a:prstGeom prst="rect">
+            <a:avLst/>
+          </a:prstGeom>
+          <a:noFill/>
+        </p:spPr>
+        <p:txBody>
+          <a:bodyPr wrap="none" rtlCol="0">
+            <a:spAutoFit/>
+          </a:bodyPr>
+          <a:lstStyle/>
+          <a:p>
+            <a:pPr algn="l"/>
+            <a:r>
+              <a:rPr lang="en-US" sz="6600" dirty="0" smtClean="0">
+                <a:latin typeface="Comic Sans MS" pitchFamily="66" charset="0"/>
+              </a:rPr>
+              <a:t>Read the CNF right</a:t>
+            </a:r>
+          </a:p>
+          <a:p>
+            <a:pPr algn="l"/>
+            <a:r>
+              <a:rPr lang="en-US" sz="6600" dirty="0" smtClean="0">
+                <a:latin typeface="Comic Sans MS" pitchFamily="66" charset="0"/>
+              </a:rPr>
+              <a:t>off the Truth Table</a:t>
+            </a:r>
+          </a:p>
+        </p:txBody>
+      </p:sp>
+    </p:spTree>
+    <p:extLst>
+      <p:ext uri="{BB962C8B-B14F-4D97-AF65-F5344CB8AC3E}">
+        <p14:creationId xmlns:p14="http://schemas.microsoft.com/office/powerpoint/2010/main" val="2334716474"/>
+      </p:ext>
+    </p:extLst>
+  </p:cSld>
+  <p:clrMapOvr>
+    <a:masterClrMapping/>
+  </p:clrMapOvr>
+  <p:transition xmlns:p14="http://schemas.microsoft.com/office/powerpoint/2010/main" spd="slow" advClick="0">
+    <p:fade thruBlk="1"/>
+  </p:transition>
+  <p:timing>
+    <p:tnLst>
+      <p:par>
+        <p:cTn xmlns:p14="http://schemas.microsoft.com/office/powerpoint/2010/main" id="1" dur="indefinite" restart="never" nodeType="tmRoot">
+          <p:childTnLst>
+            <p:seq concurrent="1" nextAc="seek">
+              <p:cTn id="2" dur="indefinite" nodeType="mainSeq">
+                <p:childTnLst>
+                  <p:par>
+                    <p:cTn id="3" fill="hold">
+                      <p:stCondLst>
+                        <p:cond delay="indefinite"/>
+                      </p:stCondLst>
+                      <p:childTnLst>
+                        <p:par>
+                          <p:cTn id="4" fill="hold">
+                            <p:stCondLst>
+                              <p:cond delay="0"/>
+                            </p:stCondLst>
+                            <p:childTnLst>
+                              <p:par>
+                                <p:cTn id="5" presetID="10" presetClass="entr" presetSubtype="0" fill="hold" grpId="0" nodeType="clickEffect">
+                                  <p:stCondLst>
+                                    <p:cond delay="0"/>
+                                  </p:stCondLst>
+                                  <p:childTnLst>
+                                    <p:set>
+                                      <p:cBhvr>
+                                        <p:cTn id="6" dur="1" fill="hold">
+                                          <p:stCondLst>
+                                            <p:cond delay="0"/>
+                                          </p:stCondLst>
+                                        </p:cTn>
+                                        <p:tgtEl>
+                                          <p:spTgt spid="4"/>
+                                        </p:tgtEl>
+                                        <p:attrNameLst>
+                                          <p:attrName>style.visibility</p:attrName>
+                                        </p:attrNameLst>
+                                      </p:cBhvr>
+                                      <p:to>
+                                        <p:strVal val="visible"/>
+                                      </p:to>
+                                    </p:set>
+                                    <p:animEffect transition="in" filter="fade">
+                                      <p:cBhvr>
+                                        <p:cTn id="7" dur="500"/>
+                                        <p:tgtEl>
+                                          <p:spTgt spid="4"/>
+                                        </p:tgtEl>
+                                      </p:cBhvr>
+                                    </p:animEffect>
+                                  </p:childTnLst>
+                                </p:cTn>
+                              </p:par>
+                            </p:childTnLst>
+                          </p:cTn>
+                        </p:par>
+                      </p:childTnLst>
+                    </p:cTn>
+                  </p:par>
+                </p:childTnLst>
+              </p:cTn>
+              <p:prevCondLst>
+                <p:cond evt="onPrev" delay="0">
+                  <p:tgtEl>
+                    <p:sldTgt/>
+                  </p:tgtEl>
+                </p:cond>
+              </p:prevCondLst>
+              <p:nextCondLst>
+                <p:cond evt="onNext" delay="0">
+                  <p:tgtEl>
+                    <p:sldTgt/>
+                  </p:tgtEl>
+                </p:cond>
+              </p:nextCondLst>
+            </p:seq>
+          </p:childTnLst>
+        </p:cTn>
+      </p:par>
+    </p:tnLst>
+    <p:bldLst>
+      <p:bldP spid="4" grpId="0"/>
     </p:bldLst>
   </p:timing>
 </p:sld>
@@ -7503,6 +10127,69 @@
           </a:p>
         </p:txBody>
       </p:sp>
+      <p:sp>
+        <p:nvSpPr>
+          <p:cNvPr id="2" name="Rounded Rectangle 1"/>
+          <p:cNvSpPr/>
+          <p:nvPr/>
+        </p:nvSpPr>
+        <p:spPr bwMode="auto">
+          <a:xfrm>
+            <a:off x="2134839" y="2593915"/>
+            <a:ext cx="5810003" cy="526889"/>
+          </a:xfrm>
+          <a:prstGeom prst="roundRect">
+            <a:avLst/>
+          </a:prstGeom>
+          <a:noFill/>
+          <a:ln w="44450" cap="flat" cmpd="sng" algn="ctr">
+            <a:solidFill>
+              <a:srgbClr val="BB0FAB"/>
+            </a:solidFill>
+            <a:prstDash val="sysDash"/>
+            <a:round/>
+            <a:headEnd type="none" w="med" len="med"/>
+            <a:tailEnd type="none" w="med" len="med"/>
+          </a:ln>
+          <a:effectLst/>
+        </p:spPr>
+        <p:txBody>
+          <a:bodyPr vert="horz" wrap="none" lIns="91440" tIns="45720" rIns="91440" bIns="45720" numCol="1" rtlCol="0" anchor="ctr" anchorCtr="0" compatLnSpc="1">
+            <a:prstTxWarp prst="textNoShape">
+              <a:avLst/>
+            </a:prstTxWarp>
+          </a:bodyPr>
+          <a:lstStyle/>
+          <a:p>
+            <a:pPr marL="0" marR="0" indent="0" algn="ctr" defTabSz="914400" rtl="0" eaLnBrk="1" fontAlgn="base" latinLnBrk="0" hangingPunct="1">
+              <a:lnSpc>
+                <a:spcPct val="100000"/>
+              </a:lnSpc>
+              <a:spcBef>
+                <a:spcPct val="0"/>
+              </a:spcBef>
+              <a:spcAft>
+                <a:spcPct val="0"/>
+              </a:spcAft>
+              <a:buClrTx/>
+              <a:buSzTx/>
+              <a:buFontTx/>
+              <a:buNone/>
+              <a:tabLst/>
+            </a:pPr>
+            <a:endParaRPr kumimoji="0" lang="en-US" sz="3200" b="0" i="0" u="none" strike="noStrike" cap="none" normalizeH="0" baseline="0" smtClean="0">
+              <a:ln>
+                <a:noFill/>
+              </a:ln>
+              <a:solidFill>
+                <a:schemeClr val="tx1"/>
+              </a:solidFill>
+              <a:effectLst/>
+              <a:latin typeface="Times New Roman" pitchFamily="18" charset="0"/>
+            </a:endParaRPr>
+          </a:p>
+        </p:txBody>
+      </p:sp>
     </p:spTree>
     <p:extLst>
       <p:ext uri="{BB962C8B-B14F-4D97-AF65-F5344CB8AC3E}">
@@ -7519,9 +10206,88 @@
   <p:timing>
     <p:tnLst>
       <p:par>
-        <p:cTn xmlns:p14="http://schemas.microsoft.com/office/powerpoint/2010/main" id="1" dur="indefinite" restart="never" nodeType="tmRoot"/>
+        <p:cTn xmlns:p14="http://schemas.microsoft.com/office/powerpoint/2010/main" id="1" dur="indefinite" restart="never" nodeType="tmRoot">
+          <p:childTnLst>
+            <p:seq concurrent="1" nextAc="seek">
+              <p:cTn id="2" dur="indefinite" nodeType="mainSeq">
+                <p:childTnLst>
+                  <p:par>
+                    <p:cTn id="3" fill="hold">
+                      <p:stCondLst>
+                        <p:cond delay="indefinite"/>
+                      </p:stCondLst>
+                      <p:childTnLst>
+                        <p:par>
+                          <p:cTn id="4" fill="hold">
+                            <p:stCondLst>
+                              <p:cond delay="0"/>
+                            </p:stCondLst>
+                            <p:childTnLst>
+                              <p:par>
+                                <p:cTn id="5" presetID="22" presetClass="entr" presetSubtype="8" fill="hold" grpId="0" nodeType="clickEffect">
+                                  <p:stCondLst>
+                                    <p:cond delay="0"/>
+                                  </p:stCondLst>
+                                  <p:childTnLst>
+                                    <p:set>
+                                      <p:cBhvr>
+                                        <p:cTn id="6" dur="1" fill="hold">
+                                          <p:stCondLst>
+                                            <p:cond delay="0"/>
+                                          </p:stCondLst>
+                                        </p:cTn>
+                                        <p:tgtEl>
+                                          <p:spTgt spid="2"/>
+                                        </p:tgtEl>
+                                        <p:attrNameLst>
+                                          <p:attrName>style.visibility</p:attrName>
+                                        </p:attrNameLst>
+                                      </p:cBhvr>
+                                      <p:to>
+                                        <p:strVal val="visible"/>
+                                      </p:to>
+                                    </p:set>
+                                    <p:animEffect transition="in" filter="wipe(left)">
+                                      <p:cBhvr>
+                                        <p:cTn id="7" dur="500"/>
+                                        <p:tgtEl>
+                                          <p:spTgt spid="2"/>
+                                        </p:tgtEl>
+                                      </p:cBhvr>
+                                    </p:animEffect>
+                                  </p:childTnLst>
+                                </p:cTn>
+                              </p:par>
+                            </p:childTnLst>
+                          </p:cTn>
+                        </p:par>
+                      </p:childTnLst>
+                    </p:cTn>
+                  </p:par>
+                </p:childTnLst>
+              </p:cTn>
+              <p:prevCondLst>
+                <p:cond evt="onPrev" delay="0">
+                  <p:tgtEl>
+                    <p:sldTgt/>
+                  </p:tgtEl>
+                </p:cond>
+              </p:prevCondLst>
+              <p:nextCondLst>
+                <p:cond evt="onNext" delay="0">
+                  <p:tgtEl>
+                    <p:sldTgt/>
+                  </p:tgtEl>
+                </p:cond>
+              </p:nextCondLst>
+            </p:seq>
+          </p:childTnLst>
+        </p:cTn>
       </p:par>
     </p:tnLst>
+    <p:bldLst>
+      <p:bldP spid="2" grpId="0" animBg="1"/>
+    </p:bldLst>
   </p:timing>
 </p:sld>
 </file>
@@ -7543,41 +10309,6 @@
           <a:chExt cx="0" cy="0"/>
         </a:xfrm>
       </p:grpSpPr>
-      <p:sp>
-        <p:nvSpPr>
-          <p:cNvPr id="2" name="Title 1"/>
-          <p:cNvSpPr>
-            <a:spLocks noGrp="1"/>
-          </p:cNvSpPr>
-          <p:nvPr>
-            <p:ph type="title" sz="quarter"/>
-          </p:nvPr>
-        </p:nvSpPr>
-        <p:spPr/>
-        <p:txBody>
-          <a:bodyPr/>
-          <a:lstStyle/>
-          <a:p>
-            <a:r>
-              <a:rPr lang="en-US" dirty="0" smtClean="0"/>
-              <a:t>A Product (</a:t>
-            </a:r>
-            <a:r>
-              <a:rPr lang="en-US" sz="3600" dirty="0" smtClean="0">
-                <a:solidFill>
-                  <a:srgbClr val="0000E5"/>
-                </a:solidFill>
-              </a:rPr>
-              <a:t>AND</a:t>
-            </a:r>
-            <a:r>
-              <a:rPr lang="en-US" dirty="0" smtClean="0"/>
-              <a:t>) Term</a:t>
-            </a:r>
-            <a:endParaRPr lang="en-US" dirty="0"/>
-          </a:p>
-        </p:txBody>
-      </p:sp>
       <p:sp>
         <p:nvSpPr>
           <p:cNvPr id="3" name="Slide Number Placeholder 2"/>
@@ -7703,7 +10434,7 @@
           <a:graphicData uri="http://schemas.openxmlformats.org/presentationml/2006/ole">
             <mc:AlternateContent xmlns:mc="http://schemas.openxmlformats.org/markup-compatibility/2006">
               <mc:Choice xmlns:v="urn:schemas-microsoft-com:vml" Requires="v">
-                <p:oleObj spid="_x0000_s1063" name="Equation" r:id="rId3" imgW="1066800" imgH="254000" progId="Equation.DSMT4">
+                <p:oleObj spid="_x0000_s1071" name="Equation" r:id="rId3" imgW="1066800" imgH="254000" progId="Equation.DSMT4">
                   <p:embed/>
                 </p:oleObj>
               </mc:Choice>
@@ -7786,34 +10517,131 @@
               <a:rPr lang="en-US" sz="5400" dirty="0" smtClean="0">
                 <a:latin typeface="Comic Sans MS" pitchFamily="66" charset="0"/>
               </a:rPr>
-              <a:t> in the row </a:t>
-            </a:r>
-            <a:r>
-              <a:rPr lang="en-US" sz="5400" dirty="0" smtClean="0">
-                <a:solidFill>
-                  <a:srgbClr val="006600"/>
-                </a:solidFill>
-                <a:latin typeface="Comic Sans MS" pitchFamily="66" charset="0"/>
-              </a:rPr>
-              <a:t>TT</a:t>
-            </a:r>
-            <a:r>
-              <a:rPr lang="en-US" sz="5400" dirty="0" smtClean="0">
-                <a:solidFill>
-                  <a:srgbClr val="FF0000"/>
-                </a:solidFill>
-                <a:latin typeface="Comic Sans MS" pitchFamily="66" charset="0"/>
-              </a:rPr>
-              <a:t>F </a:t>
+              <a:t> in </a:t>
             </a:r>
             <a:r>
               <a:rPr lang="en-US" sz="5400" dirty="0" smtClean="0">
                 <a:latin typeface="Comic Sans MS" pitchFamily="66" charset="0"/>
               </a:rPr>
+              <a:t>that </a:t>
+            </a:r>
+            <a:r>
+              <a:rPr lang="en-US" sz="5400" dirty="0" smtClean="0">
+                <a:latin typeface="Comic Sans MS" pitchFamily="66" charset="0"/>
+              </a:rPr>
+              <a:t>row </a:t>
+            </a:r>
+            <a:r>
+              <a:rPr lang="en-US" sz="5400" dirty="0" smtClean="0">
+                <a:latin typeface="Comic Sans MS" pitchFamily="66" charset="0"/>
+              </a:rPr>
               <a:t>only</a:t>
             </a:r>
             <a:endParaRPr lang="en-US" sz="5400" dirty="0" smtClean="0">
               <a:latin typeface="Comic Sans MS" pitchFamily="66" charset="0"/>
+            </a:endParaRPr>
+          </a:p>
+        </p:txBody>
+      </p:sp>
+      <p:sp>
+        <p:nvSpPr>
+          <p:cNvPr id="8" name="Title 1"/>
+          <p:cNvSpPr>
+            <a:spLocks noGrp="1"/>
+          </p:cNvSpPr>
+          <p:nvPr>
+            <p:ph type="title" sz="quarter"/>
+          </p:nvPr>
+        </p:nvSpPr>
+        <p:spPr>
+          <a:xfrm>
+            <a:off x="1651000" y="363538"/>
+            <a:ext cx="6794500" cy="1003300"/>
+          </a:xfrm>
+        </p:spPr>
+        <p:txBody>
+          <a:bodyPr/>
+          <a:lstStyle/>
+          <a:p>
+            <a:r>
+              <a:rPr lang="en-US" dirty="0" smtClean="0"/>
+              <a:t>A Product (</a:t>
+            </a:r>
+            <a:r>
+              <a:rPr lang="en-US" dirty="0" smtClean="0">
+                <a:solidFill>
+                  <a:srgbClr val="0000E5"/>
+                </a:solidFill>
+              </a:rPr>
+              <a:t>AND</a:t>
+            </a:r>
+            <a:r>
+              <a:rPr lang="en-US" dirty="0" smtClean="0"/>
+              <a:t>) Term</a:t>
+            </a:r>
+            <a:endParaRPr lang="en-US" dirty="0"/>
+          </a:p>
+        </p:txBody>
+      </p:sp>
+      <p:sp>
+        <p:nvSpPr>
+          <p:cNvPr id="9" name="Rounded Rectangle 8"/>
+          <p:cNvSpPr/>
+          <p:nvPr/>
+        </p:nvSpPr>
+        <p:spPr bwMode="auto">
+          <a:xfrm>
+            <a:off x="1445745" y="2485835"/>
+            <a:ext cx="6242376" cy="1229408"/>
+          </a:xfrm>
+          <a:prstGeom prst="roundRect">
+            <a:avLst/>
+          </a:prstGeom>
+          <a:noFill/>
+          <a:ln w="47625" cap="flat" cmpd="sng" algn="ctr">
+            <a:solidFill>
+              <a:srgbClr val="DC11CA"/>
+            </a:solidFill>
+            <a:prstDash val="sysDash"/>
+            <a:round/>
+            <a:headEnd type="none" w="med" len="med"/>
+            <a:tailEnd type="none" w="med" len="med"/>
+          </a:ln>
+          <a:effectLst/>
+        </p:spPr>
+        <p:txBody>
+          <a:bodyPr vert="horz" wrap="none" lIns="91440" tIns="45720" rIns="91440" bIns="45720" numCol="1" rtlCol="0" anchor="ctr" anchorCtr="0" compatLnSpc="1">
+            <a:prstTxWarp prst="textNoShape">
+              <a:avLst/>
+            </a:prstTxWarp>
+          </a:bodyPr>
+          <a:lstStyle/>
+          <a:p>
+            <a:pPr marL="0" marR="0" indent="0" algn="ctr" defTabSz="914400" rtl="0" eaLnBrk="1" fontAlgn="base" latinLnBrk="0" hangingPunct="1">
+              <a:lnSpc>
+                <a:spcPct val="100000"/>
+              </a:lnSpc>
+              <a:spcBef>
+                <a:spcPct val="0"/>
+              </a:spcBef>
+              <a:spcAft>
+                <a:spcPct val="0"/>
+              </a:spcAft>
+              <a:buClrTx/>
+              <a:buSzTx/>
+              <a:buFontTx/>
+              <a:buNone/>
+              <a:tabLst/>
+            </a:pPr>
+            <a:endParaRPr kumimoji="0" lang="en-US" sz="3200" b="0" i="0" u="none" strike="noStrike" cap="none" normalizeH="0" baseline="0" smtClean="0">
+              <a:ln>
+                <a:noFill/>
+              </a:ln>
+              <a:solidFill>
+                <a:schemeClr val="tx1"/>
+              </a:solidFill>
+              <a:effectLst/>
+              <a:latin typeface="Times New Roman" pitchFamily="18" charset="0"/>
             </a:endParaRPr>
           </a:p>
         </p:txBody>
@@ -7949,7 +10777,7 @@
                             </p:stCondLst>
                             <p:childTnLst>
                               <p:par>
-                                <p:cTn id="14" presetID="10" presetClass="entr" presetSubtype="0" fill="hold" grpId="0" nodeType="clickEffect">
+                                <p:cTn id="14" presetID="22" presetClass="entr" presetSubtype="8" fill="hold" grpId="0" nodeType="clickEffect">
                                   <p:stCondLst>
                                     <p:cond delay="0"/>
                                   </p:stCondLst>
@@ -7962,7 +10790,51 @@
                                           </p:stCondLst>
                                         </p:cTn>
                                         <p:tgtEl>
-                                          <p:spTgt spid="2"/>
+                                          <p:spTgt spid="9"/>
+                                        </p:tgtEl>
+                                        <p:attrNameLst>
+                                          <p:attrName>style.visibility</p:attrName>
+                                        </p:attrNameLst>
+                                      </p:cBhvr>
+                                      <p:to>
+                                        <p:strVal val="visible"/>
+                                      </p:to>
+                                    </p:set>
+                                    <p:animEffect transition="in" filter="wipe(left)">
+                                      <p:cBhvr>
+                                        <p:cTn id="16" dur="500"/>
+                                        <p:tgtEl>
+                                          <p:spTgt spid="9"/>
+                                        </p:tgtEl>
+                                      </p:cBhvr>
+                                    </p:animEffect>
+                                  </p:childTnLst>
+                                </p:cTn>
+                              </p:par>
+                            </p:childTnLst>
+                          </p:cTn>
+                        </p:par>
+                        <p:par>
+                          <p:cTn id="17" fill="hold">
+                            <p:stCondLst>
+                              <p:cond delay="500"/>
+                            </p:stCondLst>
+                            <p:childTnLst>
+                              <p:par>
+                                <p:cTn id="18" presetID="10" presetClass="entr" presetSubtype="0" fill="hold" grpId="0" nodeType="afterEffect">
+                                  <p:stCondLst>
+                                    <p:cond delay="0"/>
+                                  </p:stCondLst>
+                                  <p:childTnLst>
+                                    <p:set>
+                                      <p:cBhvr>
+                                        <p:cTn id="19" dur="1" fill="hold">
+                                          <p:stCondLst>
+                                            <p:cond delay="0"/>
+                                          </p:stCondLst>
+                                        </p:cTn>
+                                        <p:tgtEl>
+                                          <p:spTgt spid="8"/>
                                         </p:tgtEl>
                                         <p:attrNameLst>
                                           <p:attrName>style.visibility</p:attrName>
@@ -7974,9 +10846,9 @@
                                     </p:set>
                                     <p:animEffect transition="in" filter="fade">
                                       <p:cBhvr>
-                                        <p:cTn id="16" dur="1000"/>
+                                        <p:cTn id="20" dur="1000"/>
                                         <p:tgtEl>
-                                          <p:spTgt spid="2"/>
+                                          <p:spTgt spid="8"/>
                                         </p:tgtEl>
                                       </p:cBhvr>
                                     </p:animEffect>
@@ -8011,8 +10883,9 @@
       </p:par>
     </p:tnLst>
     <p:bldLst>
-      <p:bldP spid="2" grpId="0"/>
       <p:bldP spid="7" grpId="0"/>
+      <p:bldP spid="8" grpId="0"/>
+      <p:bldP spid="9" grpId="0" animBg="1"/>
     </p:bldLst>
   </p:timing>
 </p:sld>
@@ -8057,7 +10930,7 @@
           <a:graphicData uri="http://schemas.openxmlformats.org/presentationml/2006/ole">
             <mc:AlternateContent xmlns:mc="http://schemas.openxmlformats.org/markup-compatibility/2006">
               <mc:Choice xmlns:v="urn:schemas-microsoft-com:vml" Requires="v">
-                <p:oleObj spid="_x0000_s22535" name="Equation" r:id="rId3" imgW="939800" imgH="469900" progId="Equation.DSMT4">
+                <p:oleObj spid="_x0000_s22552" name="Equation" r:id="rId3" imgW="939800" imgH="469900" progId="Equation.DSMT4">
                   <p:embed/>
                 </p:oleObj>
               </mc:Choice>
@@ -8187,7 +11060,7 @@
           <a:graphicData uri="http://schemas.openxmlformats.org/presentationml/2006/ole">
             <mc:AlternateContent xmlns:mc="http://schemas.openxmlformats.org/markup-compatibility/2006">
               <mc:Choice xmlns:v="urn:schemas-microsoft-com:vml" Requires="v">
-                <p:oleObj spid="_x0000_s22536" name="Equation" r:id="rId5" imgW="1066800" imgH="254000" progId="Equation.DSMT4">
+                <p:oleObj spid="_x0000_s22553" name="Equation" r:id="rId5" imgW="1066800" imgH="254000" progId="Equation.DSMT4">
                   <p:embed/>
                 </p:oleObj>
               </mc:Choice>
@@ -8222,6 +11095,76 @@
           </a:graphicData>
         </a:graphic>
       </p:graphicFrame>
+      <p:sp>
+        <p:nvSpPr>
+          <p:cNvPr id="4" name="Rectangle 3"/>
+          <p:cNvSpPr/>
+          <p:nvPr/>
+        </p:nvSpPr>
+        <p:spPr>
+          <a:xfrm>
+            <a:off x="878265" y="1607687"/>
+            <a:ext cx="7431412" cy="923330"/>
+          </a:xfrm>
+          <a:prstGeom prst="rect">
+            <a:avLst/>
+          </a:prstGeom>
+        </p:spPr>
+        <p:txBody>
+          <a:bodyPr wrap="square">
+            <a:spAutoFit/>
+          </a:bodyPr>
+          <a:lstStyle/>
+          <a:p>
+            <a:r>
+              <a:rPr lang="en-US" sz="5400" dirty="0" smtClean="0">
+                <a:solidFill>
+                  <a:srgbClr val="006600"/>
+                </a:solidFill>
+                <a:latin typeface="Comic Sans MS" pitchFamily="66" charset="0"/>
+              </a:rPr>
+              <a:t>T</a:t>
+            </a:r>
+            <a:r>
+              <a:rPr lang="en-US" sz="5400" dirty="0" smtClean="0">
+                <a:latin typeface="Comic Sans MS" pitchFamily="66" charset="0"/>
+              </a:rPr>
+              <a:t> </a:t>
+            </a:r>
+            <a:r>
+              <a:rPr lang="en-US" sz="5400" dirty="0">
+                <a:latin typeface="Comic Sans MS" pitchFamily="66" charset="0"/>
+              </a:rPr>
+              <a:t>in the row </a:t>
+            </a:r>
+            <a:r>
+              <a:rPr lang="en-US" sz="5400" dirty="0">
+                <a:solidFill>
+                  <a:srgbClr val="006600"/>
+                </a:solidFill>
+                <a:latin typeface="Comic Sans MS" pitchFamily="66" charset="0"/>
+              </a:rPr>
+              <a:t>TT</a:t>
+            </a:r>
+            <a:r>
+              <a:rPr lang="en-US" sz="5400" dirty="0">
+                <a:solidFill>
+                  <a:srgbClr val="FF0000"/>
+                </a:solidFill>
+                <a:latin typeface="Comic Sans MS" pitchFamily="66" charset="0"/>
+              </a:rPr>
+              <a:t>F </a:t>
+            </a:r>
+            <a:r>
+              <a:rPr lang="en-US" sz="5400" dirty="0" smtClean="0">
+                <a:latin typeface="Comic Sans MS" pitchFamily="66" charset="0"/>
+              </a:rPr>
+              <a:t>only</a:t>
+            </a:r>
+            <a:endParaRPr lang="en-US" sz="5400" dirty="0"/>
+          </a:p>
+        </p:txBody>
+      </p:sp>
     </p:spTree>
     <p:extLst>
       <p:ext uri="{BB962C8B-B14F-4D97-AF65-F5344CB8AC3E}">
@@ -8247,6 +11190,9 @@
                     <p:cTn id="3" fill="hold">
                       <p:stCondLst>
                         <p:cond delay="indefinite"/>
+                        <p:cond evt="onBegin" delay="0">
+                          <p:tn val="2"/>
+                        </p:cond>
                       </p:stCondLst>
                       <p:childTnLst>
                         <p:par>
@@ -8256,7 +11202,7 @@
                             </p:stCondLst>
                             <p:childTnLst>
                               <p:par>
-                                <p:cTn id="5" presetID="22" presetClass="entr" presetSubtype="8" fill="hold" nodeType="clickEffect">
+                                <p:cTn id="5" presetID="37" presetClass="entr" presetSubtype="0" fill="hold" nodeType="withEffect">
                                   <p:stCondLst>
                                     <p:cond delay="0"/>
                                   </p:stCondLst>
@@ -8264,112 +11210,6 @@
                                     <p:set>
                                       <p:cBhvr>
                                         <p:cTn id="6" dur="1" fill="hold">
-                                          <p:stCondLst>
-                                            <p:cond delay="0"/>
-                                          </p:stCondLst>
-                                        </p:cTn>
-                                        <p:tgtEl>
-                                          <p:spTgt spid="5"/>
-                                        </p:tgtEl>
-                                        <p:attrNameLst>
-                                          <p:attrName>style.visibility</p:attrName>
-                                        </p:attrNameLst>
-                                      </p:cBhvr>
-                                      <p:to>
-                                        <p:strVal val="visible"/>
-                                      </p:to>
-                                    </p:set>
-                                    <p:animEffect transition="in" filter="wipe(left)">
-                                      <p:cBhvr>
-                                        <p:cTn id="7" dur="1000"/>
-                                        <p:tgtEl>
-                                          <p:spTgt spid="5"/>
-                                        </p:tgtEl>
-                                      </p:cBhvr>
-                                    </p:animEffect>
-                                  </p:childTnLst>
-                                </p:cTn>
-                              </p:par>
-                            </p:childTnLst>
-                          </p:cTn>
-                        </p:par>
-                      </p:childTnLst>
-                    </p:cTn>
-                  </p:par>
-                  <p:par>
-                    <p:cTn id="8" fill="hold">
-                      <p:stCondLst>
-                        <p:cond delay="indefinite"/>
-                      </p:stCondLst>
-                      <p:childTnLst>
-                        <p:par>
-                          <p:cTn id="9" fill="hold">
-                            <p:stCondLst>
-                              <p:cond delay="0"/>
-                            </p:stCondLst>
-                            <p:childTnLst>
-                              <p:par>
-                                <p:cTn id="10" presetID="10" presetClass="entr" presetSubtype="0" fill="hold" grpId="0" nodeType="clickEffect">
-                                  <p:stCondLst>
-                                    <p:cond delay="0"/>
-                                  </p:stCondLst>
-                                  <p:childTnLst>
-                                    <p:set>
-                                      <p:cBhvr>
-                                        <p:cTn id="11" dur="1" fill="hold">
-                                          <p:stCondLst>
-                                            <p:cond delay="0"/>
-                                          </p:stCondLst>
-                                        </p:cTn>
-                                        <p:tgtEl>
-                                          <p:spTgt spid="2"/>
-                                        </p:tgtEl>
-                                        <p:attrNameLst>
-                                          <p:attrName>style.visibility</p:attrName>
-                                        </p:attrNameLst>
-                                      </p:cBhvr>
-                                      <p:to>
-                                        <p:strVal val="visible"/>
-                                      </p:to>
-                                    </p:set>
-                                    <p:animEffect transition="in" filter="fade">
-                                      <p:cBhvr>
-                                        <p:cTn id="12" dur="1000"/>
-                                        <p:tgtEl>
-                                          <p:spTgt spid="2"/>
-                                        </p:tgtEl>
-                                      </p:cBhvr>
-                                    </p:animEffect>
-                                  </p:childTnLst>
-                                </p:cTn>
-                              </p:par>
-                            </p:childTnLst>
-                          </p:cTn>
-                        </p:par>
-                      </p:childTnLst>
-                    </p:cTn>
-                  </p:par>
-                  <p:par>
-                    <p:cTn id="13" fill="hold">
-                      <p:stCondLst>
-                        <p:cond delay="indefinite"/>
-                      </p:stCondLst>
-                      <p:childTnLst>
-                        <p:par>
-                          <p:cTn id="14" fill="hold">
-                            <p:stCondLst>
-                              <p:cond delay="0"/>
-                            </p:stCondLst>
-                            <p:childTnLst>
-                              <p:par>
-                                <p:cTn id="15" presetID="22" presetClass="entr" presetSubtype="4" fill="hold" nodeType="clickEffect">
-                                  <p:stCondLst>
-                                    <p:cond delay="0"/>
-                                  </p:stCondLst>
-                                  <p:childTnLst>
-                                    <p:set>
-                                      <p:cBhvr>
-                                        <p:cTn id="16" dur="1" fill="hold">
                                           <p:stCondLst>
                                             <p:cond delay="0"/>
                                           </p:stCondLst>
@@ -8385,11 +11225,137 @@
                                         <p:strVal val="visible"/>
                                       </p:to>
                                     </p:set>
+                                    <p:animEffect transition="in" filter="fade">
+                                      <p:cBhvr>
+                                        <p:cTn id="7" dur="1000"/>
+                                        <p:tgtEl>
+                                          <p:spTgt spid="6"/>
+                                        </p:tgtEl>
+                                      </p:cBhvr>
+                                    </p:animEffect>
+                                    <p:anim calcmode="lin" valueType="num">
+                                      <p:cBhvr>
+                                        <p:cTn id="8" dur="1000" fill="hold"/>
+                                        <p:tgtEl>
+                                          <p:spTgt spid="6"/>
+                                        </p:tgtEl>
+                                        <p:attrNameLst>
+                                          <p:attrName>ppt_x</p:attrName>
+                                        </p:attrNameLst>
+                                      </p:cBhvr>
+                                      <p:tavLst>
+                                        <p:tav tm="0">
+                                          <p:val>
+                                            <p:strVal val="#ppt_x"/>
+                                          </p:val>
+                                        </p:tav>
+                                        <p:tav tm="100000">
+                                          <p:val>
+                                            <p:strVal val="#ppt_x"/>
+                                          </p:val>
+                                        </p:tav>
+                                      </p:tavLst>
+                                    </p:anim>
+                                    <p:anim calcmode="lin" valueType="num">
+                                      <p:cBhvr>
+                                        <p:cTn id="9" dur="900" decel="100000" fill="hold"/>
+                                        <p:tgtEl>
+                                          <p:spTgt spid="6"/>
+                                        </p:tgtEl>
+                                        <p:attrNameLst>
+                                          <p:attrName>ppt_y</p:attrName>
+                                        </p:attrNameLst>
+                                      </p:cBhvr>
+                                      <p:tavLst>
+                                        <p:tav tm="0">
+                                          <p:val>
+                                            <p:strVal val="#ppt_y+1"/>
+                                          </p:val>
+                                        </p:tav>
+                                        <p:tav tm="100000">
+                                          <p:val>
+                                            <p:strVal val="#ppt_y-.03"/>
+                                          </p:val>
+                                        </p:tav>
+                                      </p:tavLst>
+                                    </p:anim>
+                                    <p:anim calcmode="lin" valueType="num">
+                                      <p:cBhvr>
+                                        <p:cTn id="10" dur="100" accel="100000" fill="hold">
+                                          <p:stCondLst>
+                                            <p:cond delay="900"/>
+                                          </p:stCondLst>
+                                        </p:cTn>
+                                        <p:tgtEl>
+                                          <p:spTgt spid="6"/>
+                                        </p:tgtEl>
+                                        <p:attrNameLst>
+                                          <p:attrName>ppt_y</p:attrName>
+                                        </p:attrNameLst>
+                                      </p:cBhvr>
+                                      <p:tavLst>
+                                        <p:tav tm="0">
+                                          <p:val>
+                                            <p:strVal val="#ppt_y-.03"/>
+                                          </p:val>
+                                        </p:tav>
+                                        <p:tav tm="100000">
+                                          <p:val>
+                                            <p:strVal val="#ppt_y"/>
+                                          </p:val>
+                                        </p:tav>
+                                      </p:tavLst>
+                                    </p:anim>
+                                  </p:childTnLst>
+                                </p:cTn>
+                              </p:par>
+                            </p:childTnLst>
+                          </p:cTn>
+                        </p:par>
+                      </p:childTnLst>
+                    </p:cTn>
+                  </p:par>
+                  <p:par>
+                    <p:cTn id="11" fill="hold">
+                      <p:stCondLst>
+                        <p:cond delay="indefinite"/>
+                      </p:stCondLst>
+                      <p:childTnLst>
+                        <p:par>
+                          <p:cTn id="12" fill="hold">
+                            <p:stCondLst>
+                              <p:cond delay="0"/>
+                            </p:stCondLst>
+                            <p:childTnLst>
+                              <p:par>
+                                <p:cTn id="13" presetID="22" presetClass="entr" presetSubtype="4" fill="hold" grpId="0" nodeType="clickEffect">
+                                  <p:stCondLst>
+                                    <p:cond delay="0"/>
+                                  </p:stCondLst>
+                                  <p:childTnLst>
+                                    <p:set>
+                                      <p:cBhvr>
+                                        <p:cTn id="14" dur="1" fill="hold">
+                                          <p:stCondLst>
+                                            <p:cond delay="0"/>
+                                          </p:stCondLst>
+                                        </p:cTn>
+                                        <p:tgtEl>
+                                          <p:spTgt spid="4"/>
+                                        </p:tgtEl>
+                                        <p:attrNameLst>
+                                          <p:attrName>style.visibility</p:attrName>
+                                        </p:attrNameLst>
+                                      </p:cBhvr>
+                                      <p:to>
+                                        <p:strVal val="visible"/>
+                                      </p:to>
+                                    </p:set>
                                     <p:animEffect transition="in" filter="wipe(down)">
                                       <p:cBhvr>
-                                        <p:cTn id="17" dur="1000"/>
+                                        <p:cTn id="15" dur="500"/>
                                         <p:tgtEl>
-                                          <p:spTgt spid="6"/>
+                                          <p:spTgt spid="4"/>
                                         </p:tgtEl>
                                       </p:cBhvr>
                                     </p:animEffect>
@@ -8424,7 +11390,7 @@
       </p:par>
     </p:tnLst>
     <p:bldLst>
-      <p:bldP spid="2" grpId="0"/>
+      <p:bldP spid="4" grpId="0"/>
     </p:bldLst>
   </p:timing>
 </p:sld>
@@ -8660,12 +11626,6 @@
               </a:rPr>
               <a:t>TT</a:t>
             </a:r>
-            <a:endParaRPr lang="en-US" sz="6000" dirty="0" smtClean="0">
-              <a:solidFill>
-                <a:srgbClr val="006600"/>
-              </a:solidFill>
-              <a:latin typeface="Comic Sans MS" pitchFamily="66" charset="0"/>
-            </a:endParaRPr>
           </a:p>
         </p:txBody>
       </p:sp>
@@ -8691,7 +11651,7 @@
           <a:graphicData uri="http://schemas.openxmlformats.org/presentationml/2006/ole">
             <mc:AlternateContent xmlns:mc="http://schemas.openxmlformats.org/markup-compatibility/2006">
               <mc:Choice xmlns:v="urn:schemas-microsoft-com:vml" Requires="v">
-                <p:oleObj spid="_x0000_s2071" name="Equation" r:id="rId3" imgW="1003300" imgH="482600" progId="Equation.DSMT4">
+                <p:oleObj spid="_x0000_s2078" name="Equation" r:id="rId3" imgW="1003300" imgH="482600" progId="Equation.DSMT4">
                   <p:embed/>
                 </p:oleObj>
               </mc:Choice>
@@ -8770,9 +11730,6 @@
               </a:rPr>
               <a:t> in exactly these rows</a:t>
             </a:r>
-            <a:endParaRPr lang="en-US" sz="5400" dirty="0" smtClean="0">
-              <a:latin typeface="Comic Sans MS" pitchFamily="66" charset="0"/>
-            </a:endParaRPr>
           </a:p>
         </p:txBody>
       </p:sp>
@@ -9045,7 +12002,7 @@
           <a:graphicData uri="http://schemas.openxmlformats.org/presentationml/2006/ole">
             <mc:AlternateContent xmlns:mc="http://schemas.openxmlformats.org/markup-compatibility/2006">
               <mc:Choice xmlns:v="urn:schemas-microsoft-com:vml" Requires="v">
-                <p:oleObj spid="_x0000_s24580" name="Equation" r:id="rId3" imgW="1003300" imgH="482600" progId="Equation.DSMT4">
+                <p:oleObj spid="_x0000_s24587" name="Equation" r:id="rId3" imgW="1003300" imgH="482600" progId="Equation.DSMT4">
                   <p:embed/>
                 </p:oleObj>
               </mc:Choice>
@@ -9090,13 +12047,13 @@
   <p:clrMapOvr>
     <a:masterClrMapping/>
   </p:clrMapOvr>
-  <mc:AlternateContent xmlns:mc="http://schemas.openxmlformats.org/markup-compatibility/2006">
-    <mc:Choice xmlns:p14="http://schemas.microsoft.com/office/powerpoint/2010/main" Requires="p14">
+  <mc:AlternateContent xmlns:mc="http://schemas.openxmlformats.org/markup-compatibility/2006" xmlns:p14="http://schemas.microsoft.com/office/powerpoint/2010/main">
+    <mc:Choice Requires="p14">
       <p:transition spd="med" p14:dur="600" advClick="0">
         <p:fade/>
       </p:transition>
     </mc:Choice>
-    <mc:Fallback>
+    <mc:Fallback xmlns="">
       <p:transition xmlns:p14="http://schemas.microsoft.com/office/powerpoint/2010/main" spd="med" advClick="0">
         <p:fade/>
       </p:transition>
@@ -9189,7 +12146,7 @@
           <a:graphicData uri="http://schemas.openxmlformats.org/presentationml/2006/ole">
             <mc:AlternateContent xmlns:mc="http://schemas.openxmlformats.org/markup-compatibility/2006">
               <mc:Choice xmlns:v="urn:schemas-microsoft-com:vml" Requires="v">
-                <p:oleObj spid="_x0000_s3093" name="Equation" r:id="rId3" imgW="1282700" imgH="914400" progId="Equation.DSMT4">
+                <p:oleObj spid="_x0000_s3100" name="Equation" r:id="rId3" imgW="1282700" imgH="914400" progId="Equation.DSMT4">
                   <p:embed/>
                 </p:oleObj>
               </mc:Choice>
@@ -9337,12 +12294,6 @@
               </a:rPr>
               <a:t>Full</a:t>
             </a:r>
-            <a:endParaRPr lang="en-US" sz="6600" dirty="0" smtClean="0">
-              <a:solidFill>
-                <a:srgbClr val="BB0FAB"/>
-              </a:solidFill>
-              <a:latin typeface="Comic Sans MS" pitchFamily="66" charset="0"/>
-            </a:endParaRPr>
           </a:p>
         </p:txBody>
       </p:sp>
@@ -9356,13 +12307,13 @@
   <p:clrMapOvr>
     <a:masterClrMapping/>
   </p:clrMapOvr>
-  <mc:AlternateContent xmlns:mc="http://schemas.openxmlformats.org/markup-compatibility/2006">
-    <mc:Choice xmlns:p14="http://schemas.microsoft.com/office/powerpoint/2010/main" Requires="p14">
+  <mc:AlternateContent xmlns:mc="http://schemas.openxmlformats.org/markup-compatibility/2006" xmlns:p14="http://schemas.microsoft.com/office/powerpoint/2010/main">
+    <mc:Choice Requires="p14">
       <p:transition spd="slow" p14:dur="900" advClick="0">
         <p:fade/>
       </p:transition>
     </mc:Choice>
-    <mc:Fallback>
+    <mc:Fallback xmlns="">
       <p:transition xmlns:p14="http://schemas.microsoft.com/office/powerpoint/2010/main" spd="slow" advClick="0">
         <p:fade/>
       </p:transition>
@@ -9596,37 +12547,51 @@
         </p:nvSpPr>
         <p:spPr>
           <a:xfrm>
-            <a:off x="1488856" y="336518"/>
-            <a:ext cx="7493000" cy="973949"/>
+            <a:off x="401078" y="1359070"/>
+            <a:ext cx="8199798" cy="4032643"/>
           </a:xfrm>
         </p:spPr>
         <p:txBody>
           <a:bodyPr/>
           <a:lstStyle/>
           <a:p>
-            <a:r>
-              <a:rPr lang="en-US" dirty="0" smtClean="0"/>
-              <a:t>Every formula </a:t>
-            </a:r>
-            <a:r>
-              <a:rPr lang="en-US" dirty="0" smtClean="0">
+            <a:pPr algn="ctr"/>
+            <a:r>
+              <a:rPr lang="en-US" sz="7200" dirty="0" smtClean="0">
                 <a:solidFill>
-                  <a:srgbClr val="000099"/>
+                  <a:srgbClr val="006600"/>
                 </a:solidFill>
-                <a:latin typeface="Euclid Symbol" charset="2"/>
-                <a:cs typeface="Euclid Symbol" charset="2"/>
-              </a:rPr>
-              <a:t>≡</a:t>
-            </a:r>
-            <a:r>
-              <a:rPr lang="en-US" dirty="0" smtClean="0"/>
-              <a:t> </a:t>
-            </a:r>
-            <a:r>
-              <a:rPr lang="en-US" dirty="0" smtClean="0"/>
-              <a:t>Full DNF</a:t>
-            </a:r>
-            <a:endParaRPr lang="en-US" dirty="0"/>
+              </a:rPr>
+              <a:t>Every formula</a:t>
+            </a:r>
+            <a:r>
+              <a:rPr lang="en-US" sz="7200" dirty="0" smtClean="0"/>
+              <a:t> is equivalent to a</a:t>
+            </a:r>
+            <a:br>
+              <a:rPr lang="en-US" sz="7200" dirty="0" smtClean="0"/>
+            </a:br>
+            <a:r>
+              <a:rPr lang="en-US" sz="7200" dirty="0" smtClean="0">
+                <a:solidFill>
+                  <a:srgbClr val="BB0FAB"/>
+                </a:solidFill>
+              </a:rPr>
+              <a:t>Full </a:t>
+            </a:r>
+            <a:r>
+              <a:rPr lang="en-US" sz="7200" dirty="0" smtClean="0">
+                <a:solidFill>
+                  <a:srgbClr val="BB0FAB"/>
+                </a:solidFill>
+              </a:rPr>
+              <a:t>DNF </a:t>
+            </a:r>
+            <a:endParaRPr lang="en-US" sz="5400" dirty="0">
+              <a:solidFill>
+                <a:srgbClr val="BB0FAB"/>
+              </a:solidFill>
+            </a:endParaRPr>
           </a:p>
         </p:txBody>
       </p:sp>
@@ -9642,8 +12607,8 @@
         </p:nvSpPr>
         <p:spPr>
           <a:xfrm>
-            <a:off x="8127154" y="6553200"/>
-            <a:ext cx="1016850" cy="276999"/>
+            <a:off x="8057874" y="6553200"/>
+            <a:ext cx="1086130" cy="276999"/>
           </a:xfrm>
         </p:spPr>
         <p:txBody>
@@ -9668,190 +12633,25 @@
           </a:p>
         </p:txBody>
       </p:sp>
-      <p:sp>
-        <p:nvSpPr>
-          <p:cNvPr id="4" name="TextBox 3"/>
-          <p:cNvSpPr txBox="1"/>
-          <p:nvPr/>
-        </p:nvSpPr>
-        <p:spPr>
-          <a:xfrm>
-            <a:off x="274438" y="1855862"/>
-            <a:ext cx="8708446" cy="3139321"/>
-          </a:xfrm>
-          <a:prstGeom prst="rect">
-            <a:avLst/>
-          </a:prstGeom>
-          <a:noFill/>
-        </p:spPr>
-        <p:txBody>
-          <a:bodyPr wrap="none" rtlCol="0">
-            <a:spAutoFit/>
-          </a:bodyPr>
-          <a:lstStyle/>
-          <a:p>
-            <a:pPr algn="l"/>
-            <a:r>
-              <a:rPr lang="en-US" sz="6600" dirty="0" smtClean="0">
-                <a:latin typeface="Comic Sans MS" pitchFamily="66" charset="0"/>
-              </a:rPr>
-              <a:t>Get Full DNF directly</a:t>
-            </a:r>
-            <a:endParaRPr lang="en-US" sz="6600" dirty="0">
-              <a:latin typeface="Comic Sans MS" pitchFamily="66" charset="0"/>
-            </a:endParaRPr>
-          </a:p>
-          <a:p>
-            <a:pPr algn="l"/>
-            <a:r>
-              <a:rPr lang="en-US" sz="6600" dirty="0" smtClean="0">
-                <a:latin typeface="Comic Sans MS" pitchFamily="66" charset="0"/>
-              </a:rPr>
-              <a:t>from the </a:t>
-            </a:r>
-            <a:r>
-              <a:rPr lang="en-US" sz="6600" dirty="0" smtClean="0">
-                <a:solidFill>
-                  <a:srgbClr val="006600"/>
-                </a:solidFill>
-                <a:latin typeface="Comic Sans MS" pitchFamily="66" charset="0"/>
-              </a:rPr>
-              <a:t>T</a:t>
-            </a:r>
-            <a:r>
-              <a:rPr lang="en-US" sz="6600" dirty="0" smtClean="0">
-                <a:latin typeface="Comic Sans MS" pitchFamily="66" charset="0"/>
-              </a:rPr>
-              <a:t> rows</a:t>
-            </a:r>
-          </a:p>
-          <a:p>
-            <a:pPr algn="l"/>
-            <a:r>
-              <a:rPr lang="en-US" sz="6600" dirty="0" smtClean="0">
-                <a:latin typeface="Comic Sans MS" pitchFamily="66" charset="0"/>
-              </a:rPr>
-              <a:t>of the </a:t>
-            </a:r>
-            <a:r>
-              <a:rPr lang="en-US" sz="6600" dirty="0" smtClean="0">
-                <a:latin typeface="Comic Sans MS" pitchFamily="66" charset="0"/>
-              </a:rPr>
-              <a:t>truth table</a:t>
-            </a:r>
-            <a:endParaRPr lang="en-US" sz="6600" dirty="0" smtClean="0">
-              <a:latin typeface="Comic Sans MS" pitchFamily="66" charset="0"/>
-            </a:endParaRPr>
-          </a:p>
-        </p:txBody>
-      </p:sp>
     </p:spTree>
     <p:extLst>
       <p:ext uri="{BB962C8B-B14F-4D97-AF65-F5344CB8AC3E}">
-        <p14:creationId xmlns:p14="http://schemas.microsoft.com/office/powerpoint/2010/main" val="1623020947"/>
+        <p14:creationId xmlns:p14="http://schemas.microsoft.com/office/powerpoint/2010/main" val="3167170611"/>
       </p:ext>
     </p:extLst>
   </p:cSld>
   <p:clrMapOvr>
     <a:masterClrMapping/>
   </p:clrMapOvr>
-  <mc:AlternateContent xmlns:mc="http://schemas.openxmlformats.org/markup-compatibility/2006" xmlns:p14="http://schemas.microsoft.com/office/powerpoint/2010/main">
-    <mc:Choice Requires="p14">
-      <p:transition spd="med" p14:dur="700" advClick="0">
-        <p:fade thruBlk="1"/>
-      </p:transition>
-    </mc:Choice>
-    <mc:Fallback xmlns="">
-      <p:transition xmlns:p14="http://schemas.microsoft.com/office/powerpoint/2010/main" spd="med" advClick="0">
-        <p:fade thruBlk="1"/>
-      </p:transition>
-    </mc:Fallback>
-  </mc:AlternateContent>
+  <p:transition xmlns:p14="http://schemas.microsoft.com/office/powerpoint/2010/main" spd="slow" advClick="0">
+    <p:fade thruBlk="1"/>
+  </p:transition>
   <p:timing>
     <p:tnLst>
       <p:par>
-        <p:cTn xmlns:p14="http://schemas.microsoft.com/office/powerpoint/2010/main" id="1" dur="indefinite" restart="never" nodeType="tmRoot">
-          <p:childTnLst>
-            <p:seq concurrent="1" nextAc="seek">
-              <p:cTn id="2" dur="indefinite" nodeType="mainSeq">
-                <p:childTnLst>
-                  <p:par>
-                    <p:cTn id="3" fill="hold">
-                      <p:stCondLst>
-                        <p:cond delay="indefinite"/>
-                      </p:stCondLst>
-                      <p:childTnLst>
-                        <p:par>
-                          <p:cTn id="4" fill="hold">
-                            <p:stCondLst>
-                              <p:cond delay="0"/>
-                            </p:stCondLst>
-                            <p:childTnLst>
-                              <p:par>
-                                <p:cTn id="5" presetID="10" presetClass="entr" presetSubtype="0" fill="hold" grpId="0" nodeType="clickEffect">
-                                  <p:stCondLst>
-                                    <p:cond delay="0"/>
-                                  </p:stCondLst>
-                                  <p:childTnLst>
-                                    <p:set>
-                                      <p:cBhvr>
-                                        <p:cTn id="6" dur="1" fill="hold">
-                                          <p:stCondLst>
-                                            <p:cond delay="0"/>
-                                          </p:stCondLst>
-                                        </p:cTn>
-                                        <p:tgtEl>
-                                          <p:spTgt spid="4"/>
-                                        </p:tgtEl>
-                                        <p:attrNameLst>
-                                          <p:attrName>style.visibility</p:attrName>
-                                        </p:attrNameLst>
-                                      </p:cBhvr>
-                                      <p:to>
-                                        <p:strVal val="visible"/>
-                                      </p:to>
-                                    </p:set>
-                                    <p:animEffect transition="in" filter="fade">
-                                      <p:cBhvr>
-                                        <p:cTn id="7" dur="500"/>
-                                        <p:tgtEl>
-                                          <p:spTgt spid="4"/>
-                                        </p:tgtEl>
-                                      </p:cBhvr>
-                                    </p:animEffect>
-                                  </p:childTnLst>
-                                </p:cTn>
-                              </p:par>
-                            </p:childTnLst>
-                          </p:cTn>
-                        </p:par>
-                      </p:childTnLst>
-                    </p:cTn>
-                  </p:par>
-                </p:childTnLst>
-              </p:cTn>
-              <p:prevCondLst>
-                <p:cond evt="onPrev" delay="0">
-                  <p:tgtEl>
-                    <p:sldTgt/>
-                  </p:tgtEl>
-                </p:cond>
-              </p:prevCondLst>
-              <p:nextCondLst>
-                <p:cond evt="onNext" delay="0">
-                  <p:tgtEl>
-                    <p:sldTgt/>
-                  </p:tgtEl>
-                </p:cond>
-              </p:nextCondLst>
-            </p:seq>
-          </p:childTnLst>
-        </p:cTn>
+        <p:cTn xmlns:p14="http://schemas.microsoft.com/office/powerpoint/2010/main" id="1" dur="indefinite" restart="never" nodeType="tmRoot"/>
       </p:par>
     </p:tnLst>
-    <p:bldLst>
-      <p:bldP spid="4" grpId="0"/>
-    </p:bldLst>
   </p:timing>
 </p:sld>
 </file>

--- a/spring18/slidesS18/normal-forms.pptx
+++ b/spring18/slidesS18/normal-forms.pptx
@@ -5,38 +5,39 @@
     <p:sldMasterId id="2147483650" r:id="rId1"/>
   </p:sldMasterIdLst>
   <p:notesMasterIdLst>
-    <p:notesMasterId r:id="rId23"/>
+    <p:notesMasterId r:id="rId24"/>
   </p:notesMasterIdLst>
   <p:handoutMasterIdLst>
-    <p:handoutMasterId r:id="rId24"/>
+    <p:handoutMasterId r:id="rId25"/>
   </p:handoutMasterIdLst>
   <p:sldIdLst>
     <p:sldId id="392" r:id="rId2"/>
-    <p:sldId id="466" r:id="rId3"/>
-    <p:sldId id="465" r:id="rId4"/>
-    <p:sldId id="467" r:id="rId5"/>
-    <p:sldId id="485" r:id="rId6"/>
-    <p:sldId id="468" r:id="rId7"/>
-    <p:sldId id="487" r:id="rId8"/>
-    <p:sldId id="469" r:id="rId9"/>
-    <p:sldId id="493" r:id="rId10"/>
-    <p:sldId id="471" r:id="rId11"/>
-    <p:sldId id="484" r:id="rId12"/>
-    <p:sldId id="473" r:id="rId13"/>
-    <p:sldId id="492" r:id="rId14"/>
-    <p:sldId id="489" r:id="rId15"/>
-    <p:sldId id="491" r:id="rId16"/>
-    <p:sldId id="477" r:id="rId17"/>
-    <p:sldId id="488" r:id="rId18"/>
-    <p:sldId id="478" r:id="rId19"/>
-    <p:sldId id="480" r:id="rId20"/>
-    <p:sldId id="494" r:id="rId21"/>
-    <p:sldId id="483" r:id="rId22"/>
+    <p:sldId id="495" r:id="rId3"/>
+    <p:sldId id="496" r:id="rId4"/>
+    <p:sldId id="465" r:id="rId5"/>
+    <p:sldId id="467" r:id="rId6"/>
+    <p:sldId id="485" r:id="rId7"/>
+    <p:sldId id="468" r:id="rId8"/>
+    <p:sldId id="487" r:id="rId9"/>
+    <p:sldId id="469" r:id="rId10"/>
+    <p:sldId id="493" r:id="rId11"/>
+    <p:sldId id="471" r:id="rId12"/>
+    <p:sldId id="484" r:id="rId13"/>
+    <p:sldId id="473" r:id="rId14"/>
+    <p:sldId id="492" r:id="rId15"/>
+    <p:sldId id="489" r:id="rId16"/>
+    <p:sldId id="491" r:id="rId17"/>
+    <p:sldId id="477" r:id="rId18"/>
+    <p:sldId id="488" r:id="rId19"/>
+    <p:sldId id="478" r:id="rId20"/>
+    <p:sldId id="480" r:id="rId21"/>
+    <p:sldId id="494" r:id="rId22"/>
+    <p:sldId id="483" r:id="rId23"/>
   </p:sldIdLst>
   <p:sldSz cx="9144000" cy="6858000" type="screen4x3"/>
   <p:notesSz cx="9601200" cy="7315200"/>
   <p:custDataLst>
-    <p:tags r:id="rId26"/>
+    <p:tags r:id="rId27"/>
   </p:custDataLst>
   <p:defaultTextStyle>
     <a:defPPr>
@@ -2674,6 +2675,267 @@
         </p:nvSpPr>
         <p:spPr>
           <a:xfrm>
+            <a:off x="401078" y="1359070"/>
+            <a:ext cx="8199798" cy="4032643"/>
+          </a:xfrm>
+        </p:spPr>
+        <p:txBody>
+          <a:bodyPr/>
+          <a:lstStyle/>
+          <a:p>
+            <a:pPr algn="ctr"/>
+            <a:r>
+              <a:rPr lang="en-US" sz="7200" b="0" dirty="0" smtClean="0">
+                <a:solidFill>
+                  <a:srgbClr val="006600"/>
+                </a:solidFill>
+              </a:rPr>
+              <a:t>Every formula</a:t>
+            </a:r>
+            <a:r>
+              <a:rPr lang="en-US" sz="7200" b="0" dirty="0" smtClean="0"/>
+              <a:t> is equivalent to a</a:t>
+            </a:r>
+            <a:br>
+              <a:rPr lang="en-US" sz="7200" b="0" dirty="0" smtClean="0"/>
+            </a:br>
+            <a:r>
+              <a:rPr lang="en-US" sz="7200" b="0" dirty="0" smtClean="0">
+                <a:solidFill>
+                  <a:schemeClr val="tx1"/>
+                </a:solidFill>
+              </a:rPr>
+              <a:t>Full DNF</a:t>
+            </a:r>
+            <a:r>
+              <a:rPr lang="en-US" sz="7200" b="0" dirty="0" smtClean="0">
+                <a:solidFill>
+                  <a:srgbClr val="BB0FAB"/>
+                </a:solidFill>
+              </a:rPr>
+              <a:t> </a:t>
+            </a:r>
+            <a:endParaRPr lang="en-US" sz="5400" b="0" dirty="0">
+              <a:solidFill>
+                <a:srgbClr val="BB0FAB"/>
+              </a:solidFill>
+            </a:endParaRPr>
+          </a:p>
+        </p:txBody>
+      </p:sp>
+      <p:sp>
+        <p:nvSpPr>
+          <p:cNvPr id="3" name="Slide Number Placeholder 2"/>
+          <p:cNvSpPr>
+            <a:spLocks noGrp="1"/>
+          </p:cNvSpPr>
+          <p:nvPr>
+            <p:ph type="sldNum" sz="quarter" idx="4"/>
+          </p:nvPr>
+        </p:nvSpPr>
+        <p:spPr>
+          <a:xfrm>
+            <a:off x="8057874" y="6553200"/>
+            <a:ext cx="1086130" cy="276999"/>
+          </a:xfrm>
+        </p:spPr>
+        <p:txBody>
+          <a:bodyPr/>
+          <a:lstStyle/>
+          <a:p>
+            <a:pPr>
+              <a:defRPr/>
+            </a:pPr>
+            <a:r>
+              <a:rPr lang="en-US" dirty="0" smtClean="0"/>
+              <a:t>DNF-CNF.</a:t>
+            </a:r>
+            <a:fld id="{068AF58D-0467-409E-A30A-0D5E3A2B197F}" type="slidenum">
+              <a:rPr lang="en-US" smtClean="0"/>
+              <a:pPr>
+                <a:defRPr/>
+              </a:pPr>
+              <a:t>10</a:t>
+            </a:fld>
+            <a:endParaRPr lang="en-US" dirty="0"/>
+          </a:p>
+        </p:txBody>
+      </p:sp>
+      <p:sp>
+        <p:nvSpPr>
+          <p:cNvPr id="4" name="TextBox 3"/>
+          <p:cNvSpPr txBox="1"/>
+          <p:nvPr/>
+        </p:nvSpPr>
+        <p:spPr>
+          <a:xfrm>
+            <a:off x="2549188" y="270200"/>
+            <a:ext cx="4143532" cy="1200329"/>
+          </a:xfrm>
+          <a:prstGeom prst="rect">
+            <a:avLst/>
+          </a:prstGeom>
+          <a:noFill/>
+        </p:spPr>
+        <p:txBody>
+          <a:bodyPr wrap="none" rtlCol="0">
+            <a:spAutoFit/>
+          </a:bodyPr>
+          <a:lstStyle/>
+          <a:p>
+            <a:pPr algn="l"/>
+            <a:r>
+              <a:rPr lang="en-US" sz="7200" dirty="0" smtClean="0">
+                <a:solidFill>
+                  <a:srgbClr val="800000"/>
+                </a:solidFill>
+                <a:latin typeface="Comic Sans MS" pitchFamily="66" charset="0"/>
+              </a:rPr>
+              <a:t>Corollary</a:t>
+            </a:r>
+            <a:endParaRPr lang="en-US" sz="7200" dirty="0" smtClean="0">
+              <a:solidFill>
+                <a:srgbClr val="800000"/>
+              </a:solidFill>
+              <a:latin typeface="Comic Sans MS" pitchFamily="66" charset="0"/>
+            </a:endParaRPr>
+          </a:p>
+        </p:txBody>
+      </p:sp>
+    </p:spTree>
+    <p:extLst>
+      <p:ext uri="{BB962C8B-B14F-4D97-AF65-F5344CB8AC3E}">
+        <p14:creationId xmlns:p14="http://schemas.microsoft.com/office/powerpoint/2010/main" val="3167170611"/>
+      </p:ext>
+    </p:extLst>
+  </p:cSld>
+  <p:clrMapOvr>
+    <a:masterClrMapping/>
+  </p:clrMapOvr>
+  <p:transition xmlns:p14="http://schemas.microsoft.com/office/powerpoint/2010/main" spd="slow" advClick="0">
+    <p:fade thruBlk="1"/>
+  </p:transition>
+  <p:timing>
+    <p:tnLst>
+      <p:par>
+        <p:cTn xmlns:p14="http://schemas.microsoft.com/office/powerpoint/2010/main" id="1" dur="indefinite" restart="never" nodeType="tmRoot">
+          <p:childTnLst>
+            <p:seq concurrent="1" nextAc="seek">
+              <p:cTn id="2" dur="indefinite" nodeType="mainSeq">
+                <p:childTnLst>
+                  <p:par>
+                    <p:cTn id="3" fill="hold">
+                      <p:stCondLst>
+                        <p:cond delay="indefinite"/>
+                        <p:cond evt="onBegin" delay="0">
+                          <p:tn val="2"/>
+                        </p:cond>
+                      </p:stCondLst>
+                      <p:childTnLst>
+                        <p:par>
+                          <p:cTn id="4" fill="hold">
+                            <p:stCondLst>
+                              <p:cond delay="0"/>
+                            </p:stCondLst>
+                            <p:childTnLst>
+                              <p:par>
+                                <p:cTn id="5" presetID="10" presetClass="entr" presetSubtype="0" fill="hold" grpId="0" nodeType="afterEffect">
+                                  <p:stCondLst>
+                                    <p:cond delay="0"/>
+                                  </p:stCondLst>
+                                  <p:childTnLst>
+                                    <p:set>
+                                      <p:cBhvr>
+                                        <p:cTn id="6" dur="1" fill="hold">
+                                          <p:stCondLst>
+                                            <p:cond delay="0"/>
+                                          </p:stCondLst>
+                                        </p:cTn>
+                                        <p:tgtEl>
+                                          <p:spTgt spid="2"/>
+                                        </p:tgtEl>
+                                        <p:attrNameLst>
+                                          <p:attrName>style.visibility</p:attrName>
+                                        </p:attrNameLst>
+                                      </p:cBhvr>
+                                      <p:to>
+                                        <p:strVal val="visible"/>
+                                      </p:to>
+                                    </p:set>
+                                    <p:animEffect transition="in" filter="fade">
+                                      <p:cBhvr>
+                                        <p:cTn id="7" dur="500"/>
+                                        <p:tgtEl>
+                                          <p:spTgt spid="2"/>
+                                        </p:tgtEl>
+                                      </p:cBhvr>
+                                    </p:animEffect>
+                                  </p:childTnLst>
+                                </p:cTn>
+                              </p:par>
+                            </p:childTnLst>
+                          </p:cTn>
+                        </p:par>
+                      </p:childTnLst>
+                    </p:cTn>
+                  </p:par>
+                </p:childTnLst>
+              </p:cTn>
+              <p:prevCondLst>
+                <p:cond evt="onPrev" delay="0">
+                  <p:tgtEl>
+                    <p:sldTgt/>
+                  </p:tgtEl>
+                </p:cond>
+              </p:prevCondLst>
+              <p:nextCondLst>
+                <p:cond evt="onNext" delay="0">
+                  <p:tgtEl>
+                    <p:sldTgt/>
+                  </p:tgtEl>
+                </p:cond>
+              </p:nextCondLst>
+            </p:seq>
+          </p:childTnLst>
+        </p:cTn>
+      </p:par>
+    </p:tnLst>
+    <p:bldLst>
+      <p:bldP spid="2" grpId="0"/>
+    </p:bldLst>
+  </p:timing>
+</p:sld>
+</file>
+
+<file path=ppt/slides/slide11.xml><?xml version="1.0" encoding="utf-8"?>
+<p:sld xmlns:a="http://schemas.openxmlformats.org/drawingml/2006/main" xmlns:r="http://schemas.openxmlformats.org/officeDocument/2006/relationships" xmlns:p="http://schemas.openxmlformats.org/presentationml/2006/main">
+  <p:cSld>
+    <p:spTree>
+      <p:nvGrpSpPr>
+        <p:cNvPr id="1" name=""/>
+        <p:cNvGrpSpPr/>
+        <p:nvPr/>
+      </p:nvGrpSpPr>
+      <p:grpSpPr>
+        <a:xfrm>
+          <a:off x="0" y="0"/>
+          <a:ext cx="0" cy="0"/>
+          <a:chOff x="0" y="0"/>
+          <a:chExt cx="0" cy="0"/>
+        </a:xfrm>
+      </p:grpSpPr>
+      <p:sp>
+        <p:nvSpPr>
+          <p:cNvPr id="2" name="Title 1"/>
+          <p:cNvSpPr>
+            <a:spLocks noGrp="1"/>
+          </p:cNvSpPr>
+          <p:nvPr>
+            <p:ph type="title" sz="quarter"/>
+          </p:nvPr>
+        </p:nvSpPr>
+        <p:spPr>
+          <a:xfrm>
             <a:off x="1488856" y="336518"/>
             <a:ext cx="7493000" cy="973949"/>
           </a:xfrm>
@@ -2736,7 +2998,7 @@
               <a:pPr>
                 <a:defRPr/>
               </a:pPr>
-              <a:t>10</a:t>
+              <a:t>11</a:t>
             </a:fld>
             <a:endParaRPr lang="en-US" dirty="0"/>
           </a:p>
@@ -2778,16 +3040,7 @@
                 </a:solidFill>
                 <a:latin typeface="Comic Sans MS" pitchFamily="66" charset="0"/>
               </a:rPr>
-              <a:t>Full </a:t>
-            </a:r>
-            <a:r>
-              <a:rPr lang="en-US" sz="6600" dirty="0" smtClean="0">
-                <a:solidFill>
-                  <a:srgbClr val="BB0FAB"/>
-                </a:solidFill>
-                <a:latin typeface="Comic Sans MS" pitchFamily="66" charset="0"/>
-              </a:rPr>
-              <a:t>DNF</a:t>
+              <a:t>Full DNF</a:t>
             </a:r>
           </a:p>
           <a:p>
@@ -2844,15 +3097,15 @@
   <p:clrMapOvr>
     <a:masterClrMapping/>
   </p:clrMapOvr>
-  <mc:AlternateContent xmlns:mc="http://schemas.openxmlformats.org/markup-compatibility/2006" xmlns:p14="http://schemas.microsoft.com/office/powerpoint/2010/main">
-    <mc:Choice Requires="p14">
+  <mc:AlternateContent xmlns:mc="http://schemas.openxmlformats.org/markup-compatibility/2006">
+    <mc:Choice xmlns:p14="http://schemas.microsoft.com/office/powerpoint/2010/main" Requires="p14">
       <p:transition spd="med" p14:dur="700" advClick="0">
-        <p:fade thruBlk="1"/>
+        <p:fade/>
       </p:transition>
     </mc:Choice>
-    <mc:Fallback xmlns="">
+    <mc:Fallback>
       <p:transition xmlns:p14="http://schemas.microsoft.com/office/powerpoint/2010/main" spd="med" advClick="0">
-        <p:fade thruBlk="1"/>
+        <p:fade/>
       </p:transition>
     </mc:Fallback>
   </mc:AlternateContent>
@@ -2868,6 +3121,9 @@
                     <p:cTn id="3" fill="hold">
                       <p:stCondLst>
                         <p:cond delay="indefinite"/>
+                        <p:cond evt="onBegin" delay="0">
+                          <p:tn val="2"/>
+                        </p:cond>
                       </p:stCondLst>
                       <p:childTnLst>
                         <p:par>
@@ -2877,7 +3133,7 @@
                             </p:stCondLst>
                             <p:childTnLst>
                               <p:par>
-                                <p:cTn id="5" presetID="10" presetClass="entr" presetSubtype="0" fill="hold" grpId="0" nodeType="clickEffect">
+                                <p:cTn id="5" presetID="10" presetClass="entr" presetSubtype="0" fill="hold" grpId="0" nodeType="afterEffect">
                                   <p:stCondLst>
                                     <p:cond delay="0"/>
                                   </p:stCondLst>
@@ -2945,7 +3201,7 @@
 </p:sld>
 </file>
 
-<file path=ppt/slides/slide11.xml><?xml version="1.0" encoding="utf-8"?>
+<file path=ppt/slides/slide12.xml><?xml version="1.0" encoding="utf-8"?>
 <p:sld xmlns:a="http://schemas.openxmlformats.org/drawingml/2006/main" xmlns:r="http://schemas.openxmlformats.org/officeDocument/2006/relationships" xmlns:p="http://schemas.openxmlformats.org/presentationml/2006/main">
   <p:cSld>
     <p:spTree>
@@ -2994,7 +3250,7 @@
               <a:pPr>
                 <a:defRPr/>
               </a:pPr>
-              <a:t>11</a:t>
+              <a:t>12</a:t>
             </a:fld>
             <a:endParaRPr lang="en-US" dirty="0"/>
           </a:p>
@@ -3045,25 +3301,7 @@
               <a:rPr lang="en-US" sz="5400" dirty="0" smtClean="0">
                 <a:latin typeface="Comic Sans MS" pitchFamily="66" charset="0"/>
               </a:rPr>
-              <a:t>If </a:t>
-            </a:r>
-            <a:r>
-              <a:rPr lang="en-US" sz="5400" dirty="0" smtClean="0">
-                <a:latin typeface="Comic Sans MS" pitchFamily="66" charset="0"/>
-              </a:rPr>
-              <a:t>two</a:t>
-            </a:r>
-            <a:r>
-              <a:rPr lang="en-US" sz="5400" dirty="0" smtClean="0">
-                <a:latin typeface="Comic Sans MS" pitchFamily="66" charset="0"/>
-              </a:rPr>
-              <a:t> </a:t>
-            </a:r>
-            <a:r>
-              <a:rPr lang="en-US" sz="5400" dirty="0" smtClean="0">
-                <a:latin typeface="Comic Sans MS" pitchFamily="66" charset="0"/>
-              </a:rPr>
-              <a:t>formulas</a:t>
+              <a:t>If two formulas</a:t>
             </a:r>
           </a:p>
           <a:p>
@@ -3072,19 +3310,7 @@
               <a:rPr lang="en-US" sz="5400" dirty="0" smtClean="0">
                 <a:latin typeface="Comic Sans MS" pitchFamily="66" charset="0"/>
               </a:rPr>
-              <a:t>are equivalent </a:t>
-            </a:r>
-            <a:r>
-              <a:rPr lang="en-US" sz="5400" dirty="0" smtClean="0">
-                <a:latin typeface="Comic Sans MS" pitchFamily="66" charset="0"/>
-              </a:rPr>
-              <a:t>then </a:t>
-            </a:r>
-            <a:r>
-              <a:rPr lang="en-US" sz="5400" dirty="0" smtClean="0">
-                <a:latin typeface="Comic Sans MS" pitchFamily="66" charset="0"/>
-              </a:rPr>
-              <a:t>they</a:t>
+              <a:t>are equivalent then they</a:t>
             </a:r>
           </a:p>
           <a:p>
@@ -3093,17 +3319,8 @@
               <a:rPr lang="en-US" sz="5400" dirty="0" smtClean="0">
                 <a:latin typeface="Comic Sans MS" pitchFamily="66" charset="0"/>
               </a:rPr>
-              <a:t>have the same* </a:t>
-            </a:r>
-            <a:r>
-              <a:rPr lang="en-US" sz="5400" dirty="0" smtClean="0">
-                <a:latin typeface="Comic Sans MS" pitchFamily="66" charset="0"/>
-              </a:rPr>
-              <a:t>Full DNF</a:t>
-            </a:r>
-            <a:endParaRPr lang="en-US" sz="5400" dirty="0" smtClean="0">
-              <a:latin typeface="Comic Sans MS" pitchFamily="66" charset="0"/>
-            </a:endParaRPr>
+              <a:t>have the same* Full DNF</a:t>
+            </a:r>
           </a:p>
           <a:p>
             <a:pPr algn="l">
@@ -3127,9 +3344,6 @@
               </a:rPr>
               <a:t>*sorted</a:t>
             </a:r>
-            <a:endParaRPr lang="en-US" sz="4800" dirty="0" smtClean="0">
-              <a:latin typeface="Comic Sans MS" pitchFamily="66" charset="0"/>
-            </a:endParaRPr>
           </a:p>
         </p:txBody>
       </p:sp>
@@ -3185,14 +3399,14 @@
   <p:clrMapOvr>
     <a:masterClrMapping/>
   </p:clrMapOvr>
-  <mc:AlternateContent xmlns:mc="http://schemas.openxmlformats.org/markup-compatibility/2006" xmlns:p14="http://schemas.microsoft.com/office/powerpoint/2010/main">
-    <mc:Choice Requires="p14">
-      <p:transition spd="med" p14:dur="700" advClick="0">
+  <mc:AlternateContent xmlns:mc="http://schemas.openxmlformats.org/markup-compatibility/2006">
+    <mc:Choice xmlns:p14="http://schemas.microsoft.com/office/powerpoint/2010/main" Requires="p14">
+      <p:transition spd="slow" p14:dur="1200" advClick="0">
         <p:fade/>
       </p:transition>
     </mc:Choice>
-    <mc:Fallback xmlns="">
-      <p:transition xmlns:p14="http://schemas.microsoft.com/office/powerpoint/2010/main" spd="med" advClick="0">
+    <mc:Fallback>
+      <p:transition xmlns:p14="http://schemas.microsoft.com/office/powerpoint/2010/main" spd="slow" advClick="0">
         <p:fade/>
       </p:transition>
     </mc:Fallback>
@@ -3291,7 +3505,7 @@
 </p:sld>
 </file>
 
-<file path=ppt/slides/slide12.xml><?xml version="1.0" encoding="utf-8"?>
+<file path=ppt/slides/slide13.xml><?xml version="1.0" encoding="utf-8"?>
 <p:sld xmlns:a="http://schemas.openxmlformats.org/drawingml/2006/main" xmlns:r="http://schemas.openxmlformats.org/officeDocument/2006/relationships" xmlns:p="http://schemas.openxmlformats.org/presentationml/2006/main">
   <p:cSld>
     <p:spTree>
@@ -3340,7 +3554,7 @@
               <a:pPr>
                 <a:defRPr/>
               </a:pPr>
-              <a:t>12</a:t>
+              <a:t>13</a:t>
             </a:fld>
             <a:endParaRPr lang="en-US" dirty="0"/>
           </a:p>
@@ -3526,13 +3740,13 @@
   <p:clrMapOvr>
     <a:masterClrMapping/>
   </p:clrMapOvr>
-  <mc:AlternateContent xmlns:mc="http://schemas.openxmlformats.org/markup-compatibility/2006">
-    <mc:Choice xmlns:p14="http://schemas.microsoft.com/office/powerpoint/2010/main" Requires="p14">
+  <mc:AlternateContent xmlns:mc="http://schemas.openxmlformats.org/markup-compatibility/2006" xmlns:p14="http://schemas.microsoft.com/office/powerpoint/2010/main">
+    <mc:Choice Requires="p14">
       <p:transition spd="slow" p14:dur="1500" advClick="0">
         <p:fade thruBlk="1"/>
       </p:transition>
     </mc:Choice>
-    <mc:Fallback>
+    <mc:Fallback xmlns="">
       <p:transition xmlns:p14="http://schemas.microsoft.com/office/powerpoint/2010/main" spd="slow" advClick="0">
         <p:fade thruBlk="1"/>
       </p:transition>
@@ -3681,7 +3895,7 @@
 </p:sld>
 </file>
 
-<file path=ppt/slides/slide13.xml><?xml version="1.0" encoding="utf-8"?>
+<file path=ppt/slides/slide14.xml><?xml version="1.0" encoding="utf-8"?>
 <p:sld xmlns:a="http://schemas.openxmlformats.org/drawingml/2006/main" xmlns:r="http://schemas.openxmlformats.org/officeDocument/2006/relationships" xmlns:p="http://schemas.openxmlformats.org/presentationml/2006/main">
   <p:cSld>
     <p:spTree>
@@ -3730,7 +3944,7 @@
               <a:pPr>
                 <a:defRPr/>
               </a:pPr>
-              <a:t>13</a:t>
+              <a:t>14</a:t>
             </a:fld>
             <a:endParaRPr lang="en-US" dirty="0"/>
           </a:p>
@@ -5404,7 +5618,7 @@
 </p:sld>
 </file>
 
-<file path=ppt/slides/slide14.xml><?xml version="1.0" encoding="utf-8"?>
+<file path=ppt/slides/slide15.xml><?xml version="1.0" encoding="utf-8"?>
 <p:sld xmlns:a="http://schemas.openxmlformats.org/drawingml/2006/main" xmlns:r="http://schemas.openxmlformats.org/officeDocument/2006/relationships" xmlns:p="http://schemas.openxmlformats.org/presentationml/2006/main">
   <p:cSld>
     <p:spTree>
@@ -5421,49 +5635,6 @@
           <a:chExt cx="0" cy="0"/>
         </a:xfrm>
       </p:grpSpPr>
-      <p:sp>
-        <p:nvSpPr>
-          <p:cNvPr id="2" name="Title 1"/>
-          <p:cNvSpPr>
-            <a:spLocks noGrp="1"/>
-          </p:cNvSpPr>
-          <p:nvPr>
-            <p:ph type="title" sz="quarter"/>
-          </p:nvPr>
-        </p:nvSpPr>
-        <p:spPr/>
-        <p:txBody>
-          <a:bodyPr/>
-          <a:lstStyle/>
-          <a:p>
-            <a:r>
-              <a:rPr lang="en-US" sz="5400" dirty="0" smtClean="0"/>
-              <a:t>A </a:t>
-            </a:r>
-            <a:r>
-              <a:rPr lang="en-US" sz="5400" dirty="0"/>
-              <a:t>S</a:t>
-            </a:r>
-            <a:r>
-              <a:rPr lang="en-US" sz="5400" dirty="0" smtClean="0"/>
-              <a:t>um (</a:t>
-            </a:r>
-            <a:r>
-              <a:rPr lang="en-US" sz="5400" dirty="0" smtClean="0">
-                <a:solidFill>
-                  <a:srgbClr val="0000E5"/>
-                </a:solidFill>
-              </a:rPr>
-              <a:t>OR</a:t>
-            </a:r>
-            <a:r>
-              <a:rPr lang="en-US" sz="5400" dirty="0" smtClean="0"/>
-              <a:t>) Term</a:t>
-            </a:r>
-            <a:endParaRPr lang="en-US" sz="5400" dirty="0"/>
-          </a:p>
-        </p:txBody>
-      </p:sp>
       <p:sp>
         <p:nvSpPr>
           <p:cNvPr id="3" name="Slide Number Placeholder 2"/>
@@ -5496,7 +5667,7 @@
               <a:pPr>
                 <a:defRPr/>
               </a:pPr>
-              <a:t>14</a:t>
+              <a:t>15</a:t>
             </a:fld>
             <a:endParaRPr lang="en-US" dirty="0"/>
           </a:p>
@@ -5604,7 +5775,7 @@
           <a:graphicData uri="http://schemas.openxmlformats.org/presentationml/2006/ole">
             <mc:AlternateContent xmlns:mc="http://schemas.openxmlformats.org/markup-compatibility/2006">
               <mc:Choice xmlns:v="urn:schemas-microsoft-com:vml" Requires="v">
-                <p:oleObj spid="_x0000_s26636" name="Equation" r:id="rId3" imgW="927100" imgH="254000" progId="Equation.DSMT4">
+                <p:oleObj spid="_x0000_s26640" name="Equation" r:id="rId3" imgW="927100" imgH="254000" progId="Equation.DSMT4">
                   <p:embed/>
                 </p:oleObj>
               </mc:Choice>
@@ -5769,6 +5940,70 @@
               </a:solidFill>
               <a:effectLst/>
               <a:latin typeface="Times New Roman" pitchFamily="18" charset="0"/>
+            </a:endParaRPr>
+          </a:p>
+        </p:txBody>
+      </p:sp>
+      <p:sp>
+        <p:nvSpPr>
+          <p:cNvPr id="11" name="TextBox 10"/>
+          <p:cNvSpPr txBox="1"/>
+          <p:nvPr/>
+        </p:nvSpPr>
+        <p:spPr>
+          <a:xfrm>
+            <a:off x="1625277" y="283708"/>
+            <a:ext cx="5678057" cy="1107996"/>
+          </a:xfrm>
+          <a:prstGeom prst="rect">
+            <a:avLst/>
+          </a:prstGeom>
+          <a:noFill/>
+        </p:spPr>
+        <p:txBody>
+          <a:bodyPr wrap="none" rtlCol="0">
+            <a:spAutoFit/>
+          </a:bodyPr>
+          <a:lstStyle/>
+          <a:p>
+            <a:pPr algn="l"/>
+            <a:r>
+              <a:rPr lang="en-US" sz="6000" dirty="0" smtClean="0">
+                <a:solidFill>
+                  <a:schemeClr val="accent1">
+                    <a:lumMod val="50000"/>
+                  </a:schemeClr>
+                </a:solidFill>
+                <a:latin typeface="Comic Sans MS" pitchFamily="66" charset="0"/>
+              </a:rPr>
+              <a:t>OR</a:t>
+            </a:r>
+            <a:r>
+              <a:rPr lang="en-US" sz="6600" dirty="0" smtClean="0">
+                <a:latin typeface="Comic Sans MS" pitchFamily="66" charset="0"/>
+              </a:rPr>
+              <a:t>-</a:t>
+            </a:r>
+            <a:r>
+              <a:rPr lang="en-US" sz="6600" dirty="0" smtClean="0">
+                <a:latin typeface="Comic Sans MS" pitchFamily="66" charset="0"/>
+              </a:rPr>
+              <a:t>of-</a:t>
+            </a:r>
+            <a:r>
+              <a:rPr lang="en-US" sz="6600" dirty="0" smtClean="0">
+                <a:solidFill>
+                  <a:srgbClr val="000000"/>
+                </a:solidFill>
+                <a:latin typeface="Comic Sans MS" pitchFamily="66" charset="0"/>
+              </a:rPr>
+              <a:t>literals</a:t>
+            </a:r>
+            <a:endParaRPr lang="en-US" sz="6600" dirty="0" smtClean="0">
+              <a:solidFill>
+                <a:srgbClr val="000000"/>
+              </a:solidFill>
+              <a:latin typeface="Comic Sans MS" pitchFamily="66" charset="0"/>
             </a:endParaRPr>
           </a:p>
         </p:txBody>
@@ -5961,7 +6196,7 @@
                                           </p:stCondLst>
                                         </p:cTn>
                                         <p:tgtEl>
-                                          <p:spTgt spid="2"/>
+                                          <p:spTgt spid="11"/>
                                         </p:tgtEl>
                                         <p:attrNameLst>
                                           <p:attrName>style.visibility</p:attrName>
@@ -5973,9 +6208,9 @@
                                     </p:set>
                                     <p:animEffect transition="in" filter="fade">
                                       <p:cBhvr>
-                                        <p:cTn id="20" dur="1000"/>
+                                        <p:cTn id="20" dur="500"/>
                                         <p:tgtEl>
-                                          <p:spTgt spid="2"/>
+                                          <p:spTgt spid="11"/>
                                         </p:tgtEl>
                                       </p:cBhvr>
                                     </p:animEffect>
@@ -6010,15 +6245,15 @@
       </p:par>
     </p:tnLst>
     <p:bldLst>
-      <p:bldP spid="2" grpId="0"/>
       <p:bldP spid="7" grpId="0"/>
       <p:bldP spid="4" grpId="0" animBg="1"/>
+      <p:bldP spid="11" grpId="0"/>
     </p:bldLst>
   </p:timing>
 </p:sld>
 </file>
 
-<file path=ppt/slides/slide15.xml><?xml version="1.0" encoding="utf-8"?>
+<file path=ppt/slides/slide16.xml><?xml version="1.0" encoding="utf-8"?>
 <p:sld xmlns:a="http://schemas.openxmlformats.org/drawingml/2006/main" xmlns:r="http://schemas.openxmlformats.org/officeDocument/2006/relationships" xmlns:p="http://schemas.openxmlformats.org/presentationml/2006/main">
   <p:cSld>
     <p:spTree>
@@ -6057,7 +6292,7 @@
           <a:graphicData uri="http://schemas.openxmlformats.org/presentationml/2006/ole">
             <mc:AlternateContent xmlns:mc="http://schemas.openxmlformats.org/markup-compatibility/2006">
               <mc:Choice xmlns:v="urn:schemas-microsoft-com:vml" Requires="v">
-                <p:oleObj spid="_x0000_s28692" name="Equation" r:id="rId3" imgW="762000" imgH="469900" progId="Equation.DSMT4">
+                <p:oleObj spid="_x0000_s28699" name="Equation" r:id="rId3" imgW="762000" imgH="469900" progId="Equation.DSMT4">
                   <p:embed/>
                 </p:oleObj>
               </mc:Choice>
@@ -6124,7 +6359,7 @@
               <a:pPr>
                 <a:defRPr/>
               </a:pPr>
-              <a:t>15</a:t>
+              <a:t>16</a:t>
             </a:fld>
             <a:endParaRPr lang="en-US" dirty="0"/>
           </a:p>
@@ -6152,7 +6387,7 @@
           <a:graphicData uri="http://schemas.openxmlformats.org/presentationml/2006/ole">
             <mc:AlternateContent xmlns:mc="http://schemas.openxmlformats.org/markup-compatibility/2006">
               <mc:Choice xmlns:v="urn:schemas-microsoft-com:vml" Requires="v">
-                <p:oleObj spid="_x0000_s28693" name="Equation" r:id="rId5" imgW="927100" imgH="254000" progId="Equation.DSMT4">
+                <p:oleObj spid="_x0000_s28700" name="Equation" r:id="rId5" imgW="927100" imgH="254000" progId="Equation.DSMT4">
                   <p:embed/>
                 </p:oleObj>
               </mc:Choice>
@@ -6276,60 +6511,70 @@
               </a:rPr>
               <a:t> only</a:t>
             </a:r>
-            <a:endParaRPr lang="en-US" sz="5400" dirty="0" smtClean="0">
+          </a:p>
+        </p:txBody>
+      </p:sp>
+      <p:sp>
+        <p:nvSpPr>
+          <p:cNvPr id="12" name="TextBox 11"/>
+          <p:cNvSpPr txBox="1"/>
+          <p:nvPr/>
+        </p:nvSpPr>
+        <p:spPr>
+          <a:xfrm>
+            <a:off x="1625277" y="283708"/>
+            <a:ext cx="5678057" cy="1107996"/>
+          </a:xfrm>
+          <a:prstGeom prst="rect">
+            <a:avLst/>
+          </a:prstGeom>
+          <a:noFill/>
+        </p:spPr>
+        <p:txBody>
+          <a:bodyPr wrap="none" rtlCol="0">
+            <a:spAutoFit/>
+          </a:bodyPr>
+          <a:lstStyle/>
+          <a:p>
+            <a:pPr algn="l"/>
+            <a:r>
+              <a:rPr lang="en-US" sz="6000" dirty="0" smtClean="0">
+                <a:solidFill>
+                  <a:schemeClr val="accent1">
+                    <a:lumMod val="50000"/>
+                  </a:schemeClr>
+                </a:solidFill>
+                <a:latin typeface="Comic Sans MS" pitchFamily="66" charset="0"/>
+              </a:rPr>
+              <a:t>OR</a:t>
+            </a:r>
+            <a:r>
+              <a:rPr lang="en-US" sz="6600" dirty="0" smtClean="0">
+                <a:latin typeface="Comic Sans MS" pitchFamily="66" charset="0"/>
+              </a:rPr>
+              <a:t>-</a:t>
+            </a:r>
+            <a:r>
+              <a:rPr lang="en-US" sz="6600" dirty="0" smtClean="0">
+                <a:latin typeface="Comic Sans MS" pitchFamily="66" charset="0"/>
+              </a:rPr>
+              <a:t>of-</a:t>
+            </a:r>
+            <a:r>
+              <a:rPr lang="en-US" sz="6600" dirty="0" smtClean="0">
+                <a:solidFill>
+                  <a:srgbClr val="000000"/>
+                </a:solidFill>
+                <a:latin typeface="Comic Sans MS" pitchFamily="66" charset="0"/>
+              </a:rPr>
+              <a:t>literals</a:t>
+            </a:r>
+            <a:endParaRPr lang="en-US" sz="6600" dirty="0" smtClean="0">
               <a:solidFill>
                 <a:srgbClr val="000000"/>
               </a:solidFill>
               <a:latin typeface="Comic Sans MS" pitchFamily="66" charset="0"/>
             </a:endParaRPr>
-          </a:p>
-        </p:txBody>
-      </p:sp>
-      <p:sp>
-        <p:nvSpPr>
-          <p:cNvPr id="11" name="Title 1"/>
-          <p:cNvSpPr>
-            <a:spLocks noGrp="1"/>
-          </p:cNvSpPr>
-          <p:nvPr>
-            <p:ph type="title" sz="quarter"/>
-          </p:nvPr>
-        </p:nvSpPr>
-        <p:spPr>
-          <a:xfrm>
-            <a:off x="1651000" y="363538"/>
-            <a:ext cx="6794500" cy="1003300"/>
-          </a:xfrm>
-        </p:spPr>
-        <p:txBody>
-          <a:bodyPr/>
-          <a:lstStyle/>
-          <a:p>
-            <a:r>
-              <a:rPr lang="en-US" sz="5400" dirty="0" smtClean="0"/>
-              <a:t>A </a:t>
-            </a:r>
-            <a:r>
-              <a:rPr lang="en-US" sz="5400" dirty="0"/>
-              <a:t>S</a:t>
-            </a:r>
-            <a:r>
-              <a:rPr lang="en-US" sz="5400" dirty="0" smtClean="0"/>
-              <a:t>um (</a:t>
-            </a:r>
-            <a:r>
-              <a:rPr lang="en-US" sz="5400" dirty="0" smtClean="0">
-                <a:solidFill>
-                  <a:srgbClr val="0000E5"/>
-                </a:solidFill>
-              </a:rPr>
-              <a:t>OR</a:t>
-            </a:r>
-            <a:r>
-              <a:rPr lang="en-US" sz="5400" dirty="0" smtClean="0"/>
-              <a:t>) Term</a:t>
-            </a:r>
-            <a:endParaRPr lang="en-US" sz="5400" dirty="0"/>
           </a:p>
         </p:txBody>
       </p:sp>
@@ -6573,7 +6818,7 @@
 </p:sld>
 </file>
 
-<file path=ppt/slides/slide16.xml><?xml version="1.0" encoding="utf-8"?>
+<file path=ppt/slides/slide17.xml><?xml version="1.0" encoding="utf-8"?>
 <p:sld xmlns:a="http://schemas.openxmlformats.org/drawingml/2006/main" xmlns:r="http://schemas.openxmlformats.org/officeDocument/2006/relationships" xmlns:p="http://schemas.openxmlformats.org/presentationml/2006/main">
   <p:cSld>
     <p:spTree>
@@ -6612,7 +6857,7 @@
           <a:graphicData uri="http://schemas.openxmlformats.org/presentationml/2006/ole">
             <mc:AlternateContent xmlns:mc="http://schemas.openxmlformats.org/markup-compatibility/2006">
               <mc:Choice xmlns:v="urn:schemas-microsoft-com:vml" Requires="v">
-                <p:oleObj spid="_x0000_s8215" name="Equation" r:id="rId3" imgW="1155700" imgH="482600" progId="Equation.DSMT4">
+                <p:oleObj spid="_x0000_s8219" name="Equation" r:id="rId3" imgW="1155700" imgH="482600" progId="Equation.DSMT4">
                   <p:embed/>
                 </p:oleObj>
               </mc:Choice>
@@ -6714,7 +6959,7 @@
               <a:pPr>
                 <a:defRPr/>
               </a:pPr>
-              <a:t>16</a:t>
+              <a:t>17</a:t>
             </a:fld>
             <a:endParaRPr lang="en-US" dirty="0"/>
           </a:p>
@@ -6919,7 +7164,7 @@
 </p:sld>
 </file>
 
-<file path=ppt/slides/slide17.xml><?xml version="1.0" encoding="utf-8"?>
+<file path=ppt/slides/slide18.xml><?xml version="1.0" encoding="utf-8"?>
 <p:sld xmlns:a="http://schemas.openxmlformats.org/drawingml/2006/main" xmlns:r="http://schemas.openxmlformats.org/officeDocument/2006/relationships" xmlns:p="http://schemas.openxmlformats.org/presentationml/2006/main">
   <p:cSld>
     <p:spTree>
@@ -6958,7 +7203,7 @@
           <a:graphicData uri="http://schemas.openxmlformats.org/presentationml/2006/ole">
             <mc:AlternateContent xmlns:mc="http://schemas.openxmlformats.org/markup-compatibility/2006">
               <mc:Choice xmlns:v="urn:schemas-microsoft-com:vml" Requires="v">
-                <p:oleObj spid="_x0000_s25610" name="Equation" r:id="rId3" imgW="1155700" imgH="482600" progId="Equation.DSMT4">
+                <p:oleObj spid="_x0000_s25614" name="Equation" r:id="rId3" imgW="1155700" imgH="482600" progId="Equation.DSMT4">
                   <p:embed/>
                 </p:oleObj>
               </mc:Choice>
@@ -7069,7 +7314,7 @@
               <a:pPr>
                 <a:defRPr/>
               </a:pPr>
-              <a:t>17</a:t>
+              <a:t>18</a:t>
             </a:fld>
             <a:endParaRPr lang="en-US" dirty="0"/>
           </a:p>
@@ -7098,7 +7343,7 @@
 </p:sld>
 </file>
 
-<file path=ppt/slides/slide18.xml><?xml version="1.0" encoding="utf-8"?>
+<file path=ppt/slides/slide19.xml><?xml version="1.0" encoding="utf-8"?>
 <p:sld xmlns:a="http://schemas.openxmlformats.org/drawingml/2006/main" xmlns:r="http://schemas.openxmlformats.org/officeDocument/2006/relationships" xmlns:p="http://schemas.openxmlformats.org/presentationml/2006/main">
   <p:cSld>
     <p:spTree>
@@ -7147,7 +7392,7 @@
               <a:pPr>
                 <a:defRPr/>
               </a:pPr>
-              <a:t>18</a:t>
+              <a:t>19</a:t>
             </a:fld>
             <a:endParaRPr lang="en-US" dirty="0"/>
           </a:p>
@@ -7162,20 +7407,20 @@
           <p:nvPr>
             <p:extLst>
               <p:ext uri="{D42A27DB-BD31-4B8C-83A1-F6EECF244321}">
-                <p14:modId xmlns:p14="http://schemas.microsoft.com/office/powerpoint/2010/main" val="2491450761"/>
+                <p14:modId xmlns:p14="http://schemas.microsoft.com/office/powerpoint/2010/main" val="2403349168"/>
               </p:ext>
             </p:extLst>
           </p:nvPr>
         </p:nvGraphicFramePr>
         <p:xfrm>
-          <a:off x="2009775" y="1311275"/>
+          <a:off x="2442159" y="1311275"/>
           <a:ext cx="5135563" cy="4083050"/>
         </p:xfrm>
         <a:graphic>
           <a:graphicData uri="http://schemas.openxmlformats.org/presentationml/2006/ole">
             <mc:AlternateContent xmlns:mc="http://schemas.openxmlformats.org/markup-compatibility/2006">
               <mc:Choice xmlns:v="urn:schemas-microsoft-com:vml" Requires="v">
-                <p:oleObj spid="_x0000_s10262" name="Equation" r:id="rId3" imgW="1181100" imgH="939800" progId="Equation.DSMT4">
+                <p:oleObj spid="_x0000_s10267" name="Equation" r:id="rId3" imgW="1181100" imgH="939800" progId="Equation.DSMT4">
                   <p:embed/>
                 </p:oleObj>
               </mc:Choice>
@@ -7196,7 +7441,7 @@
                     </p:blipFill>
                     <p:spPr>
                       <a:xfrm>
-                        <a:off x="2009775" y="1311275"/>
+                        <a:off x="2442159" y="1311275"/>
                         <a:ext cx="5135563" cy="4083050"/>
                       </a:xfrm>
                       <a:prstGeom prst="rect">
@@ -7222,7 +7467,7 @@
         </p:nvSpPr>
         <p:spPr>
           <a:xfrm>
-            <a:off x="3785851" y="363538"/>
+            <a:off x="3366979" y="350028"/>
             <a:ext cx="4483283" cy="1000969"/>
           </a:xfrm>
         </p:spPr>
@@ -7262,7 +7507,7 @@
         </p:nvSpPr>
         <p:spPr>
           <a:xfrm>
-            <a:off x="2148363" y="337749"/>
+            <a:off x="1770027" y="337749"/>
             <a:ext cx="1473330" cy="1015663"/>
           </a:xfrm>
           <a:prstGeom prst="rect">
@@ -7536,136 +7781,6 @@
 </p:sld>
 </file>
 
-<file path=ppt/slides/slide19.xml><?xml version="1.0" encoding="utf-8"?>
-<p:sld xmlns:a="http://schemas.openxmlformats.org/drawingml/2006/main" xmlns:r="http://schemas.openxmlformats.org/officeDocument/2006/relationships" xmlns:p="http://schemas.openxmlformats.org/presentationml/2006/main">
-  <p:cSld>
-    <p:spTree>
-      <p:nvGrpSpPr>
-        <p:cNvPr id="1" name=""/>
-        <p:cNvGrpSpPr/>
-        <p:nvPr/>
-      </p:nvGrpSpPr>
-      <p:grpSpPr>
-        <a:xfrm>
-          <a:off x="0" y="0"/>
-          <a:ext cx="0" cy="0"/>
-          <a:chOff x="0" y="0"/>
-          <a:chExt cx="0" cy="0"/>
-        </a:xfrm>
-      </p:grpSpPr>
-      <p:sp>
-        <p:nvSpPr>
-          <p:cNvPr id="2" name="Title 1"/>
-          <p:cNvSpPr>
-            <a:spLocks noGrp="1"/>
-          </p:cNvSpPr>
-          <p:nvPr>
-            <p:ph type="title" sz="quarter"/>
-          </p:nvPr>
-        </p:nvSpPr>
-        <p:spPr>
-          <a:xfrm>
-            <a:off x="401078" y="1359070"/>
-            <a:ext cx="8199798" cy="4032643"/>
-          </a:xfrm>
-        </p:spPr>
-        <p:txBody>
-          <a:bodyPr/>
-          <a:lstStyle/>
-          <a:p>
-            <a:pPr algn="ctr"/>
-            <a:r>
-              <a:rPr lang="en-US" sz="7200" dirty="0" smtClean="0">
-                <a:solidFill>
-                  <a:srgbClr val="006600"/>
-                </a:solidFill>
-              </a:rPr>
-              <a:t>Every formula</a:t>
-            </a:r>
-            <a:r>
-              <a:rPr lang="en-US" sz="7200" dirty="0" smtClean="0"/>
-              <a:t> is equivalent to a</a:t>
-            </a:r>
-            <a:br>
-              <a:rPr lang="en-US" sz="7200" dirty="0" smtClean="0"/>
-            </a:br>
-            <a:r>
-              <a:rPr lang="en-US" sz="7200" dirty="0" smtClean="0">
-                <a:solidFill>
-                  <a:srgbClr val="BB0FAB"/>
-                </a:solidFill>
-              </a:rPr>
-              <a:t>Full CNF </a:t>
-            </a:r>
-            <a:endParaRPr lang="en-US" sz="5400" dirty="0">
-              <a:solidFill>
-                <a:srgbClr val="BB0FAB"/>
-              </a:solidFill>
-            </a:endParaRPr>
-          </a:p>
-        </p:txBody>
-      </p:sp>
-      <p:sp>
-        <p:nvSpPr>
-          <p:cNvPr id="3" name="Slide Number Placeholder 2"/>
-          <p:cNvSpPr>
-            <a:spLocks noGrp="1"/>
-          </p:cNvSpPr>
-          <p:nvPr>
-            <p:ph type="sldNum" sz="quarter" idx="4"/>
-          </p:nvPr>
-        </p:nvSpPr>
-        <p:spPr>
-          <a:xfrm>
-            <a:off x="8057874" y="6553200"/>
-            <a:ext cx="1086130" cy="276999"/>
-          </a:xfrm>
-        </p:spPr>
-        <p:txBody>
-          <a:bodyPr/>
-          <a:lstStyle/>
-          <a:p>
-            <a:pPr>
-              <a:defRPr/>
-            </a:pPr>
-            <a:r>
-              <a:rPr lang="en-US" dirty="0" smtClean="0"/>
-              <a:t>DNF-CNF.</a:t>
-            </a:r>
-            <a:fld id="{068AF58D-0467-409E-A30A-0D5E3A2B197F}" type="slidenum">
-              <a:rPr lang="en-US" smtClean="0"/>
-              <a:pPr>
-                <a:defRPr/>
-              </a:pPr>
-              <a:t>19</a:t>
-            </a:fld>
-            <a:endParaRPr lang="en-US" dirty="0"/>
-          </a:p>
-        </p:txBody>
-      </p:sp>
-    </p:spTree>
-    <p:extLst>
-      <p:ext uri="{BB962C8B-B14F-4D97-AF65-F5344CB8AC3E}">
-        <p14:creationId xmlns:p14="http://schemas.microsoft.com/office/powerpoint/2010/main" val="691946672"/>
-      </p:ext>
-    </p:extLst>
-  </p:cSld>
-  <p:clrMapOvr>
-    <a:masterClrMapping/>
-  </p:clrMapOvr>
-  <p:transition xmlns:p14="http://schemas.microsoft.com/office/powerpoint/2010/main" spd="slow" advClick="0">
-    <p:fade thruBlk="1"/>
-  </p:transition>
-  <p:timing>
-    <p:tnLst>
-      <p:par>
-        <p:cTn xmlns:p14="http://schemas.microsoft.com/office/powerpoint/2010/main" id="1" dur="indefinite" restart="never" nodeType="tmRoot"/>
-      </p:par>
-    </p:tnLst>
-  </p:timing>
-</p:sld>
-</file>
-
 <file path=ppt/slides/slide2.xml><?xml version="1.0" encoding="utf-8"?>
 <p:sld xmlns:a="http://schemas.openxmlformats.org/drawingml/2006/main" xmlns:r="http://schemas.openxmlformats.org/officeDocument/2006/relationships" xmlns:p="http://schemas.openxmlformats.org/presentationml/2006/main">
   <p:cSld>
@@ -7695,8 +7810,8 @@
         </p:nvSpPr>
         <p:spPr>
           <a:xfrm>
-            <a:off x="1651000" y="323008"/>
-            <a:ext cx="6794500" cy="1003300"/>
+            <a:off x="1515880" y="350027"/>
+            <a:ext cx="7493000" cy="1122560"/>
           </a:xfrm>
         </p:spPr>
         <p:txBody>
@@ -7705,7 +7820,15 @@
           <a:p>
             <a:r>
               <a:rPr lang="en-US" dirty="0" smtClean="0"/>
-              <a:t>Sum of Products Form</a:t>
+              <a:t>Formulas for </a:t>
+            </a:r>
+            <a:r>
+              <a:rPr lang="en-US" dirty="0"/>
+              <a:t>T</a:t>
+            </a:r>
+            <a:r>
+              <a:rPr lang="en-US" dirty="0" smtClean="0"/>
+              <a:t>ruth Tables</a:t>
             </a:r>
             <a:endParaRPr lang="en-US" dirty="0"/>
           </a:p>
@@ -7721,12 +7844,7 @@
             <p:ph type="sldNum" sz="quarter" idx="4"/>
           </p:nvPr>
         </p:nvSpPr>
-        <p:spPr>
-          <a:xfrm>
-            <a:off x="8127154" y="6553200"/>
-            <a:ext cx="1016850" cy="276999"/>
-          </a:xfrm>
-        </p:spPr>
+        <p:spPr/>
         <p:txBody>
           <a:bodyPr/>
           <a:lstStyle/>
@@ -7735,10 +7853,10 @@
               <a:defRPr/>
             </a:pPr>
             <a:r>
-              <a:rPr lang="en-US" dirty="0" smtClean="0"/>
-              <a:t>DNF-CNF.</a:t>
-            </a:r>
-            <a:fld id="{068AF58D-0467-409E-A30A-0D5E3A2B197F}" type="slidenum">
+              <a:rPr lang="en-US" smtClean="0"/>
+              <a:t>CNF-DNF.</a:t>
+            </a:r>
+            <a:fld id="{EBFB97A3-F52F-4FD6-B1AC-522A20C95467}" type="slidenum">
               <a:rPr lang="en-US" smtClean="0"/>
               <a:pPr>
                 <a:defRPr/>
@@ -7757,8 +7875,8 @@
         </p:nvSpPr>
         <p:spPr>
           <a:xfrm>
-            <a:off x="2276684" y="1367125"/>
-            <a:ext cx="4705172" cy="923330"/>
+            <a:off x="320889" y="1350997"/>
+            <a:ext cx="8351941" cy="4247317"/>
           </a:xfrm>
           <a:prstGeom prst="rect">
             <a:avLst/>
@@ -7774,117 +7892,72 @@
             <a:pPr algn="l"/>
             <a:r>
               <a:rPr lang="en-US" sz="5400" dirty="0" smtClean="0">
+                <a:latin typeface="Comic Sans MS" pitchFamily="66" charset="0"/>
+              </a:rPr>
+              <a:t>There is a propositional</a:t>
+            </a:r>
+          </a:p>
+          <a:p>
+            <a:pPr algn="l"/>
+            <a:r>
+              <a:rPr lang="en-US" sz="5400" dirty="0" smtClean="0">
+                <a:latin typeface="Comic Sans MS" pitchFamily="66" charset="0"/>
+              </a:rPr>
+              <a:t>formula for every truth</a:t>
+            </a:r>
+          </a:p>
+          <a:p>
+            <a:pPr algn="l"/>
+            <a:r>
+              <a:rPr lang="en-US" sz="5400" dirty="0" smtClean="0">
+                <a:latin typeface="Comic Sans MS" pitchFamily="66" charset="0"/>
+              </a:rPr>
+              <a:t>table.  In fact, there is</a:t>
+            </a:r>
+          </a:p>
+          <a:p>
+            <a:pPr algn="l"/>
+            <a:r>
+              <a:rPr lang="en-US" sz="5400" dirty="0" smtClean="0">
+                <a:latin typeface="Comic Sans MS" pitchFamily="66" charset="0"/>
+              </a:rPr>
+              <a:t>a special </a:t>
+            </a:r>
+            <a:r>
+              <a:rPr lang="en-US" sz="5400" dirty="0" smtClean="0">
                 <a:solidFill>
-                  <a:schemeClr val="tx2"/>
+                  <a:srgbClr val="0000FF"/>
                 </a:solidFill>
                 <a:latin typeface="Comic Sans MS" pitchFamily="66" charset="0"/>
               </a:rPr>
-              <a:t>(</a:t>
+              <a:t>sum of</a:t>
+            </a:r>
+            <a:r>
+              <a:rPr lang="en-US" sz="5400" dirty="0">
+                <a:solidFill>
+                  <a:srgbClr val="0000FF"/>
+                </a:solidFill>
+                <a:latin typeface="Comic Sans MS" pitchFamily="66" charset="0"/>
+              </a:rPr>
+              <a:t> </a:t>
             </a:r>
             <a:r>
               <a:rPr lang="en-US" sz="5400" dirty="0" smtClean="0">
                 <a:solidFill>
-                  <a:schemeClr val="accent1">
-                    <a:lumMod val="50000"/>
-                  </a:schemeClr>
+                  <a:srgbClr val="0000FF"/>
                 </a:solidFill>
                 <a:latin typeface="Comic Sans MS" pitchFamily="66" charset="0"/>
               </a:rPr>
-              <a:t>OR </a:t>
-            </a:r>
-            <a:r>
-              <a:rPr lang="en-US" sz="5400" dirty="0" smtClean="0">
-                <a:solidFill>
-                  <a:schemeClr val="tx2"/>
-                </a:solidFill>
-                <a:latin typeface="Comic Sans MS" pitchFamily="66" charset="0"/>
-              </a:rPr>
-              <a:t>of</a:t>
-            </a:r>
-            <a:r>
-              <a:rPr lang="en-US" sz="5400" dirty="0" smtClean="0">
-                <a:solidFill>
-                  <a:schemeClr val="accent1">
-                    <a:lumMod val="50000"/>
-                  </a:schemeClr>
-                </a:solidFill>
-                <a:latin typeface="Comic Sans MS" pitchFamily="66" charset="0"/>
-              </a:rPr>
-              <a:t> ANDs</a:t>
-            </a:r>
-            <a:r>
-              <a:rPr lang="en-US" sz="5400" dirty="0" smtClean="0">
-                <a:solidFill>
-                  <a:schemeClr val="tx2"/>
-                </a:solidFill>
-                <a:latin typeface="Comic Sans MS" pitchFamily="66" charset="0"/>
-              </a:rPr>
-              <a:t>)</a:t>
-            </a:r>
-          </a:p>
-        </p:txBody>
-      </p:sp>
-      <p:sp>
-        <p:nvSpPr>
-          <p:cNvPr id="5" name="TextBox 4"/>
-          <p:cNvSpPr txBox="1"/>
-          <p:nvPr/>
-        </p:nvSpPr>
-        <p:spPr>
-          <a:xfrm>
-            <a:off x="1380199" y="2444714"/>
-            <a:ext cx="6396302" cy="3785652"/>
-          </a:xfrm>
-          <a:prstGeom prst="rect">
-            <a:avLst/>
-          </a:prstGeom>
-          <a:noFill/>
-        </p:spPr>
-        <p:txBody>
-          <a:bodyPr wrap="none" rtlCol="0">
-            <a:spAutoFit/>
-          </a:bodyPr>
-          <a:lstStyle/>
-          <a:p>
-            <a:r>
-              <a:rPr lang="en-US" sz="8000" dirty="0" smtClean="0">
-                <a:solidFill>
-                  <a:srgbClr val="BB0FAB"/>
-                </a:solidFill>
-                <a:latin typeface="Comic Sans MS" pitchFamily="66" charset="0"/>
-              </a:rPr>
-              <a:t>Disjunctive</a:t>
-            </a:r>
-            <a:r>
-              <a:rPr lang="en-US" sz="8000" dirty="0" smtClean="0">
-                <a:solidFill>
-                  <a:srgbClr val="000000"/>
-                </a:solidFill>
-                <a:latin typeface="Comic Sans MS" pitchFamily="66" charset="0"/>
-              </a:rPr>
-              <a:t> </a:t>
+              <a:t>products</a:t>
             </a:r>
           </a:p>
           <a:p>
-            <a:r>
-              <a:rPr lang="en-US" sz="8000" dirty="0" smtClean="0">
-                <a:solidFill>
-                  <a:srgbClr val="000000"/>
-                </a:solidFill>
+            <a:pPr algn="l"/>
+            <a:r>
+              <a:rPr lang="en-US" sz="5400" dirty="0" smtClean="0">
                 <a:latin typeface="Comic Sans MS" pitchFamily="66" charset="0"/>
               </a:rPr>
-              <a:t>Normal Form</a:t>
-            </a:r>
-          </a:p>
-          <a:p>
-            <a:r>
-              <a:rPr lang="en-US" sz="8000" dirty="0" smtClean="0">
-                <a:solidFill>
-                  <a:srgbClr val="000000"/>
-                </a:solidFill>
-                <a:latin typeface="Comic Sans MS" pitchFamily="66" charset="0"/>
-              </a:rPr>
-              <a:t>(DNF)</a:t>
+              <a:t>formula.</a:t>
             </a:r>
           </a:p>
         </p:txBody>
@@ -7892,16 +7965,25 @@
     </p:spTree>
     <p:extLst>
       <p:ext uri="{BB962C8B-B14F-4D97-AF65-F5344CB8AC3E}">
-        <p14:creationId xmlns:p14="http://schemas.microsoft.com/office/powerpoint/2010/main" val="34003220"/>
+        <p14:creationId xmlns:p14="http://schemas.microsoft.com/office/powerpoint/2010/main" val="1677469921"/>
       </p:ext>
     </p:extLst>
   </p:cSld>
   <p:clrMapOvr>
     <a:masterClrMapping/>
   </p:clrMapOvr>
-  <p:transition xmlns:p14="http://schemas.microsoft.com/office/powerpoint/2010/main" spd="slow" advClick="0">
-    <p:fade thruBlk="1"/>
-  </p:transition>
+  <mc:AlternateContent xmlns:mc="http://schemas.openxmlformats.org/markup-compatibility/2006">
+    <mc:Choice xmlns:p14="http://schemas.microsoft.com/office/powerpoint/2010/main" Requires="p14">
+      <p:transition spd="med" p14:dur="700" advClick="0">
+        <p:fade/>
+      </p:transition>
+    </mc:Choice>
+    <mc:Fallback>
+      <p:transition xmlns:p14="http://schemas.microsoft.com/office/powerpoint/2010/main" spd="med" advClick="0">
+        <p:fade/>
+      </p:transition>
+    </mc:Fallback>
+  </mc:AlternateContent>
   <p:timing>
     <p:tnLst>
       <p:par>
@@ -7963,59 +8045,6 @@
                       </p:childTnLst>
                     </p:cTn>
                   </p:par>
-                  <p:par>
-                    <p:cTn id="8" fill="hold">
-                      <p:stCondLst>
-                        <p:cond delay="indefinite"/>
-                      </p:stCondLst>
-                      <p:childTnLst>
-                        <p:par>
-                          <p:cTn id="9" fill="hold">
-                            <p:stCondLst>
-                              <p:cond delay="0"/>
-                            </p:stCondLst>
-                            <p:childTnLst>
-                              <p:par>
-                                <p:cTn id="10" presetID="10" presetClass="entr" presetSubtype="0" fill="hold" grpId="1" nodeType="clickEffect">
-                                  <p:stCondLst>
-                                    <p:cond delay="0"/>
-                                  </p:stCondLst>
-                                  <p:childTnLst>
-                                    <p:set>
-                                      <p:cBhvr>
-                                        <p:cTn id="11" dur="1" fill="hold">
-                                          <p:stCondLst>
-                                            <p:cond delay="0"/>
-                                          </p:stCondLst>
-                                        </p:cTn>
-                                        <p:tgtEl>
-                                          <p:spTgt spid="5"/>
-                                        </p:tgtEl>
-                                        <p:attrNameLst>
-                                          <p:attrName>style.visibility</p:attrName>
-                                        </p:attrNameLst>
-                                      </p:cBhvr>
-                                      <p:to>
-                                        <p:strVal val="visible"/>
-                                      </p:to>
-                                    </p:set>
-                                    <p:animEffect transition="in" filter="fade">
-                                      <p:cBhvr>
-                                        <p:cTn id="12" dur="500"/>
-                                        <p:tgtEl>
-                                          <p:spTgt spid="5"/>
-                                        </p:tgtEl>
-                                      </p:cBhvr>
-                                    </p:animEffect>
-                                  </p:childTnLst>
-                                </p:cTn>
-                              </p:par>
-                            </p:childTnLst>
-                          </p:cTn>
-                        </p:par>
-                      </p:childTnLst>
-                    </p:cTn>
-                  </p:par>
                 </p:childTnLst>
               </p:cTn>
               <p:prevCondLst>
@@ -8039,13 +8068,142 @@
     </p:tnLst>
     <p:bldLst>
       <p:bldP spid="4" grpId="0"/>
-      <p:bldP spid="5" grpId="1"/>
     </p:bldLst>
   </p:timing>
 </p:sld>
 </file>
 
 <file path=ppt/slides/slide20.xml><?xml version="1.0" encoding="utf-8"?>
+<p:sld xmlns:a="http://schemas.openxmlformats.org/drawingml/2006/main" xmlns:r="http://schemas.openxmlformats.org/officeDocument/2006/relationships" xmlns:p="http://schemas.openxmlformats.org/presentationml/2006/main">
+  <p:cSld>
+    <p:spTree>
+      <p:nvGrpSpPr>
+        <p:cNvPr id="1" name=""/>
+        <p:cNvGrpSpPr/>
+        <p:nvPr/>
+      </p:nvGrpSpPr>
+      <p:grpSpPr>
+        <a:xfrm>
+          <a:off x="0" y="0"/>
+          <a:ext cx="0" cy="0"/>
+          <a:chOff x="0" y="0"/>
+          <a:chExt cx="0" cy="0"/>
+        </a:xfrm>
+      </p:grpSpPr>
+      <p:sp>
+        <p:nvSpPr>
+          <p:cNvPr id="2" name="Title 1"/>
+          <p:cNvSpPr>
+            <a:spLocks noGrp="1"/>
+          </p:cNvSpPr>
+          <p:nvPr>
+            <p:ph type="title" sz="quarter"/>
+          </p:nvPr>
+        </p:nvSpPr>
+        <p:spPr>
+          <a:xfrm>
+            <a:off x="401078" y="1359070"/>
+            <a:ext cx="8199798" cy="4032643"/>
+          </a:xfrm>
+        </p:spPr>
+        <p:txBody>
+          <a:bodyPr/>
+          <a:lstStyle/>
+          <a:p>
+            <a:pPr algn="ctr"/>
+            <a:r>
+              <a:rPr lang="en-US" sz="7200" dirty="0" smtClean="0">
+                <a:solidFill>
+                  <a:srgbClr val="006600"/>
+                </a:solidFill>
+              </a:rPr>
+              <a:t>Every formula</a:t>
+            </a:r>
+            <a:r>
+              <a:rPr lang="en-US" sz="7200" dirty="0" smtClean="0"/>
+              <a:t> is equivalent to a</a:t>
+            </a:r>
+            <a:br>
+              <a:rPr lang="en-US" sz="7200" dirty="0" smtClean="0"/>
+            </a:br>
+            <a:r>
+              <a:rPr lang="en-US" sz="7200" dirty="0" smtClean="0">
+                <a:solidFill>
+                  <a:srgbClr val="BB0FAB"/>
+                </a:solidFill>
+              </a:rPr>
+              <a:t>Full CNF </a:t>
+            </a:r>
+            <a:endParaRPr lang="en-US" sz="5400" dirty="0">
+              <a:solidFill>
+                <a:srgbClr val="BB0FAB"/>
+              </a:solidFill>
+            </a:endParaRPr>
+          </a:p>
+        </p:txBody>
+      </p:sp>
+      <p:sp>
+        <p:nvSpPr>
+          <p:cNvPr id="3" name="Slide Number Placeholder 2"/>
+          <p:cNvSpPr>
+            <a:spLocks noGrp="1"/>
+          </p:cNvSpPr>
+          <p:nvPr>
+            <p:ph type="sldNum" sz="quarter" idx="4"/>
+          </p:nvPr>
+        </p:nvSpPr>
+        <p:spPr>
+          <a:xfrm>
+            <a:off x="8057874" y="6553200"/>
+            <a:ext cx="1086130" cy="276999"/>
+          </a:xfrm>
+        </p:spPr>
+        <p:txBody>
+          <a:bodyPr/>
+          <a:lstStyle/>
+          <a:p>
+            <a:pPr>
+              <a:defRPr/>
+            </a:pPr>
+            <a:r>
+              <a:rPr lang="en-US" dirty="0" smtClean="0"/>
+              <a:t>DNF-CNF.</a:t>
+            </a:r>
+            <a:fld id="{068AF58D-0467-409E-A30A-0D5E3A2B197F}" type="slidenum">
+              <a:rPr lang="en-US" smtClean="0"/>
+              <a:pPr>
+                <a:defRPr/>
+              </a:pPr>
+              <a:t>20</a:t>
+            </a:fld>
+            <a:endParaRPr lang="en-US" dirty="0"/>
+          </a:p>
+        </p:txBody>
+      </p:sp>
+    </p:spTree>
+    <p:extLst>
+      <p:ext uri="{BB962C8B-B14F-4D97-AF65-F5344CB8AC3E}">
+        <p14:creationId xmlns:p14="http://schemas.microsoft.com/office/powerpoint/2010/main" val="691946672"/>
+      </p:ext>
+    </p:extLst>
+  </p:cSld>
+  <p:clrMapOvr>
+    <a:masterClrMapping/>
+  </p:clrMapOvr>
+  <p:transition xmlns:p14="http://schemas.microsoft.com/office/powerpoint/2010/main" spd="slow" advClick="0">
+    <p:fade thruBlk="1"/>
+  </p:transition>
+  <p:timing>
+    <p:tnLst>
+      <p:par>
+        <p:cTn xmlns:p14="http://schemas.microsoft.com/office/powerpoint/2010/main" id="1" dur="indefinite" restart="never" nodeType="tmRoot"/>
+      </p:par>
+    </p:tnLst>
+  </p:timing>
+</p:sld>
+</file>
+
+<file path=ppt/slides/slide21.xml><?xml version="1.0" encoding="utf-8"?>
 <p:sld xmlns:a="http://schemas.openxmlformats.org/drawingml/2006/main" xmlns:r="http://schemas.openxmlformats.org/officeDocument/2006/relationships" xmlns:p="http://schemas.openxmlformats.org/presentationml/2006/main">
   <p:cSld>
     <p:spTree>
@@ -8094,7 +8252,7 @@
               <a:pPr>
                 <a:defRPr/>
               </a:pPr>
-              <a:t>20</a:t>
+              <a:t>21</a:t>
             </a:fld>
             <a:endParaRPr lang="en-US" dirty="0"/>
           </a:p>
@@ -8145,25 +8303,7 @@
               <a:rPr lang="en-US" sz="5400" dirty="0" smtClean="0">
                 <a:latin typeface="Comic Sans MS" pitchFamily="66" charset="0"/>
               </a:rPr>
-              <a:t>If </a:t>
-            </a:r>
-            <a:r>
-              <a:rPr lang="en-US" sz="5400" dirty="0" smtClean="0">
-                <a:latin typeface="Comic Sans MS" pitchFamily="66" charset="0"/>
-              </a:rPr>
-              <a:t>two</a:t>
-            </a:r>
-            <a:r>
-              <a:rPr lang="en-US" sz="5400" dirty="0" smtClean="0">
-                <a:latin typeface="Comic Sans MS" pitchFamily="66" charset="0"/>
-              </a:rPr>
-              <a:t> </a:t>
-            </a:r>
-            <a:r>
-              <a:rPr lang="en-US" sz="5400" dirty="0" smtClean="0">
-                <a:latin typeface="Comic Sans MS" pitchFamily="66" charset="0"/>
-              </a:rPr>
-              <a:t>formulas</a:t>
+              <a:t>If two formulas</a:t>
             </a:r>
           </a:p>
           <a:p>
@@ -8172,19 +8312,7 @@
               <a:rPr lang="en-US" sz="5400" dirty="0" smtClean="0">
                 <a:latin typeface="Comic Sans MS" pitchFamily="66" charset="0"/>
               </a:rPr>
-              <a:t>are equivalent </a:t>
-            </a:r>
-            <a:r>
-              <a:rPr lang="en-US" sz="5400" dirty="0" smtClean="0">
-                <a:latin typeface="Comic Sans MS" pitchFamily="66" charset="0"/>
-              </a:rPr>
-              <a:t>then </a:t>
-            </a:r>
-            <a:r>
-              <a:rPr lang="en-US" sz="5400" dirty="0" smtClean="0">
-                <a:latin typeface="Comic Sans MS" pitchFamily="66" charset="0"/>
-              </a:rPr>
-              <a:t>they</a:t>
+              <a:t>are equivalent then they</a:t>
             </a:r>
           </a:p>
           <a:p>
@@ -8193,13 +8321,7 @@
               <a:rPr lang="en-US" sz="5400" dirty="0" smtClean="0">
                 <a:latin typeface="Comic Sans MS" pitchFamily="66" charset="0"/>
               </a:rPr>
-              <a:t>have the same* </a:t>
-            </a:r>
-            <a:r>
-              <a:rPr lang="en-US" sz="5400" dirty="0" smtClean="0">
-                <a:latin typeface="Comic Sans MS" pitchFamily="66" charset="0"/>
-              </a:rPr>
-              <a:t>Full </a:t>
+              <a:t>have the same* Full </a:t>
             </a:r>
             <a:r>
               <a:rPr lang="en-US" sz="5400" dirty="0" smtClean="0">
@@ -8216,9 +8338,6 @@
               </a:rPr>
               <a:t>NF</a:t>
             </a:r>
-            <a:endParaRPr lang="en-US" sz="5400" dirty="0" smtClean="0">
-              <a:latin typeface="Comic Sans MS" pitchFamily="66" charset="0"/>
-            </a:endParaRPr>
           </a:p>
           <a:p>
             <a:pPr algn="l">
@@ -8242,9 +8361,6 @@
               </a:rPr>
               <a:t>*sorted</a:t>
             </a:r>
-            <a:endParaRPr lang="en-US" sz="4800" dirty="0" smtClean="0">
-              <a:latin typeface="Comic Sans MS" pitchFamily="66" charset="0"/>
-            </a:endParaRPr>
           </a:p>
         </p:txBody>
       </p:sp>
@@ -8334,7 +8450,7 @@
 </p:sld>
 </file>
 
-<file path=ppt/slides/slide21.xml><?xml version="1.0" encoding="utf-8"?>
+<file path=ppt/slides/slide22.xml><?xml version="1.0" encoding="utf-8"?>
 <p:sld xmlns:a="http://schemas.openxmlformats.org/drawingml/2006/main" xmlns:r="http://schemas.openxmlformats.org/officeDocument/2006/relationships" xmlns:p="http://schemas.openxmlformats.org/presentationml/2006/main" show="0">
   <p:cSld>
     <p:spTree>
@@ -8420,7 +8536,7 @@
               <a:pPr>
                 <a:defRPr/>
               </a:pPr>
-              <a:t>21</a:t>
+              <a:t>22</a:t>
             </a:fld>
             <a:endParaRPr lang="en-US" dirty="0"/>
           </a:p>
@@ -8588,6 +8704,515 @@
       </p:grpSpPr>
       <p:sp>
         <p:nvSpPr>
+          <p:cNvPr id="2" name="Title 1"/>
+          <p:cNvSpPr>
+            <a:spLocks noGrp="1"/>
+          </p:cNvSpPr>
+          <p:nvPr>
+            <p:ph type="title" sz="quarter"/>
+          </p:nvPr>
+        </p:nvSpPr>
+        <p:spPr>
+          <a:xfrm>
+            <a:off x="1651000" y="323007"/>
+            <a:ext cx="7253168" cy="1136070"/>
+          </a:xfrm>
+        </p:spPr>
+        <p:txBody>
+          <a:bodyPr/>
+          <a:lstStyle/>
+          <a:p>
+            <a:r>
+              <a:rPr lang="en-US" dirty="0" smtClean="0"/>
+              <a:t>Sum of Products Formula</a:t>
+            </a:r>
+            <a:endParaRPr lang="en-US" dirty="0"/>
+          </a:p>
+        </p:txBody>
+      </p:sp>
+      <p:sp>
+        <p:nvSpPr>
+          <p:cNvPr id="3" name="Slide Number Placeholder 2"/>
+          <p:cNvSpPr>
+            <a:spLocks noGrp="1"/>
+          </p:cNvSpPr>
+          <p:nvPr>
+            <p:ph type="sldNum" sz="quarter" idx="4"/>
+          </p:nvPr>
+        </p:nvSpPr>
+        <p:spPr>
+          <a:xfrm>
+            <a:off x="8127154" y="6553200"/>
+            <a:ext cx="1016850" cy="276999"/>
+          </a:xfrm>
+        </p:spPr>
+        <p:txBody>
+          <a:bodyPr/>
+          <a:lstStyle/>
+          <a:p>
+            <a:pPr>
+              <a:defRPr/>
+            </a:pPr>
+            <a:r>
+              <a:rPr lang="en-US" dirty="0" smtClean="0"/>
+              <a:t>DNF-CNF.</a:t>
+            </a:r>
+            <a:fld id="{068AF58D-0467-409E-A30A-0D5E3A2B197F}" type="slidenum">
+              <a:rPr lang="en-US" smtClean="0"/>
+              <a:pPr>
+                <a:defRPr/>
+              </a:pPr>
+              <a:t>3</a:t>
+            </a:fld>
+            <a:endParaRPr lang="en-US" dirty="0"/>
+          </a:p>
+        </p:txBody>
+      </p:sp>
+      <p:sp>
+        <p:nvSpPr>
+          <p:cNvPr id="4" name="TextBox 3"/>
+          <p:cNvSpPr txBox="1"/>
+          <p:nvPr/>
+        </p:nvSpPr>
+        <p:spPr>
+          <a:xfrm>
+            <a:off x="2276684" y="1367125"/>
+            <a:ext cx="4197972" cy="923330"/>
+          </a:xfrm>
+          <a:prstGeom prst="rect">
+            <a:avLst/>
+          </a:prstGeom>
+          <a:noFill/>
+        </p:spPr>
+        <p:txBody>
+          <a:bodyPr wrap="none" rtlCol="0">
+            <a:spAutoFit/>
+          </a:bodyPr>
+          <a:lstStyle/>
+          <a:p>
+            <a:pPr algn="l"/>
+            <a:r>
+              <a:rPr lang="en-US" sz="5400" dirty="0" smtClean="0">
+                <a:solidFill>
+                  <a:schemeClr val="accent1">
+                    <a:lumMod val="50000"/>
+                  </a:schemeClr>
+                </a:solidFill>
+                <a:latin typeface="Comic Sans MS" pitchFamily="66" charset="0"/>
+              </a:rPr>
+              <a:t>OR </a:t>
+            </a:r>
+            <a:r>
+              <a:rPr lang="en-US" sz="5400" dirty="0" smtClean="0">
+                <a:solidFill>
+                  <a:schemeClr val="tx2"/>
+                </a:solidFill>
+                <a:latin typeface="Comic Sans MS" pitchFamily="66" charset="0"/>
+              </a:rPr>
+              <a:t>of</a:t>
+            </a:r>
+            <a:r>
+              <a:rPr lang="en-US" sz="5400" dirty="0" smtClean="0">
+                <a:solidFill>
+                  <a:schemeClr val="accent1">
+                    <a:lumMod val="50000"/>
+                  </a:schemeClr>
+                </a:solidFill>
+                <a:latin typeface="Comic Sans MS" pitchFamily="66" charset="0"/>
+              </a:rPr>
+              <a:t> ANDs</a:t>
+            </a:r>
+            <a:endParaRPr lang="en-US" sz="5400" dirty="0" smtClean="0">
+              <a:solidFill>
+                <a:schemeClr val="tx2"/>
+              </a:solidFill>
+              <a:latin typeface="Comic Sans MS" pitchFamily="66" charset="0"/>
+            </a:endParaRPr>
+          </a:p>
+        </p:txBody>
+      </p:sp>
+      <p:sp>
+        <p:nvSpPr>
+          <p:cNvPr id="5" name="TextBox 4"/>
+          <p:cNvSpPr txBox="1"/>
+          <p:nvPr/>
+        </p:nvSpPr>
+        <p:spPr>
+          <a:xfrm>
+            <a:off x="1380199" y="2444714"/>
+            <a:ext cx="6396302" cy="3785652"/>
+          </a:xfrm>
+          <a:prstGeom prst="rect">
+            <a:avLst/>
+          </a:prstGeom>
+          <a:noFill/>
+        </p:spPr>
+        <p:txBody>
+          <a:bodyPr wrap="none" rtlCol="0">
+            <a:spAutoFit/>
+          </a:bodyPr>
+          <a:lstStyle/>
+          <a:p>
+            <a:r>
+              <a:rPr lang="en-US" sz="8000" dirty="0" smtClean="0">
+                <a:solidFill>
+                  <a:srgbClr val="BB0FAB"/>
+                </a:solidFill>
+                <a:latin typeface="Comic Sans MS" pitchFamily="66" charset="0"/>
+              </a:rPr>
+              <a:t>Disjunctive</a:t>
+            </a:r>
+            <a:r>
+              <a:rPr lang="en-US" sz="8000" dirty="0" smtClean="0">
+                <a:solidFill>
+                  <a:srgbClr val="000000"/>
+                </a:solidFill>
+                <a:latin typeface="Comic Sans MS" pitchFamily="66" charset="0"/>
+              </a:rPr>
+              <a:t> </a:t>
+            </a:r>
+          </a:p>
+          <a:p>
+            <a:r>
+              <a:rPr lang="en-US" sz="8000" dirty="0" smtClean="0">
+                <a:solidFill>
+                  <a:srgbClr val="000000"/>
+                </a:solidFill>
+                <a:latin typeface="Comic Sans MS" pitchFamily="66" charset="0"/>
+              </a:rPr>
+              <a:t>Normal Form</a:t>
+            </a:r>
+            <a:endParaRPr lang="en-US" sz="8000" dirty="0">
+              <a:solidFill>
+                <a:srgbClr val="000000"/>
+              </a:solidFill>
+              <a:latin typeface="Comic Sans MS" pitchFamily="66" charset="0"/>
+            </a:endParaRPr>
+          </a:p>
+          <a:p>
+            <a:r>
+              <a:rPr lang="en-US" sz="8000" dirty="0" smtClean="0">
+                <a:latin typeface="Comic Sans MS" pitchFamily="66" charset="0"/>
+              </a:rPr>
+              <a:t>−</a:t>
+            </a:r>
+            <a:r>
+              <a:rPr lang="en-US" sz="8000" dirty="0" smtClean="0">
+                <a:solidFill>
+                  <a:srgbClr val="0000FF"/>
+                </a:solidFill>
+                <a:latin typeface="Comic Sans MS" pitchFamily="66" charset="0"/>
+              </a:rPr>
+              <a:t> DNF</a:t>
+            </a:r>
+            <a:endParaRPr lang="en-US" sz="8000" dirty="0" smtClean="0">
+              <a:solidFill>
+                <a:srgbClr val="000000"/>
+              </a:solidFill>
+              <a:latin typeface="Comic Sans MS" pitchFamily="66" charset="0"/>
+            </a:endParaRPr>
+          </a:p>
+        </p:txBody>
+      </p:sp>
+    </p:spTree>
+    <p:extLst>
+      <p:ext uri="{BB962C8B-B14F-4D97-AF65-F5344CB8AC3E}">
+        <p14:creationId xmlns:p14="http://schemas.microsoft.com/office/powerpoint/2010/main" val="2907140257"/>
+      </p:ext>
+    </p:extLst>
+  </p:cSld>
+  <p:clrMapOvr>
+    <a:masterClrMapping/>
+  </p:clrMapOvr>
+  <mc:AlternateContent xmlns:mc="http://schemas.openxmlformats.org/markup-compatibility/2006" xmlns:p14="http://schemas.microsoft.com/office/powerpoint/2010/main">
+    <mc:Choice Requires="p14">
+      <p:transition spd="med" p14:dur="700" advClick="0">
+        <p:fade/>
+      </p:transition>
+    </mc:Choice>
+    <mc:Fallback xmlns="">
+      <p:transition xmlns:p14="http://schemas.microsoft.com/office/powerpoint/2010/main" spd="med" advClick="0">
+        <p:fade/>
+      </p:transition>
+    </mc:Fallback>
+  </mc:AlternateContent>
+  <p:timing>
+    <p:tnLst>
+      <p:par>
+        <p:cTn xmlns:p14="http://schemas.microsoft.com/office/powerpoint/2010/main" id="1" dur="indefinite" restart="never" nodeType="tmRoot">
+          <p:childTnLst>
+            <p:seq concurrent="1" nextAc="seek">
+              <p:cTn id="2" dur="indefinite" nodeType="mainSeq">
+                <p:childTnLst>
+                  <p:par>
+                    <p:cTn id="3" fill="hold">
+                      <p:stCondLst>
+                        <p:cond delay="indefinite"/>
+                        <p:cond evt="onBegin" delay="0">
+                          <p:tn val="2"/>
+                        </p:cond>
+                      </p:stCondLst>
+                      <p:childTnLst>
+                        <p:par>
+                          <p:cTn id="4" fill="hold">
+                            <p:stCondLst>
+                              <p:cond delay="0"/>
+                            </p:stCondLst>
+                            <p:childTnLst>
+                              <p:par>
+                                <p:cTn id="5" presetID="10" presetClass="entr" presetSubtype="0" fill="hold" grpId="0" nodeType="afterEffect">
+                                  <p:stCondLst>
+                                    <p:cond delay="400"/>
+                                  </p:stCondLst>
+                                  <p:childTnLst>
+                                    <p:set>
+                                      <p:cBhvr>
+                                        <p:cTn id="6" dur="1" fill="hold">
+                                          <p:stCondLst>
+                                            <p:cond delay="0"/>
+                                          </p:stCondLst>
+                                        </p:cTn>
+                                        <p:tgtEl>
+                                          <p:spTgt spid="4"/>
+                                        </p:tgtEl>
+                                        <p:attrNameLst>
+                                          <p:attrName>style.visibility</p:attrName>
+                                        </p:attrNameLst>
+                                      </p:cBhvr>
+                                      <p:to>
+                                        <p:strVal val="visible"/>
+                                      </p:to>
+                                    </p:set>
+                                    <p:animEffect transition="in" filter="fade">
+                                      <p:cBhvr>
+                                        <p:cTn id="7" dur="1000"/>
+                                        <p:tgtEl>
+                                          <p:spTgt spid="4"/>
+                                        </p:tgtEl>
+                                      </p:cBhvr>
+                                    </p:animEffect>
+                                  </p:childTnLst>
+                                </p:cTn>
+                              </p:par>
+                            </p:childTnLst>
+                          </p:cTn>
+                        </p:par>
+                      </p:childTnLst>
+                    </p:cTn>
+                  </p:par>
+                  <p:par>
+                    <p:cTn id="8" fill="hold">
+                      <p:stCondLst>
+                        <p:cond delay="indefinite"/>
+                      </p:stCondLst>
+                      <p:childTnLst>
+                        <p:par>
+                          <p:cTn id="9" fill="hold">
+                            <p:stCondLst>
+                              <p:cond delay="0"/>
+                            </p:stCondLst>
+                            <p:childTnLst>
+                              <p:par>
+                                <p:cTn id="10" presetID="10" presetClass="entr" presetSubtype="0" fill="hold" grpId="0" nodeType="clickEffect">
+                                  <p:stCondLst>
+                                    <p:cond delay="0"/>
+                                  </p:stCondLst>
+                                  <p:childTnLst>
+                                    <p:set>
+                                      <p:cBhvr>
+                                        <p:cTn id="11" dur="1" fill="hold">
+                                          <p:stCondLst>
+                                            <p:cond delay="0"/>
+                                          </p:stCondLst>
+                                        </p:cTn>
+                                        <p:tgtEl>
+                                          <p:spTgt spid="5">
+                                            <p:txEl>
+                                              <p:pRg st="0" end="0"/>
+                                            </p:txEl>
+                                          </p:spTgt>
+                                        </p:tgtEl>
+                                        <p:attrNameLst>
+                                          <p:attrName>style.visibility</p:attrName>
+                                        </p:attrNameLst>
+                                      </p:cBhvr>
+                                      <p:to>
+                                        <p:strVal val="visible"/>
+                                      </p:to>
+                                    </p:set>
+                                    <p:animEffect transition="in" filter="fade">
+                                      <p:cBhvr>
+                                        <p:cTn id="12" dur="500"/>
+                                        <p:tgtEl>
+                                          <p:spTgt spid="5">
+                                            <p:txEl>
+                                              <p:pRg st="0" end="0"/>
+                                            </p:txEl>
+                                          </p:spTgt>
+                                        </p:tgtEl>
+                                      </p:cBhvr>
+                                    </p:animEffect>
+                                  </p:childTnLst>
+                                </p:cTn>
+                              </p:par>
+                              <p:par>
+                                <p:cTn id="13" presetID="10" presetClass="entr" presetSubtype="0" fill="hold" grpId="0" nodeType="withEffect">
+                                  <p:stCondLst>
+                                    <p:cond delay="0"/>
+                                  </p:stCondLst>
+                                  <p:childTnLst>
+                                    <p:set>
+                                      <p:cBhvr>
+                                        <p:cTn id="14" dur="1" fill="hold">
+                                          <p:stCondLst>
+                                            <p:cond delay="0"/>
+                                          </p:stCondLst>
+                                        </p:cTn>
+                                        <p:tgtEl>
+                                          <p:spTgt spid="5">
+                                            <p:txEl>
+                                              <p:pRg st="1" end="1"/>
+                                            </p:txEl>
+                                          </p:spTgt>
+                                        </p:tgtEl>
+                                        <p:attrNameLst>
+                                          <p:attrName>style.visibility</p:attrName>
+                                        </p:attrNameLst>
+                                      </p:cBhvr>
+                                      <p:to>
+                                        <p:strVal val="visible"/>
+                                      </p:to>
+                                    </p:set>
+                                    <p:animEffect transition="in" filter="fade">
+                                      <p:cBhvr>
+                                        <p:cTn id="15" dur="500"/>
+                                        <p:tgtEl>
+                                          <p:spTgt spid="5">
+                                            <p:txEl>
+                                              <p:pRg st="1" end="1"/>
+                                            </p:txEl>
+                                          </p:spTgt>
+                                        </p:tgtEl>
+                                      </p:cBhvr>
+                                    </p:animEffect>
+                                  </p:childTnLst>
+                                </p:cTn>
+                              </p:par>
+                            </p:childTnLst>
+                          </p:cTn>
+                        </p:par>
+                      </p:childTnLst>
+                    </p:cTn>
+                  </p:par>
+                  <p:par>
+                    <p:cTn id="16" fill="hold">
+                      <p:stCondLst>
+                        <p:cond delay="indefinite"/>
+                      </p:stCondLst>
+                      <p:childTnLst>
+                        <p:par>
+                          <p:cTn id="17" fill="hold">
+                            <p:stCondLst>
+                              <p:cond delay="0"/>
+                            </p:stCondLst>
+                            <p:childTnLst>
+                              <p:par>
+                                <p:cTn id="18" presetID="10" presetClass="entr" presetSubtype="0" fill="hold" grpId="0" nodeType="clickEffect">
+                                  <p:stCondLst>
+                                    <p:cond delay="0"/>
+                                  </p:stCondLst>
+                                  <p:childTnLst>
+                                    <p:set>
+                                      <p:cBhvr>
+                                        <p:cTn id="19" dur="1" fill="hold">
+                                          <p:stCondLst>
+                                            <p:cond delay="0"/>
+                                          </p:stCondLst>
+                                        </p:cTn>
+                                        <p:tgtEl>
+                                          <p:spTgt spid="5">
+                                            <p:txEl>
+                                              <p:pRg st="2" end="2"/>
+                                            </p:txEl>
+                                          </p:spTgt>
+                                        </p:tgtEl>
+                                        <p:attrNameLst>
+                                          <p:attrName>style.visibility</p:attrName>
+                                        </p:attrNameLst>
+                                      </p:cBhvr>
+                                      <p:to>
+                                        <p:strVal val="visible"/>
+                                      </p:to>
+                                    </p:set>
+                                    <p:animEffect transition="in" filter="fade">
+                                      <p:cBhvr>
+                                        <p:cTn id="20" dur="500"/>
+                                        <p:tgtEl>
+                                          <p:spTgt spid="5">
+                                            <p:txEl>
+                                              <p:pRg st="2" end="2"/>
+                                            </p:txEl>
+                                          </p:spTgt>
+                                        </p:tgtEl>
+                                      </p:cBhvr>
+                                    </p:animEffect>
+                                  </p:childTnLst>
+                                </p:cTn>
+                              </p:par>
+                            </p:childTnLst>
+                          </p:cTn>
+                        </p:par>
+                      </p:childTnLst>
+                    </p:cTn>
+                  </p:par>
+                </p:childTnLst>
+              </p:cTn>
+              <p:prevCondLst>
+                <p:cond evt="onPrev" delay="0">
+                  <p:tgtEl>
+                    <p:sldTgt/>
+                  </p:tgtEl>
+                </p:cond>
+              </p:prevCondLst>
+              <p:nextCondLst>
+                <p:cond evt="onNext" delay="0">
+                  <p:tgtEl>
+                    <p:sldTgt/>
+                  </p:tgtEl>
+                </p:cond>
+              </p:nextCondLst>
+            </p:seq>
+          </p:childTnLst>
+        </p:cTn>
+      </p:par>
+    </p:tnLst>
+    <p:bldLst>
+      <p:bldP spid="4" grpId="0"/>
+      <p:bldP spid="5" grpId="0" build="p"/>
+    </p:bldLst>
+  </p:timing>
+</p:sld>
+</file>
+
+<file path=ppt/slides/slide4.xml><?xml version="1.0" encoding="utf-8"?>
+<p:sld xmlns:a="http://schemas.openxmlformats.org/drawingml/2006/main" xmlns:r="http://schemas.openxmlformats.org/officeDocument/2006/relationships" xmlns:p="http://schemas.openxmlformats.org/presentationml/2006/main">
+  <p:cSld>
+    <p:spTree>
+      <p:nvGrpSpPr>
+        <p:cNvPr id="1" name=""/>
+        <p:cNvGrpSpPr/>
+        <p:nvPr/>
+      </p:nvGrpSpPr>
+      <p:grpSpPr>
+        <a:xfrm>
+          <a:off x="0" y="0"/>
+          <a:ext cx="0" cy="0"/>
+          <a:chOff x="0" y="0"/>
+          <a:chExt cx="0" cy="0"/>
+        </a:xfrm>
+      </p:grpSpPr>
+      <p:sp>
+        <p:nvSpPr>
           <p:cNvPr id="7" name="Slide Number Placeholder 6"/>
           <p:cNvSpPr>
             <a:spLocks noGrp="1"/>
@@ -8618,7 +9243,7 @@
               <a:pPr>
                 <a:defRPr/>
               </a:pPr>
-              <a:t>3</a:t>
+              <a:t>4</a:t>
             </a:fld>
             <a:endParaRPr lang="en-US" dirty="0"/>
           </a:p>
@@ -10292,7 +10917,7 @@
 </p:sld>
 </file>
 
-<file path=ppt/slides/slide4.xml><?xml version="1.0" encoding="utf-8"?>
+<file path=ppt/slides/slide5.xml><?xml version="1.0" encoding="utf-8"?>
 <p:sld xmlns:a="http://schemas.openxmlformats.org/drawingml/2006/main" xmlns:r="http://schemas.openxmlformats.org/officeDocument/2006/relationships" xmlns:p="http://schemas.openxmlformats.org/presentationml/2006/main">
   <p:cSld>
     <p:spTree>
@@ -10341,7 +10966,7 @@
               <a:pPr>
                 <a:defRPr/>
               </a:pPr>
-              <a:t>4</a:t>
+              <a:t>5</a:t>
             </a:fld>
             <a:endParaRPr lang="en-US" dirty="0"/>
           </a:p>
@@ -10434,7 +11059,7 @@
           <a:graphicData uri="http://schemas.openxmlformats.org/presentationml/2006/ole">
             <mc:AlternateContent xmlns:mc="http://schemas.openxmlformats.org/markup-compatibility/2006">
               <mc:Choice xmlns:v="urn:schemas-microsoft-com:vml" Requires="v">
-                <p:oleObj spid="_x0000_s1071" name="Equation" r:id="rId3" imgW="1066800" imgH="254000" progId="Equation.DSMT4">
+                <p:oleObj spid="_x0000_s1076" name="Equation" r:id="rId3" imgW="1066800" imgH="254000" progId="Equation.DSMT4">
                   <p:embed/>
                 </p:oleObj>
               </mc:Choice>
@@ -10517,69 +11142,8 @@
               <a:rPr lang="en-US" sz="5400" dirty="0" smtClean="0">
                 <a:latin typeface="Comic Sans MS" pitchFamily="66" charset="0"/>
               </a:rPr>
-              <a:t> in </a:t>
-            </a:r>
-            <a:r>
-              <a:rPr lang="en-US" sz="5400" dirty="0" smtClean="0">
-                <a:latin typeface="Comic Sans MS" pitchFamily="66" charset="0"/>
-              </a:rPr>
-              <a:t>that </a:t>
-            </a:r>
-            <a:r>
-              <a:rPr lang="en-US" sz="5400" dirty="0" smtClean="0">
-                <a:latin typeface="Comic Sans MS" pitchFamily="66" charset="0"/>
-              </a:rPr>
-              <a:t>row </a:t>
-            </a:r>
-            <a:r>
-              <a:rPr lang="en-US" sz="5400" dirty="0" smtClean="0">
-                <a:latin typeface="Comic Sans MS" pitchFamily="66" charset="0"/>
-              </a:rPr>
-              <a:t>only</a:t>
-            </a:r>
-            <a:endParaRPr lang="en-US" sz="5400" dirty="0" smtClean="0">
-              <a:latin typeface="Comic Sans MS" pitchFamily="66" charset="0"/>
-            </a:endParaRPr>
-          </a:p>
-        </p:txBody>
-      </p:sp>
-      <p:sp>
-        <p:nvSpPr>
-          <p:cNvPr id="8" name="Title 1"/>
-          <p:cNvSpPr>
-            <a:spLocks noGrp="1"/>
-          </p:cNvSpPr>
-          <p:nvPr>
-            <p:ph type="title" sz="quarter"/>
-          </p:nvPr>
-        </p:nvSpPr>
-        <p:spPr>
-          <a:xfrm>
-            <a:off x="1651000" y="363538"/>
-            <a:ext cx="6794500" cy="1003300"/>
-          </a:xfrm>
-        </p:spPr>
-        <p:txBody>
-          <a:bodyPr/>
-          <a:lstStyle/>
-          <a:p>
-            <a:r>
-              <a:rPr lang="en-US" dirty="0" smtClean="0"/>
-              <a:t>A Product (</a:t>
-            </a:r>
-            <a:r>
-              <a:rPr lang="en-US" dirty="0" smtClean="0">
-                <a:solidFill>
-                  <a:srgbClr val="0000E5"/>
-                </a:solidFill>
-              </a:rPr>
-              <a:t>AND</a:t>
-            </a:r>
-            <a:r>
-              <a:rPr lang="en-US" dirty="0" smtClean="0"/>
-              <a:t>) Term</a:t>
-            </a:r>
-            <a:endParaRPr lang="en-US" dirty="0"/>
+              <a:t> in that row only</a:t>
+            </a:r>
           </a:p>
         </p:txBody>
       </p:sp>
@@ -10642,6 +11206,70 @@
               </a:solidFill>
               <a:effectLst/>
               <a:latin typeface="Times New Roman" pitchFamily="18" charset="0"/>
+            </a:endParaRPr>
+          </a:p>
+        </p:txBody>
+      </p:sp>
+      <p:sp>
+        <p:nvSpPr>
+          <p:cNvPr id="10" name="TextBox 9"/>
+          <p:cNvSpPr txBox="1"/>
+          <p:nvPr/>
+        </p:nvSpPr>
+        <p:spPr>
+          <a:xfrm>
+            <a:off x="1625277" y="283708"/>
+            <a:ext cx="6311494" cy="1107996"/>
+          </a:xfrm>
+          <a:prstGeom prst="rect">
+            <a:avLst/>
+          </a:prstGeom>
+          <a:noFill/>
+        </p:spPr>
+        <p:txBody>
+          <a:bodyPr wrap="none" rtlCol="0">
+            <a:spAutoFit/>
+          </a:bodyPr>
+          <a:lstStyle/>
+          <a:p>
+            <a:pPr algn="l"/>
+            <a:r>
+              <a:rPr lang="en-US" sz="6000" dirty="0" smtClean="0">
+                <a:solidFill>
+                  <a:schemeClr val="accent1">
+                    <a:lumMod val="50000"/>
+                  </a:schemeClr>
+                </a:solidFill>
+                <a:latin typeface="Comic Sans MS" pitchFamily="66" charset="0"/>
+              </a:rPr>
+              <a:t>AND</a:t>
+            </a:r>
+            <a:r>
+              <a:rPr lang="en-US" sz="6600" dirty="0">
+                <a:latin typeface="Comic Sans MS" pitchFamily="66" charset="0"/>
+              </a:rPr>
+              <a:t>-</a:t>
+            </a:r>
+            <a:r>
+              <a:rPr lang="en-US" sz="6600" dirty="0" smtClean="0">
+                <a:latin typeface="Comic Sans MS" pitchFamily="66" charset="0"/>
+              </a:rPr>
+              <a:t>of-</a:t>
+            </a:r>
+            <a:r>
+              <a:rPr lang="en-US" sz="6600" dirty="0" smtClean="0">
+                <a:solidFill>
+                  <a:srgbClr val="DC11CA"/>
+                </a:solidFill>
+                <a:latin typeface="Comic Sans MS" pitchFamily="66" charset="0"/>
+              </a:rPr>
+              <a:t>literals</a:t>
+            </a:r>
+            <a:endParaRPr lang="en-US" sz="6600" dirty="0" smtClean="0">
+              <a:solidFill>
+                <a:srgbClr val="DC11CA"/>
+              </a:solidFill>
+              <a:latin typeface="Comic Sans MS" pitchFamily="66" charset="0"/>
             </a:endParaRPr>
           </a:p>
         </p:txBody>
@@ -10834,7 +11462,7 @@
                                           </p:stCondLst>
                                         </p:cTn>
                                         <p:tgtEl>
-                                          <p:spTgt spid="8"/>
+                                          <p:spTgt spid="10"/>
                                         </p:tgtEl>
                                         <p:attrNameLst>
                                           <p:attrName>style.visibility</p:attrName>
@@ -10846,9 +11474,9 @@
                                     </p:set>
                                     <p:animEffect transition="in" filter="fade">
                                       <p:cBhvr>
-                                        <p:cTn id="20" dur="1000"/>
+                                        <p:cTn id="20" dur="500"/>
                                         <p:tgtEl>
-                                          <p:spTgt spid="8"/>
+                                          <p:spTgt spid="10"/>
                                         </p:tgtEl>
                                       </p:cBhvr>
                                     </p:animEffect>
@@ -10884,14 +11512,14 @@
     </p:tnLst>
     <p:bldLst>
       <p:bldP spid="7" grpId="0"/>
-      <p:bldP spid="8" grpId="0"/>
       <p:bldP spid="9" grpId="0" animBg="1"/>
+      <p:bldP spid="10" grpId="0"/>
     </p:bldLst>
   </p:timing>
 </p:sld>
 </file>
 
-<file path=ppt/slides/slide5.xml><?xml version="1.0" encoding="utf-8"?>
+<file path=ppt/slides/slide6.xml><?xml version="1.0" encoding="utf-8"?>
 <p:sld xmlns:a="http://schemas.openxmlformats.org/drawingml/2006/main" xmlns:r="http://schemas.openxmlformats.org/officeDocument/2006/relationships" xmlns:p="http://schemas.openxmlformats.org/presentationml/2006/main">
   <p:cSld>
     <p:spTree>
@@ -10930,7 +11558,7 @@
           <a:graphicData uri="http://schemas.openxmlformats.org/presentationml/2006/ole">
             <mc:AlternateContent xmlns:mc="http://schemas.openxmlformats.org/markup-compatibility/2006">
               <mc:Choice xmlns:v="urn:schemas-microsoft-com:vml" Requires="v">
-                <p:oleObj spid="_x0000_s22552" name="Equation" r:id="rId3" imgW="939800" imgH="469900" progId="Equation.DSMT4">
+                <p:oleObj spid="_x0000_s22561" name="Equation" r:id="rId3" imgW="939800" imgH="469900" progId="Equation.DSMT4">
                   <p:embed/>
                 </p:oleObj>
               </mc:Choice>
@@ -10967,41 +11595,6 @@
       </p:graphicFrame>
       <p:sp>
         <p:nvSpPr>
-          <p:cNvPr id="2" name="Title 1"/>
-          <p:cNvSpPr>
-            <a:spLocks noGrp="1"/>
-          </p:cNvSpPr>
-          <p:nvPr>
-            <p:ph type="title" sz="quarter"/>
-          </p:nvPr>
-        </p:nvSpPr>
-        <p:spPr/>
-        <p:txBody>
-          <a:bodyPr/>
-          <a:lstStyle/>
-          <a:p>
-            <a:r>
-              <a:rPr lang="en-US" dirty="0" smtClean="0"/>
-              <a:t>A Product (</a:t>
-            </a:r>
-            <a:r>
-              <a:rPr lang="en-US" sz="3600" dirty="0" smtClean="0">
-                <a:solidFill>
-                  <a:srgbClr val="0000E5"/>
-                </a:solidFill>
-              </a:rPr>
-              <a:t>AND</a:t>
-            </a:r>
-            <a:r>
-              <a:rPr lang="en-US" dirty="0" smtClean="0"/>
-              <a:t>) Term</a:t>
-            </a:r>
-            <a:endParaRPr lang="en-US" dirty="0"/>
-          </a:p>
-        </p:txBody>
-      </p:sp>
-      <p:sp>
-        <p:nvSpPr>
           <p:cNvPr id="3" name="Slide Number Placeholder 2"/>
           <p:cNvSpPr>
             <a:spLocks noGrp="1"/>
@@ -11032,7 +11625,7 @@
               <a:pPr>
                 <a:defRPr/>
               </a:pPr>
-              <a:t>5</a:t>
+              <a:t>6</a:t>
             </a:fld>
             <a:endParaRPr lang="en-US" dirty="0"/>
           </a:p>
@@ -11060,7 +11653,7 @@
           <a:graphicData uri="http://schemas.openxmlformats.org/presentationml/2006/ole">
             <mc:AlternateContent xmlns:mc="http://schemas.openxmlformats.org/markup-compatibility/2006">
               <mc:Choice xmlns:v="urn:schemas-microsoft-com:vml" Requires="v">
-                <p:oleObj spid="_x0000_s22553" name="Equation" r:id="rId5" imgW="1066800" imgH="254000" progId="Equation.DSMT4">
+                <p:oleObj spid="_x0000_s22562" name="Equation" r:id="rId5" imgW="1066800" imgH="254000" progId="Equation.DSMT4">
                   <p:embed/>
                 </p:oleObj>
               </mc:Choice>
@@ -11162,6 +11755,70 @@
               <a:t>only</a:t>
             </a:r>
             <a:endParaRPr lang="en-US" sz="5400" dirty="0"/>
+          </a:p>
+        </p:txBody>
+      </p:sp>
+      <p:sp>
+        <p:nvSpPr>
+          <p:cNvPr id="9" name="TextBox 8"/>
+          <p:cNvSpPr txBox="1"/>
+          <p:nvPr/>
+        </p:nvSpPr>
+        <p:spPr>
+          <a:xfrm>
+            <a:off x="1625277" y="283708"/>
+            <a:ext cx="6311494" cy="1107996"/>
+          </a:xfrm>
+          <a:prstGeom prst="rect">
+            <a:avLst/>
+          </a:prstGeom>
+          <a:noFill/>
+        </p:spPr>
+        <p:txBody>
+          <a:bodyPr wrap="none" rtlCol="0">
+            <a:spAutoFit/>
+          </a:bodyPr>
+          <a:lstStyle/>
+          <a:p>
+            <a:pPr algn="l"/>
+            <a:r>
+              <a:rPr lang="en-US" sz="6000" dirty="0" smtClean="0">
+                <a:solidFill>
+                  <a:schemeClr val="accent1">
+                    <a:lumMod val="50000"/>
+                  </a:schemeClr>
+                </a:solidFill>
+                <a:latin typeface="Comic Sans MS" pitchFamily="66" charset="0"/>
+              </a:rPr>
+              <a:t>AND</a:t>
+            </a:r>
+            <a:r>
+              <a:rPr lang="en-US" sz="6600" dirty="0">
+                <a:latin typeface="Comic Sans MS" pitchFamily="66" charset="0"/>
+              </a:rPr>
+              <a:t>-</a:t>
+            </a:r>
+            <a:r>
+              <a:rPr lang="en-US" sz="6600" dirty="0" smtClean="0">
+                <a:latin typeface="Comic Sans MS" pitchFamily="66" charset="0"/>
+              </a:rPr>
+              <a:t>of-</a:t>
+            </a:r>
+            <a:r>
+              <a:rPr lang="en-US" sz="6600" dirty="0" smtClean="0">
+                <a:solidFill>
+                  <a:srgbClr val="DC11CA"/>
+                </a:solidFill>
+                <a:latin typeface="Comic Sans MS" pitchFamily="66" charset="0"/>
+              </a:rPr>
+              <a:t>literals</a:t>
+            </a:r>
+            <a:endParaRPr lang="en-US" sz="6600" dirty="0" smtClean="0">
+              <a:solidFill>
+                <a:srgbClr val="DC11CA"/>
+              </a:solidFill>
+              <a:latin typeface="Comic Sans MS" pitchFamily="66" charset="0"/>
+            </a:endParaRPr>
           </a:p>
         </p:txBody>
       </p:sp>
@@ -11396,7 +12053,7 @@
 </p:sld>
 </file>
 
-<file path=ppt/slides/slide6.xml><?xml version="1.0" encoding="utf-8"?>
+<file path=ppt/slides/slide7.xml><?xml version="1.0" encoding="utf-8"?>
 <p:sld xmlns:a="http://schemas.openxmlformats.org/drawingml/2006/main" xmlns:r="http://schemas.openxmlformats.org/officeDocument/2006/relationships" xmlns:p="http://schemas.openxmlformats.org/presentationml/2006/main">
   <p:cSld>
     <p:spTree>
@@ -11507,7 +12164,7 @@
               <a:pPr>
                 <a:defRPr/>
               </a:pPr>
-              <a:t>6</a:t>
+              <a:t>7</a:t>
             </a:fld>
             <a:endParaRPr lang="en-US" dirty="0"/>
           </a:p>
@@ -11651,7 +12308,7 @@
           <a:graphicData uri="http://schemas.openxmlformats.org/presentationml/2006/ole">
             <mc:AlternateContent xmlns:mc="http://schemas.openxmlformats.org/markup-compatibility/2006">
               <mc:Choice xmlns:v="urn:schemas-microsoft-com:vml" Requires="v">
-                <p:oleObj spid="_x0000_s2078" name="Equation" r:id="rId3" imgW="1003300" imgH="482600" progId="Equation.DSMT4">
+                <p:oleObj spid="_x0000_s2082" name="Equation" r:id="rId3" imgW="1003300" imgH="482600" progId="Equation.DSMT4">
                   <p:embed/>
                 </p:oleObj>
               </mc:Choice>
@@ -11879,7 +12536,7 @@
 </p:sld>
 </file>
 
-<file path=ppt/slides/slide7.xml><?xml version="1.0" encoding="utf-8"?>
+<file path=ppt/slides/slide8.xml><?xml version="1.0" encoding="utf-8"?>
 <p:sld xmlns:a="http://schemas.openxmlformats.org/drawingml/2006/main" xmlns:r="http://schemas.openxmlformats.org/officeDocument/2006/relationships" xmlns:p="http://schemas.openxmlformats.org/presentationml/2006/main">
   <p:cSld>
     <p:spTree>
@@ -11920,12 +12577,22 @@
             <a:r>
               <a:rPr lang="en-US" sz="6600" b="0" kern="1200" dirty="0">
                 <a:solidFill>
+                  <a:srgbClr val="DC11CA"/>
+                </a:solidFill>
+                <a:ea typeface="+mn-ea"/>
+                <a:cs typeface="+mn-cs"/>
+              </a:rPr>
+              <a:t>DNF</a:t>
+            </a:r>
+            <a:r>
+              <a:rPr lang="en-US" sz="6600" b="0" kern="1200" dirty="0">
+                <a:solidFill>
                   <a:srgbClr val="000000"/>
                 </a:solidFill>
                 <a:ea typeface="+mn-ea"/>
                 <a:cs typeface="+mn-cs"/>
               </a:rPr>
-              <a:t>DNF for </a:t>
+              <a:t> for </a:t>
             </a:r>
             <a:r>
               <a:rPr lang="en-US" sz="6600" b="0" kern="1200" dirty="0">
@@ -11974,7 +12641,7 @@
               <a:pPr>
                 <a:defRPr/>
               </a:pPr>
-              <a:t>7</a:t>
+              <a:t>8</a:t>
             </a:fld>
             <a:endParaRPr lang="en-US" dirty="0"/>
           </a:p>
@@ -12002,7 +12669,7 @@
           <a:graphicData uri="http://schemas.openxmlformats.org/presentationml/2006/ole">
             <mc:AlternateContent xmlns:mc="http://schemas.openxmlformats.org/markup-compatibility/2006">
               <mc:Choice xmlns:v="urn:schemas-microsoft-com:vml" Requires="v">
-                <p:oleObj spid="_x0000_s24587" name="Equation" r:id="rId3" imgW="1003300" imgH="482600" progId="Equation.DSMT4">
+                <p:oleObj spid="_x0000_s24593" name="Equation" r:id="rId3" imgW="1003300" imgH="482600" progId="Equation.DSMT4">
                   <p:embed/>
                 </p:oleObj>
               </mc:Choice>
@@ -12037,6 +12704,69 @@
           </a:graphicData>
         </a:graphic>
       </p:graphicFrame>
+      <p:sp>
+        <p:nvSpPr>
+          <p:cNvPr id="4" name="Rounded Rectangle 3"/>
+          <p:cNvSpPr/>
+          <p:nvPr/>
+        </p:nvSpPr>
+        <p:spPr bwMode="auto">
+          <a:xfrm>
+            <a:off x="864745" y="2256165"/>
+            <a:ext cx="7161167" cy="3066764"/>
+          </a:xfrm>
+          <a:prstGeom prst="roundRect">
+            <a:avLst/>
+          </a:prstGeom>
+          <a:noFill/>
+          <a:ln w="47625" cap="flat" cmpd="sng" algn="ctr">
+            <a:solidFill>
+              <a:srgbClr val="DC11CA"/>
+            </a:solidFill>
+            <a:prstDash val="sysDash"/>
+            <a:round/>
+            <a:headEnd type="none" w="med" len="med"/>
+            <a:tailEnd type="none" w="med" len="med"/>
+          </a:ln>
+          <a:effectLst/>
+        </p:spPr>
+        <p:txBody>
+          <a:bodyPr vert="horz" wrap="none" lIns="91440" tIns="45720" rIns="91440" bIns="45720" numCol="1" rtlCol="0" anchor="ctr" anchorCtr="0" compatLnSpc="1">
+            <a:prstTxWarp prst="textNoShape">
+              <a:avLst/>
+            </a:prstTxWarp>
+          </a:bodyPr>
+          <a:lstStyle/>
+          <a:p>
+            <a:pPr marL="0" marR="0" indent="0" algn="ctr" defTabSz="914400" rtl="0" eaLnBrk="1" fontAlgn="base" latinLnBrk="0" hangingPunct="1">
+              <a:lnSpc>
+                <a:spcPct val="100000"/>
+              </a:lnSpc>
+              <a:spcBef>
+                <a:spcPct val="0"/>
+              </a:spcBef>
+              <a:spcAft>
+                <a:spcPct val="0"/>
+              </a:spcAft>
+              <a:buClrTx/>
+              <a:buSzTx/>
+              <a:buFontTx/>
+              <a:buNone/>
+              <a:tabLst/>
+            </a:pPr>
+            <a:endParaRPr kumimoji="0" lang="en-US" sz="3200" b="0" i="0" u="none" strike="noStrike" cap="none" normalizeH="0" baseline="0" smtClean="0">
+              <a:ln>
+                <a:noFill/>
+              </a:ln>
+              <a:solidFill>
+                <a:schemeClr val="tx1"/>
+              </a:solidFill>
+              <a:effectLst/>
+              <a:latin typeface="Times New Roman" pitchFamily="18" charset="0"/>
+            </a:endParaRPr>
+          </a:p>
+        </p:txBody>
+      </p:sp>
     </p:spTree>
     <p:extLst>
       <p:ext uri="{BB962C8B-B14F-4D97-AF65-F5344CB8AC3E}">
@@ -12069,7 +12799,7 @@
 </p:sld>
 </file>
 
-<file path=ppt/slides/slide8.xml><?xml version="1.0" encoding="utf-8"?>
+<file path=ppt/slides/slide9.xml><?xml version="1.0" encoding="utf-8"?>
 <p:sld xmlns:a="http://schemas.openxmlformats.org/drawingml/2006/main" xmlns:r="http://schemas.openxmlformats.org/officeDocument/2006/relationships" xmlns:p="http://schemas.openxmlformats.org/presentationml/2006/main">
   <p:cSld>
     <p:spTree>
@@ -12118,7 +12848,7 @@
               <a:pPr>
                 <a:defRPr/>
               </a:pPr>
-              <a:t>8</a:t>
+              <a:t>9</a:t>
             </a:fld>
             <a:endParaRPr lang="en-US" dirty="0"/>
           </a:p>
@@ -12133,20 +12863,20 @@
           <p:nvPr>
             <p:extLst>
               <p:ext uri="{D42A27DB-BD31-4B8C-83A1-F6EECF244321}">
-                <p14:modId xmlns:p14="http://schemas.microsoft.com/office/powerpoint/2010/main" val="259868878"/>
+                <p14:modId xmlns:p14="http://schemas.microsoft.com/office/powerpoint/2010/main" val="775180265"/>
               </p:ext>
             </p:extLst>
           </p:nvPr>
         </p:nvGraphicFramePr>
         <p:xfrm>
-          <a:off x="1789113" y="1554390"/>
+          <a:off x="1883697" y="1459820"/>
           <a:ext cx="5578475" cy="3973513"/>
         </p:xfrm>
         <a:graphic>
           <a:graphicData uri="http://schemas.openxmlformats.org/presentationml/2006/ole">
             <mc:AlternateContent xmlns:mc="http://schemas.openxmlformats.org/markup-compatibility/2006">
               <mc:Choice xmlns:v="urn:schemas-microsoft-com:vml" Requires="v">
-                <p:oleObj spid="_x0000_s3100" name="Equation" r:id="rId3" imgW="1282700" imgH="914400" progId="Equation.DSMT4">
+                <p:oleObj spid="_x0000_s3107" name="Equation" r:id="rId3" imgW="1282700" imgH="914400" progId="Equation.DSMT4">
                   <p:embed/>
                 </p:oleObj>
               </mc:Choice>
@@ -12167,7 +12897,7 @@
                     </p:blipFill>
                     <p:spPr>
                       <a:xfrm>
-                        <a:off x="1789113" y="1554390"/>
+                        <a:off x="1883697" y="1459820"/>
                         <a:ext cx="5578475" cy="3973513"/>
                       </a:xfrm>
                       <a:prstGeom prst="rect">
@@ -12205,12 +12935,22 @@
             <a:r>
               <a:rPr lang="en-US" sz="6600" b="0" kern="1200" dirty="0">
                 <a:solidFill>
+                  <a:srgbClr val="DC11CA"/>
+                </a:solidFill>
+                <a:ea typeface="+mn-ea"/>
+                <a:cs typeface="+mn-cs"/>
+              </a:rPr>
+              <a:t>DNF</a:t>
+            </a:r>
+            <a:r>
+              <a:rPr lang="en-US" sz="6600" b="0" kern="1200" dirty="0">
+                <a:solidFill>
                   <a:srgbClr val="000000"/>
                 </a:solidFill>
                 <a:ea typeface="+mn-ea"/>
                 <a:cs typeface="+mn-cs"/>
               </a:rPr>
-              <a:t>DNF for </a:t>
+              <a:t> for </a:t>
             </a:r>
             <a:r>
               <a:rPr lang="en-US" sz="6600" b="0" kern="1200" dirty="0">
@@ -12235,8 +12975,8 @@
         </p:nvSpPr>
         <p:spPr>
           <a:xfrm>
-            <a:off x="178257" y="5313730"/>
-            <a:ext cx="8718854" cy="830997"/>
+            <a:off x="245817" y="5313730"/>
+            <a:ext cx="8671665" cy="830997"/>
           </a:xfrm>
           <a:prstGeom prst="rect">
             <a:avLst/>
@@ -12251,13 +12991,31 @@
           <a:p>
             <a:pPr algn="l"/>
             <a:r>
+              <a:rPr lang="en-US" sz="4800" dirty="0">
+                <a:solidFill>
+                  <a:srgbClr val="BB0FAB"/>
+                </a:solidFill>
+                <a:latin typeface="Comic Sans MS" pitchFamily="66" charset="0"/>
+              </a:rPr>
+              <a:t>e</a:t>
+            </a:r>
+            <a:r>
               <a:rPr lang="en-US" sz="4800" dirty="0" smtClean="0">
                 <a:solidFill>
                   <a:srgbClr val="BB0FAB"/>
                 </a:solidFill>
                 <a:latin typeface="Comic Sans MS" pitchFamily="66" charset="0"/>
               </a:rPr>
-              <a:t>Each product has all variables</a:t>
+              <a:t>ach </a:t>
+            </a:r>
+            <a:r>
+              <a:rPr lang="en-US" sz="4800" dirty="0" smtClean="0">
+                <a:solidFill>
+                  <a:srgbClr val="BB0FAB"/>
+                </a:solidFill>
+                <a:latin typeface="Comic Sans MS" pitchFamily="66" charset="0"/>
+              </a:rPr>
+              <a:t>product has all variables</a:t>
             </a:r>
           </a:p>
         </p:txBody>
@@ -12270,8 +13028,8 @@
         </p:nvSpPr>
         <p:spPr>
           <a:xfrm>
-            <a:off x="1418722" y="405299"/>
-            <a:ext cx="1602196" cy="1107996"/>
+            <a:off x="1310626" y="297219"/>
+            <a:ext cx="1731063" cy="1200329"/>
           </a:xfrm>
           <a:prstGeom prst="rect">
             <a:avLst/>
@@ -12286,7 +13044,7 @@
           <a:p>
             <a:pPr algn="l"/>
             <a:r>
-              <a:rPr lang="en-US" sz="6600" dirty="0" smtClean="0">
+              <a:rPr lang="en-US" sz="7200" dirty="0" smtClean="0">
                 <a:solidFill>
                   <a:srgbClr val="BB0FAB"/>
                 </a:solidFill>
@@ -12294,6 +13052,69 @@
               </a:rPr>
               <a:t>Full</a:t>
             </a:r>
+          </a:p>
+        </p:txBody>
+      </p:sp>
+      <p:sp>
+        <p:nvSpPr>
+          <p:cNvPr id="7" name="Rounded Rectangle 6"/>
+          <p:cNvSpPr/>
+          <p:nvPr/>
+        </p:nvSpPr>
+        <p:spPr bwMode="auto">
+          <a:xfrm>
+            <a:off x="1216050" y="1418547"/>
+            <a:ext cx="6688257" cy="3958422"/>
+          </a:xfrm>
+          <a:prstGeom prst="roundRect">
+            <a:avLst/>
+          </a:prstGeom>
+          <a:noFill/>
+          <a:ln w="47625" cap="flat" cmpd="sng" algn="ctr">
+            <a:solidFill>
+              <a:srgbClr val="DC11CA"/>
+            </a:solidFill>
+            <a:prstDash val="sysDash"/>
+            <a:round/>
+            <a:headEnd type="none" w="med" len="med"/>
+            <a:tailEnd type="none" w="med" len="med"/>
+          </a:ln>
+          <a:effectLst/>
+        </p:spPr>
+        <p:txBody>
+          <a:bodyPr vert="horz" wrap="none" lIns="91440" tIns="45720" rIns="91440" bIns="45720" numCol="1" rtlCol="0" anchor="ctr" anchorCtr="0" compatLnSpc="1">
+            <a:prstTxWarp prst="textNoShape">
+              <a:avLst/>
+            </a:prstTxWarp>
+          </a:bodyPr>
+          <a:lstStyle/>
+          <a:p>
+            <a:pPr marL="0" marR="0" indent="0" algn="ctr" defTabSz="914400" rtl="0" eaLnBrk="1" fontAlgn="base" latinLnBrk="0" hangingPunct="1">
+              <a:lnSpc>
+                <a:spcPct val="100000"/>
+              </a:lnSpc>
+              <a:spcBef>
+                <a:spcPct val="0"/>
+              </a:spcBef>
+              <a:spcAft>
+                <a:spcPct val="0"/>
+              </a:spcAft>
+              <a:buClrTx/>
+              <a:buSzTx/>
+              <a:buFontTx/>
+              <a:buNone/>
+              <a:tabLst/>
+            </a:pPr>
+            <a:endParaRPr kumimoji="0" lang="en-US" sz="3200" b="0" i="0" u="none" strike="noStrike" cap="none" normalizeH="0" baseline="0" smtClean="0">
+              <a:ln>
+                <a:noFill/>
+              </a:ln>
+              <a:solidFill>
+                <a:schemeClr val="tx1"/>
+              </a:solidFill>
+              <a:effectLst/>
+              <a:latin typeface="Times New Roman" pitchFamily="18" charset="0"/>
+            </a:endParaRPr>
           </a:p>
         </p:txBody>
       </p:sp>
@@ -12331,9 +13152,6 @@
                     <p:cTn id="3" fill="hold">
                       <p:stCondLst>
                         <p:cond delay="indefinite"/>
-                        <p:cond evt="onBegin" delay="0">
-                          <p:tn val="2"/>
-                        </p:cond>
                       </p:stCondLst>
                       <p:childTnLst>
                         <p:par>
@@ -12343,7 +13161,7 @@
                             </p:stCondLst>
                             <p:childTnLst>
                               <p:par>
-                                <p:cTn id="5" presetID="22" presetClass="entr" presetSubtype="1" fill="hold" nodeType="withEffect">
+                                <p:cTn id="5" presetID="10" presetClass="entr" presetSubtype="0" fill="hold" grpId="0" nodeType="clickEffect">
                                   <p:stCondLst>
                                     <p:cond delay="0"/>
                                   </p:stCondLst>
@@ -12356,7 +13174,7 @@
                                           </p:stCondLst>
                                         </p:cTn>
                                         <p:tgtEl>
-                                          <p:spTgt spid="5"/>
+                                          <p:spTgt spid="11"/>
                                         </p:tgtEl>
                                         <p:attrNameLst>
                                           <p:attrName>style.visibility</p:attrName>
@@ -12366,11 +13184,11 @@
                                         <p:strVal val="visible"/>
                                       </p:to>
                                     </p:set>
-                                    <p:animEffect transition="in" filter="wipe(up)">
+                                    <p:animEffect transition="in" filter="fade">
                                       <p:cBhvr>
                                         <p:cTn id="7" dur="1000"/>
                                         <p:tgtEl>
-                                          <p:spTgt spid="5"/>
+                                          <p:spTgt spid="11"/>
                                         </p:tgtEl>
                                       </p:cBhvr>
                                     </p:animEffect>
@@ -12396,7 +13214,7 @@
                             </p:stCondLst>
                             <p:childTnLst>
                               <p:par>
-                                <p:cTn id="10" presetID="10" presetClass="entr" presetSubtype="0" fill="hold" grpId="0" nodeType="clickEffect">
+                                <p:cTn id="10" presetID="49" presetClass="entr" presetSubtype="0" decel="100000" fill="hold" grpId="0" nodeType="clickEffect">
                                   <p:stCondLst>
                                     <p:cond delay="0"/>
                                   </p:stCondLst>
@@ -12404,59 +13222,6 @@
                                     <p:set>
                                       <p:cBhvr>
                                         <p:cTn id="11" dur="1" fill="hold">
-                                          <p:stCondLst>
-                                            <p:cond delay="0"/>
-                                          </p:stCondLst>
-                                        </p:cTn>
-                                        <p:tgtEl>
-                                          <p:spTgt spid="11"/>
-                                        </p:tgtEl>
-                                        <p:attrNameLst>
-                                          <p:attrName>style.visibility</p:attrName>
-                                        </p:attrNameLst>
-                                      </p:cBhvr>
-                                      <p:to>
-                                        <p:strVal val="visible"/>
-                                      </p:to>
-                                    </p:set>
-                                    <p:animEffect transition="in" filter="fade">
-                                      <p:cBhvr>
-                                        <p:cTn id="12" dur="1000"/>
-                                        <p:tgtEl>
-                                          <p:spTgt spid="11"/>
-                                        </p:tgtEl>
-                                      </p:cBhvr>
-                                    </p:animEffect>
-                                  </p:childTnLst>
-                                </p:cTn>
-                              </p:par>
-                            </p:childTnLst>
-                          </p:cTn>
-                        </p:par>
-                      </p:childTnLst>
-                    </p:cTn>
-                  </p:par>
-                  <p:par>
-                    <p:cTn id="13" fill="hold">
-                      <p:stCondLst>
-                        <p:cond delay="indefinite"/>
-                      </p:stCondLst>
-                      <p:childTnLst>
-                        <p:par>
-                          <p:cTn id="14" fill="hold">
-                            <p:stCondLst>
-                              <p:cond delay="0"/>
-                            </p:stCondLst>
-                            <p:childTnLst>
-                              <p:par>
-                                <p:cTn id="15" presetID="10" presetClass="entr" presetSubtype="0" fill="hold" grpId="0" nodeType="clickEffect">
-                                  <p:stCondLst>
-                                    <p:cond delay="0"/>
-                                  </p:stCondLst>
-                                  <p:childTnLst>
-                                    <p:set>
-                                      <p:cBhvr>
-                                        <p:cTn id="16" dur="1" fill="hold">
                                           <p:stCondLst>
                                             <p:cond delay="0"/>
                                           </p:stCondLst>
@@ -12472,9 +13237,78 @@
                                         <p:strVal val="visible"/>
                                       </p:to>
                                     </p:set>
+                                    <p:anim calcmode="lin" valueType="num">
+                                      <p:cBhvr>
+                                        <p:cTn id="12" dur="500" fill="hold"/>
+                                        <p:tgtEl>
+                                          <p:spTgt spid="12"/>
+                                        </p:tgtEl>
+                                        <p:attrNameLst>
+                                          <p:attrName>ppt_w</p:attrName>
+                                        </p:attrNameLst>
+                                      </p:cBhvr>
+                                      <p:tavLst>
+                                        <p:tav tm="0">
+                                          <p:val>
+                                            <p:fltVal val="0"/>
+                                          </p:val>
+                                        </p:tav>
+                                        <p:tav tm="100000">
+                                          <p:val>
+                                            <p:strVal val="#ppt_w"/>
+                                          </p:val>
+                                        </p:tav>
+                                      </p:tavLst>
+                                    </p:anim>
+                                    <p:anim calcmode="lin" valueType="num">
+                                      <p:cBhvr>
+                                        <p:cTn id="13" dur="500" fill="hold"/>
+                                        <p:tgtEl>
+                                          <p:spTgt spid="12"/>
+                                        </p:tgtEl>
+                                        <p:attrNameLst>
+                                          <p:attrName>ppt_h</p:attrName>
+                                        </p:attrNameLst>
+                                      </p:cBhvr>
+                                      <p:tavLst>
+                                        <p:tav tm="0">
+                                          <p:val>
+                                            <p:fltVal val="0"/>
+                                          </p:val>
+                                        </p:tav>
+                                        <p:tav tm="100000">
+                                          <p:val>
+                                            <p:strVal val="#ppt_h"/>
+                                          </p:val>
+                                        </p:tav>
+                                      </p:tavLst>
+                                    </p:anim>
+                                    <p:anim calcmode="lin" valueType="num">
+                                      <p:cBhvr>
+                                        <p:cTn id="14" dur="500" fill="hold"/>
+                                        <p:tgtEl>
+                                          <p:spTgt spid="12"/>
+                                        </p:tgtEl>
+                                        <p:attrNameLst>
+                                          <p:attrName>style.rotation</p:attrName>
+                                        </p:attrNameLst>
+                                      </p:cBhvr>
+                                      <p:tavLst>
+                                        <p:tav tm="0">
+                                          <p:val>
+                                            <p:fltVal val="360"/>
+                                          </p:val>
+                                        </p:tav>
+                                        <p:tav tm="100000">
+                                          <p:val>
+                                            <p:fltVal val="0"/>
+                                          </p:val>
+                                        </p:tav>
+                                      </p:tavLst>
+                                    </p:anim>
                                     <p:animEffect transition="in" filter="fade">
                                       <p:cBhvr>
-                                        <p:cTn id="17" dur="500"/>
+                                        <p:cTn id="15" dur="500"/>
                                         <p:tgtEl>
                                           <p:spTgt spid="12"/>
                                         </p:tgtEl>
@@ -12514,144 +13348,6 @@
       <p:bldP spid="11" grpId="0"/>
       <p:bldP spid="12" grpId="0"/>
     </p:bldLst>
-  </p:timing>
-</p:sld>
-</file>
-
-<file path=ppt/slides/slide9.xml><?xml version="1.0" encoding="utf-8"?>
-<p:sld xmlns:a="http://schemas.openxmlformats.org/drawingml/2006/main" xmlns:r="http://schemas.openxmlformats.org/officeDocument/2006/relationships" xmlns:p="http://schemas.openxmlformats.org/presentationml/2006/main">
-  <p:cSld>
-    <p:spTree>
-      <p:nvGrpSpPr>
-        <p:cNvPr id="1" name=""/>
-        <p:cNvGrpSpPr/>
-        <p:nvPr/>
-      </p:nvGrpSpPr>
-      <p:grpSpPr>
-        <a:xfrm>
-          <a:off x="0" y="0"/>
-          <a:ext cx="0" cy="0"/>
-          <a:chOff x="0" y="0"/>
-          <a:chExt cx="0" cy="0"/>
-        </a:xfrm>
-      </p:grpSpPr>
-      <p:sp>
-        <p:nvSpPr>
-          <p:cNvPr id="2" name="Title 1"/>
-          <p:cNvSpPr>
-            <a:spLocks noGrp="1"/>
-          </p:cNvSpPr>
-          <p:nvPr>
-            <p:ph type="title" sz="quarter"/>
-          </p:nvPr>
-        </p:nvSpPr>
-        <p:spPr>
-          <a:xfrm>
-            <a:off x="401078" y="1359070"/>
-            <a:ext cx="8199798" cy="4032643"/>
-          </a:xfrm>
-        </p:spPr>
-        <p:txBody>
-          <a:bodyPr/>
-          <a:lstStyle/>
-          <a:p>
-            <a:pPr algn="ctr"/>
-            <a:r>
-              <a:rPr lang="en-US" sz="7200" dirty="0" smtClean="0">
-                <a:solidFill>
-                  <a:srgbClr val="006600"/>
-                </a:solidFill>
-              </a:rPr>
-              <a:t>Every formula</a:t>
-            </a:r>
-            <a:r>
-              <a:rPr lang="en-US" sz="7200" dirty="0" smtClean="0"/>
-              <a:t> is equivalent to a</a:t>
-            </a:r>
-            <a:br>
-              <a:rPr lang="en-US" sz="7200" dirty="0" smtClean="0"/>
-            </a:br>
-            <a:r>
-              <a:rPr lang="en-US" sz="7200" dirty="0" smtClean="0">
-                <a:solidFill>
-                  <a:srgbClr val="BB0FAB"/>
-                </a:solidFill>
-              </a:rPr>
-              <a:t>Full </a:t>
-            </a:r>
-            <a:r>
-              <a:rPr lang="en-US" sz="7200" dirty="0" smtClean="0">
-                <a:solidFill>
-                  <a:srgbClr val="BB0FAB"/>
-                </a:solidFill>
-              </a:rPr>
-              <a:t>DNF </a:t>
-            </a:r>
-            <a:endParaRPr lang="en-US" sz="5400" dirty="0">
-              <a:solidFill>
-                <a:srgbClr val="BB0FAB"/>
-              </a:solidFill>
-            </a:endParaRPr>
-          </a:p>
-        </p:txBody>
-      </p:sp>
-      <p:sp>
-        <p:nvSpPr>
-          <p:cNvPr id="3" name="Slide Number Placeholder 2"/>
-          <p:cNvSpPr>
-            <a:spLocks noGrp="1"/>
-          </p:cNvSpPr>
-          <p:nvPr>
-            <p:ph type="sldNum" sz="quarter" idx="4"/>
-          </p:nvPr>
-        </p:nvSpPr>
-        <p:spPr>
-          <a:xfrm>
-            <a:off x="8057874" y="6553200"/>
-            <a:ext cx="1086130" cy="276999"/>
-          </a:xfrm>
-        </p:spPr>
-        <p:txBody>
-          <a:bodyPr/>
-          <a:lstStyle/>
-          <a:p>
-            <a:pPr>
-              <a:defRPr/>
-            </a:pPr>
-            <a:r>
-              <a:rPr lang="en-US" dirty="0" smtClean="0"/>
-              <a:t>DNF-CNF.</a:t>
-            </a:r>
-            <a:fld id="{068AF58D-0467-409E-A30A-0D5E3A2B197F}" type="slidenum">
-              <a:rPr lang="en-US" smtClean="0"/>
-              <a:pPr>
-                <a:defRPr/>
-              </a:pPr>
-              <a:t>9</a:t>
-            </a:fld>
-            <a:endParaRPr lang="en-US" dirty="0"/>
-          </a:p>
-        </p:txBody>
-      </p:sp>
-    </p:spTree>
-    <p:extLst>
-      <p:ext uri="{BB962C8B-B14F-4D97-AF65-F5344CB8AC3E}">
-        <p14:creationId xmlns:p14="http://schemas.microsoft.com/office/powerpoint/2010/main" val="3167170611"/>
-      </p:ext>
-    </p:extLst>
-  </p:cSld>
-  <p:clrMapOvr>
-    <a:masterClrMapping/>
-  </p:clrMapOvr>
-  <p:transition xmlns:p14="http://schemas.microsoft.com/office/powerpoint/2010/main" spd="slow" advClick="0">
-    <p:fade thruBlk="1"/>
-  </p:transition>
-  <p:timing>
-    <p:tnLst>
-      <p:par>
-        <p:cTn xmlns:p14="http://schemas.microsoft.com/office/powerpoint/2010/main" id="1" dur="indefinite" restart="never" nodeType="tmRoot"/>
-      </p:par>
-    </p:tnLst>
   </p:timing>
 </p:sld>
 </file>
@@ -12895,33 +13591,19 @@
   <a:objectDefaults>
     <a:spDef>
       <a:spPr bwMode="auto">
-        <a:xfrm>
-          <a:off x="0" y="0"/>
-          <a:ext cx="1" cy="1"/>
-        </a:xfrm>
-        <a:custGeom>
-          <a:avLst/>
-          <a:gdLst/>
-          <a:ahLst/>
-          <a:cxnLst/>
-          <a:rect l="0" t="0" r="0" b="0"/>
-          <a:pathLst/>
-        </a:custGeom>
-        <a:solidFill>
-          <a:schemeClr val="accent1"/>
-        </a:solidFill>
-        <a:ln w="9525" cap="flat" cmpd="sng" algn="ctr">
+        <a:noFill/>
+        <a:ln w="47625" cap="flat" cmpd="sng" algn="ctr">
           <a:solidFill>
-            <a:schemeClr val="tx1"/>
+            <a:srgbClr val="DC11CA"/>
           </a:solidFill>
-          <a:prstDash val="solid"/>
+          <a:prstDash val="sysDash"/>
           <a:round/>
           <a:headEnd type="none" w="med" len="med"/>
           <a:tailEnd type="none" w="med" len="med"/>
         </a:ln>
         <a:effectLst/>
       </a:spPr>
-      <a:bodyPr vert="horz" wrap="none" lIns="91440" tIns="45720" rIns="91440" bIns="45720" numCol="1" anchor="ctr" anchorCtr="0" compatLnSpc="1">
+      <a:bodyPr vert="horz" wrap="none" lIns="91440" tIns="45720" rIns="91440" bIns="45720" numCol="1" rtlCol="0" anchor="ctr" anchorCtr="0" compatLnSpc="1">
         <a:prstTxWarp prst="textNoShape">
           <a:avLst/>
         </a:prstTxWarp>
@@ -12942,7 +13624,7 @@
           <a:buFontTx/>
           <a:buNone/>
           <a:tabLst/>
-          <a:defRPr kumimoji="0" lang="en-US" sz="3200" b="0" i="0" u="none" strike="noStrike" cap="none" normalizeH="0" baseline="0" smtClean="0">
+          <a:defRPr kumimoji="0" sz="3200" b="0" i="0" u="none" strike="noStrike" cap="none" normalizeH="0" baseline="0" smtClean="0">
             <a:ln>
               <a:noFill/>
             </a:ln>

--- a/spring18/slidesS18/normal-forms.pptx
+++ b/spring18/slidesS18/normal-forms.pptx
@@ -5,39 +5,40 @@
     <p:sldMasterId id="2147483650" r:id="rId1"/>
   </p:sldMasterIdLst>
   <p:notesMasterIdLst>
-    <p:notesMasterId r:id="rId24"/>
+    <p:notesMasterId r:id="rId25"/>
   </p:notesMasterIdLst>
   <p:handoutMasterIdLst>
-    <p:handoutMasterId r:id="rId25"/>
+    <p:handoutMasterId r:id="rId26"/>
   </p:handoutMasterIdLst>
   <p:sldIdLst>
     <p:sldId id="392" r:id="rId2"/>
     <p:sldId id="495" r:id="rId3"/>
-    <p:sldId id="496" r:id="rId4"/>
-    <p:sldId id="465" r:id="rId5"/>
-    <p:sldId id="467" r:id="rId6"/>
-    <p:sldId id="485" r:id="rId7"/>
-    <p:sldId id="468" r:id="rId8"/>
-    <p:sldId id="487" r:id="rId9"/>
-    <p:sldId id="469" r:id="rId10"/>
-    <p:sldId id="493" r:id="rId11"/>
-    <p:sldId id="471" r:id="rId12"/>
-    <p:sldId id="484" r:id="rId13"/>
-    <p:sldId id="473" r:id="rId14"/>
-    <p:sldId id="492" r:id="rId15"/>
-    <p:sldId id="489" r:id="rId16"/>
-    <p:sldId id="491" r:id="rId17"/>
-    <p:sldId id="477" r:id="rId18"/>
-    <p:sldId id="488" r:id="rId19"/>
-    <p:sldId id="478" r:id="rId20"/>
-    <p:sldId id="480" r:id="rId21"/>
-    <p:sldId id="494" r:id="rId22"/>
-    <p:sldId id="483" r:id="rId23"/>
+    <p:sldId id="497" r:id="rId4"/>
+    <p:sldId id="496" r:id="rId5"/>
+    <p:sldId id="465" r:id="rId6"/>
+    <p:sldId id="467" r:id="rId7"/>
+    <p:sldId id="485" r:id="rId8"/>
+    <p:sldId id="468" r:id="rId9"/>
+    <p:sldId id="487" r:id="rId10"/>
+    <p:sldId id="469" r:id="rId11"/>
+    <p:sldId id="493" r:id="rId12"/>
+    <p:sldId id="471" r:id="rId13"/>
+    <p:sldId id="484" r:id="rId14"/>
+    <p:sldId id="473" r:id="rId15"/>
+    <p:sldId id="492" r:id="rId16"/>
+    <p:sldId id="489" r:id="rId17"/>
+    <p:sldId id="491" r:id="rId18"/>
+    <p:sldId id="477" r:id="rId19"/>
+    <p:sldId id="488" r:id="rId20"/>
+    <p:sldId id="478" r:id="rId21"/>
+    <p:sldId id="480" r:id="rId22"/>
+    <p:sldId id="494" r:id="rId23"/>
+    <p:sldId id="483" r:id="rId24"/>
   </p:sldIdLst>
   <p:sldSz cx="9144000" cy="6858000" type="screen4x3"/>
   <p:notesSz cx="9601200" cy="7315200"/>
   <p:custDataLst>
-    <p:tags r:id="rId27"/>
+    <p:tags r:id="rId28"/>
   </p:custDataLst>
   <p:defaultTextStyle>
     <a:defPPr>
@@ -920,6 +921,1896 @@
         </p:txBody>
       </p:sp>
     </p:spTree>
+  </p:cSld>
+  <p:clrMapOvr>
+    <a:masterClrMapping/>
+  </p:clrMapOvr>
+</p:notes>
+</file>
+
+<file path=ppt/notesSlides/notesSlide10.xml><?xml version="1.0" encoding="utf-8"?>
+<p:notes xmlns:a="http://schemas.openxmlformats.org/drawingml/2006/main" xmlns:r="http://schemas.openxmlformats.org/officeDocument/2006/relationships" xmlns:p="http://schemas.openxmlformats.org/presentationml/2006/main">
+  <p:cSld>
+    <p:spTree>
+      <p:nvGrpSpPr>
+        <p:cNvPr id="1" name=""/>
+        <p:cNvGrpSpPr/>
+        <p:nvPr/>
+      </p:nvGrpSpPr>
+      <p:grpSpPr>
+        <a:xfrm>
+          <a:off x="0" y="0"/>
+          <a:ext cx="0" cy="0"/>
+          <a:chOff x="0" y="0"/>
+          <a:chExt cx="0" cy="0"/>
+        </a:xfrm>
+      </p:grpSpPr>
+      <p:sp>
+        <p:nvSpPr>
+          <p:cNvPr id="2" name="Slide Image Placeholder 1"/>
+          <p:cNvSpPr>
+            <a:spLocks noGrp="1" noRot="1" noChangeAspect="1"/>
+          </p:cNvSpPr>
+          <p:nvPr>
+            <p:ph type="sldImg"/>
+          </p:nvPr>
+        </p:nvSpPr>
+        <p:spPr/>
+      </p:sp>
+      <p:sp>
+        <p:nvSpPr>
+          <p:cNvPr id="3" name="Notes Placeholder 2"/>
+          <p:cNvSpPr>
+            <a:spLocks noGrp="1"/>
+          </p:cNvSpPr>
+          <p:nvPr>
+            <p:ph type="body" idx="1"/>
+          </p:nvPr>
+        </p:nvSpPr>
+        <p:spPr/>
+        <p:txBody>
+          <a:bodyPr/>
+          <a:lstStyle/>
+          <a:p>
+            <a:endParaRPr lang="en-US"/>
+          </a:p>
+        </p:txBody>
+      </p:sp>
+      <p:sp>
+        <p:nvSpPr>
+          <p:cNvPr id="4" name="Slide Number Placeholder 3"/>
+          <p:cNvSpPr>
+            <a:spLocks noGrp="1"/>
+          </p:cNvSpPr>
+          <p:nvPr>
+            <p:ph type="sldNum" sz="quarter" idx="10"/>
+          </p:nvPr>
+        </p:nvSpPr>
+        <p:spPr/>
+        <p:txBody>
+          <a:bodyPr/>
+          <a:lstStyle/>
+          <a:p>
+            <a:pPr>
+              <a:defRPr/>
+            </a:pPr>
+            <a:fld id="{57CDD2FB-05E6-4D8F-A577-F6AF03D6727E}" type="slidenum">
+              <a:rPr lang="en-US" smtClean="0"/>
+              <a:pPr>
+                <a:defRPr/>
+              </a:pPr>
+              <a:t>10</a:t>
+            </a:fld>
+            <a:endParaRPr lang="en-US"/>
+          </a:p>
+        </p:txBody>
+      </p:sp>
+    </p:spTree>
+    <p:extLst>
+      <p:ext uri="{BB962C8B-B14F-4D97-AF65-F5344CB8AC3E}">
+        <p14:creationId xmlns:p14="http://schemas.microsoft.com/office/powerpoint/2010/main" val="4115940695"/>
+      </p:ext>
+    </p:extLst>
+  </p:cSld>
+  <p:clrMapOvr>
+    <a:masterClrMapping/>
+  </p:clrMapOvr>
+</p:notes>
+</file>
+
+<file path=ppt/notesSlides/notesSlide11.xml><?xml version="1.0" encoding="utf-8"?>
+<p:notes xmlns:a="http://schemas.openxmlformats.org/drawingml/2006/main" xmlns:r="http://schemas.openxmlformats.org/officeDocument/2006/relationships" xmlns:p="http://schemas.openxmlformats.org/presentationml/2006/main">
+  <p:cSld>
+    <p:spTree>
+      <p:nvGrpSpPr>
+        <p:cNvPr id="1" name=""/>
+        <p:cNvGrpSpPr/>
+        <p:nvPr/>
+      </p:nvGrpSpPr>
+      <p:grpSpPr>
+        <a:xfrm>
+          <a:off x="0" y="0"/>
+          <a:ext cx="0" cy="0"/>
+          <a:chOff x="0" y="0"/>
+          <a:chExt cx="0" cy="0"/>
+        </a:xfrm>
+      </p:grpSpPr>
+      <p:sp>
+        <p:nvSpPr>
+          <p:cNvPr id="2" name="Slide Image Placeholder 1"/>
+          <p:cNvSpPr>
+            <a:spLocks noGrp="1" noRot="1" noChangeAspect="1"/>
+          </p:cNvSpPr>
+          <p:nvPr>
+            <p:ph type="sldImg"/>
+          </p:nvPr>
+        </p:nvSpPr>
+        <p:spPr/>
+      </p:sp>
+      <p:sp>
+        <p:nvSpPr>
+          <p:cNvPr id="3" name="Notes Placeholder 2"/>
+          <p:cNvSpPr>
+            <a:spLocks noGrp="1"/>
+          </p:cNvSpPr>
+          <p:nvPr>
+            <p:ph type="body" idx="1"/>
+          </p:nvPr>
+        </p:nvSpPr>
+        <p:spPr/>
+        <p:txBody>
+          <a:bodyPr/>
+          <a:lstStyle/>
+          <a:p>
+            <a:endParaRPr lang="en-US"/>
+          </a:p>
+        </p:txBody>
+      </p:sp>
+      <p:sp>
+        <p:nvSpPr>
+          <p:cNvPr id="4" name="Slide Number Placeholder 3"/>
+          <p:cNvSpPr>
+            <a:spLocks noGrp="1"/>
+          </p:cNvSpPr>
+          <p:nvPr>
+            <p:ph type="sldNum" sz="quarter" idx="10"/>
+          </p:nvPr>
+        </p:nvSpPr>
+        <p:spPr/>
+        <p:txBody>
+          <a:bodyPr/>
+          <a:lstStyle/>
+          <a:p>
+            <a:pPr>
+              <a:defRPr/>
+            </a:pPr>
+            <a:fld id="{57CDD2FB-05E6-4D8F-A577-F6AF03D6727E}" type="slidenum">
+              <a:rPr lang="en-US" smtClean="0"/>
+              <a:pPr>
+                <a:defRPr/>
+              </a:pPr>
+              <a:t>11</a:t>
+            </a:fld>
+            <a:endParaRPr lang="en-US"/>
+          </a:p>
+        </p:txBody>
+      </p:sp>
+    </p:spTree>
+    <p:extLst>
+      <p:ext uri="{BB962C8B-B14F-4D97-AF65-F5344CB8AC3E}">
+        <p14:creationId xmlns:p14="http://schemas.microsoft.com/office/powerpoint/2010/main" val="3451723310"/>
+      </p:ext>
+    </p:extLst>
+  </p:cSld>
+  <p:clrMapOvr>
+    <a:masterClrMapping/>
+  </p:clrMapOvr>
+</p:notes>
+</file>
+
+<file path=ppt/notesSlides/notesSlide12.xml><?xml version="1.0" encoding="utf-8"?>
+<p:notes xmlns:a="http://schemas.openxmlformats.org/drawingml/2006/main" xmlns:r="http://schemas.openxmlformats.org/officeDocument/2006/relationships" xmlns:p="http://schemas.openxmlformats.org/presentationml/2006/main">
+  <p:cSld>
+    <p:spTree>
+      <p:nvGrpSpPr>
+        <p:cNvPr id="1" name=""/>
+        <p:cNvGrpSpPr/>
+        <p:nvPr/>
+      </p:nvGrpSpPr>
+      <p:grpSpPr>
+        <a:xfrm>
+          <a:off x="0" y="0"/>
+          <a:ext cx="0" cy="0"/>
+          <a:chOff x="0" y="0"/>
+          <a:chExt cx="0" cy="0"/>
+        </a:xfrm>
+      </p:grpSpPr>
+      <p:sp>
+        <p:nvSpPr>
+          <p:cNvPr id="2" name="Slide Image Placeholder 1"/>
+          <p:cNvSpPr>
+            <a:spLocks noGrp="1" noRot="1" noChangeAspect="1"/>
+          </p:cNvSpPr>
+          <p:nvPr>
+            <p:ph type="sldImg"/>
+          </p:nvPr>
+        </p:nvSpPr>
+        <p:spPr/>
+      </p:sp>
+      <p:sp>
+        <p:nvSpPr>
+          <p:cNvPr id="3" name="Notes Placeholder 2"/>
+          <p:cNvSpPr>
+            <a:spLocks noGrp="1"/>
+          </p:cNvSpPr>
+          <p:nvPr>
+            <p:ph type="body" idx="1"/>
+          </p:nvPr>
+        </p:nvSpPr>
+        <p:spPr/>
+        <p:txBody>
+          <a:bodyPr/>
+          <a:lstStyle/>
+          <a:p>
+            <a:endParaRPr lang="en-US"/>
+          </a:p>
+        </p:txBody>
+      </p:sp>
+      <p:sp>
+        <p:nvSpPr>
+          <p:cNvPr id="4" name="Slide Number Placeholder 3"/>
+          <p:cNvSpPr>
+            <a:spLocks noGrp="1"/>
+          </p:cNvSpPr>
+          <p:nvPr>
+            <p:ph type="sldNum" sz="quarter" idx="10"/>
+          </p:nvPr>
+        </p:nvSpPr>
+        <p:spPr/>
+        <p:txBody>
+          <a:bodyPr/>
+          <a:lstStyle/>
+          <a:p>
+            <a:pPr>
+              <a:defRPr/>
+            </a:pPr>
+            <a:fld id="{57CDD2FB-05E6-4D8F-A577-F6AF03D6727E}" type="slidenum">
+              <a:rPr lang="en-US" smtClean="0"/>
+              <a:pPr>
+                <a:defRPr/>
+              </a:pPr>
+              <a:t>12</a:t>
+            </a:fld>
+            <a:endParaRPr lang="en-US"/>
+          </a:p>
+        </p:txBody>
+      </p:sp>
+    </p:spTree>
+    <p:extLst>
+      <p:ext uri="{BB962C8B-B14F-4D97-AF65-F5344CB8AC3E}">
+        <p14:creationId xmlns:p14="http://schemas.microsoft.com/office/powerpoint/2010/main" val="2092138265"/>
+      </p:ext>
+    </p:extLst>
+  </p:cSld>
+  <p:clrMapOvr>
+    <a:masterClrMapping/>
+  </p:clrMapOvr>
+</p:notes>
+</file>
+
+<file path=ppt/notesSlides/notesSlide13.xml><?xml version="1.0" encoding="utf-8"?>
+<p:notes xmlns:a="http://schemas.openxmlformats.org/drawingml/2006/main" xmlns:r="http://schemas.openxmlformats.org/officeDocument/2006/relationships" xmlns:p="http://schemas.openxmlformats.org/presentationml/2006/main">
+  <p:cSld>
+    <p:spTree>
+      <p:nvGrpSpPr>
+        <p:cNvPr id="1" name=""/>
+        <p:cNvGrpSpPr/>
+        <p:nvPr/>
+      </p:nvGrpSpPr>
+      <p:grpSpPr>
+        <a:xfrm>
+          <a:off x="0" y="0"/>
+          <a:ext cx="0" cy="0"/>
+          <a:chOff x="0" y="0"/>
+          <a:chExt cx="0" cy="0"/>
+        </a:xfrm>
+      </p:grpSpPr>
+      <p:sp>
+        <p:nvSpPr>
+          <p:cNvPr id="2" name="Slide Image Placeholder 1"/>
+          <p:cNvSpPr>
+            <a:spLocks noGrp="1" noRot="1" noChangeAspect="1"/>
+          </p:cNvSpPr>
+          <p:nvPr>
+            <p:ph type="sldImg"/>
+          </p:nvPr>
+        </p:nvSpPr>
+        <p:spPr/>
+      </p:sp>
+      <p:sp>
+        <p:nvSpPr>
+          <p:cNvPr id="3" name="Notes Placeholder 2"/>
+          <p:cNvSpPr>
+            <a:spLocks noGrp="1"/>
+          </p:cNvSpPr>
+          <p:nvPr>
+            <p:ph type="body" idx="1"/>
+          </p:nvPr>
+        </p:nvSpPr>
+        <p:spPr/>
+        <p:txBody>
+          <a:bodyPr/>
+          <a:lstStyle/>
+          <a:p>
+            <a:endParaRPr lang="en-US"/>
+          </a:p>
+        </p:txBody>
+      </p:sp>
+      <p:sp>
+        <p:nvSpPr>
+          <p:cNvPr id="4" name="Slide Number Placeholder 3"/>
+          <p:cNvSpPr>
+            <a:spLocks noGrp="1"/>
+          </p:cNvSpPr>
+          <p:nvPr>
+            <p:ph type="sldNum" sz="quarter" idx="10"/>
+          </p:nvPr>
+        </p:nvSpPr>
+        <p:spPr/>
+        <p:txBody>
+          <a:bodyPr/>
+          <a:lstStyle/>
+          <a:p>
+            <a:pPr>
+              <a:defRPr/>
+            </a:pPr>
+            <a:fld id="{57CDD2FB-05E6-4D8F-A577-F6AF03D6727E}" type="slidenum">
+              <a:rPr lang="en-US" smtClean="0"/>
+              <a:pPr>
+                <a:defRPr/>
+              </a:pPr>
+              <a:t>13</a:t>
+            </a:fld>
+            <a:endParaRPr lang="en-US"/>
+          </a:p>
+        </p:txBody>
+      </p:sp>
+    </p:spTree>
+    <p:extLst>
+      <p:ext uri="{BB962C8B-B14F-4D97-AF65-F5344CB8AC3E}">
+        <p14:creationId xmlns:p14="http://schemas.microsoft.com/office/powerpoint/2010/main" val="563218430"/>
+      </p:ext>
+    </p:extLst>
+  </p:cSld>
+  <p:clrMapOvr>
+    <a:masterClrMapping/>
+  </p:clrMapOvr>
+</p:notes>
+</file>
+
+<file path=ppt/notesSlides/notesSlide14.xml><?xml version="1.0" encoding="utf-8"?>
+<p:notes xmlns:a="http://schemas.openxmlformats.org/drawingml/2006/main" xmlns:r="http://schemas.openxmlformats.org/officeDocument/2006/relationships" xmlns:p="http://schemas.openxmlformats.org/presentationml/2006/main">
+  <p:cSld>
+    <p:spTree>
+      <p:nvGrpSpPr>
+        <p:cNvPr id="1" name=""/>
+        <p:cNvGrpSpPr/>
+        <p:nvPr/>
+      </p:nvGrpSpPr>
+      <p:grpSpPr>
+        <a:xfrm>
+          <a:off x="0" y="0"/>
+          <a:ext cx="0" cy="0"/>
+          <a:chOff x="0" y="0"/>
+          <a:chExt cx="0" cy="0"/>
+        </a:xfrm>
+      </p:grpSpPr>
+      <p:sp>
+        <p:nvSpPr>
+          <p:cNvPr id="2" name="Slide Image Placeholder 1"/>
+          <p:cNvSpPr>
+            <a:spLocks noGrp="1" noRot="1" noChangeAspect="1"/>
+          </p:cNvSpPr>
+          <p:nvPr>
+            <p:ph type="sldImg"/>
+          </p:nvPr>
+        </p:nvSpPr>
+        <p:spPr/>
+      </p:sp>
+      <p:sp>
+        <p:nvSpPr>
+          <p:cNvPr id="3" name="Notes Placeholder 2"/>
+          <p:cNvSpPr>
+            <a:spLocks noGrp="1"/>
+          </p:cNvSpPr>
+          <p:nvPr>
+            <p:ph type="body" idx="1"/>
+          </p:nvPr>
+        </p:nvSpPr>
+        <p:spPr/>
+        <p:txBody>
+          <a:bodyPr/>
+          <a:lstStyle/>
+          <a:p>
+            <a:endParaRPr lang="en-US"/>
+          </a:p>
+        </p:txBody>
+      </p:sp>
+      <p:sp>
+        <p:nvSpPr>
+          <p:cNvPr id="4" name="Slide Number Placeholder 3"/>
+          <p:cNvSpPr>
+            <a:spLocks noGrp="1"/>
+          </p:cNvSpPr>
+          <p:nvPr>
+            <p:ph type="sldNum" sz="quarter" idx="10"/>
+          </p:nvPr>
+        </p:nvSpPr>
+        <p:spPr/>
+        <p:txBody>
+          <a:bodyPr/>
+          <a:lstStyle/>
+          <a:p>
+            <a:pPr>
+              <a:defRPr/>
+            </a:pPr>
+            <a:fld id="{57CDD2FB-05E6-4D8F-A577-F6AF03D6727E}" type="slidenum">
+              <a:rPr lang="en-US" smtClean="0"/>
+              <a:pPr>
+                <a:defRPr/>
+              </a:pPr>
+              <a:t>14</a:t>
+            </a:fld>
+            <a:endParaRPr lang="en-US"/>
+          </a:p>
+        </p:txBody>
+      </p:sp>
+    </p:spTree>
+    <p:extLst>
+      <p:ext uri="{BB962C8B-B14F-4D97-AF65-F5344CB8AC3E}">
+        <p14:creationId xmlns:p14="http://schemas.microsoft.com/office/powerpoint/2010/main" val="3984902128"/>
+      </p:ext>
+    </p:extLst>
+  </p:cSld>
+  <p:clrMapOvr>
+    <a:masterClrMapping/>
+  </p:clrMapOvr>
+</p:notes>
+</file>
+
+<file path=ppt/notesSlides/notesSlide15.xml><?xml version="1.0" encoding="utf-8"?>
+<p:notes xmlns:a="http://schemas.openxmlformats.org/drawingml/2006/main" xmlns:r="http://schemas.openxmlformats.org/officeDocument/2006/relationships" xmlns:p="http://schemas.openxmlformats.org/presentationml/2006/main">
+  <p:cSld>
+    <p:spTree>
+      <p:nvGrpSpPr>
+        <p:cNvPr id="1" name=""/>
+        <p:cNvGrpSpPr/>
+        <p:nvPr/>
+      </p:nvGrpSpPr>
+      <p:grpSpPr>
+        <a:xfrm>
+          <a:off x="0" y="0"/>
+          <a:ext cx="0" cy="0"/>
+          <a:chOff x="0" y="0"/>
+          <a:chExt cx="0" cy="0"/>
+        </a:xfrm>
+      </p:grpSpPr>
+      <p:sp>
+        <p:nvSpPr>
+          <p:cNvPr id="2" name="Slide Image Placeholder 1"/>
+          <p:cNvSpPr>
+            <a:spLocks noGrp="1" noRot="1" noChangeAspect="1"/>
+          </p:cNvSpPr>
+          <p:nvPr>
+            <p:ph type="sldImg"/>
+          </p:nvPr>
+        </p:nvSpPr>
+        <p:spPr/>
+      </p:sp>
+      <p:sp>
+        <p:nvSpPr>
+          <p:cNvPr id="3" name="Notes Placeholder 2"/>
+          <p:cNvSpPr>
+            <a:spLocks noGrp="1"/>
+          </p:cNvSpPr>
+          <p:nvPr>
+            <p:ph type="body" idx="1"/>
+          </p:nvPr>
+        </p:nvSpPr>
+        <p:spPr/>
+        <p:txBody>
+          <a:bodyPr/>
+          <a:lstStyle/>
+          <a:p>
+            <a:endParaRPr lang="en-US"/>
+          </a:p>
+        </p:txBody>
+      </p:sp>
+      <p:sp>
+        <p:nvSpPr>
+          <p:cNvPr id="4" name="Slide Number Placeholder 3"/>
+          <p:cNvSpPr>
+            <a:spLocks noGrp="1"/>
+          </p:cNvSpPr>
+          <p:nvPr>
+            <p:ph type="sldNum" sz="quarter" idx="10"/>
+          </p:nvPr>
+        </p:nvSpPr>
+        <p:spPr/>
+        <p:txBody>
+          <a:bodyPr/>
+          <a:lstStyle/>
+          <a:p>
+            <a:pPr>
+              <a:defRPr/>
+            </a:pPr>
+            <a:fld id="{57CDD2FB-05E6-4D8F-A577-F6AF03D6727E}" type="slidenum">
+              <a:rPr lang="en-US" smtClean="0"/>
+              <a:pPr>
+                <a:defRPr/>
+              </a:pPr>
+              <a:t>15</a:t>
+            </a:fld>
+            <a:endParaRPr lang="en-US"/>
+          </a:p>
+        </p:txBody>
+      </p:sp>
+    </p:spTree>
+    <p:extLst>
+      <p:ext uri="{BB962C8B-B14F-4D97-AF65-F5344CB8AC3E}">
+        <p14:creationId xmlns:p14="http://schemas.microsoft.com/office/powerpoint/2010/main" val="2005152043"/>
+      </p:ext>
+    </p:extLst>
+  </p:cSld>
+  <p:clrMapOvr>
+    <a:masterClrMapping/>
+  </p:clrMapOvr>
+</p:notes>
+</file>
+
+<file path=ppt/notesSlides/notesSlide16.xml><?xml version="1.0" encoding="utf-8"?>
+<p:notes xmlns:a="http://schemas.openxmlformats.org/drawingml/2006/main" xmlns:r="http://schemas.openxmlformats.org/officeDocument/2006/relationships" xmlns:p="http://schemas.openxmlformats.org/presentationml/2006/main">
+  <p:cSld>
+    <p:spTree>
+      <p:nvGrpSpPr>
+        <p:cNvPr id="1" name=""/>
+        <p:cNvGrpSpPr/>
+        <p:nvPr/>
+      </p:nvGrpSpPr>
+      <p:grpSpPr>
+        <a:xfrm>
+          <a:off x="0" y="0"/>
+          <a:ext cx="0" cy="0"/>
+          <a:chOff x="0" y="0"/>
+          <a:chExt cx="0" cy="0"/>
+        </a:xfrm>
+      </p:grpSpPr>
+      <p:sp>
+        <p:nvSpPr>
+          <p:cNvPr id="2" name="Slide Image Placeholder 1"/>
+          <p:cNvSpPr>
+            <a:spLocks noGrp="1" noRot="1" noChangeAspect="1"/>
+          </p:cNvSpPr>
+          <p:nvPr>
+            <p:ph type="sldImg"/>
+          </p:nvPr>
+        </p:nvSpPr>
+        <p:spPr/>
+      </p:sp>
+      <p:sp>
+        <p:nvSpPr>
+          <p:cNvPr id="3" name="Notes Placeholder 2"/>
+          <p:cNvSpPr>
+            <a:spLocks noGrp="1"/>
+          </p:cNvSpPr>
+          <p:nvPr>
+            <p:ph type="body" idx="1"/>
+          </p:nvPr>
+        </p:nvSpPr>
+        <p:spPr/>
+        <p:txBody>
+          <a:bodyPr/>
+          <a:lstStyle/>
+          <a:p>
+            <a:endParaRPr lang="en-US"/>
+          </a:p>
+        </p:txBody>
+      </p:sp>
+      <p:sp>
+        <p:nvSpPr>
+          <p:cNvPr id="4" name="Slide Number Placeholder 3"/>
+          <p:cNvSpPr>
+            <a:spLocks noGrp="1"/>
+          </p:cNvSpPr>
+          <p:nvPr>
+            <p:ph type="sldNum" sz="quarter" idx="10"/>
+          </p:nvPr>
+        </p:nvSpPr>
+        <p:spPr/>
+        <p:txBody>
+          <a:bodyPr/>
+          <a:lstStyle/>
+          <a:p>
+            <a:pPr>
+              <a:defRPr/>
+            </a:pPr>
+            <a:fld id="{57CDD2FB-05E6-4D8F-A577-F6AF03D6727E}" type="slidenum">
+              <a:rPr lang="en-US" smtClean="0"/>
+              <a:pPr>
+                <a:defRPr/>
+              </a:pPr>
+              <a:t>16</a:t>
+            </a:fld>
+            <a:endParaRPr lang="en-US"/>
+          </a:p>
+        </p:txBody>
+      </p:sp>
+    </p:spTree>
+    <p:extLst>
+      <p:ext uri="{BB962C8B-B14F-4D97-AF65-F5344CB8AC3E}">
+        <p14:creationId xmlns:p14="http://schemas.microsoft.com/office/powerpoint/2010/main" val="494455365"/>
+      </p:ext>
+    </p:extLst>
+  </p:cSld>
+  <p:clrMapOvr>
+    <a:masterClrMapping/>
+  </p:clrMapOvr>
+</p:notes>
+</file>
+
+<file path=ppt/notesSlides/notesSlide17.xml><?xml version="1.0" encoding="utf-8"?>
+<p:notes xmlns:a="http://schemas.openxmlformats.org/drawingml/2006/main" xmlns:r="http://schemas.openxmlformats.org/officeDocument/2006/relationships" xmlns:p="http://schemas.openxmlformats.org/presentationml/2006/main">
+  <p:cSld>
+    <p:spTree>
+      <p:nvGrpSpPr>
+        <p:cNvPr id="1" name=""/>
+        <p:cNvGrpSpPr/>
+        <p:nvPr/>
+      </p:nvGrpSpPr>
+      <p:grpSpPr>
+        <a:xfrm>
+          <a:off x="0" y="0"/>
+          <a:ext cx="0" cy="0"/>
+          <a:chOff x="0" y="0"/>
+          <a:chExt cx="0" cy="0"/>
+        </a:xfrm>
+      </p:grpSpPr>
+      <p:sp>
+        <p:nvSpPr>
+          <p:cNvPr id="2" name="Slide Image Placeholder 1"/>
+          <p:cNvSpPr>
+            <a:spLocks noGrp="1" noRot="1" noChangeAspect="1"/>
+          </p:cNvSpPr>
+          <p:nvPr>
+            <p:ph type="sldImg"/>
+          </p:nvPr>
+        </p:nvSpPr>
+        <p:spPr/>
+      </p:sp>
+      <p:sp>
+        <p:nvSpPr>
+          <p:cNvPr id="3" name="Notes Placeholder 2"/>
+          <p:cNvSpPr>
+            <a:spLocks noGrp="1"/>
+          </p:cNvSpPr>
+          <p:nvPr>
+            <p:ph type="body" idx="1"/>
+          </p:nvPr>
+        </p:nvSpPr>
+        <p:spPr/>
+        <p:txBody>
+          <a:bodyPr/>
+          <a:lstStyle/>
+          <a:p>
+            <a:endParaRPr lang="en-US"/>
+          </a:p>
+        </p:txBody>
+      </p:sp>
+      <p:sp>
+        <p:nvSpPr>
+          <p:cNvPr id="4" name="Slide Number Placeholder 3"/>
+          <p:cNvSpPr>
+            <a:spLocks noGrp="1"/>
+          </p:cNvSpPr>
+          <p:nvPr>
+            <p:ph type="sldNum" sz="quarter" idx="10"/>
+          </p:nvPr>
+        </p:nvSpPr>
+        <p:spPr/>
+        <p:txBody>
+          <a:bodyPr/>
+          <a:lstStyle/>
+          <a:p>
+            <a:pPr>
+              <a:defRPr/>
+            </a:pPr>
+            <a:fld id="{57CDD2FB-05E6-4D8F-A577-F6AF03D6727E}" type="slidenum">
+              <a:rPr lang="en-US" smtClean="0"/>
+              <a:pPr>
+                <a:defRPr/>
+              </a:pPr>
+              <a:t>17</a:t>
+            </a:fld>
+            <a:endParaRPr lang="en-US"/>
+          </a:p>
+        </p:txBody>
+      </p:sp>
+    </p:spTree>
+    <p:extLst>
+      <p:ext uri="{BB962C8B-B14F-4D97-AF65-F5344CB8AC3E}">
+        <p14:creationId xmlns:p14="http://schemas.microsoft.com/office/powerpoint/2010/main" val="1707221514"/>
+      </p:ext>
+    </p:extLst>
+  </p:cSld>
+  <p:clrMapOvr>
+    <a:masterClrMapping/>
+  </p:clrMapOvr>
+</p:notes>
+</file>
+
+<file path=ppt/notesSlides/notesSlide18.xml><?xml version="1.0" encoding="utf-8"?>
+<p:notes xmlns:a="http://schemas.openxmlformats.org/drawingml/2006/main" xmlns:r="http://schemas.openxmlformats.org/officeDocument/2006/relationships" xmlns:p="http://schemas.openxmlformats.org/presentationml/2006/main">
+  <p:cSld>
+    <p:spTree>
+      <p:nvGrpSpPr>
+        <p:cNvPr id="1" name=""/>
+        <p:cNvGrpSpPr/>
+        <p:nvPr/>
+      </p:nvGrpSpPr>
+      <p:grpSpPr>
+        <a:xfrm>
+          <a:off x="0" y="0"/>
+          <a:ext cx="0" cy="0"/>
+          <a:chOff x="0" y="0"/>
+          <a:chExt cx="0" cy="0"/>
+        </a:xfrm>
+      </p:grpSpPr>
+      <p:sp>
+        <p:nvSpPr>
+          <p:cNvPr id="2" name="Slide Image Placeholder 1"/>
+          <p:cNvSpPr>
+            <a:spLocks noGrp="1" noRot="1" noChangeAspect="1"/>
+          </p:cNvSpPr>
+          <p:nvPr>
+            <p:ph type="sldImg"/>
+          </p:nvPr>
+        </p:nvSpPr>
+        <p:spPr/>
+      </p:sp>
+      <p:sp>
+        <p:nvSpPr>
+          <p:cNvPr id="3" name="Notes Placeholder 2"/>
+          <p:cNvSpPr>
+            <a:spLocks noGrp="1"/>
+          </p:cNvSpPr>
+          <p:nvPr>
+            <p:ph type="body" idx="1"/>
+          </p:nvPr>
+        </p:nvSpPr>
+        <p:spPr/>
+        <p:txBody>
+          <a:bodyPr/>
+          <a:lstStyle/>
+          <a:p>
+            <a:endParaRPr lang="en-US"/>
+          </a:p>
+        </p:txBody>
+      </p:sp>
+      <p:sp>
+        <p:nvSpPr>
+          <p:cNvPr id="4" name="Slide Number Placeholder 3"/>
+          <p:cNvSpPr>
+            <a:spLocks noGrp="1"/>
+          </p:cNvSpPr>
+          <p:nvPr>
+            <p:ph type="sldNum" sz="quarter" idx="10"/>
+          </p:nvPr>
+        </p:nvSpPr>
+        <p:spPr/>
+        <p:txBody>
+          <a:bodyPr/>
+          <a:lstStyle/>
+          <a:p>
+            <a:pPr>
+              <a:defRPr/>
+            </a:pPr>
+            <a:fld id="{57CDD2FB-05E6-4D8F-A577-F6AF03D6727E}" type="slidenum">
+              <a:rPr lang="en-US" smtClean="0"/>
+              <a:pPr>
+                <a:defRPr/>
+              </a:pPr>
+              <a:t>18</a:t>
+            </a:fld>
+            <a:endParaRPr lang="en-US"/>
+          </a:p>
+        </p:txBody>
+      </p:sp>
+    </p:spTree>
+    <p:extLst>
+      <p:ext uri="{BB962C8B-B14F-4D97-AF65-F5344CB8AC3E}">
+        <p14:creationId xmlns:p14="http://schemas.microsoft.com/office/powerpoint/2010/main" val="231486913"/>
+      </p:ext>
+    </p:extLst>
+  </p:cSld>
+  <p:clrMapOvr>
+    <a:masterClrMapping/>
+  </p:clrMapOvr>
+</p:notes>
+</file>
+
+<file path=ppt/notesSlides/notesSlide19.xml><?xml version="1.0" encoding="utf-8"?>
+<p:notes xmlns:a="http://schemas.openxmlformats.org/drawingml/2006/main" xmlns:r="http://schemas.openxmlformats.org/officeDocument/2006/relationships" xmlns:p="http://schemas.openxmlformats.org/presentationml/2006/main">
+  <p:cSld>
+    <p:spTree>
+      <p:nvGrpSpPr>
+        <p:cNvPr id="1" name=""/>
+        <p:cNvGrpSpPr/>
+        <p:nvPr/>
+      </p:nvGrpSpPr>
+      <p:grpSpPr>
+        <a:xfrm>
+          <a:off x="0" y="0"/>
+          <a:ext cx="0" cy="0"/>
+          <a:chOff x="0" y="0"/>
+          <a:chExt cx="0" cy="0"/>
+        </a:xfrm>
+      </p:grpSpPr>
+      <p:sp>
+        <p:nvSpPr>
+          <p:cNvPr id="2" name="Slide Image Placeholder 1"/>
+          <p:cNvSpPr>
+            <a:spLocks noGrp="1" noRot="1" noChangeAspect="1"/>
+          </p:cNvSpPr>
+          <p:nvPr>
+            <p:ph type="sldImg"/>
+          </p:nvPr>
+        </p:nvSpPr>
+        <p:spPr/>
+      </p:sp>
+      <p:sp>
+        <p:nvSpPr>
+          <p:cNvPr id="3" name="Notes Placeholder 2"/>
+          <p:cNvSpPr>
+            <a:spLocks noGrp="1"/>
+          </p:cNvSpPr>
+          <p:nvPr>
+            <p:ph type="body" idx="1"/>
+          </p:nvPr>
+        </p:nvSpPr>
+        <p:spPr/>
+        <p:txBody>
+          <a:bodyPr/>
+          <a:lstStyle/>
+          <a:p>
+            <a:endParaRPr lang="en-US"/>
+          </a:p>
+        </p:txBody>
+      </p:sp>
+      <p:sp>
+        <p:nvSpPr>
+          <p:cNvPr id="4" name="Slide Number Placeholder 3"/>
+          <p:cNvSpPr>
+            <a:spLocks noGrp="1"/>
+          </p:cNvSpPr>
+          <p:nvPr>
+            <p:ph type="sldNum" sz="quarter" idx="10"/>
+          </p:nvPr>
+        </p:nvSpPr>
+        <p:spPr/>
+        <p:txBody>
+          <a:bodyPr/>
+          <a:lstStyle/>
+          <a:p>
+            <a:pPr>
+              <a:defRPr/>
+            </a:pPr>
+            <a:fld id="{57CDD2FB-05E6-4D8F-A577-F6AF03D6727E}" type="slidenum">
+              <a:rPr lang="en-US" smtClean="0"/>
+              <a:pPr>
+                <a:defRPr/>
+              </a:pPr>
+              <a:t>19</a:t>
+            </a:fld>
+            <a:endParaRPr lang="en-US"/>
+          </a:p>
+        </p:txBody>
+      </p:sp>
+    </p:spTree>
+    <p:extLst>
+      <p:ext uri="{BB962C8B-B14F-4D97-AF65-F5344CB8AC3E}">
+        <p14:creationId xmlns:p14="http://schemas.microsoft.com/office/powerpoint/2010/main" val="1060645121"/>
+      </p:ext>
+    </p:extLst>
+  </p:cSld>
+  <p:clrMapOvr>
+    <a:masterClrMapping/>
+  </p:clrMapOvr>
+</p:notes>
+</file>
+
+<file path=ppt/notesSlides/notesSlide2.xml><?xml version="1.0" encoding="utf-8"?>
+<p:notes xmlns:a="http://schemas.openxmlformats.org/drawingml/2006/main" xmlns:r="http://schemas.openxmlformats.org/officeDocument/2006/relationships" xmlns:p="http://schemas.openxmlformats.org/presentationml/2006/main">
+  <p:cSld>
+    <p:spTree>
+      <p:nvGrpSpPr>
+        <p:cNvPr id="1" name=""/>
+        <p:cNvGrpSpPr/>
+        <p:nvPr/>
+      </p:nvGrpSpPr>
+      <p:grpSpPr>
+        <a:xfrm>
+          <a:off x="0" y="0"/>
+          <a:ext cx="0" cy="0"/>
+          <a:chOff x="0" y="0"/>
+          <a:chExt cx="0" cy="0"/>
+        </a:xfrm>
+      </p:grpSpPr>
+      <p:sp>
+        <p:nvSpPr>
+          <p:cNvPr id="2" name="Slide Image Placeholder 1"/>
+          <p:cNvSpPr>
+            <a:spLocks noGrp="1" noRot="1" noChangeAspect="1"/>
+          </p:cNvSpPr>
+          <p:nvPr>
+            <p:ph type="sldImg"/>
+          </p:nvPr>
+        </p:nvSpPr>
+        <p:spPr/>
+      </p:sp>
+      <p:sp>
+        <p:nvSpPr>
+          <p:cNvPr id="3" name="Notes Placeholder 2"/>
+          <p:cNvSpPr>
+            <a:spLocks noGrp="1"/>
+          </p:cNvSpPr>
+          <p:nvPr>
+            <p:ph type="body" idx="1"/>
+          </p:nvPr>
+        </p:nvSpPr>
+        <p:spPr/>
+        <p:txBody>
+          <a:bodyPr/>
+          <a:lstStyle/>
+          <a:p>
+            <a:endParaRPr lang="en-US"/>
+          </a:p>
+        </p:txBody>
+      </p:sp>
+      <p:sp>
+        <p:nvSpPr>
+          <p:cNvPr id="4" name="Slide Number Placeholder 3"/>
+          <p:cNvSpPr>
+            <a:spLocks noGrp="1"/>
+          </p:cNvSpPr>
+          <p:nvPr>
+            <p:ph type="sldNum" sz="quarter" idx="10"/>
+          </p:nvPr>
+        </p:nvSpPr>
+        <p:spPr/>
+        <p:txBody>
+          <a:bodyPr/>
+          <a:lstStyle/>
+          <a:p>
+            <a:pPr>
+              <a:defRPr/>
+            </a:pPr>
+            <a:fld id="{57CDD2FB-05E6-4D8F-A577-F6AF03D6727E}" type="slidenum">
+              <a:rPr lang="en-US" smtClean="0"/>
+              <a:pPr>
+                <a:defRPr/>
+              </a:pPr>
+              <a:t>2</a:t>
+            </a:fld>
+            <a:endParaRPr lang="en-US"/>
+          </a:p>
+        </p:txBody>
+      </p:sp>
+    </p:spTree>
+    <p:extLst>
+      <p:ext uri="{BB962C8B-B14F-4D97-AF65-F5344CB8AC3E}">
+        <p14:creationId xmlns:p14="http://schemas.microsoft.com/office/powerpoint/2010/main" val="1288778991"/>
+      </p:ext>
+    </p:extLst>
+  </p:cSld>
+  <p:clrMapOvr>
+    <a:masterClrMapping/>
+  </p:clrMapOvr>
+</p:notes>
+</file>
+
+<file path=ppt/notesSlides/notesSlide20.xml><?xml version="1.0" encoding="utf-8"?>
+<p:notes xmlns:a="http://schemas.openxmlformats.org/drawingml/2006/main" xmlns:r="http://schemas.openxmlformats.org/officeDocument/2006/relationships" xmlns:p="http://schemas.openxmlformats.org/presentationml/2006/main">
+  <p:cSld>
+    <p:spTree>
+      <p:nvGrpSpPr>
+        <p:cNvPr id="1" name=""/>
+        <p:cNvGrpSpPr/>
+        <p:nvPr/>
+      </p:nvGrpSpPr>
+      <p:grpSpPr>
+        <a:xfrm>
+          <a:off x="0" y="0"/>
+          <a:ext cx="0" cy="0"/>
+          <a:chOff x="0" y="0"/>
+          <a:chExt cx="0" cy="0"/>
+        </a:xfrm>
+      </p:grpSpPr>
+      <p:sp>
+        <p:nvSpPr>
+          <p:cNvPr id="2" name="Slide Image Placeholder 1"/>
+          <p:cNvSpPr>
+            <a:spLocks noGrp="1" noRot="1" noChangeAspect="1"/>
+          </p:cNvSpPr>
+          <p:nvPr>
+            <p:ph type="sldImg"/>
+          </p:nvPr>
+        </p:nvSpPr>
+        <p:spPr/>
+      </p:sp>
+      <p:sp>
+        <p:nvSpPr>
+          <p:cNvPr id="3" name="Notes Placeholder 2"/>
+          <p:cNvSpPr>
+            <a:spLocks noGrp="1"/>
+          </p:cNvSpPr>
+          <p:nvPr>
+            <p:ph type="body" idx="1"/>
+          </p:nvPr>
+        </p:nvSpPr>
+        <p:spPr/>
+        <p:txBody>
+          <a:bodyPr/>
+          <a:lstStyle/>
+          <a:p>
+            <a:endParaRPr lang="en-US"/>
+          </a:p>
+        </p:txBody>
+      </p:sp>
+      <p:sp>
+        <p:nvSpPr>
+          <p:cNvPr id="4" name="Slide Number Placeholder 3"/>
+          <p:cNvSpPr>
+            <a:spLocks noGrp="1"/>
+          </p:cNvSpPr>
+          <p:nvPr>
+            <p:ph type="sldNum" sz="quarter" idx="10"/>
+          </p:nvPr>
+        </p:nvSpPr>
+        <p:spPr/>
+        <p:txBody>
+          <a:bodyPr/>
+          <a:lstStyle/>
+          <a:p>
+            <a:pPr>
+              <a:defRPr/>
+            </a:pPr>
+            <a:fld id="{57CDD2FB-05E6-4D8F-A577-F6AF03D6727E}" type="slidenum">
+              <a:rPr lang="en-US" smtClean="0"/>
+              <a:pPr>
+                <a:defRPr/>
+              </a:pPr>
+              <a:t>20</a:t>
+            </a:fld>
+            <a:endParaRPr lang="en-US"/>
+          </a:p>
+        </p:txBody>
+      </p:sp>
+    </p:spTree>
+    <p:extLst>
+      <p:ext uri="{BB962C8B-B14F-4D97-AF65-F5344CB8AC3E}">
+        <p14:creationId xmlns:p14="http://schemas.microsoft.com/office/powerpoint/2010/main" val="3119696793"/>
+      </p:ext>
+    </p:extLst>
+  </p:cSld>
+  <p:clrMapOvr>
+    <a:masterClrMapping/>
+  </p:clrMapOvr>
+</p:notes>
+</file>
+
+<file path=ppt/notesSlides/notesSlide21.xml><?xml version="1.0" encoding="utf-8"?>
+<p:notes xmlns:a="http://schemas.openxmlformats.org/drawingml/2006/main" xmlns:r="http://schemas.openxmlformats.org/officeDocument/2006/relationships" xmlns:p="http://schemas.openxmlformats.org/presentationml/2006/main">
+  <p:cSld>
+    <p:spTree>
+      <p:nvGrpSpPr>
+        <p:cNvPr id="1" name=""/>
+        <p:cNvGrpSpPr/>
+        <p:nvPr/>
+      </p:nvGrpSpPr>
+      <p:grpSpPr>
+        <a:xfrm>
+          <a:off x="0" y="0"/>
+          <a:ext cx="0" cy="0"/>
+          <a:chOff x="0" y="0"/>
+          <a:chExt cx="0" cy="0"/>
+        </a:xfrm>
+      </p:grpSpPr>
+      <p:sp>
+        <p:nvSpPr>
+          <p:cNvPr id="2" name="Slide Image Placeholder 1"/>
+          <p:cNvSpPr>
+            <a:spLocks noGrp="1" noRot="1" noChangeAspect="1"/>
+          </p:cNvSpPr>
+          <p:nvPr>
+            <p:ph type="sldImg"/>
+          </p:nvPr>
+        </p:nvSpPr>
+        <p:spPr/>
+      </p:sp>
+      <p:sp>
+        <p:nvSpPr>
+          <p:cNvPr id="3" name="Notes Placeholder 2"/>
+          <p:cNvSpPr>
+            <a:spLocks noGrp="1"/>
+          </p:cNvSpPr>
+          <p:nvPr>
+            <p:ph type="body" idx="1"/>
+          </p:nvPr>
+        </p:nvSpPr>
+        <p:spPr/>
+        <p:txBody>
+          <a:bodyPr/>
+          <a:lstStyle/>
+          <a:p>
+            <a:endParaRPr lang="en-US"/>
+          </a:p>
+        </p:txBody>
+      </p:sp>
+      <p:sp>
+        <p:nvSpPr>
+          <p:cNvPr id="4" name="Slide Number Placeholder 3"/>
+          <p:cNvSpPr>
+            <a:spLocks noGrp="1"/>
+          </p:cNvSpPr>
+          <p:nvPr>
+            <p:ph type="sldNum" sz="quarter" idx="10"/>
+          </p:nvPr>
+        </p:nvSpPr>
+        <p:spPr/>
+        <p:txBody>
+          <a:bodyPr/>
+          <a:lstStyle/>
+          <a:p>
+            <a:pPr>
+              <a:defRPr/>
+            </a:pPr>
+            <a:fld id="{57CDD2FB-05E6-4D8F-A577-F6AF03D6727E}" type="slidenum">
+              <a:rPr lang="en-US" smtClean="0"/>
+              <a:pPr>
+                <a:defRPr/>
+              </a:pPr>
+              <a:t>21</a:t>
+            </a:fld>
+            <a:endParaRPr lang="en-US"/>
+          </a:p>
+        </p:txBody>
+      </p:sp>
+    </p:spTree>
+    <p:extLst>
+      <p:ext uri="{BB962C8B-B14F-4D97-AF65-F5344CB8AC3E}">
+        <p14:creationId xmlns:p14="http://schemas.microsoft.com/office/powerpoint/2010/main" val="1949810211"/>
+      </p:ext>
+    </p:extLst>
+  </p:cSld>
+  <p:clrMapOvr>
+    <a:masterClrMapping/>
+  </p:clrMapOvr>
+</p:notes>
+</file>
+
+<file path=ppt/notesSlides/notesSlide22.xml><?xml version="1.0" encoding="utf-8"?>
+<p:notes xmlns:a="http://schemas.openxmlformats.org/drawingml/2006/main" xmlns:r="http://schemas.openxmlformats.org/officeDocument/2006/relationships" xmlns:p="http://schemas.openxmlformats.org/presentationml/2006/main">
+  <p:cSld>
+    <p:spTree>
+      <p:nvGrpSpPr>
+        <p:cNvPr id="1" name=""/>
+        <p:cNvGrpSpPr/>
+        <p:nvPr/>
+      </p:nvGrpSpPr>
+      <p:grpSpPr>
+        <a:xfrm>
+          <a:off x="0" y="0"/>
+          <a:ext cx="0" cy="0"/>
+          <a:chOff x="0" y="0"/>
+          <a:chExt cx="0" cy="0"/>
+        </a:xfrm>
+      </p:grpSpPr>
+      <p:sp>
+        <p:nvSpPr>
+          <p:cNvPr id="2" name="Slide Image Placeholder 1"/>
+          <p:cNvSpPr>
+            <a:spLocks noGrp="1" noRot="1" noChangeAspect="1"/>
+          </p:cNvSpPr>
+          <p:nvPr>
+            <p:ph type="sldImg"/>
+          </p:nvPr>
+        </p:nvSpPr>
+        <p:spPr/>
+      </p:sp>
+      <p:sp>
+        <p:nvSpPr>
+          <p:cNvPr id="3" name="Notes Placeholder 2"/>
+          <p:cNvSpPr>
+            <a:spLocks noGrp="1"/>
+          </p:cNvSpPr>
+          <p:nvPr>
+            <p:ph type="body" idx="1"/>
+          </p:nvPr>
+        </p:nvSpPr>
+        <p:spPr/>
+        <p:txBody>
+          <a:bodyPr/>
+          <a:lstStyle/>
+          <a:p>
+            <a:endParaRPr lang="en-US"/>
+          </a:p>
+        </p:txBody>
+      </p:sp>
+      <p:sp>
+        <p:nvSpPr>
+          <p:cNvPr id="4" name="Slide Number Placeholder 3"/>
+          <p:cNvSpPr>
+            <a:spLocks noGrp="1"/>
+          </p:cNvSpPr>
+          <p:nvPr>
+            <p:ph type="sldNum" sz="quarter" idx="10"/>
+          </p:nvPr>
+        </p:nvSpPr>
+        <p:spPr/>
+        <p:txBody>
+          <a:bodyPr/>
+          <a:lstStyle/>
+          <a:p>
+            <a:pPr>
+              <a:defRPr/>
+            </a:pPr>
+            <a:fld id="{57CDD2FB-05E6-4D8F-A577-F6AF03D6727E}" type="slidenum">
+              <a:rPr lang="en-US" smtClean="0"/>
+              <a:pPr>
+                <a:defRPr/>
+              </a:pPr>
+              <a:t>22</a:t>
+            </a:fld>
+            <a:endParaRPr lang="en-US"/>
+          </a:p>
+        </p:txBody>
+      </p:sp>
+    </p:spTree>
+    <p:extLst>
+      <p:ext uri="{BB962C8B-B14F-4D97-AF65-F5344CB8AC3E}">
+        <p14:creationId xmlns:p14="http://schemas.microsoft.com/office/powerpoint/2010/main" val="4254066141"/>
+      </p:ext>
+    </p:extLst>
+  </p:cSld>
+  <p:clrMapOvr>
+    <a:masterClrMapping/>
+  </p:clrMapOvr>
+</p:notes>
+</file>
+
+<file path=ppt/notesSlides/notesSlide3.xml><?xml version="1.0" encoding="utf-8"?>
+<p:notes xmlns:a="http://schemas.openxmlformats.org/drawingml/2006/main" xmlns:r="http://schemas.openxmlformats.org/officeDocument/2006/relationships" xmlns:p="http://schemas.openxmlformats.org/presentationml/2006/main">
+  <p:cSld>
+    <p:spTree>
+      <p:nvGrpSpPr>
+        <p:cNvPr id="1" name=""/>
+        <p:cNvGrpSpPr/>
+        <p:nvPr/>
+      </p:nvGrpSpPr>
+      <p:grpSpPr>
+        <a:xfrm>
+          <a:off x="0" y="0"/>
+          <a:ext cx="0" cy="0"/>
+          <a:chOff x="0" y="0"/>
+          <a:chExt cx="0" cy="0"/>
+        </a:xfrm>
+      </p:grpSpPr>
+      <p:sp>
+        <p:nvSpPr>
+          <p:cNvPr id="2" name="Slide Image Placeholder 1"/>
+          <p:cNvSpPr>
+            <a:spLocks noGrp="1" noRot="1" noChangeAspect="1"/>
+          </p:cNvSpPr>
+          <p:nvPr>
+            <p:ph type="sldImg"/>
+          </p:nvPr>
+        </p:nvSpPr>
+        <p:spPr/>
+      </p:sp>
+      <p:sp>
+        <p:nvSpPr>
+          <p:cNvPr id="3" name="Notes Placeholder 2"/>
+          <p:cNvSpPr>
+            <a:spLocks noGrp="1"/>
+          </p:cNvSpPr>
+          <p:nvPr>
+            <p:ph type="body" idx="1"/>
+          </p:nvPr>
+        </p:nvSpPr>
+        <p:spPr/>
+        <p:txBody>
+          <a:bodyPr/>
+          <a:lstStyle/>
+          <a:p>
+            <a:endParaRPr lang="en-US"/>
+          </a:p>
+        </p:txBody>
+      </p:sp>
+      <p:sp>
+        <p:nvSpPr>
+          <p:cNvPr id="4" name="Slide Number Placeholder 3"/>
+          <p:cNvSpPr>
+            <a:spLocks noGrp="1"/>
+          </p:cNvSpPr>
+          <p:nvPr>
+            <p:ph type="sldNum" sz="quarter" idx="10"/>
+          </p:nvPr>
+        </p:nvSpPr>
+        <p:spPr/>
+        <p:txBody>
+          <a:bodyPr/>
+          <a:lstStyle/>
+          <a:p>
+            <a:pPr>
+              <a:defRPr/>
+            </a:pPr>
+            <a:fld id="{57CDD2FB-05E6-4D8F-A577-F6AF03D6727E}" type="slidenum">
+              <a:rPr lang="en-US" smtClean="0"/>
+              <a:pPr>
+                <a:defRPr/>
+              </a:pPr>
+              <a:t>3</a:t>
+            </a:fld>
+            <a:endParaRPr lang="en-US"/>
+          </a:p>
+        </p:txBody>
+      </p:sp>
+    </p:spTree>
+    <p:extLst>
+      <p:ext uri="{BB962C8B-B14F-4D97-AF65-F5344CB8AC3E}">
+        <p14:creationId xmlns:p14="http://schemas.microsoft.com/office/powerpoint/2010/main" val="1288778991"/>
+      </p:ext>
+    </p:extLst>
+  </p:cSld>
+  <p:clrMapOvr>
+    <a:masterClrMapping/>
+  </p:clrMapOvr>
+</p:notes>
+</file>
+
+<file path=ppt/notesSlides/notesSlide4.xml><?xml version="1.0" encoding="utf-8"?>
+<p:notes xmlns:a="http://schemas.openxmlformats.org/drawingml/2006/main" xmlns:r="http://schemas.openxmlformats.org/officeDocument/2006/relationships" xmlns:p="http://schemas.openxmlformats.org/presentationml/2006/main">
+  <p:cSld>
+    <p:spTree>
+      <p:nvGrpSpPr>
+        <p:cNvPr id="1" name=""/>
+        <p:cNvGrpSpPr/>
+        <p:nvPr/>
+      </p:nvGrpSpPr>
+      <p:grpSpPr>
+        <a:xfrm>
+          <a:off x="0" y="0"/>
+          <a:ext cx="0" cy="0"/>
+          <a:chOff x="0" y="0"/>
+          <a:chExt cx="0" cy="0"/>
+        </a:xfrm>
+      </p:grpSpPr>
+      <p:sp>
+        <p:nvSpPr>
+          <p:cNvPr id="2" name="Slide Image Placeholder 1"/>
+          <p:cNvSpPr>
+            <a:spLocks noGrp="1" noRot="1" noChangeAspect="1"/>
+          </p:cNvSpPr>
+          <p:nvPr>
+            <p:ph type="sldImg"/>
+          </p:nvPr>
+        </p:nvSpPr>
+        <p:spPr/>
+      </p:sp>
+      <p:sp>
+        <p:nvSpPr>
+          <p:cNvPr id="3" name="Notes Placeholder 2"/>
+          <p:cNvSpPr>
+            <a:spLocks noGrp="1"/>
+          </p:cNvSpPr>
+          <p:nvPr>
+            <p:ph type="body" idx="1"/>
+          </p:nvPr>
+        </p:nvSpPr>
+        <p:spPr/>
+        <p:txBody>
+          <a:bodyPr/>
+          <a:lstStyle/>
+          <a:p>
+            <a:endParaRPr lang="en-US"/>
+          </a:p>
+        </p:txBody>
+      </p:sp>
+      <p:sp>
+        <p:nvSpPr>
+          <p:cNvPr id="4" name="Slide Number Placeholder 3"/>
+          <p:cNvSpPr>
+            <a:spLocks noGrp="1"/>
+          </p:cNvSpPr>
+          <p:nvPr>
+            <p:ph type="sldNum" sz="quarter" idx="10"/>
+          </p:nvPr>
+        </p:nvSpPr>
+        <p:spPr/>
+        <p:txBody>
+          <a:bodyPr/>
+          <a:lstStyle/>
+          <a:p>
+            <a:pPr>
+              <a:defRPr/>
+            </a:pPr>
+            <a:fld id="{57CDD2FB-05E6-4D8F-A577-F6AF03D6727E}" type="slidenum">
+              <a:rPr lang="en-US" smtClean="0"/>
+              <a:pPr>
+                <a:defRPr/>
+              </a:pPr>
+              <a:t>4</a:t>
+            </a:fld>
+            <a:endParaRPr lang="en-US"/>
+          </a:p>
+        </p:txBody>
+      </p:sp>
+    </p:spTree>
+    <p:extLst>
+      <p:ext uri="{BB962C8B-B14F-4D97-AF65-F5344CB8AC3E}">
+        <p14:creationId xmlns:p14="http://schemas.microsoft.com/office/powerpoint/2010/main" val="1974562057"/>
+      </p:ext>
+    </p:extLst>
+  </p:cSld>
+  <p:clrMapOvr>
+    <a:masterClrMapping/>
+  </p:clrMapOvr>
+</p:notes>
+</file>
+
+<file path=ppt/notesSlides/notesSlide5.xml><?xml version="1.0" encoding="utf-8"?>
+<p:notes xmlns:a="http://schemas.openxmlformats.org/drawingml/2006/main" xmlns:r="http://schemas.openxmlformats.org/officeDocument/2006/relationships" xmlns:p="http://schemas.openxmlformats.org/presentationml/2006/main">
+  <p:cSld>
+    <p:spTree>
+      <p:nvGrpSpPr>
+        <p:cNvPr id="1" name=""/>
+        <p:cNvGrpSpPr/>
+        <p:nvPr/>
+      </p:nvGrpSpPr>
+      <p:grpSpPr>
+        <a:xfrm>
+          <a:off x="0" y="0"/>
+          <a:ext cx="0" cy="0"/>
+          <a:chOff x="0" y="0"/>
+          <a:chExt cx="0" cy="0"/>
+        </a:xfrm>
+      </p:grpSpPr>
+      <p:sp>
+        <p:nvSpPr>
+          <p:cNvPr id="2" name="Slide Image Placeholder 1"/>
+          <p:cNvSpPr>
+            <a:spLocks noGrp="1" noRot="1" noChangeAspect="1"/>
+          </p:cNvSpPr>
+          <p:nvPr>
+            <p:ph type="sldImg"/>
+          </p:nvPr>
+        </p:nvSpPr>
+        <p:spPr/>
+      </p:sp>
+      <p:sp>
+        <p:nvSpPr>
+          <p:cNvPr id="3" name="Notes Placeholder 2"/>
+          <p:cNvSpPr>
+            <a:spLocks noGrp="1"/>
+          </p:cNvSpPr>
+          <p:nvPr>
+            <p:ph type="body" idx="1"/>
+          </p:nvPr>
+        </p:nvSpPr>
+        <p:spPr/>
+        <p:txBody>
+          <a:bodyPr/>
+          <a:lstStyle/>
+          <a:p>
+            <a:endParaRPr lang="en-US"/>
+          </a:p>
+        </p:txBody>
+      </p:sp>
+      <p:sp>
+        <p:nvSpPr>
+          <p:cNvPr id="4" name="Slide Number Placeholder 3"/>
+          <p:cNvSpPr>
+            <a:spLocks noGrp="1"/>
+          </p:cNvSpPr>
+          <p:nvPr>
+            <p:ph type="sldNum" sz="quarter" idx="10"/>
+          </p:nvPr>
+        </p:nvSpPr>
+        <p:spPr/>
+        <p:txBody>
+          <a:bodyPr/>
+          <a:lstStyle/>
+          <a:p>
+            <a:pPr>
+              <a:defRPr/>
+            </a:pPr>
+            <a:fld id="{57CDD2FB-05E6-4D8F-A577-F6AF03D6727E}" type="slidenum">
+              <a:rPr lang="en-US" smtClean="0"/>
+              <a:pPr>
+                <a:defRPr/>
+              </a:pPr>
+              <a:t>5</a:t>
+            </a:fld>
+            <a:endParaRPr lang="en-US"/>
+          </a:p>
+        </p:txBody>
+      </p:sp>
+    </p:spTree>
+    <p:extLst>
+      <p:ext uri="{BB962C8B-B14F-4D97-AF65-F5344CB8AC3E}">
+        <p14:creationId xmlns:p14="http://schemas.microsoft.com/office/powerpoint/2010/main" val="2520641898"/>
+      </p:ext>
+    </p:extLst>
+  </p:cSld>
+  <p:clrMapOvr>
+    <a:masterClrMapping/>
+  </p:clrMapOvr>
+</p:notes>
+</file>
+
+<file path=ppt/notesSlides/notesSlide6.xml><?xml version="1.0" encoding="utf-8"?>
+<p:notes xmlns:a="http://schemas.openxmlformats.org/drawingml/2006/main" xmlns:r="http://schemas.openxmlformats.org/officeDocument/2006/relationships" xmlns:p="http://schemas.openxmlformats.org/presentationml/2006/main">
+  <p:cSld>
+    <p:spTree>
+      <p:nvGrpSpPr>
+        <p:cNvPr id="1" name=""/>
+        <p:cNvGrpSpPr/>
+        <p:nvPr/>
+      </p:nvGrpSpPr>
+      <p:grpSpPr>
+        <a:xfrm>
+          <a:off x="0" y="0"/>
+          <a:ext cx="0" cy="0"/>
+          <a:chOff x="0" y="0"/>
+          <a:chExt cx="0" cy="0"/>
+        </a:xfrm>
+      </p:grpSpPr>
+      <p:sp>
+        <p:nvSpPr>
+          <p:cNvPr id="2" name="Slide Image Placeholder 1"/>
+          <p:cNvSpPr>
+            <a:spLocks noGrp="1" noRot="1" noChangeAspect="1"/>
+          </p:cNvSpPr>
+          <p:nvPr>
+            <p:ph type="sldImg"/>
+          </p:nvPr>
+        </p:nvSpPr>
+        <p:spPr/>
+      </p:sp>
+      <p:sp>
+        <p:nvSpPr>
+          <p:cNvPr id="3" name="Notes Placeholder 2"/>
+          <p:cNvSpPr>
+            <a:spLocks noGrp="1"/>
+          </p:cNvSpPr>
+          <p:nvPr>
+            <p:ph type="body" idx="1"/>
+          </p:nvPr>
+        </p:nvSpPr>
+        <p:spPr/>
+        <p:txBody>
+          <a:bodyPr/>
+          <a:lstStyle/>
+          <a:p>
+            <a:endParaRPr lang="en-US"/>
+          </a:p>
+        </p:txBody>
+      </p:sp>
+      <p:sp>
+        <p:nvSpPr>
+          <p:cNvPr id="4" name="Slide Number Placeholder 3"/>
+          <p:cNvSpPr>
+            <a:spLocks noGrp="1"/>
+          </p:cNvSpPr>
+          <p:nvPr>
+            <p:ph type="sldNum" sz="quarter" idx="10"/>
+          </p:nvPr>
+        </p:nvSpPr>
+        <p:spPr/>
+        <p:txBody>
+          <a:bodyPr/>
+          <a:lstStyle/>
+          <a:p>
+            <a:pPr>
+              <a:defRPr/>
+            </a:pPr>
+            <a:fld id="{57CDD2FB-05E6-4D8F-A577-F6AF03D6727E}" type="slidenum">
+              <a:rPr lang="en-US" smtClean="0"/>
+              <a:pPr>
+                <a:defRPr/>
+              </a:pPr>
+              <a:t>6</a:t>
+            </a:fld>
+            <a:endParaRPr lang="en-US"/>
+          </a:p>
+        </p:txBody>
+      </p:sp>
+    </p:spTree>
+    <p:extLst>
+      <p:ext uri="{BB962C8B-B14F-4D97-AF65-F5344CB8AC3E}">
+        <p14:creationId xmlns:p14="http://schemas.microsoft.com/office/powerpoint/2010/main" val="964034766"/>
+      </p:ext>
+    </p:extLst>
+  </p:cSld>
+  <p:clrMapOvr>
+    <a:masterClrMapping/>
+  </p:clrMapOvr>
+</p:notes>
+</file>
+
+<file path=ppt/notesSlides/notesSlide7.xml><?xml version="1.0" encoding="utf-8"?>
+<p:notes xmlns:a="http://schemas.openxmlformats.org/drawingml/2006/main" xmlns:r="http://schemas.openxmlformats.org/officeDocument/2006/relationships" xmlns:p="http://schemas.openxmlformats.org/presentationml/2006/main">
+  <p:cSld>
+    <p:spTree>
+      <p:nvGrpSpPr>
+        <p:cNvPr id="1" name=""/>
+        <p:cNvGrpSpPr/>
+        <p:nvPr/>
+      </p:nvGrpSpPr>
+      <p:grpSpPr>
+        <a:xfrm>
+          <a:off x="0" y="0"/>
+          <a:ext cx="0" cy="0"/>
+          <a:chOff x="0" y="0"/>
+          <a:chExt cx="0" cy="0"/>
+        </a:xfrm>
+      </p:grpSpPr>
+      <p:sp>
+        <p:nvSpPr>
+          <p:cNvPr id="2" name="Slide Image Placeholder 1"/>
+          <p:cNvSpPr>
+            <a:spLocks noGrp="1" noRot="1" noChangeAspect="1"/>
+          </p:cNvSpPr>
+          <p:nvPr>
+            <p:ph type="sldImg"/>
+          </p:nvPr>
+        </p:nvSpPr>
+        <p:spPr/>
+      </p:sp>
+      <p:sp>
+        <p:nvSpPr>
+          <p:cNvPr id="3" name="Notes Placeholder 2"/>
+          <p:cNvSpPr>
+            <a:spLocks noGrp="1"/>
+          </p:cNvSpPr>
+          <p:nvPr>
+            <p:ph type="body" idx="1"/>
+          </p:nvPr>
+        </p:nvSpPr>
+        <p:spPr/>
+        <p:txBody>
+          <a:bodyPr/>
+          <a:lstStyle/>
+          <a:p>
+            <a:endParaRPr lang="en-US"/>
+          </a:p>
+        </p:txBody>
+      </p:sp>
+      <p:sp>
+        <p:nvSpPr>
+          <p:cNvPr id="4" name="Slide Number Placeholder 3"/>
+          <p:cNvSpPr>
+            <a:spLocks noGrp="1"/>
+          </p:cNvSpPr>
+          <p:nvPr>
+            <p:ph type="sldNum" sz="quarter" idx="10"/>
+          </p:nvPr>
+        </p:nvSpPr>
+        <p:spPr/>
+        <p:txBody>
+          <a:bodyPr/>
+          <a:lstStyle/>
+          <a:p>
+            <a:pPr>
+              <a:defRPr/>
+            </a:pPr>
+            <a:fld id="{57CDD2FB-05E6-4D8F-A577-F6AF03D6727E}" type="slidenum">
+              <a:rPr lang="en-US" smtClean="0"/>
+              <a:pPr>
+                <a:defRPr/>
+              </a:pPr>
+              <a:t>7</a:t>
+            </a:fld>
+            <a:endParaRPr lang="en-US"/>
+          </a:p>
+        </p:txBody>
+      </p:sp>
+    </p:spTree>
+    <p:extLst>
+      <p:ext uri="{BB962C8B-B14F-4D97-AF65-F5344CB8AC3E}">
+        <p14:creationId xmlns:p14="http://schemas.microsoft.com/office/powerpoint/2010/main" val="4145676188"/>
+      </p:ext>
+    </p:extLst>
+  </p:cSld>
+  <p:clrMapOvr>
+    <a:masterClrMapping/>
+  </p:clrMapOvr>
+</p:notes>
+</file>
+
+<file path=ppt/notesSlides/notesSlide8.xml><?xml version="1.0" encoding="utf-8"?>
+<p:notes xmlns:a="http://schemas.openxmlformats.org/drawingml/2006/main" xmlns:r="http://schemas.openxmlformats.org/officeDocument/2006/relationships" xmlns:p="http://schemas.openxmlformats.org/presentationml/2006/main">
+  <p:cSld>
+    <p:spTree>
+      <p:nvGrpSpPr>
+        <p:cNvPr id="1" name=""/>
+        <p:cNvGrpSpPr/>
+        <p:nvPr/>
+      </p:nvGrpSpPr>
+      <p:grpSpPr>
+        <a:xfrm>
+          <a:off x="0" y="0"/>
+          <a:ext cx="0" cy="0"/>
+          <a:chOff x="0" y="0"/>
+          <a:chExt cx="0" cy="0"/>
+        </a:xfrm>
+      </p:grpSpPr>
+      <p:sp>
+        <p:nvSpPr>
+          <p:cNvPr id="2" name="Slide Image Placeholder 1"/>
+          <p:cNvSpPr>
+            <a:spLocks noGrp="1" noRot="1" noChangeAspect="1"/>
+          </p:cNvSpPr>
+          <p:nvPr>
+            <p:ph type="sldImg"/>
+          </p:nvPr>
+        </p:nvSpPr>
+        <p:spPr/>
+      </p:sp>
+      <p:sp>
+        <p:nvSpPr>
+          <p:cNvPr id="3" name="Notes Placeholder 2"/>
+          <p:cNvSpPr>
+            <a:spLocks noGrp="1"/>
+          </p:cNvSpPr>
+          <p:nvPr>
+            <p:ph type="body" idx="1"/>
+          </p:nvPr>
+        </p:nvSpPr>
+        <p:spPr/>
+        <p:txBody>
+          <a:bodyPr/>
+          <a:lstStyle/>
+          <a:p>
+            <a:endParaRPr lang="en-US"/>
+          </a:p>
+        </p:txBody>
+      </p:sp>
+      <p:sp>
+        <p:nvSpPr>
+          <p:cNvPr id="4" name="Slide Number Placeholder 3"/>
+          <p:cNvSpPr>
+            <a:spLocks noGrp="1"/>
+          </p:cNvSpPr>
+          <p:nvPr>
+            <p:ph type="sldNum" sz="quarter" idx="10"/>
+          </p:nvPr>
+        </p:nvSpPr>
+        <p:spPr/>
+        <p:txBody>
+          <a:bodyPr/>
+          <a:lstStyle/>
+          <a:p>
+            <a:pPr>
+              <a:defRPr/>
+            </a:pPr>
+            <a:fld id="{57CDD2FB-05E6-4D8F-A577-F6AF03D6727E}" type="slidenum">
+              <a:rPr lang="en-US" smtClean="0"/>
+              <a:pPr>
+                <a:defRPr/>
+              </a:pPr>
+              <a:t>8</a:t>
+            </a:fld>
+            <a:endParaRPr lang="en-US"/>
+          </a:p>
+        </p:txBody>
+      </p:sp>
+    </p:spTree>
+    <p:extLst>
+      <p:ext uri="{BB962C8B-B14F-4D97-AF65-F5344CB8AC3E}">
+        <p14:creationId xmlns:p14="http://schemas.microsoft.com/office/powerpoint/2010/main" val="2249845496"/>
+      </p:ext>
+    </p:extLst>
+  </p:cSld>
+  <p:clrMapOvr>
+    <a:masterClrMapping/>
+  </p:clrMapOvr>
+</p:notes>
+</file>
+
+<file path=ppt/notesSlides/notesSlide9.xml><?xml version="1.0" encoding="utf-8"?>
+<p:notes xmlns:a="http://schemas.openxmlformats.org/drawingml/2006/main" xmlns:r="http://schemas.openxmlformats.org/officeDocument/2006/relationships" xmlns:p="http://schemas.openxmlformats.org/presentationml/2006/main">
+  <p:cSld>
+    <p:spTree>
+      <p:nvGrpSpPr>
+        <p:cNvPr id="1" name=""/>
+        <p:cNvGrpSpPr/>
+        <p:nvPr/>
+      </p:nvGrpSpPr>
+      <p:grpSpPr>
+        <a:xfrm>
+          <a:off x="0" y="0"/>
+          <a:ext cx="0" cy="0"/>
+          <a:chOff x="0" y="0"/>
+          <a:chExt cx="0" cy="0"/>
+        </a:xfrm>
+      </p:grpSpPr>
+      <p:sp>
+        <p:nvSpPr>
+          <p:cNvPr id="2" name="Slide Image Placeholder 1"/>
+          <p:cNvSpPr>
+            <a:spLocks noGrp="1" noRot="1" noChangeAspect="1"/>
+          </p:cNvSpPr>
+          <p:nvPr>
+            <p:ph type="sldImg"/>
+          </p:nvPr>
+        </p:nvSpPr>
+        <p:spPr/>
+      </p:sp>
+      <p:sp>
+        <p:nvSpPr>
+          <p:cNvPr id="3" name="Notes Placeholder 2"/>
+          <p:cNvSpPr>
+            <a:spLocks noGrp="1"/>
+          </p:cNvSpPr>
+          <p:nvPr>
+            <p:ph type="body" idx="1"/>
+          </p:nvPr>
+        </p:nvSpPr>
+        <p:spPr/>
+        <p:txBody>
+          <a:bodyPr/>
+          <a:lstStyle/>
+          <a:p>
+            <a:endParaRPr lang="en-US"/>
+          </a:p>
+        </p:txBody>
+      </p:sp>
+      <p:sp>
+        <p:nvSpPr>
+          <p:cNvPr id="4" name="Slide Number Placeholder 3"/>
+          <p:cNvSpPr>
+            <a:spLocks noGrp="1"/>
+          </p:cNvSpPr>
+          <p:nvPr>
+            <p:ph type="sldNum" sz="quarter" idx="10"/>
+          </p:nvPr>
+        </p:nvSpPr>
+        <p:spPr/>
+        <p:txBody>
+          <a:bodyPr/>
+          <a:lstStyle/>
+          <a:p>
+            <a:pPr>
+              <a:defRPr/>
+            </a:pPr>
+            <a:fld id="{57CDD2FB-05E6-4D8F-A577-F6AF03D6727E}" type="slidenum">
+              <a:rPr lang="en-US" smtClean="0"/>
+              <a:pPr>
+                <a:defRPr/>
+              </a:pPr>
+              <a:t>9</a:t>
+            </a:fld>
+            <a:endParaRPr lang="en-US"/>
+          </a:p>
+        </p:txBody>
+      </p:sp>
+    </p:spTree>
+    <p:extLst>
+      <p:ext uri="{BB962C8B-B14F-4D97-AF65-F5344CB8AC3E}">
+        <p14:creationId xmlns:p14="http://schemas.microsoft.com/office/powerpoint/2010/main" val="2127549431"/>
+      </p:ext>
+    </p:extLst>
   </p:cSld>
   <p:clrMapOvr>
     <a:masterClrMapping/>
@@ -2665,6 +4556,550 @@
       </p:grpSpPr>
       <p:sp>
         <p:nvSpPr>
+          <p:cNvPr id="3" name="Slide Number Placeholder 2"/>
+          <p:cNvSpPr>
+            <a:spLocks noGrp="1"/>
+          </p:cNvSpPr>
+          <p:nvPr>
+            <p:ph type="sldNum" sz="quarter" idx="4"/>
+          </p:nvPr>
+        </p:nvSpPr>
+        <p:spPr>
+          <a:xfrm>
+            <a:off x="8127154" y="6553200"/>
+            <a:ext cx="1016850" cy="276999"/>
+          </a:xfrm>
+        </p:spPr>
+        <p:txBody>
+          <a:bodyPr/>
+          <a:lstStyle/>
+          <a:p>
+            <a:pPr>
+              <a:defRPr/>
+            </a:pPr>
+            <a:r>
+              <a:rPr lang="en-US" dirty="0" smtClean="0"/>
+              <a:t>DNF-CNF.</a:t>
+            </a:r>
+            <a:fld id="{068AF58D-0467-409E-A30A-0D5E3A2B197F}" type="slidenum">
+              <a:rPr lang="en-US" smtClean="0"/>
+              <a:pPr>
+                <a:defRPr/>
+              </a:pPr>
+              <a:t>10</a:t>
+            </a:fld>
+            <a:endParaRPr lang="en-US" dirty="0"/>
+          </a:p>
+        </p:txBody>
+      </p:sp>
+      <p:graphicFrame>
+        <p:nvGraphicFramePr>
+          <p:cNvPr id="5" name="Object 4"/>
+          <p:cNvGraphicFramePr>
+            <a:graphicFrameLocks noChangeAspect="1"/>
+          </p:cNvGraphicFramePr>
+          <p:nvPr>
+            <p:extLst>
+              <p:ext uri="{D42A27DB-BD31-4B8C-83A1-F6EECF244321}">
+                <p14:modId xmlns:p14="http://schemas.microsoft.com/office/powerpoint/2010/main" val="775180265"/>
+              </p:ext>
+            </p:extLst>
+          </p:nvPr>
+        </p:nvGraphicFramePr>
+        <p:xfrm>
+          <a:off x="1883697" y="1459820"/>
+          <a:ext cx="5578475" cy="3973513"/>
+        </p:xfrm>
+        <a:graphic>
+          <a:graphicData uri="http://schemas.openxmlformats.org/presentationml/2006/ole">
+            <mc:AlternateContent xmlns:mc="http://schemas.openxmlformats.org/markup-compatibility/2006">
+              <mc:Choice xmlns:v="urn:schemas-microsoft-com:vml" Requires="v">
+                <p:oleObj spid="_x0000_s3112" name="Equation" r:id="rId4" imgW="1282700" imgH="914400" progId="Equation.DSMT4">
+                  <p:embed/>
+                </p:oleObj>
+              </mc:Choice>
+              <mc:Fallback>
+                <p:oleObj name="Equation" r:id="rId4" imgW="1282700" imgH="914400" progId="Equation.DSMT4">
+                  <p:embed/>
+                  <p:pic>
+                    <p:nvPicPr>
+                      <p:cNvPr id="0" name=""/>
+                      <p:cNvPicPr/>
+                      <p:nvPr/>
+                    </p:nvPicPr>
+                    <p:blipFill>
+                      <a:blip r:embed="rId5"/>
+                      <a:stretch>
+                        <a:fillRect/>
+                      </a:stretch>
+                    </p:blipFill>
+                    <p:spPr>
+                      <a:xfrm>
+                        <a:off x="1883697" y="1459820"/>
+                        <a:ext cx="5578475" cy="3973513"/>
+                      </a:xfrm>
+                      <a:prstGeom prst="rect">
+                        <a:avLst/>
+                      </a:prstGeom>
+                    </p:spPr>
+                  </p:pic>
+                </p:oleObj>
+              </mc:Fallback>
+            </mc:AlternateContent>
+          </a:graphicData>
+        </a:graphic>
+      </p:graphicFrame>
+      <p:sp>
+        <p:nvSpPr>
+          <p:cNvPr id="10" name="Title 1"/>
+          <p:cNvSpPr>
+            <a:spLocks noGrp="1"/>
+          </p:cNvSpPr>
+          <p:nvPr>
+            <p:ph type="title" sz="quarter"/>
+          </p:nvPr>
+        </p:nvSpPr>
+        <p:spPr>
+          <a:xfrm>
+            <a:off x="2907605" y="309498"/>
+            <a:ext cx="5226422" cy="1230639"/>
+          </a:xfrm>
+        </p:spPr>
+        <p:txBody>
+          <a:bodyPr/>
+          <a:lstStyle/>
+          <a:p>
+            <a:pPr lvl="0" eaLnBrk="1" hangingPunct="1"/>
+            <a:r>
+              <a:rPr lang="en-US" sz="6600" b="0" kern="1200" dirty="0">
+                <a:solidFill>
+                  <a:srgbClr val="DC11CA"/>
+                </a:solidFill>
+                <a:ea typeface="+mn-ea"/>
+                <a:cs typeface="+mn-cs"/>
+              </a:rPr>
+              <a:t>DNF</a:t>
+            </a:r>
+            <a:r>
+              <a:rPr lang="en-US" sz="6600" b="0" kern="1200" dirty="0">
+                <a:solidFill>
+                  <a:srgbClr val="000000"/>
+                </a:solidFill>
+                <a:ea typeface="+mn-ea"/>
+                <a:cs typeface="+mn-cs"/>
+              </a:rPr>
+              <a:t> for </a:t>
+            </a:r>
+            <a:r>
+              <a:rPr lang="en-US" sz="6600" b="0" kern="1200" dirty="0">
+                <a:solidFill>
+                  <a:srgbClr val="CCCCFF">
+                    <a:lumMod val="50000"/>
+                  </a:srgbClr>
+                </a:solidFill>
+                <a:ea typeface="+mn-ea"/>
+                <a:cs typeface="+mn-cs"/>
+              </a:rPr>
+              <a:t>M</a:t>
+            </a:r>
+          </a:p>
+        </p:txBody>
+      </p:sp>
+      <p:sp>
+        <p:nvSpPr>
+          <p:cNvPr id="11" name="TextBox 10"/>
+          <p:cNvSpPr txBox="1"/>
+          <p:nvPr/>
+        </p:nvSpPr>
+        <p:spPr>
+          <a:xfrm>
+            <a:off x="245817" y="5313730"/>
+            <a:ext cx="8671665" cy="830997"/>
+          </a:xfrm>
+          <a:prstGeom prst="rect">
+            <a:avLst/>
+          </a:prstGeom>
+          <a:noFill/>
+        </p:spPr>
+        <p:txBody>
+          <a:bodyPr wrap="none" rtlCol="0">
+            <a:spAutoFit/>
+          </a:bodyPr>
+          <a:lstStyle/>
+          <a:p>
+            <a:pPr algn="l"/>
+            <a:r>
+              <a:rPr lang="en-US" sz="4800" dirty="0">
+                <a:solidFill>
+                  <a:srgbClr val="BB0FAB"/>
+                </a:solidFill>
+                <a:latin typeface="Comic Sans MS" pitchFamily="66" charset="0"/>
+              </a:rPr>
+              <a:t>e</a:t>
+            </a:r>
+            <a:r>
+              <a:rPr lang="en-US" sz="4800" dirty="0" smtClean="0">
+                <a:solidFill>
+                  <a:srgbClr val="BB0FAB"/>
+                </a:solidFill>
+                <a:latin typeface="Comic Sans MS" pitchFamily="66" charset="0"/>
+              </a:rPr>
+              <a:t>ach product has all variables</a:t>
+            </a:r>
+          </a:p>
+        </p:txBody>
+      </p:sp>
+      <p:sp>
+        <p:nvSpPr>
+          <p:cNvPr id="12" name="TextBox 11"/>
+          <p:cNvSpPr txBox="1"/>
+          <p:nvPr/>
+        </p:nvSpPr>
+        <p:spPr>
+          <a:xfrm>
+            <a:off x="1310626" y="297219"/>
+            <a:ext cx="1731063" cy="1200329"/>
+          </a:xfrm>
+          <a:prstGeom prst="rect">
+            <a:avLst/>
+          </a:prstGeom>
+          <a:noFill/>
+        </p:spPr>
+        <p:txBody>
+          <a:bodyPr wrap="none" rtlCol="0">
+            <a:spAutoFit/>
+          </a:bodyPr>
+          <a:lstStyle/>
+          <a:p>
+            <a:pPr algn="l"/>
+            <a:r>
+              <a:rPr lang="en-US" sz="7200" dirty="0" smtClean="0">
+                <a:solidFill>
+                  <a:srgbClr val="BB0FAB"/>
+                </a:solidFill>
+                <a:latin typeface="Comic Sans MS" pitchFamily="66" charset="0"/>
+              </a:rPr>
+              <a:t>Full</a:t>
+            </a:r>
+          </a:p>
+        </p:txBody>
+      </p:sp>
+      <p:sp>
+        <p:nvSpPr>
+          <p:cNvPr id="7" name="Rounded Rectangle 6"/>
+          <p:cNvSpPr/>
+          <p:nvPr/>
+        </p:nvSpPr>
+        <p:spPr bwMode="auto">
+          <a:xfrm>
+            <a:off x="1216050" y="1418547"/>
+            <a:ext cx="6688257" cy="3958422"/>
+          </a:xfrm>
+          <a:prstGeom prst="roundRect">
+            <a:avLst/>
+          </a:prstGeom>
+          <a:noFill/>
+          <a:ln w="47625" cap="flat" cmpd="sng" algn="ctr">
+            <a:solidFill>
+              <a:srgbClr val="DC11CA"/>
+            </a:solidFill>
+            <a:prstDash val="sysDash"/>
+            <a:round/>
+            <a:headEnd type="none" w="med" len="med"/>
+            <a:tailEnd type="none" w="med" len="med"/>
+          </a:ln>
+          <a:effectLst/>
+        </p:spPr>
+        <p:txBody>
+          <a:bodyPr vert="horz" wrap="none" lIns="91440" tIns="45720" rIns="91440" bIns="45720" numCol="1" rtlCol="0" anchor="ctr" anchorCtr="0" compatLnSpc="1">
+            <a:prstTxWarp prst="textNoShape">
+              <a:avLst/>
+            </a:prstTxWarp>
+          </a:bodyPr>
+          <a:lstStyle/>
+          <a:p>
+            <a:pPr marL="0" marR="0" indent="0" algn="ctr" defTabSz="914400" rtl="0" eaLnBrk="1" fontAlgn="base" latinLnBrk="0" hangingPunct="1">
+              <a:lnSpc>
+                <a:spcPct val="100000"/>
+              </a:lnSpc>
+              <a:spcBef>
+                <a:spcPct val="0"/>
+              </a:spcBef>
+              <a:spcAft>
+                <a:spcPct val="0"/>
+              </a:spcAft>
+              <a:buClrTx/>
+              <a:buSzTx/>
+              <a:buFontTx/>
+              <a:buNone/>
+              <a:tabLst/>
+            </a:pPr>
+            <a:endParaRPr kumimoji="0" lang="en-US" sz="3200" b="0" i="0" u="none" strike="noStrike" cap="none" normalizeH="0" baseline="0" smtClean="0">
+              <a:ln>
+                <a:noFill/>
+              </a:ln>
+              <a:solidFill>
+                <a:schemeClr val="tx1"/>
+              </a:solidFill>
+              <a:effectLst/>
+              <a:latin typeface="Times New Roman" pitchFamily="18" charset="0"/>
+            </a:endParaRPr>
+          </a:p>
+        </p:txBody>
+      </p:sp>
+    </p:spTree>
+    <p:extLst>
+      <p:ext uri="{BB962C8B-B14F-4D97-AF65-F5344CB8AC3E}">
+        <p14:creationId xmlns:p14="http://schemas.microsoft.com/office/powerpoint/2010/main" val="827393925"/>
+      </p:ext>
+    </p:extLst>
+  </p:cSld>
+  <p:clrMapOvr>
+    <a:masterClrMapping/>
+  </p:clrMapOvr>
+  <mc:AlternateContent xmlns:mc="http://schemas.openxmlformats.org/markup-compatibility/2006" xmlns:p14="http://schemas.microsoft.com/office/powerpoint/2010/main">
+    <mc:Choice Requires="p14">
+      <p:transition spd="slow" p14:dur="900" advClick="0">
+        <p:fade/>
+      </p:transition>
+    </mc:Choice>
+    <mc:Fallback xmlns="">
+      <p:transition xmlns:p14="http://schemas.microsoft.com/office/powerpoint/2010/main" spd="slow" advClick="0">
+        <p:fade/>
+      </p:transition>
+    </mc:Fallback>
+  </mc:AlternateContent>
+  <p:timing>
+    <p:tnLst>
+      <p:par>
+        <p:cTn xmlns:p14="http://schemas.microsoft.com/office/powerpoint/2010/main" id="1" dur="indefinite" restart="never" nodeType="tmRoot">
+          <p:childTnLst>
+            <p:seq concurrent="1" nextAc="seek">
+              <p:cTn id="2" dur="indefinite" nodeType="mainSeq">
+                <p:childTnLst>
+                  <p:par>
+                    <p:cTn id="3" fill="hold">
+                      <p:stCondLst>
+                        <p:cond delay="indefinite"/>
+                      </p:stCondLst>
+                      <p:childTnLst>
+                        <p:par>
+                          <p:cTn id="4" fill="hold">
+                            <p:stCondLst>
+                              <p:cond delay="0"/>
+                            </p:stCondLst>
+                            <p:childTnLst>
+                              <p:par>
+                                <p:cTn id="5" presetID="10" presetClass="entr" presetSubtype="0" fill="hold" grpId="0" nodeType="clickEffect">
+                                  <p:stCondLst>
+                                    <p:cond delay="0"/>
+                                  </p:stCondLst>
+                                  <p:childTnLst>
+                                    <p:set>
+                                      <p:cBhvr>
+                                        <p:cTn id="6" dur="1" fill="hold">
+                                          <p:stCondLst>
+                                            <p:cond delay="0"/>
+                                          </p:stCondLst>
+                                        </p:cTn>
+                                        <p:tgtEl>
+                                          <p:spTgt spid="11"/>
+                                        </p:tgtEl>
+                                        <p:attrNameLst>
+                                          <p:attrName>style.visibility</p:attrName>
+                                        </p:attrNameLst>
+                                      </p:cBhvr>
+                                      <p:to>
+                                        <p:strVal val="visible"/>
+                                      </p:to>
+                                    </p:set>
+                                    <p:animEffect transition="in" filter="fade">
+                                      <p:cBhvr>
+                                        <p:cTn id="7" dur="1000"/>
+                                        <p:tgtEl>
+                                          <p:spTgt spid="11"/>
+                                        </p:tgtEl>
+                                      </p:cBhvr>
+                                    </p:animEffect>
+                                  </p:childTnLst>
+                                </p:cTn>
+                              </p:par>
+                            </p:childTnLst>
+                          </p:cTn>
+                        </p:par>
+                      </p:childTnLst>
+                    </p:cTn>
+                  </p:par>
+                  <p:par>
+                    <p:cTn id="8" fill="hold">
+                      <p:stCondLst>
+                        <p:cond delay="indefinite"/>
+                      </p:stCondLst>
+                      <p:childTnLst>
+                        <p:par>
+                          <p:cTn id="9" fill="hold">
+                            <p:stCondLst>
+                              <p:cond delay="0"/>
+                            </p:stCondLst>
+                            <p:childTnLst>
+                              <p:par>
+                                <p:cTn id="10" presetID="49" presetClass="entr" presetSubtype="0" decel="100000" fill="hold" grpId="0" nodeType="clickEffect">
+                                  <p:stCondLst>
+                                    <p:cond delay="0"/>
+                                  </p:stCondLst>
+                                  <p:childTnLst>
+                                    <p:set>
+                                      <p:cBhvr>
+                                        <p:cTn id="11" dur="1" fill="hold">
+                                          <p:stCondLst>
+                                            <p:cond delay="0"/>
+                                          </p:stCondLst>
+                                        </p:cTn>
+                                        <p:tgtEl>
+                                          <p:spTgt spid="12"/>
+                                        </p:tgtEl>
+                                        <p:attrNameLst>
+                                          <p:attrName>style.visibility</p:attrName>
+                                        </p:attrNameLst>
+                                      </p:cBhvr>
+                                      <p:to>
+                                        <p:strVal val="visible"/>
+                                      </p:to>
+                                    </p:set>
+                                    <p:anim calcmode="lin" valueType="num">
+                                      <p:cBhvr>
+                                        <p:cTn id="12" dur="500" fill="hold"/>
+                                        <p:tgtEl>
+                                          <p:spTgt spid="12"/>
+                                        </p:tgtEl>
+                                        <p:attrNameLst>
+                                          <p:attrName>ppt_w</p:attrName>
+                                        </p:attrNameLst>
+                                      </p:cBhvr>
+                                      <p:tavLst>
+                                        <p:tav tm="0">
+                                          <p:val>
+                                            <p:fltVal val="0"/>
+                                          </p:val>
+                                        </p:tav>
+                                        <p:tav tm="100000">
+                                          <p:val>
+                                            <p:strVal val="#ppt_w"/>
+                                          </p:val>
+                                        </p:tav>
+                                      </p:tavLst>
+                                    </p:anim>
+                                    <p:anim calcmode="lin" valueType="num">
+                                      <p:cBhvr>
+                                        <p:cTn id="13" dur="500" fill="hold"/>
+                                        <p:tgtEl>
+                                          <p:spTgt spid="12"/>
+                                        </p:tgtEl>
+                                        <p:attrNameLst>
+                                          <p:attrName>ppt_h</p:attrName>
+                                        </p:attrNameLst>
+                                      </p:cBhvr>
+                                      <p:tavLst>
+                                        <p:tav tm="0">
+                                          <p:val>
+                                            <p:fltVal val="0"/>
+                                          </p:val>
+                                        </p:tav>
+                                        <p:tav tm="100000">
+                                          <p:val>
+                                            <p:strVal val="#ppt_h"/>
+                                          </p:val>
+                                        </p:tav>
+                                      </p:tavLst>
+                                    </p:anim>
+                                    <p:anim calcmode="lin" valueType="num">
+                                      <p:cBhvr>
+                                        <p:cTn id="14" dur="500" fill="hold"/>
+                                        <p:tgtEl>
+                                          <p:spTgt spid="12"/>
+                                        </p:tgtEl>
+                                        <p:attrNameLst>
+                                          <p:attrName>style.rotation</p:attrName>
+                                        </p:attrNameLst>
+                                      </p:cBhvr>
+                                      <p:tavLst>
+                                        <p:tav tm="0">
+                                          <p:val>
+                                            <p:fltVal val="360"/>
+                                          </p:val>
+                                        </p:tav>
+                                        <p:tav tm="100000">
+                                          <p:val>
+                                            <p:fltVal val="0"/>
+                                          </p:val>
+                                        </p:tav>
+                                      </p:tavLst>
+                                    </p:anim>
+                                    <p:animEffect transition="in" filter="fade">
+                                      <p:cBhvr>
+                                        <p:cTn id="15" dur="500"/>
+                                        <p:tgtEl>
+                                          <p:spTgt spid="12"/>
+                                        </p:tgtEl>
+                                      </p:cBhvr>
+                                    </p:animEffect>
+                                  </p:childTnLst>
+                                </p:cTn>
+                              </p:par>
+                            </p:childTnLst>
+                          </p:cTn>
+                        </p:par>
+                      </p:childTnLst>
+                    </p:cTn>
+                  </p:par>
+                </p:childTnLst>
+              </p:cTn>
+              <p:prevCondLst>
+                <p:cond evt="onPrev" delay="0">
+                  <p:tgtEl>
+                    <p:sldTgt/>
+                  </p:tgtEl>
+                </p:cond>
+              </p:prevCondLst>
+              <p:nextCondLst>
+                <p:cond evt="onNext" delay="0">
+                  <p:tgtEl>
+                    <p:sldTgt/>
+                  </p:tgtEl>
+                </p:cond>
+              </p:nextCondLst>
+            </p:seq>
+          </p:childTnLst>
+        </p:cTn>
+      </p:par>
+    </p:tnLst>
+    <p:bldLst>
+      <p:bldP spid="11" grpId="0"/>
+      <p:bldP spid="12" grpId="0"/>
+    </p:bldLst>
+  </p:timing>
+</p:sld>
+</file>
+
+<file path=ppt/slides/slide11.xml><?xml version="1.0" encoding="utf-8"?>
+<p:sld xmlns:a="http://schemas.openxmlformats.org/drawingml/2006/main" xmlns:r="http://schemas.openxmlformats.org/officeDocument/2006/relationships" xmlns:p="http://schemas.openxmlformats.org/presentationml/2006/main">
+  <p:cSld>
+    <p:spTree>
+      <p:nvGrpSpPr>
+        <p:cNvPr id="1" name=""/>
+        <p:cNvGrpSpPr/>
+        <p:nvPr/>
+      </p:nvGrpSpPr>
+      <p:grpSpPr>
+        <a:xfrm>
+          <a:off x="0" y="0"/>
+          <a:ext cx="0" cy="0"/>
+          <a:chOff x="0" y="0"/>
+          <a:chExt cx="0" cy="0"/>
+        </a:xfrm>
+      </p:grpSpPr>
+      <p:sp>
+        <p:nvSpPr>
           <p:cNvPr id="2" name="Title 1"/>
           <p:cNvSpPr>
             <a:spLocks noGrp="1"/>
@@ -2755,7 +5190,7 @@
               <a:pPr>
                 <a:defRPr/>
               </a:pPr>
-              <a:t>10</a:t>
+              <a:t>11</a:t>
             </a:fld>
             <a:endParaRPr lang="en-US" dirty="0"/>
           </a:p>
@@ -2793,12 +5228,6 @@
               </a:rPr>
               <a:t>Corollary</a:t>
             </a:r>
-            <a:endParaRPr lang="en-US" sz="7200" dirty="0" smtClean="0">
-              <a:solidFill>
-                <a:srgbClr val="800000"/>
-              </a:solidFill>
-              <a:latin typeface="Comic Sans MS" pitchFamily="66" charset="0"/>
-            </a:endParaRPr>
           </a:p>
         </p:txBody>
       </p:sp>
@@ -2907,7 +5336,7 @@
 </p:sld>
 </file>
 
-<file path=ppt/slides/slide11.xml><?xml version="1.0" encoding="utf-8"?>
+<file path=ppt/slides/slide12.xml><?xml version="1.0" encoding="utf-8"?>
 <p:sld xmlns:a="http://schemas.openxmlformats.org/drawingml/2006/main" xmlns:r="http://schemas.openxmlformats.org/officeDocument/2006/relationships" xmlns:p="http://schemas.openxmlformats.org/presentationml/2006/main">
   <p:cSld>
     <p:spTree>
@@ -2998,7 +5427,7 @@
               <a:pPr>
                 <a:defRPr/>
               </a:pPr>
-              <a:t>11</a:t>
+              <a:t>12</a:t>
             </a:fld>
             <a:endParaRPr lang="en-US" dirty="0"/>
           </a:p>
@@ -3097,13 +5526,13 @@
   <p:clrMapOvr>
     <a:masterClrMapping/>
   </p:clrMapOvr>
-  <mc:AlternateContent xmlns:mc="http://schemas.openxmlformats.org/markup-compatibility/2006">
-    <mc:Choice xmlns:p14="http://schemas.microsoft.com/office/powerpoint/2010/main" Requires="p14">
+  <mc:AlternateContent xmlns:mc="http://schemas.openxmlformats.org/markup-compatibility/2006" xmlns:p14="http://schemas.microsoft.com/office/powerpoint/2010/main">
+    <mc:Choice Requires="p14">
       <p:transition spd="med" p14:dur="700" advClick="0">
         <p:fade/>
       </p:transition>
     </mc:Choice>
-    <mc:Fallback>
+    <mc:Fallback xmlns="">
       <p:transition xmlns:p14="http://schemas.microsoft.com/office/powerpoint/2010/main" spd="med" advClick="0">
         <p:fade/>
       </p:transition>
@@ -3201,7 +5630,7 @@
 </p:sld>
 </file>
 
-<file path=ppt/slides/slide12.xml><?xml version="1.0" encoding="utf-8"?>
+<file path=ppt/slides/slide13.xml><?xml version="1.0" encoding="utf-8"?>
 <p:sld xmlns:a="http://schemas.openxmlformats.org/drawingml/2006/main" xmlns:r="http://schemas.openxmlformats.org/officeDocument/2006/relationships" xmlns:p="http://schemas.openxmlformats.org/presentationml/2006/main">
   <p:cSld>
     <p:spTree>
@@ -3250,7 +5679,7 @@
               <a:pPr>
                 <a:defRPr/>
               </a:pPr>
-              <a:t>12</a:t>
+              <a:t>13</a:t>
             </a:fld>
             <a:endParaRPr lang="en-US" dirty="0"/>
           </a:p>
@@ -3399,13 +5828,13 @@
   <p:clrMapOvr>
     <a:masterClrMapping/>
   </p:clrMapOvr>
-  <mc:AlternateContent xmlns:mc="http://schemas.openxmlformats.org/markup-compatibility/2006">
-    <mc:Choice xmlns:p14="http://schemas.microsoft.com/office/powerpoint/2010/main" Requires="p14">
+  <mc:AlternateContent xmlns:mc="http://schemas.openxmlformats.org/markup-compatibility/2006" xmlns:p14="http://schemas.microsoft.com/office/powerpoint/2010/main">
+    <mc:Choice Requires="p14">
       <p:transition spd="slow" p14:dur="1200" advClick="0">
         <p:fade/>
       </p:transition>
     </mc:Choice>
-    <mc:Fallback>
+    <mc:Fallback xmlns="">
       <p:transition xmlns:p14="http://schemas.microsoft.com/office/powerpoint/2010/main" spd="slow" advClick="0">
         <p:fade/>
       </p:transition>
@@ -3505,7 +5934,7 @@
 </p:sld>
 </file>
 
-<file path=ppt/slides/slide13.xml><?xml version="1.0" encoding="utf-8"?>
+<file path=ppt/slides/slide14.xml><?xml version="1.0" encoding="utf-8"?>
 <p:sld xmlns:a="http://schemas.openxmlformats.org/drawingml/2006/main" xmlns:r="http://schemas.openxmlformats.org/officeDocument/2006/relationships" xmlns:p="http://schemas.openxmlformats.org/presentationml/2006/main">
   <p:cSld>
     <p:spTree>
@@ -3554,7 +5983,7 @@
               <a:pPr>
                 <a:defRPr/>
               </a:pPr>
-              <a:t>13</a:t>
+              <a:t>14</a:t>
             </a:fld>
             <a:endParaRPr lang="en-US" dirty="0"/>
           </a:p>
@@ -3895,7 +6324,7 @@
 </p:sld>
 </file>
 
-<file path=ppt/slides/slide14.xml><?xml version="1.0" encoding="utf-8"?>
+<file path=ppt/slides/slide15.xml><?xml version="1.0" encoding="utf-8"?>
 <p:sld xmlns:a="http://schemas.openxmlformats.org/drawingml/2006/main" xmlns:r="http://schemas.openxmlformats.org/officeDocument/2006/relationships" xmlns:p="http://schemas.openxmlformats.org/presentationml/2006/main">
   <p:cSld>
     <p:spTree>
@@ -3944,7 +6373,7 @@
               <a:pPr>
                 <a:defRPr/>
               </a:pPr>
-              <a:t>14</a:t>
+              <a:t>15</a:t>
             </a:fld>
             <a:endParaRPr lang="en-US" dirty="0"/>
           </a:p>
@@ -5618,7 +8047,7 @@
 </p:sld>
 </file>
 
-<file path=ppt/slides/slide15.xml><?xml version="1.0" encoding="utf-8"?>
+<file path=ppt/slides/slide16.xml><?xml version="1.0" encoding="utf-8"?>
 <p:sld xmlns:a="http://schemas.openxmlformats.org/drawingml/2006/main" xmlns:r="http://schemas.openxmlformats.org/officeDocument/2006/relationships" xmlns:p="http://schemas.openxmlformats.org/presentationml/2006/main">
   <p:cSld>
     <p:spTree>
@@ -5667,7 +8096,7 @@
               <a:pPr>
                 <a:defRPr/>
               </a:pPr>
-              <a:t>15</a:t>
+              <a:t>16</a:t>
             </a:fld>
             <a:endParaRPr lang="en-US" dirty="0"/>
           </a:p>
@@ -5775,12 +8204,12 @@
           <a:graphicData uri="http://schemas.openxmlformats.org/presentationml/2006/ole">
             <mc:AlternateContent xmlns:mc="http://schemas.openxmlformats.org/markup-compatibility/2006">
               <mc:Choice xmlns:v="urn:schemas-microsoft-com:vml" Requires="v">
-                <p:oleObj spid="_x0000_s26640" name="Equation" r:id="rId3" imgW="927100" imgH="254000" progId="Equation.DSMT4">
+                <p:oleObj spid="_x0000_s26645" name="Equation" r:id="rId4" imgW="927100" imgH="254000" progId="Equation.DSMT4">
                   <p:embed/>
                 </p:oleObj>
               </mc:Choice>
               <mc:Fallback>
-                <p:oleObj name="Equation" r:id="rId3" imgW="927100" imgH="254000" progId="Equation.DSMT4">
+                <p:oleObj name="Equation" r:id="rId4" imgW="927100" imgH="254000" progId="Equation.DSMT4">
                   <p:embed/>
                   <p:pic>
                     <p:nvPicPr>
@@ -5789,7 +8218,7 @@
                       <p:nvPr/>
                     </p:nvPicPr>
                     <p:blipFill>
-                      <a:blip r:embed="rId4"/>
+                      <a:blip r:embed="rId5"/>
                       <a:stretch>
                         <a:fillRect/>
                       </a:stretch>
@@ -5982,13 +8411,7 @@
               <a:rPr lang="en-US" sz="6600" dirty="0" smtClean="0">
                 <a:latin typeface="Comic Sans MS" pitchFamily="66" charset="0"/>
               </a:rPr>
-              <a:t>-</a:t>
-            </a:r>
-            <a:r>
-              <a:rPr lang="en-US" sz="6600" dirty="0" smtClean="0">
-                <a:latin typeface="Comic Sans MS" pitchFamily="66" charset="0"/>
-              </a:rPr>
-              <a:t>of-</a:t>
+              <a:t>-of-</a:t>
             </a:r>
             <a:r>
               <a:rPr lang="en-US" sz="6600" dirty="0" smtClean="0">
@@ -5999,12 +8422,6 @@
               </a:rPr>
               <a:t>literals</a:t>
             </a:r>
-            <a:endParaRPr lang="en-US" sz="6600" dirty="0" smtClean="0">
-              <a:solidFill>
-                <a:srgbClr val="000000"/>
-              </a:solidFill>
-              <a:latin typeface="Comic Sans MS" pitchFamily="66" charset="0"/>
-            </a:endParaRPr>
           </a:p>
         </p:txBody>
       </p:sp>
@@ -6253,7 +8670,7 @@
 </p:sld>
 </file>
 
-<file path=ppt/slides/slide16.xml><?xml version="1.0" encoding="utf-8"?>
+<file path=ppt/slides/slide17.xml><?xml version="1.0" encoding="utf-8"?>
 <p:sld xmlns:a="http://schemas.openxmlformats.org/drawingml/2006/main" xmlns:r="http://schemas.openxmlformats.org/officeDocument/2006/relationships" xmlns:p="http://schemas.openxmlformats.org/presentationml/2006/main">
   <p:cSld>
     <p:spTree>
@@ -6292,12 +8709,12 @@
           <a:graphicData uri="http://schemas.openxmlformats.org/presentationml/2006/ole">
             <mc:AlternateContent xmlns:mc="http://schemas.openxmlformats.org/markup-compatibility/2006">
               <mc:Choice xmlns:v="urn:schemas-microsoft-com:vml" Requires="v">
-                <p:oleObj spid="_x0000_s28699" name="Equation" r:id="rId3" imgW="762000" imgH="469900" progId="Equation.DSMT4">
+                <p:oleObj spid="_x0000_s28707" name="Equation" r:id="rId4" imgW="762000" imgH="469900" progId="Equation.DSMT4">
                   <p:embed/>
                 </p:oleObj>
               </mc:Choice>
               <mc:Fallback>
-                <p:oleObj name="Equation" r:id="rId3" imgW="762000" imgH="469900" progId="Equation.DSMT4">
+                <p:oleObj name="Equation" r:id="rId4" imgW="762000" imgH="469900" progId="Equation.DSMT4">
                   <p:embed/>
                   <p:pic>
                     <p:nvPicPr>
@@ -6306,7 +8723,7 @@
                       <p:nvPr/>
                     </p:nvPicPr>
                     <p:blipFill>
-                      <a:blip r:embed="rId4"/>
+                      <a:blip r:embed="rId5"/>
                       <a:stretch>
                         <a:fillRect/>
                       </a:stretch>
@@ -6359,7 +8776,7 @@
               <a:pPr>
                 <a:defRPr/>
               </a:pPr>
-              <a:t>16</a:t>
+              <a:t>17</a:t>
             </a:fld>
             <a:endParaRPr lang="en-US" dirty="0"/>
           </a:p>
@@ -6387,12 +8804,12 @@
           <a:graphicData uri="http://schemas.openxmlformats.org/presentationml/2006/ole">
             <mc:AlternateContent xmlns:mc="http://schemas.openxmlformats.org/markup-compatibility/2006">
               <mc:Choice xmlns:v="urn:schemas-microsoft-com:vml" Requires="v">
-                <p:oleObj spid="_x0000_s28700" name="Equation" r:id="rId5" imgW="927100" imgH="254000" progId="Equation.DSMT4">
+                <p:oleObj spid="_x0000_s28708" name="Equation" r:id="rId6" imgW="927100" imgH="254000" progId="Equation.DSMT4">
                   <p:embed/>
                 </p:oleObj>
               </mc:Choice>
               <mc:Fallback>
-                <p:oleObj name="Equation" r:id="rId5" imgW="927100" imgH="254000" progId="Equation.DSMT4">
+                <p:oleObj name="Equation" r:id="rId6" imgW="927100" imgH="254000" progId="Equation.DSMT4">
                   <p:embed/>
                   <p:pic>
                     <p:nvPicPr>
@@ -6401,7 +8818,7 @@
                       <p:nvPr/>
                     </p:nvPicPr>
                     <p:blipFill>
-                      <a:blip r:embed="rId6"/>
+                      <a:blip r:embed="rId7"/>
                       <a:stretch>
                         <a:fillRect/>
                       </a:stretch>
@@ -6552,13 +8969,7 @@
               <a:rPr lang="en-US" sz="6600" dirty="0" smtClean="0">
                 <a:latin typeface="Comic Sans MS" pitchFamily="66" charset="0"/>
               </a:rPr>
-              <a:t>-</a:t>
-            </a:r>
-            <a:r>
-              <a:rPr lang="en-US" sz="6600" dirty="0" smtClean="0">
-                <a:latin typeface="Comic Sans MS" pitchFamily="66" charset="0"/>
-              </a:rPr>
-              <a:t>of-</a:t>
+              <a:t>-of-</a:t>
             </a:r>
             <a:r>
               <a:rPr lang="en-US" sz="6600" dirty="0" smtClean="0">
@@ -6569,12 +8980,6 @@
               </a:rPr>
               <a:t>literals</a:t>
             </a:r>
-            <a:endParaRPr lang="en-US" sz="6600" dirty="0" smtClean="0">
-              <a:solidFill>
-                <a:srgbClr val="000000"/>
-              </a:solidFill>
-              <a:latin typeface="Comic Sans MS" pitchFamily="66" charset="0"/>
-            </a:endParaRPr>
           </a:p>
         </p:txBody>
       </p:sp>
@@ -6818,7 +9223,7 @@
 </p:sld>
 </file>
 
-<file path=ppt/slides/slide17.xml><?xml version="1.0" encoding="utf-8"?>
+<file path=ppt/slides/slide18.xml><?xml version="1.0" encoding="utf-8"?>
 <p:sld xmlns:a="http://schemas.openxmlformats.org/drawingml/2006/main" xmlns:r="http://schemas.openxmlformats.org/officeDocument/2006/relationships" xmlns:p="http://schemas.openxmlformats.org/presentationml/2006/main">
   <p:cSld>
     <p:spTree>
@@ -6857,12 +9262,12 @@
           <a:graphicData uri="http://schemas.openxmlformats.org/presentationml/2006/ole">
             <mc:AlternateContent xmlns:mc="http://schemas.openxmlformats.org/markup-compatibility/2006">
               <mc:Choice xmlns:v="urn:schemas-microsoft-com:vml" Requires="v">
-                <p:oleObj spid="_x0000_s8219" name="Equation" r:id="rId3" imgW="1155700" imgH="482600" progId="Equation.DSMT4">
+                <p:oleObj spid="_x0000_s8224" name="Equation" r:id="rId4" imgW="1155700" imgH="482600" progId="Equation.DSMT4">
                   <p:embed/>
                 </p:oleObj>
               </mc:Choice>
               <mc:Fallback>
-                <p:oleObj name="Equation" r:id="rId3" imgW="1155700" imgH="482600" progId="Equation.DSMT4">
+                <p:oleObj name="Equation" r:id="rId4" imgW="1155700" imgH="482600" progId="Equation.DSMT4">
                   <p:embed/>
                   <p:pic>
                     <p:nvPicPr>
@@ -6871,7 +9276,7 @@
                       <p:nvPr/>
                     </p:nvPicPr>
                     <p:blipFill>
-                      <a:blip r:embed="rId4"/>
+                      <a:blip r:embed="rId5"/>
                       <a:stretch>
                         <a:fillRect/>
                       </a:stretch>
@@ -6959,7 +9364,7 @@
               <a:pPr>
                 <a:defRPr/>
               </a:pPr>
-              <a:t>17</a:t>
+              <a:t>18</a:t>
             </a:fld>
             <a:endParaRPr lang="en-US" dirty="0"/>
           </a:p>
@@ -7164,7 +9569,7 @@
 </p:sld>
 </file>
 
-<file path=ppt/slides/slide18.xml><?xml version="1.0" encoding="utf-8"?>
+<file path=ppt/slides/slide19.xml><?xml version="1.0" encoding="utf-8"?>
 <p:sld xmlns:a="http://schemas.openxmlformats.org/drawingml/2006/main" xmlns:r="http://schemas.openxmlformats.org/officeDocument/2006/relationships" xmlns:p="http://schemas.openxmlformats.org/presentationml/2006/main">
   <p:cSld>
     <p:spTree>
@@ -7203,12 +9608,12 @@
           <a:graphicData uri="http://schemas.openxmlformats.org/presentationml/2006/ole">
             <mc:AlternateContent xmlns:mc="http://schemas.openxmlformats.org/markup-compatibility/2006">
               <mc:Choice xmlns:v="urn:schemas-microsoft-com:vml" Requires="v">
-                <p:oleObj spid="_x0000_s25614" name="Equation" r:id="rId3" imgW="1155700" imgH="482600" progId="Equation.DSMT4">
+                <p:oleObj spid="_x0000_s25619" name="Equation" r:id="rId4" imgW="1155700" imgH="482600" progId="Equation.DSMT4">
                   <p:embed/>
                 </p:oleObj>
               </mc:Choice>
               <mc:Fallback>
-                <p:oleObj name="Equation" r:id="rId3" imgW="1155700" imgH="482600" progId="Equation.DSMT4">
+                <p:oleObj name="Equation" r:id="rId4" imgW="1155700" imgH="482600" progId="Equation.DSMT4">
                   <p:embed/>
                   <p:pic>
                     <p:nvPicPr>
@@ -7217,7 +9622,7 @@
                       <p:nvPr/>
                     </p:nvPicPr>
                     <p:blipFill>
-                      <a:blip r:embed="rId4"/>
+                      <a:blip r:embed="rId5"/>
                       <a:stretch>
                         <a:fillRect/>
                       </a:stretch>
@@ -7314,7 +9719,7 @@
               <a:pPr>
                 <a:defRPr/>
               </a:pPr>
-              <a:t>18</a:t>
+              <a:t>19</a:t>
             </a:fld>
             <a:endParaRPr lang="en-US" dirty="0"/>
           </a:p>
@@ -7343,7 +9748,7 @@
 </p:sld>
 </file>
 
-<file path=ppt/slides/slide19.xml><?xml version="1.0" encoding="utf-8"?>
+<file path=ppt/slides/slide2.xml><?xml version="1.0" encoding="utf-8"?>
 <p:sld xmlns:a="http://schemas.openxmlformats.org/drawingml/2006/main" xmlns:r="http://schemas.openxmlformats.org/officeDocument/2006/relationships" xmlns:p="http://schemas.openxmlformats.org/presentationml/2006/main">
   <p:cSld>
     <p:spTree>
@@ -7362,6 +9767,253 @@
       </p:grpSpPr>
       <p:sp>
         <p:nvSpPr>
+          <p:cNvPr id="2" name="Title 1"/>
+          <p:cNvSpPr>
+            <a:spLocks noGrp="1"/>
+          </p:cNvSpPr>
+          <p:nvPr>
+            <p:ph type="title" sz="quarter"/>
+          </p:nvPr>
+        </p:nvSpPr>
+        <p:spPr>
+          <a:xfrm>
+            <a:off x="1515880" y="350027"/>
+            <a:ext cx="7493000" cy="1122560"/>
+          </a:xfrm>
+        </p:spPr>
+        <p:txBody>
+          <a:bodyPr/>
+          <a:lstStyle/>
+          <a:p>
+            <a:r>
+              <a:rPr lang="en-US" dirty="0" smtClean="0"/>
+              <a:t>Formulas for </a:t>
+            </a:r>
+            <a:r>
+              <a:rPr lang="en-US" dirty="0"/>
+              <a:t>T</a:t>
+            </a:r>
+            <a:r>
+              <a:rPr lang="en-US" dirty="0" smtClean="0"/>
+              <a:t>ruth Tables</a:t>
+            </a:r>
+            <a:endParaRPr lang="en-US" dirty="0"/>
+          </a:p>
+        </p:txBody>
+      </p:sp>
+      <p:sp>
+        <p:nvSpPr>
+          <p:cNvPr id="3" name="Slide Number Placeholder 2"/>
+          <p:cNvSpPr>
+            <a:spLocks noGrp="1"/>
+          </p:cNvSpPr>
+          <p:nvPr>
+            <p:ph type="sldNum" sz="quarter" idx="4"/>
+          </p:nvPr>
+        </p:nvSpPr>
+        <p:spPr/>
+        <p:txBody>
+          <a:bodyPr/>
+          <a:lstStyle/>
+          <a:p>
+            <a:pPr>
+              <a:defRPr/>
+            </a:pPr>
+            <a:r>
+              <a:rPr lang="en-US" smtClean="0"/>
+              <a:t>CNF-DNF.</a:t>
+            </a:r>
+            <a:fld id="{EBFB97A3-F52F-4FD6-B1AC-522A20C95467}" type="slidenum">
+              <a:rPr lang="en-US" smtClean="0"/>
+              <a:pPr>
+                <a:defRPr/>
+              </a:pPr>
+              <a:t>2</a:t>
+            </a:fld>
+            <a:endParaRPr lang="en-US" dirty="0"/>
+          </a:p>
+        </p:txBody>
+      </p:sp>
+      <p:sp>
+        <p:nvSpPr>
+          <p:cNvPr id="4" name="TextBox 3"/>
+          <p:cNvSpPr txBox="1"/>
+          <p:nvPr/>
+        </p:nvSpPr>
+        <p:spPr>
+          <a:xfrm>
+            <a:off x="320889" y="1350997"/>
+            <a:ext cx="7879568" cy="2585323"/>
+          </a:xfrm>
+          <a:prstGeom prst="rect">
+            <a:avLst/>
+          </a:prstGeom>
+          <a:noFill/>
+        </p:spPr>
+        <p:txBody>
+          <a:bodyPr wrap="none" rtlCol="0">
+            <a:spAutoFit/>
+          </a:bodyPr>
+          <a:lstStyle/>
+          <a:p>
+            <a:pPr algn="l"/>
+            <a:r>
+              <a:rPr lang="en-US" sz="5400" dirty="0" smtClean="0">
+                <a:latin typeface="Comic Sans MS" pitchFamily="66" charset="0"/>
+              </a:rPr>
+              <a:t>There is a propositional</a:t>
+            </a:r>
+          </a:p>
+          <a:p>
+            <a:pPr algn="l"/>
+            <a:r>
+              <a:rPr lang="en-US" sz="5400" dirty="0" smtClean="0">
+                <a:latin typeface="Comic Sans MS" pitchFamily="66" charset="0"/>
+              </a:rPr>
+              <a:t>formula for every truth</a:t>
+            </a:r>
+          </a:p>
+          <a:p>
+            <a:pPr algn="l"/>
+            <a:r>
+              <a:rPr lang="en-US" sz="5400" dirty="0" smtClean="0">
+                <a:latin typeface="Comic Sans MS" pitchFamily="66" charset="0"/>
+              </a:rPr>
+              <a:t>table.</a:t>
+            </a:r>
+          </a:p>
+        </p:txBody>
+      </p:sp>
+    </p:spTree>
+    <p:extLst>
+      <p:ext uri="{BB962C8B-B14F-4D97-AF65-F5344CB8AC3E}">
+        <p14:creationId xmlns:p14="http://schemas.microsoft.com/office/powerpoint/2010/main" val="1677469921"/>
+      </p:ext>
+    </p:extLst>
+  </p:cSld>
+  <p:clrMapOvr>
+    <a:masterClrMapping/>
+  </p:clrMapOvr>
+  <mc:AlternateContent xmlns:mc="http://schemas.openxmlformats.org/markup-compatibility/2006" xmlns:p14="http://schemas.microsoft.com/office/powerpoint/2010/main">
+    <mc:Choice Requires="p14">
+      <p:transition spd="med" p14:dur="700" advClick="0">
+        <p:fade/>
+      </p:transition>
+    </mc:Choice>
+    <mc:Fallback xmlns="">
+      <p:transition xmlns:p14="http://schemas.microsoft.com/office/powerpoint/2010/main" spd="med" advClick="0">
+        <p:fade/>
+      </p:transition>
+    </mc:Fallback>
+  </mc:AlternateContent>
+  <p:timing>
+    <p:tnLst>
+      <p:par>
+        <p:cTn xmlns:p14="http://schemas.microsoft.com/office/powerpoint/2010/main" id="1" dur="indefinite" restart="never" nodeType="tmRoot">
+          <p:childTnLst>
+            <p:seq concurrent="1" nextAc="seek">
+              <p:cTn id="2" dur="indefinite" nodeType="mainSeq">
+                <p:childTnLst>
+                  <p:par>
+                    <p:cTn id="3" fill="hold">
+                      <p:stCondLst>
+                        <p:cond delay="indefinite"/>
+                      </p:stCondLst>
+                      <p:childTnLst>
+                        <p:par>
+                          <p:cTn id="4" fill="hold">
+                            <p:stCondLst>
+                              <p:cond delay="0"/>
+                            </p:stCondLst>
+                            <p:childTnLst>
+                              <p:par>
+                                <p:cTn id="5" presetID="10" presetClass="entr" presetSubtype="0" fill="hold" grpId="0" nodeType="clickEffect">
+                                  <p:stCondLst>
+                                    <p:cond delay="0"/>
+                                  </p:stCondLst>
+                                  <p:childTnLst>
+                                    <p:set>
+                                      <p:cBhvr>
+                                        <p:cTn id="6" dur="1" fill="hold">
+                                          <p:stCondLst>
+                                            <p:cond delay="0"/>
+                                          </p:stCondLst>
+                                        </p:cTn>
+                                        <p:tgtEl>
+                                          <p:spTgt spid="4"/>
+                                        </p:tgtEl>
+                                        <p:attrNameLst>
+                                          <p:attrName>style.visibility</p:attrName>
+                                        </p:attrNameLst>
+                                      </p:cBhvr>
+                                      <p:to>
+                                        <p:strVal val="visible"/>
+                                      </p:to>
+                                    </p:set>
+                                    <p:animEffect transition="in" filter="fade">
+                                      <p:cBhvr>
+                                        <p:cTn id="7" dur="500"/>
+                                        <p:tgtEl>
+                                          <p:spTgt spid="4"/>
+                                        </p:tgtEl>
+                                      </p:cBhvr>
+                                    </p:animEffect>
+                                  </p:childTnLst>
+                                </p:cTn>
+                              </p:par>
+                            </p:childTnLst>
+                          </p:cTn>
+                        </p:par>
+                      </p:childTnLst>
+                    </p:cTn>
+                  </p:par>
+                </p:childTnLst>
+              </p:cTn>
+              <p:prevCondLst>
+                <p:cond evt="onPrev" delay="0">
+                  <p:tgtEl>
+                    <p:sldTgt/>
+                  </p:tgtEl>
+                </p:cond>
+              </p:prevCondLst>
+              <p:nextCondLst>
+                <p:cond evt="onNext" delay="0">
+                  <p:tgtEl>
+                    <p:sldTgt/>
+                  </p:tgtEl>
+                </p:cond>
+              </p:nextCondLst>
+            </p:seq>
+          </p:childTnLst>
+        </p:cTn>
+      </p:par>
+    </p:tnLst>
+    <p:bldLst>
+      <p:bldP spid="4" grpId="0"/>
+    </p:bldLst>
+  </p:timing>
+</p:sld>
+</file>
+
+<file path=ppt/slides/slide20.xml><?xml version="1.0" encoding="utf-8"?>
+<p:sld xmlns:a="http://schemas.openxmlformats.org/drawingml/2006/main" xmlns:r="http://schemas.openxmlformats.org/officeDocument/2006/relationships" xmlns:p="http://schemas.openxmlformats.org/presentationml/2006/main">
+  <p:cSld>
+    <p:spTree>
+      <p:nvGrpSpPr>
+        <p:cNvPr id="1" name=""/>
+        <p:cNvGrpSpPr/>
+        <p:nvPr/>
+      </p:nvGrpSpPr>
+      <p:grpSpPr>
+        <a:xfrm>
+          <a:off x="0" y="0"/>
+          <a:ext cx="0" cy="0"/>
+          <a:chOff x="0" y="0"/>
+          <a:chExt cx="0" cy="0"/>
+        </a:xfrm>
+      </p:grpSpPr>
+      <p:sp>
+        <p:nvSpPr>
           <p:cNvPr id="3" name="Slide Number Placeholder 2"/>
           <p:cNvSpPr>
             <a:spLocks noGrp="1"/>
@@ -7392,7 +10044,7 @@
               <a:pPr>
                 <a:defRPr/>
               </a:pPr>
-              <a:t>19</a:t>
+              <a:t>20</a:t>
             </a:fld>
             <a:endParaRPr lang="en-US" dirty="0"/>
           </a:p>
@@ -7420,12 +10072,12 @@
           <a:graphicData uri="http://schemas.openxmlformats.org/presentationml/2006/ole">
             <mc:AlternateContent xmlns:mc="http://schemas.openxmlformats.org/markup-compatibility/2006">
               <mc:Choice xmlns:v="urn:schemas-microsoft-com:vml" Requires="v">
-                <p:oleObj spid="_x0000_s10267" name="Equation" r:id="rId3" imgW="1181100" imgH="939800" progId="Equation.DSMT4">
+                <p:oleObj spid="_x0000_s10272" name="Equation" r:id="rId4" imgW="1181100" imgH="939800" progId="Equation.DSMT4">
                   <p:embed/>
                 </p:oleObj>
               </mc:Choice>
               <mc:Fallback>
-                <p:oleObj name="Equation" r:id="rId3" imgW="1181100" imgH="939800" progId="Equation.DSMT4">
+                <p:oleObj name="Equation" r:id="rId4" imgW="1181100" imgH="939800" progId="Equation.DSMT4">
                   <p:embed/>
                   <p:pic>
                     <p:nvPicPr>
@@ -7434,7 +10086,7 @@
                       <p:nvPr/>
                     </p:nvPicPr>
                     <p:blipFill>
-                      <a:blip r:embed="rId4"/>
+                      <a:blip r:embed="rId5"/>
                       <a:stretch>
                         <a:fillRect/>
                       </a:stretch>
@@ -7781,7 +10433,7 @@
 </p:sld>
 </file>
 
-<file path=ppt/slides/slide2.xml><?xml version="1.0" encoding="utf-8"?>
+<file path=ppt/slides/slide21.xml><?xml version="1.0" encoding="utf-8"?>
 <p:sld xmlns:a="http://schemas.openxmlformats.org/drawingml/2006/main" xmlns:r="http://schemas.openxmlformats.org/officeDocument/2006/relationships" xmlns:p="http://schemas.openxmlformats.org/presentationml/2006/main">
   <p:cSld>
     <p:spTree>
@@ -7810,298 +10462,6 @@
         </p:nvSpPr>
         <p:spPr>
           <a:xfrm>
-            <a:off x="1515880" y="350027"/>
-            <a:ext cx="7493000" cy="1122560"/>
-          </a:xfrm>
-        </p:spPr>
-        <p:txBody>
-          <a:bodyPr/>
-          <a:lstStyle/>
-          <a:p>
-            <a:r>
-              <a:rPr lang="en-US" dirty="0" smtClean="0"/>
-              <a:t>Formulas for </a:t>
-            </a:r>
-            <a:r>
-              <a:rPr lang="en-US" dirty="0"/>
-              <a:t>T</a:t>
-            </a:r>
-            <a:r>
-              <a:rPr lang="en-US" dirty="0" smtClean="0"/>
-              <a:t>ruth Tables</a:t>
-            </a:r>
-            <a:endParaRPr lang="en-US" dirty="0"/>
-          </a:p>
-        </p:txBody>
-      </p:sp>
-      <p:sp>
-        <p:nvSpPr>
-          <p:cNvPr id="3" name="Slide Number Placeholder 2"/>
-          <p:cNvSpPr>
-            <a:spLocks noGrp="1"/>
-          </p:cNvSpPr>
-          <p:nvPr>
-            <p:ph type="sldNum" sz="quarter" idx="4"/>
-          </p:nvPr>
-        </p:nvSpPr>
-        <p:spPr/>
-        <p:txBody>
-          <a:bodyPr/>
-          <a:lstStyle/>
-          <a:p>
-            <a:pPr>
-              <a:defRPr/>
-            </a:pPr>
-            <a:r>
-              <a:rPr lang="en-US" smtClean="0"/>
-              <a:t>CNF-DNF.</a:t>
-            </a:r>
-            <a:fld id="{EBFB97A3-F52F-4FD6-B1AC-522A20C95467}" type="slidenum">
-              <a:rPr lang="en-US" smtClean="0"/>
-              <a:pPr>
-                <a:defRPr/>
-              </a:pPr>
-              <a:t>2</a:t>
-            </a:fld>
-            <a:endParaRPr lang="en-US" dirty="0"/>
-          </a:p>
-        </p:txBody>
-      </p:sp>
-      <p:sp>
-        <p:nvSpPr>
-          <p:cNvPr id="4" name="TextBox 3"/>
-          <p:cNvSpPr txBox="1"/>
-          <p:nvPr/>
-        </p:nvSpPr>
-        <p:spPr>
-          <a:xfrm>
-            <a:off x="320889" y="1350997"/>
-            <a:ext cx="8351941" cy="4247317"/>
-          </a:xfrm>
-          <a:prstGeom prst="rect">
-            <a:avLst/>
-          </a:prstGeom>
-          <a:noFill/>
-        </p:spPr>
-        <p:txBody>
-          <a:bodyPr wrap="none" rtlCol="0">
-            <a:spAutoFit/>
-          </a:bodyPr>
-          <a:lstStyle/>
-          <a:p>
-            <a:pPr algn="l"/>
-            <a:r>
-              <a:rPr lang="en-US" sz="5400" dirty="0" smtClean="0">
-                <a:latin typeface="Comic Sans MS" pitchFamily="66" charset="0"/>
-              </a:rPr>
-              <a:t>There is a propositional</a:t>
-            </a:r>
-          </a:p>
-          <a:p>
-            <a:pPr algn="l"/>
-            <a:r>
-              <a:rPr lang="en-US" sz="5400" dirty="0" smtClean="0">
-                <a:latin typeface="Comic Sans MS" pitchFamily="66" charset="0"/>
-              </a:rPr>
-              <a:t>formula for every truth</a:t>
-            </a:r>
-          </a:p>
-          <a:p>
-            <a:pPr algn="l"/>
-            <a:r>
-              <a:rPr lang="en-US" sz="5400" dirty="0" smtClean="0">
-                <a:latin typeface="Comic Sans MS" pitchFamily="66" charset="0"/>
-              </a:rPr>
-              <a:t>table.  In fact, there is</a:t>
-            </a:r>
-          </a:p>
-          <a:p>
-            <a:pPr algn="l"/>
-            <a:r>
-              <a:rPr lang="en-US" sz="5400" dirty="0" smtClean="0">
-                <a:latin typeface="Comic Sans MS" pitchFamily="66" charset="0"/>
-              </a:rPr>
-              <a:t>a special </a:t>
-            </a:r>
-            <a:r>
-              <a:rPr lang="en-US" sz="5400" dirty="0" smtClean="0">
-                <a:solidFill>
-                  <a:srgbClr val="0000FF"/>
-                </a:solidFill>
-                <a:latin typeface="Comic Sans MS" pitchFamily="66" charset="0"/>
-              </a:rPr>
-              <a:t>sum of</a:t>
-            </a:r>
-            <a:r>
-              <a:rPr lang="en-US" sz="5400" dirty="0">
-                <a:solidFill>
-                  <a:srgbClr val="0000FF"/>
-                </a:solidFill>
-                <a:latin typeface="Comic Sans MS" pitchFamily="66" charset="0"/>
-              </a:rPr>
-              <a:t> </a:t>
-            </a:r>
-            <a:r>
-              <a:rPr lang="en-US" sz="5400" dirty="0" smtClean="0">
-                <a:solidFill>
-                  <a:srgbClr val="0000FF"/>
-                </a:solidFill>
-                <a:latin typeface="Comic Sans MS" pitchFamily="66" charset="0"/>
-              </a:rPr>
-              <a:t>products</a:t>
-            </a:r>
-          </a:p>
-          <a:p>
-            <a:pPr algn="l"/>
-            <a:r>
-              <a:rPr lang="en-US" sz="5400" dirty="0" smtClean="0">
-                <a:latin typeface="Comic Sans MS" pitchFamily="66" charset="0"/>
-              </a:rPr>
-              <a:t>formula.</a:t>
-            </a:r>
-          </a:p>
-        </p:txBody>
-      </p:sp>
-    </p:spTree>
-    <p:extLst>
-      <p:ext uri="{BB962C8B-B14F-4D97-AF65-F5344CB8AC3E}">
-        <p14:creationId xmlns:p14="http://schemas.microsoft.com/office/powerpoint/2010/main" val="1677469921"/>
-      </p:ext>
-    </p:extLst>
-  </p:cSld>
-  <p:clrMapOvr>
-    <a:masterClrMapping/>
-  </p:clrMapOvr>
-  <mc:AlternateContent xmlns:mc="http://schemas.openxmlformats.org/markup-compatibility/2006">
-    <mc:Choice xmlns:p14="http://schemas.microsoft.com/office/powerpoint/2010/main" Requires="p14">
-      <p:transition spd="med" p14:dur="700" advClick="0">
-        <p:fade/>
-      </p:transition>
-    </mc:Choice>
-    <mc:Fallback>
-      <p:transition xmlns:p14="http://schemas.microsoft.com/office/powerpoint/2010/main" spd="med" advClick="0">
-        <p:fade/>
-      </p:transition>
-    </mc:Fallback>
-  </mc:AlternateContent>
-  <p:timing>
-    <p:tnLst>
-      <p:par>
-        <p:cTn xmlns:p14="http://schemas.microsoft.com/office/powerpoint/2010/main" id="1" dur="indefinite" restart="never" nodeType="tmRoot">
-          <p:childTnLst>
-            <p:seq concurrent="1" nextAc="seek">
-              <p:cTn id="2" dur="indefinite" nodeType="mainSeq">
-                <p:childTnLst>
-                  <p:par>
-                    <p:cTn id="3" fill="hold">
-                      <p:stCondLst>
-                        <p:cond delay="indefinite"/>
-                      </p:stCondLst>
-                      <p:childTnLst>
-                        <p:par>
-                          <p:cTn id="4" fill="hold">
-                            <p:stCondLst>
-                              <p:cond delay="0"/>
-                            </p:stCondLst>
-                            <p:childTnLst>
-                              <p:par>
-                                <p:cTn id="5" presetID="10" presetClass="entr" presetSubtype="0" fill="hold" grpId="0" nodeType="clickEffect">
-                                  <p:stCondLst>
-                                    <p:cond delay="0"/>
-                                  </p:stCondLst>
-                                  <p:childTnLst>
-                                    <p:set>
-                                      <p:cBhvr>
-                                        <p:cTn id="6" dur="1" fill="hold">
-                                          <p:stCondLst>
-                                            <p:cond delay="0"/>
-                                          </p:stCondLst>
-                                        </p:cTn>
-                                        <p:tgtEl>
-                                          <p:spTgt spid="4"/>
-                                        </p:tgtEl>
-                                        <p:attrNameLst>
-                                          <p:attrName>style.visibility</p:attrName>
-                                        </p:attrNameLst>
-                                      </p:cBhvr>
-                                      <p:to>
-                                        <p:strVal val="visible"/>
-                                      </p:to>
-                                    </p:set>
-                                    <p:animEffect transition="in" filter="fade">
-                                      <p:cBhvr>
-                                        <p:cTn id="7" dur="500"/>
-                                        <p:tgtEl>
-                                          <p:spTgt spid="4"/>
-                                        </p:tgtEl>
-                                      </p:cBhvr>
-                                    </p:animEffect>
-                                  </p:childTnLst>
-                                </p:cTn>
-                              </p:par>
-                            </p:childTnLst>
-                          </p:cTn>
-                        </p:par>
-                      </p:childTnLst>
-                    </p:cTn>
-                  </p:par>
-                </p:childTnLst>
-              </p:cTn>
-              <p:prevCondLst>
-                <p:cond evt="onPrev" delay="0">
-                  <p:tgtEl>
-                    <p:sldTgt/>
-                  </p:tgtEl>
-                </p:cond>
-              </p:prevCondLst>
-              <p:nextCondLst>
-                <p:cond evt="onNext" delay="0">
-                  <p:tgtEl>
-                    <p:sldTgt/>
-                  </p:tgtEl>
-                </p:cond>
-              </p:nextCondLst>
-            </p:seq>
-          </p:childTnLst>
-        </p:cTn>
-      </p:par>
-    </p:tnLst>
-    <p:bldLst>
-      <p:bldP spid="4" grpId="0"/>
-    </p:bldLst>
-  </p:timing>
-</p:sld>
-</file>
-
-<file path=ppt/slides/slide20.xml><?xml version="1.0" encoding="utf-8"?>
-<p:sld xmlns:a="http://schemas.openxmlformats.org/drawingml/2006/main" xmlns:r="http://schemas.openxmlformats.org/officeDocument/2006/relationships" xmlns:p="http://schemas.openxmlformats.org/presentationml/2006/main">
-  <p:cSld>
-    <p:spTree>
-      <p:nvGrpSpPr>
-        <p:cNvPr id="1" name=""/>
-        <p:cNvGrpSpPr/>
-        <p:nvPr/>
-      </p:nvGrpSpPr>
-      <p:grpSpPr>
-        <a:xfrm>
-          <a:off x="0" y="0"/>
-          <a:ext cx="0" cy="0"/>
-          <a:chOff x="0" y="0"/>
-          <a:chExt cx="0" cy="0"/>
-        </a:xfrm>
-      </p:grpSpPr>
-      <p:sp>
-        <p:nvSpPr>
-          <p:cNvPr id="2" name="Title 1"/>
-          <p:cNvSpPr>
-            <a:spLocks noGrp="1"/>
-          </p:cNvSpPr>
-          <p:nvPr>
-            <p:ph type="title" sz="quarter"/>
-          </p:nvPr>
-        </p:nvSpPr>
-        <p:spPr>
-          <a:xfrm>
             <a:off x="401078" y="1359070"/>
             <a:ext cx="8199798" cy="4032643"/>
           </a:xfrm>
@@ -8174,7 +10534,7 @@
               <a:pPr>
                 <a:defRPr/>
               </a:pPr>
-              <a:t>20</a:t>
+              <a:t>21</a:t>
             </a:fld>
             <a:endParaRPr lang="en-US" dirty="0"/>
           </a:p>
@@ -8203,7 +10563,7 @@
 </p:sld>
 </file>
 
-<file path=ppt/slides/slide21.xml><?xml version="1.0" encoding="utf-8"?>
+<file path=ppt/slides/slide22.xml><?xml version="1.0" encoding="utf-8"?>
 <p:sld xmlns:a="http://schemas.openxmlformats.org/drawingml/2006/main" xmlns:r="http://schemas.openxmlformats.org/officeDocument/2006/relationships" xmlns:p="http://schemas.openxmlformats.org/presentationml/2006/main">
   <p:cSld>
     <p:spTree>
@@ -8252,7 +10612,7 @@
               <a:pPr>
                 <a:defRPr/>
               </a:pPr>
-              <a:t>21</a:t>
+              <a:t>22</a:t>
             </a:fld>
             <a:endParaRPr lang="en-US" dirty="0"/>
           </a:p>
@@ -8450,7 +10810,7 @@
 </p:sld>
 </file>
 
-<file path=ppt/slides/slide22.xml><?xml version="1.0" encoding="utf-8"?>
+<file path=ppt/slides/slide23.xml><?xml version="1.0" encoding="utf-8"?>
 <p:sld xmlns:a="http://schemas.openxmlformats.org/drawingml/2006/main" xmlns:r="http://schemas.openxmlformats.org/officeDocument/2006/relationships" xmlns:p="http://schemas.openxmlformats.org/presentationml/2006/main" show="0">
   <p:cSld>
     <p:spTree>
@@ -8536,7 +10896,7 @@
               <a:pPr>
                 <a:defRPr/>
               </a:pPr>
-              <a:t>22</a:t>
+              <a:t>23</a:t>
             </a:fld>
             <a:endParaRPr lang="en-US" dirty="0"/>
           </a:p>
@@ -8714,6 +11074,219 @@
         </p:nvSpPr>
         <p:spPr>
           <a:xfrm>
+            <a:off x="1515880" y="350027"/>
+            <a:ext cx="7493000" cy="1122560"/>
+          </a:xfrm>
+        </p:spPr>
+        <p:txBody>
+          <a:bodyPr/>
+          <a:lstStyle/>
+          <a:p>
+            <a:r>
+              <a:rPr lang="en-US" dirty="0" smtClean="0"/>
+              <a:t>Formulas for </a:t>
+            </a:r>
+            <a:r>
+              <a:rPr lang="en-US" dirty="0"/>
+              <a:t>T</a:t>
+            </a:r>
+            <a:r>
+              <a:rPr lang="en-US" dirty="0" smtClean="0"/>
+              <a:t>ruth Tables</a:t>
+            </a:r>
+            <a:endParaRPr lang="en-US" dirty="0"/>
+          </a:p>
+        </p:txBody>
+      </p:sp>
+      <p:sp>
+        <p:nvSpPr>
+          <p:cNvPr id="3" name="Slide Number Placeholder 2"/>
+          <p:cNvSpPr>
+            <a:spLocks noGrp="1"/>
+          </p:cNvSpPr>
+          <p:nvPr>
+            <p:ph type="sldNum" sz="quarter" idx="4"/>
+          </p:nvPr>
+        </p:nvSpPr>
+        <p:spPr/>
+        <p:txBody>
+          <a:bodyPr/>
+          <a:lstStyle/>
+          <a:p>
+            <a:pPr>
+              <a:defRPr/>
+            </a:pPr>
+            <a:r>
+              <a:rPr lang="en-US" smtClean="0"/>
+              <a:t>CNF-DNF.</a:t>
+            </a:r>
+            <a:fld id="{EBFB97A3-F52F-4FD6-B1AC-522A20C95467}" type="slidenum">
+              <a:rPr lang="en-US" smtClean="0"/>
+              <a:pPr>
+                <a:defRPr/>
+              </a:pPr>
+              <a:t>3</a:t>
+            </a:fld>
+            <a:endParaRPr lang="en-US" dirty="0"/>
+          </a:p>
+        </p:txBody>
+      </p:sp>
+      <p:sp>
+        <p:nvSpPr>
+          <p:cNvPr id="4" name="TextBox 3"/>
+          <p:cNvSpPr txBox="1"/>
+          <p:nvPr/>
+        </p:nvSpPr>
+        <p:spPr>
+          <a:xfrm>
+            <a:off x="320889" y="1350997"/>
+            <a:ext cx="8351941" cy="4247317"/>
+          </a:xfrm>
+          <a:prstGeom prst="rect">
+            <a:avLst/>
+          </a:prstGeom>
+          <a:noFill/>
+        </p:spPr>
+        <p:txBody>
+          <a:bodyPr wrap="none" rtlCol="0">
+            <a:spAutoFit/>
+          </a:bodyPr>
+          <a:lstStyle/>
+          <a:p>
+            <a:pPr algn="l"/>
+            <a:r>
+              <a:rPr lang="en-US" sz="5400" dirty="0" smtClean="0">
+                <a:latin typeface="Comic Sans MS" pitchFamily="66" charset="0"/>
+              </a:rPr>
+              <a:t>There is a propositional</a:t>
+            </a:r>
+          </a:p>
+          <a:p>
+            <a:pPr algn="l"/>
+            <a:r>
+              <a:rPr lang="en-US" sz="5400" dirty="0" smtClean="0">
+                <a:latin typeface="Comic Sans MS" pitchFamily="66" charset="0"/>
+              </a:rPr>
+              <a:t>formula for every truth</a:t>
+            </a:r>
+          </a:p>
+          <a:p>
+            <a:pPr algn="l"/>
+            <a:r>
+              <a:rPr lang="en-US" sz="5400" dirty="0" smtClean="0">
+                <a:latin typeface="Comic Sans MS" pitchFamily="66" charset="0"/>
+              </a:rPr>
+              <a:t>table.  In fact, there is</a:t>
+            </a:r>
+          </a:p>
+          <a:p>
+            <a:pPr algn="l"/>
+            <a:r>
+              <a:rPr lang="en-US" sz="5400" dirty="0" smtClean="0">
+                <a:latin typeface="Comic Sans MS" pitchFamily="66" charset="0"/>
+              </a:rPr>
+              <a:t>a special </a:t>
+            </a:r>
+            <a:r>
+              <a:rPr lang="en-US" sz="5400" dirty="0" smtClean="0">
+                <a:solidFill>
+                  <a:srgbClr val="0000FF"/>
+                </a:solidFill>
+                <a:latin typeface="Comic Sans MS" pitchFamily="66" charset="0"/>
+              </a:rPr>
+              <a:t>sum of</a:t>
+            </a:r>
+            <a:r>
+              <a:rPr lang="en-US" sz="5400" dirty="0">
+                <a:solidFill>
+                  <a:srgbClr val="0000FF"/>
+                </a:solidFill>
+                <a:latin typeface="Comic Sans MS" pitchFamily="66" charset="0"/>
+              </a:rPr>
+              <a:t> </a:t>
+            </a:r>
+            <a:r>
+              <a:rPr lang="en-US" sz="5400" dirty="0" smtClean="0">
+                <a:solidFill>
+                  <a:srgbClr val="0000FF"/>
+                </a:solidFill>
+                <a:latin typeface="Comic Sans MS" pitchFamily="66" charset="0"/>
+              </a:rPr>
+              <a:t>products</a:t>
+            </a:r>
+          </a:p>
+          <a:p>
+            <a:pPr algn="l"/>
+            <a:r>
+              <a:rPr lang="en-US" sz="5400" dirty="0" smtClean="0">
+                <a:latin typeface="Comic Sans MS" pitchFamily="66" charset="0"/>
+              </a:rPr>
+              <a:t>formula.</a:t>
+            </a:r>
+          </a:p>
+        </p:txBody>
+      </p:sp>
+    </p:spTree>
+    <p:extLst>
+      <p:ext uri="{BB962C8B-B14F-4D97-AF65-F5344CB8AC3E}">
+        <p14:creationId xmlns:p14="http://schemas.microsoft.com/office/powerpoint/2010/main" val="2678823006"/>
+      </p:ext>
+    </p:extLst>
+  </p:cSld>
+  <p:clrMapOvr>
+    <a:masterClrMapping/>
+  </p:clrMapOvr>
+  <mc:AlternateContent xmlns:mc="http://schemas.openxmlformats.org/markup-compatibility/2006" xmlns:p14="http://schemas.microsoft.com/office/powerpoint/2010/main">
+    <mc:Choice Requires="p14">
+      <p:transition spd="med" p14:dur="600" advClick="0">
+        <p:fade/>
+      </p:transition>
+    </mc:Choice>
+    <mc:Fallback xmlns="">
+      <p:transition xmlns:p14="http://schemas.microsoft.com/office/powerpoint/2010/main" spd="med" advClick="0">
+        <p:fade/>
+      </p:transition>
+    </mc:Fallback>
+  </mc:AlternateContent>
+  <p:timing>
+    <p:tnLst>
+      <p:par>
+        <p:cTn xmlns:p14="http://schemas.microsoft.com/office/powerpoint/2010/main" id="1" dur="indefinite" restart="never" nodeType="tmRoot"/>
+      </p:par>
+    </p:tnLst>
+  </p:timing>
+</p:sld>
+</file>
+
+<file path=ppt/slides/slide4.xml><?xml version="1.0" encoding="utf-8"?>
+<p:sld xmlns:a="http://schemas.openxmlformats.org/drawingml/2006/main" xmlns:r="http://schemas.openxmlformats.org/officeDocument/2006/relationships" xmlns:p="http://schemas.openxmlformats.org/presentationml/2006/main">
+  <p:cSld>
+    <p:spTree>
+      <p:nvGrpSpPr>
+        <p:cNvPr id="1" name=""/>
+        <p:cNvGrpSpPr/>
+        <p:nvPr/>
+      </p:nvGrpSpPr>
+      <p:grpSpPr>
+        <a:xfrm>
+          <a:off x="0" y="0"/>
+          <a:ext cx="0" cy="0"/>
+          <a:chOff x="0" y="0"/>
+          <a:chExt cx="0" cy="0"/>
+        </a:xfrm>
+      </p:grpSpPr>
+      <p:sp>
+        <p:nvSpPr>
+          <p:cNvPr id="2" name="Title 1"/>
+          <p:cNvSpPr>
+            <a:spLocks noGrp="1"/>
+          </p:cNvSpPr>
+          <p:nvPr>
+            <p:ph type="title" sz="quarter"/>
+          </p:nvPr>
+        </p:nvSpPr>
+        <p:spPr>
+          <a:xfrm>
             <a:off x="1651000" y="323007"/>
             <a:ext cx="7253168" cy="1136070"/>
           </a:xfrm>
@@ -8762,7 +11335,7 @@
               <a:pPr>
                 <a:defRPr/>
               </a:pPr>
-              <a:t>3</a:t>
+              <a:t>4</a:t>
             </a:fld>
             <a:endParaRPr lang="en-US" dirty="0"/>
           </a:p>
@@ -9194,7 +11767,7 @@
 </p:sld>
 </file>
 
-<file path=ppt/slides/slide4.xml><?xml version="1.0" encoding="utf-8"?>
+<file path=ppt/slides/slide5.xml><?xml version="1.0" encoding="utf-8"?>
 <p:sld xmlns:a="http://schemas.openxmlformats.org/drawingml/2006/main" xmlns:r="http://schemas.openxmlformats.org/officeDocument/2006/relationships" xmlns:p="http://schemas.openxmlformats.org/presentationml/2006/main">
   <p:cSld>
     <p:spTree>
@@ -9243,7 +11816,7 @@
               <a:pPr>
                 <a:defRPr/>
               </a:pPr>
-              <a:t>4</a:t>
+              <a:t>5</a:t>
             </a:fld>
             <a:endParaRPr lang="en-US" dirty="0"/>
           </a:p>
@@ -10917,7 +13490,7 @@
 </p:sld>
 </file>
 
-<file path=ppt/slides/slide5.xml><?xml version="1.0" encoding="utf-8"?>
+<file path=ppt/slides/slide6.xml><?xml version="1.0" encoding="utf-8"?>
 <p:sld xmlns:a="http://schemas.openxmlformats.org/drawingml/2006/main" xmlns:r="http://schemas.openxmlformats.org/officeDocument/2006/relationships" xmlns:p="http://schemas.openxmlformats.org/presentationml/2006/main">
   <p:cSld>
     <p:spTree>
@@ -10966,7 +13539,7 @@
               <a:pPr>
                 <a:defRPr/>
               </a:pPr>
-              <a:t>5</a:t>
+              <a:t>6</a:t>
             </a:fld>
             <a:endParaRPr lang="en-US" dirty="0"/>
           </a:p>
@@ -11059,12 +13632,12 @@
           <a:graphicData uri="http://schemas.openxmlformats.org/presentationml/2006/ole">
             <mc:AlternateContent xmlns:mc="http://schemas.openxmlformats.org/markup-compatibility/2006">
               <mc:Choice xmlns:v="urn:schemas-microsoft-com:vml" Requires="v">
-                <p:oleObj spid="_x0000_s1076" name="Equation" r:id="rId3" imgW="1066800" imgH="254000" progId="Equation.DSMT4">
+                <p:oleObj spid="_x0000_s1081" name="Equation" r:id="rId4" imgW="1066800" imgH="254000" progId="Equation.DSMT4">
                   <p:embed/>
                 </p:oleObj>
               </mc:Choice>
               <mc:Fallback>
-                <p:oleObj name="Equation" r:id="rId3" imgW="1066800" imgH="254000" progId="Equation.DSMT4">
+                <p:oleObj name="Equation" r:id="rId4" imgW="1066800" imgH="254000" progId="Equation.DSMT4">
                   <p:embed/>
                   <p:pic>
                     <p:nvPicPr>
@@ -11073,7 +13646,7 @@
                       <p:nvPr/>
                     </p:nvPicPr>
                     <p:blipFill>
-                      <a:blip r:embed="rId4"/>
+                      <a:blip r:embed="rId5"/>
                       <a:stretch>
                         <a:fillRect/>
                       </a:stretch>
@@ -11265,12 +13838,6 @@
               </a:rPr>
               <a:t>literals</a:t>
             </a:r>
-            <a:endParaRPr lang="en-US" sz="6600" dirty="0" smtClean="0">
-              <a:solidFill>
-                <a:srgbClr val="DC11CA"/>
-              </a:solidFill>
-              <a:latin typeface="Comic Sans MS" pitchFamily="66" charset="0"/>
-            </a:endParaRPr>
           </a:p>
         </p:txBody>
       </p:sp>
@@ -11519,7 +14086,7 @@
 </p:sld>
 </file>
 
-<file path=ppt/slides/slide6.xml><?xml version="1.0" encoding="utf-8"?>
+<file path=ppt/slides/slide7.xml><?xml version="1.0" encoding="utf-8"?>
 <p:sld xmlns:a="http://schemas.openxmlformats.org/drawingml/2006/main" xmlns:r="http://schemas.openxmlformats.org/officeDocument/2006/relationships" xmlns:p="http://schemas.openxmlformats.org/presentationml/2006/main">
   <p:cSld>
     <p:spTree>
@@ -11558,12 +14125,12 @@
           <a:graphicData uri="http://schemas.openxmlformats.org/presentationml/2006/ole">
             <mc:AlternateContent xmlns:mc="http://schemas.openxmlformats.org/markup-compatibility/2006">
               <mc:Choice xmlns:v="urn:schemas-microsoft-com:vml" Requires="v">
-                <p:oleObj spid="_x0000_s22561" name="Equation" r:id="rId3" imgW="939800" imgH="469900" progId="Equation.DSMT4">
+                <p:oleObj spid="_x0000_s22569" name="Equation" r:id="rId4" imgW="939800" imgH="469900" progId="Equation.DSMT4">
                   <p:embed/>
                 </p:oleObj>
               </mc:Choice>
               <mc:Fallback>
-                <p:oleObj name="Equation" r:id="rId3" imgW="939800" imgH="469900" progId="Equation.DSMT4">
+                <p:oleObj name="Equation" r:id="rId4" imgW="939800" imgH="469900" progId="Equation.DSMT4">
                   <p:embed/>
                   <p:pic>
                     <p:nvPicPr>
@@ -11572,7 +14139,7 @@
                       <p:nvPr/>
                     </p:nvPicPr>
                     <p:blipFill>
-                      <a:blip r:embed="rId4"/>
+                      <a:blip r:embed="rId5"/>
                       <a:stretch>
                         <a:fillRect/>
                       </a:stretch>
@@ -11625,7 +14192,7 @@
               <a:pPr>
                 <a:defRPr/>
               </a:pPr>
-              <a:t>6</a:t>
+              <a:t>7</a:t>
             </a:fld>
             <a:endParaRPr lang="en-US" dirty="0"/>
           </a:p>
@@ -11653,12 +14220,12 @@
           <a:graphicData uri="http://schemas.openxmlformats.org/presentationml/2006/ole">
             <mc:AlternateContent xmlns:mc="http://schemas.openxmlformats.org/markup-compatibility/2006">
               <mc:Choice xmlns:v="urn:schemas-microsoft-com:vml" Requires="v">
-                <p:oleObj spid="_x0000_s22562" name="Equation" r:id="rId5" imgW="1066800" imgH="254000" progId="Equation.DSMT4">
+                <p:oleObj spid="_x0000_s22570" name="Equation" r:id="rId6" imgW="1066800" imgH="254000" progId="Equation.DSMT4">
                   <p:embed/>
                 </p:oleObj>
               </mc:Choice>
               <mc:Fallback>
-                <p:oleObj name="Equation" r:id="rId5" imgW="1066800" imgH="254000" progId="Equation.DSMT4">
+                <p:oleObj name="Equation" r:id="rId6" imgW="1066800" imgH="254000" progId="Equation.DSMT4">
                   <p:embed/>
                   <p:pic>
                     <p:nvPicPr>
@@ -11667,7 +14234,7 @@
                       <p:nvPr/>
                     </p:nvPicPr>
                     <p:blipFill>
-                      <a:blip r:embed="rId6"/>
+                      <a:blip r:embed="rId7"/>
                       <a:stretch>
                         <a:fillRect/>
                       </a:stretch>
@@ -11813,12 +14380,6 @@
               </a:rPr>
               <a:t>literals</a:t>
             </a:r>
-            <a:endParaRPr lang="en-US" sz="6600" dirty="0" smtClean="0">
-              <a:solidFill>
-                <a:srgbClr val="DC11CA"/>
-              </a:solidFill>
-              <a:latin typeface="Comic Sans MS" pitchFamily="66" charset="0"/>
-            </a:endParaRPr>
           </a:p>
         </p:txBody>
       </p:sp>
@@ -12053,7 +14614,7 @@
 </p:sld>
 </file>
 
-<file path=ppt/slides/slide7.xml><?xml version="1.0" encoding="utf-8"?>
+<file path=ppt/slides/slide8.xml><?xml version="1.0" encoding="utf-8"?>
 <p:sld xmlns:a="http://schemas.openxmlformats.org/drawingml/2006/main" xmlns:r="http://schemas.openxmlformats.org/officeDocument/2006/relationships" xmlns:p="http://schemas.openxmlformats.org/presentationml/2006/main">
   <p:cSld>
     <p:spTree>
@@ -12164,7 +14725,7 @@
               <a:pPr>
                 <a:defRPr/>
               </a:pPr>
-              <a:t>7</a:t>
+              <a:t>8</a:t>
             </a:fld>
             <a:endParaRPr lang="en-US" dirty="0"/>
           </a:p>
@@ -12308,12 +14869,12 @@
           <a:graphicData uri="http://schemas.openxmlformats.org/presentationml/2006/ole">
             <mc:AlternateContent xmlns:mc="http://schemas.openxmlformats.org/markup-compatibility/2006">
               <mc:Choice xmlns:v="urn:schemas-microsoft-com:vml" Requires="v">
-                <p:oleObj spid="_x0000_s2082" name="Equation" r:id="rId3" imgW="1003300" imgH="482600" progId="Equation.DSMT4">
+                <p:oleObj spid="_x0000_s2087" name="Equation" r:id="rId4" imgW="1003300" imgH="482600" progId="Equation.DSMT4">
                   <p:embed/>
                 </p:oleObj>
               </mc:Choice>
               <mc:Fallback>
-                <p:oleObj name="Equation" r:id="rId3" imgW="1003300" imgH="482600" progId="Equation.DSMT4">
+                <p:oleObj name="Equation" r:id="rId4" imgW="1003300" imgH="482600" progId="Equation.DSMT4">
                   <p:embed/>
                   <p:pic>
                     <p:nvPicPr>
@@ -12322,7 +14883,7 @@
                       <p:nvPr/>
                     </p:nvPicPr>
                     <p:blipFill>
-                      <a:blip r:embed="rId4"/>
+                      <a:blip r:embed="rId5"/>
                       <a:stretch>
                         <a:fillRect/>
                       </a:stretch>
@@ -12536,7 +15097,7 @@
 </p:sld>
 </file>
 
-<file path=ppt/slides/slide8.xml><?xml version="1.0" encoding="utf-8"?>
+<file path=ppt/slides/slide9.xml><?xml version="1.0" encoding="utf-8"?>
 <p:sld xmlns:a="http://schemas.openxmlformats.org/drawingml/2006/main" xmlns:r="http://schemas.openxmlformats.org/officeDocument/2006/relationships" xmlns:p="http://schemas.openxmlformats.org/presentationml/2006/main">
   <p:cSld>
     <p:spTree>
@@ -12641,7 +15202,7 @@
               <a:pPr>
                 <a:defRPr/>
               </a:pPr>
-              <a:t>8</a:t>
+              <a:t>9</a:t>
             </a:fld>
             <a:endParaRPr lang="en-US" dirty="0"/>
           </a:p>
@@ -12669,12 +15230,12 @@
           <a:graphicData uri="http://schemas.openxmlformats.org/presentationml/2006/ole">
             <mc:AlternateContent xmlns:mc="http://schemas.openxmlformats.org/markup-compatibility/2006">
               <mc:Choice xmlns:v="urn:schemas-microsoft-com:vml" Requires="v">
-                <p:oleObj spid="_x0000_s24593" name="Equation" r:id="rId3" imgW="1003300" imgH="482600" progId="Equation.DSMT4">
+                <p:oleObj spid="_x0000_s24598" name="Equation" r:id="rId4" imgW="1003300" imgH="482600" progId="Equation.DSMT4">
                   <p:embed/>
                 </p:oleObj>
               </mc:Choice>
               <mc:Fallback>
-                <p:oleObj name="Equation" r:id="rId3" imgW="1003300" imgH="482600" progId="Equation.DSMT4">
+                <p:oleObj name="Equation" r:id="rId4" imgW="1003300" imgH="482600" progId="Equation.DSMT4">
                   <p:embed/>
                   <p:pic>
                     <p:nvPicPr>
@@ -12683,7 +15244,7 @@
                       <p:nvPr/>
                     </p:nvPicPr>
                     <p:blipFill>
-                      <a:blip r:embed="rId4"/>
+                      <a:blip r:embed="rId5"/>
                       <a:stretch>
                         <a:fillRect/>
                       </a:stretch>
@@ -12795,559 +15356,6 @@
         <p:cTn xmlns:p14="http://schemas.microsoft.com/office/powerpoint/2010/main" id="1" dur="indefinite" restart="never" nodeType="tmRoot"/>
       </p:par>
     </p:tnLst>
-  </p:timing>
-</p:sld>
-</file>
-
-<file path=ppt/slides/slide9.xml><?xml version="1.0" encoding="utf-8"?>
-<p:sld xmlns:a="http://schemas.openxmlformats.org/drawingml/2006/main" xmlns:r="http://schemas.openxmlformats.org/officeDocument/2006/relationships" xmlns:p="http://schemas.openxmlformats.org/presentationml/2006/main">
-  <p:cSld>
-    <p:spTree>
-      <p:nvGrpSpPr>
-        <p:cNvPr id="1" name=""/>
-        <p:cNvGrpSpPr/>
-        <p:nvPr/>
-      </p:nvGrpSpPr>
-      <p:grpSpPr>
-        <a:xfrm>
-          <a:off x="0" y="0"/>
-          <a:ext cx="0" cy="0"/>
-          <a:chOff x="0" y="0"/>
-          <a:chExt cx="0" cy="0"/>
-        </a:xfrm>
-      </p:grpSpPr>
-      <p:sp>
-        <p:nvSpPr>
-          <p:cNvPr id="3" name="Slide Number Placeholder 2"/>
-          <p:cNvSpPr>
-            <a:spLocks noGrp="1"/>
-          </p:cNvSpPr>
-          <p:nvPr>
-            <p:ph type="sldNum" sz="quarter" idx="4"/>
-          </p:nvPr>
-        </p:nvSpPr>
-        <p:spPr>
-          <a:xfrm>
-            <a:off x="8127154" y="6553200"/>
-            <a:ext cx="1016850" cy="276999"/>
-          </a:xfrm>
-        </p:spPr>
-        <p:txBody>
-          <a:bodyPr/>
-          <a:lstStyle/>
-          <a:p>
-            <a:pPr>
-              <a:defRPr/>
-            </a:pPr>
-            <a:r>
-              <a:rPr lang="en-US" dirty="0" smtClean="0"/>
-              <a:t>DNF-CNF.</a:t>
-            </a:r>
-            <a:fld id="{068AF58D-0467-409E-A30A-0D5E3A2B197F}" type="slidenum">
-              <a:rPr lang="en-US" smtClean="0"/>
-              <a:pPr>
-                <a:defRPr/>
-              </a:pPr>
-              <a:t>9</a:t>
-            </a:fld>
-            <a:endParaRPr lang="en-US" dirty="0"/>
-          </a:p>
-        </p:txBody>
-      </p:sp>
-      <p:graphicFrame>
-        <p:nvGraphicFramePr>
-          <p:cNvPr id="5" name="Object 4"/>
-          <p:cNvGraphicFramePr>
-            <a:graphicFrameLocks noChangeAspect="1"/>
-          </p:cNvGraphicFramePr>
-          <p:nvPr>
-            <p:extLst>
-              <p:ext uri="{D42A27DB-BD31-4B8C-83A1-F6EECF244321}">
-                <p14:modId xmlns:p14="http://schemas.microsoft.com/office/powerpoint/2010/main" val="775180265"/>
-              </p:ext>
-            </p:extLst>
-          </p:nvPr>
-        </p:nvGraphicFramePr>
-        <p:xfrm>
-          <a:off x="1883697" y="1459820"/>
-          <a:ext cx="5578475" cy="3973513"/>
-        </p:xfrm>
-        <a:graphic>
-          <a:graphicData uri="http://schemas.openxmlformats.org/presentationml/2006/ole">
-            <mc:AlternateContent xmlns:mc="http://schemas.openxmlformats.org/markup-compatibility/2006">
-              <mc:Choice xmlns:v="urn:schemas-microsoft-com:vml" Requires="v">
-                <p:oleObj spid="_x0000_s3107" name="Equation" r:id="rId3" imgW="1282700" imgH="914400" progId="Equation.DSMT4">
-                  <p:embed/>
-                </p:oleObj>
-              </mc:Choice>
-              <mc:Fallback>
-                <p:oleObj name="Equation" r:id="rId3" imgW="1282700" imgH="914400" progId="Equation.DSMT4">
-                  <p:embed/>
-                  <p:pic>
-                    <p:nvPicPr>
-                      <p:cNvPr id="0" name=""/>
-                      <p:cNvPicPr/>
-                      <p:nvPr/>
-                    </p:nvPicPr>
-                    <p:blipFill>
-                      <a:blip r:embed="rId4"/>
-                      <a:stretch>
-                        <a:fillRect/>
-                      </a:stretch>
-                    </p:blipFill>
-                    <p:spPr>
-                      <a:xfrm>
-                        <a:off x="1883697" y="1459820"/>
-                        <a:ext cx="5578475" cy="3973513"/>
-                      </a:xfrm>
-                      <a:prstGeom prst="rect">
-                        <a:avLst/>
-                      </a:prstGeom>
-                    </p:spPr>
-                  </p:pic>
-                </p:oleObj>
-              </mc:Fallback>
-            </mc:AlternateContent>
-          </a:graphicData>
-        </a:graphic>
-      </p:graphicFrame>
-      <p:sp>
-        <p:nvSpPr>
-          <p:cNvPr id="10" name="Title 1"/>
-          <p:cNvSpPr>
-            <a:spLocks noGrp="1"/>
-          </p:cNvSpPr>
-          <p:nvPr>
-            <p:ph type="title" sz="quarter"/>
-          </p:nvPr>
-        </p:nvSpPr>
-        <p:spPr>
-          <a:xfrm>
-            <a:off x="2907605" y="309498"/>
-            <a:ext cx="5226422" cy="1230639"/>
-          </a:xfrm>
-        </p:spPr>
-        <p:txBody>
-          <a:bodyPr/>
-          <a:lstStyle/>
-          <a:p>
-            <a:pPr lvl="0" eaLnBrk="1" hangingPunct="1"/>
-            <a:r>
-              <a:rPr lang="en-US" sz="6600" b="0" kern="1200" dirty="0">
-                <a:solidFill>
-                  <a:srgbClr val="DC11CA"/>
-                </a:solidFill>
-                <a:ea typeface="+mn-ea"/>
-                <a:cs typeface="+mn-cs"/>
-              </a:rPr>
-              <a:t>DNF</a:t>
-            </a:r>
-            <a:r>
-              <a:rPr lang="en-US" sz="6600" b="0" kern="1200" dirty="0">
-                <a:solidFill>
-                  <a:srgbClr val="000000"/>
-                </a:solidFill>
-                <a:ea typeface="+mn-ea"/>
-                <a:cs typeface="+mn-cs"/>
-              </a:rPr>
-              <a:t> for </a:t>
-            </a:r>
-            <a:r>
-              <a:rPr lang="en-US" sz="6600" b="0" kern="1200" dirty="0">
-                <a:solidFill>
-                  <a:srgbClr val="CCCCFF">
-                    <a:lumMod val="50000"/>
-                  </a:srgbClr>
-                </a:solidFill>
-                <a:ea typeface="+mn-ea"/>
-                <a:cs typeface="+mn-cs"/>
-              </a:rPr>
-              <a:t>M</a:t>
-            </a:r>
-          </a:p>
-        </p:txBody>
-      </p:sp>
-      <p:sp>
-        <p:nvSpPr>
-          <p:cNvPr id="11" name="TextBox 10"/>
-          <p:cNvSpPr txBox="1"/>
-          <p:nvPr/>
-        </p:nvSpPr>
-        <p:spPr>
-          <a:xfrm>
-            <a:off x="245817" y="5313730"/>
-            <a:ext cx="8671665" cy="830997"/>
-          </a:xfrm>
-          <a:prstGeom prst="rect">
-            <a:avLst/>
-          </a:prstGeom>
-          <a:noFill/>
-        </p:spPr>
-        <p:txBody>
-          <a:bodyPr wrap="none" rtlCol="0">
-            <a:spAutoFit/>
-          </a:bodyPr>
-          <a:lstStyle/>
-          <a:p>
-            <a:pPr algn="l"/>
-            <a:r>
-              <a:rPr lang="en-US" sz="4800" dirty="0">
-                <a:solidFill>
-                  <a:srgbClr val="BB0FAB"/>
-                </a:solidFill>
-                <a:latin typeface="Comic Sans MS" pitchFamily="66" charset="0"/>
-              </a:rPr>
-              <a:t>e</a:t>
-            </a:r>
-            <a:r>
-              <a:rPr lang="en-US" sz="4800" dirty="0" smtClean="0">
-                <a:solidFill>
-                  <a:srgbClr val="BB0FAB"/>
-                </a:solidFill>
-                <a:latin typeface="Comic Sans MS" pitchFamily="66" charset="0"/>
-              </a:rPr>
-              <a:t>ach </a:t>
-            </a:r>
-            <a:r>
-              <a:rPr lang="en-US" sz="4800" dirty="0" smtClean="0">
-                <a:solidFill>
-                  <a:srgbClr val="BB0FAB"/>
-                </a:solidFill>
-                <a:latin typeface="Comic Sans MS" pitchFamily="66" charset="0"/>
-              </a:rPr>
-              <a:t>product has all variables</a:t>
-            </a:r>
-          </a:p>
-        </p:txBody>
-      </p:sp>
-      <p:sp>
-        <p:nvSpPr>
-          <p:cNvPr id="12" name="TextBox 11"/>
-          <p:cNvSpPr txBox="1"/>
-          <p:nvPr/>
-        </p:nvSpPr>
-        <p:spPr>
-          <a:xfrm>
-            <a:off x="1310626" y="297219"/>
-            <a:ext cx="1731063" cy="1200329"/>
-          </a:xfrm>
-          <a:prstGeom prst="rect">
-            <a:avLst/>
-          </a:prstGeom>
-          <a:noFill/>
-        </p:spPr>
-        <p:txBody>
-          <a:bodyPr wrap="none" rtlCol="0">
-            <a:spAutoFit/>
-          </a:bodyPr>
-          <a:lstStyle/>
-          <a:p>
-            <a:pPr algn="l"/>
-            <a:r>
-              <a:rPr lang="en-US" sz="7200" dirty="0" smtClean="0">
-                <a:solidFill>
-                  <a:srgbClr val="BB0FAB"/>
-                </a:solidFill>
-                <a:latin typeface="Comic Sans MS" pitchFamily="66" charset="0"/>
-              </a:rPr>
-              <a:t>Full</a:t>
-            </a:r>
-          </a:p>
-        </p:txBody>
-      </p:sp>
-      <p:sp>
-        <p:nvSpPr>
-          <p:cNvPr id="7" name="Rounded Rectangle 6"/>
-          <p:cNvSpPr/>
-          <p:nvPr/>
-        </p:nvSpPr>
-        <p:spPr bwMode="auto">
-          <a:xfrm>
-            <a:off x="1216050" y="1418547"/>
-            <a:ext cx="6688257" cy="3958422"/>
-          </a:xfrm>
-          <a:prstGeom prst="roundRect">
-            <a:avLst/>
-          </a:prstGeom>
-          <a:noFill/>
-          <a:ln w="47625" cap="flat" cmpd="sng" algn="ctr">
-            <a:solidFill>
-              <a:srgbClr val="DC11CA"/>
-            </a:solidFill>
-            <a:prstDash val="sysDash"/>
-            <a:round/>
-            <a:headEnd type="none" w="med" len="med"/>
-            <a:tailEnd type="none" w="med" len="med"/>
-          </a:ln>
-          <a:effectLst/>
-        </p:spPr>
-        <p:txBody>
-          <a:bodyPr vert="horz" wrap="none" lIns="91440" tIns="45720" rIns="91440" bIns="45720" numCol="1" rtlCol="0" anchor="ctr" anchorCtr="0" compatLnSpc="1">
-            <a:prstTxWarp prst="textNoShape">
-              <a:avLst/>
-            </a:prstTxWarp>
-          </a:bodyPr>
-          <a:lstStyle/>
-          <a:p>
-            <a:pPr marL="0" marR="0" indent="0" algn="ctr" defTabSz="914400" rtl="0" eaLnBrk="1" fontAlgn="base" latinLnBrk="0" hangingPunct="1">
-              <a:lnSpc>
-                <a:spcPct val="100000"/>
-              </a:lnSpc>
-              <a:spcBef>
-                <a:spcPct val="0"/>
-              </a:spcBef>
-              <a:spcAft>
-                <a:spcPct val="0"/>
-              </a:spcAft>
-              <a:buClrTx/>
-              <a:buSzTx/>
-              <a:buFontTx/>
-              <a:buNone/>
-              <a:tabLst/>
-            </a:pPr>
-            <a:endParaRPr kumimoji="0" lang="en-US" sz="3200" b="0" i="0" u="none" strike="noStrike" cap="none" normalizeH="0" baseline="0" smtClean="0">
-              <a:ln>
-                <a:noFill/>
-              </a:ln>
-              <a:solidFill>
-                <a:schemeClr val="tx1"/>
-              </a:solidFill>
-              <a:effectLst/>
-              <a:latin typeface="Times New Roman" pitchFamily="18" charset="0"/>
-            </a:endParaRPr>
-          </a:p>
-        </p:txBody>
-      </p:sp>
-    </p:spTree>
-    <p:extLst>
-      <p:ext uri="{BB962C8B-B14F-4D97-AF65-F5344CB8AC3E}">
-        <p14:creationId xmlns:p14="http://schemas.microsoft.com/office/powerpoint/2010/main" val="827393925"/>
-      </p:ext>
-    </p:extLst>
-  </p:cSld>
-  <p:clrMapOvr>
-    <a:masterClrMapping/>
-  </p:clrMapOvr>
-  <mc:AlternateContent xmlns:mc="http://schemas.openxmlformats.org/markup-compatibility/2006" xmlns:p14="http://schemas.microsoft.com/office/powerpoint/2010/main">
-    <mc:Choice Requires="p14">
-      <p:transition spd="slow" p14:dur="900" advClick="0">
-        <p:fade/>
-      </p:transition>
-    </mc:Choice>
-    <mc:Fallback xmlns="">
-      <p:transition xmlns:p14="http://schemas.microsoft.com/office/powerpoint/2010/main" spd="slow" advClick="0">
-        <p:fade/>
-      </p:transition>
-    </mc:Fallback>
-  </mc:AlternateContent>
-  <p:timing>
-    <p:tnLst>
-      <p:par>
-        <p:cTn xmlns:p14="http://schemas.microsoft.com/office/powerpoint/2010/main" id="1" dur="indefinite" restart="never" nodeType="tmRoot">
-          <p:childTnLst>
-            <p:seq concurrent="1" nextAc="seek">
-              <p:cTn id="2" dur="indefinite" nodeType="mainSeq">
-                <p:childTnLst>
-                  <p:par>
-                    <p:cTn id="3" fill="hold">
-                      <p:stCondLst>
-                        <p:cond delay="indefinite"/>
-                      </p:stCondLst>
-                      <p:childTnLst>
-                        <p:par>
-                          <p:cTn id="4" fill="hold">
-                            <p:stCondLst>
-                              <p:cond delay="0"/>
-                            </p:stCondLst>
-                            <p:childTnLst>
-                              <p:par>
-                                <p:cTn id="5" presetID="10" presetClass="entr" presetSubtype="0" fill="hold" grpId="0" nodeType="clickEffect">
-                                  <p:stCondLst>
-                                    <p:cond delay="0"/>
-                                  </p:stCondLst>
-                                  <p:childTnLst>
-                                    <p:set>
-                                      <p:cBhvr>
-                                        <p:cTn id="6" dur="1" fill="hold">
-                                          <p:stCondLst>
-                                            <p:cond delay="0"/>
-                                          </p:stCondLst>
-                                        </p:cTn>
-                                        <p:tgtEl>
-                                          <p:spTgt spid="11"/>
-                                        </p:tgtEl>
-                                        <p:attrNameLst>
-                                          <p:attrName>style.visibility</p:attrName>
-                                        </p:attrNameLst>
-                                      </p:cBhvr>
-                                      <p:to>
-                                        <p:strVal val="visible"/>
-                                      </p:to>
-                                    </p:set>
-                                    <p:animEffect transition="in" filter="fade">
-                                      <p:cBhvr>
-                                        <p:cTn id="7" dur="1000"/>
-                                        <p:tgtEl>
-                                          <p:spTgt spid="11"/>
-                                        </p:tgtEl>
-                                      </p:cBhvr>
-                                    </p:animEffect>
-                                  </p:childTnLst>
-                                </p:cTn>
-                              </p:par>
-                            </p:childTnLst>
-                          </p:cTn>
-                        </p:par>
-                      </p:childTnLst>
-                    </p:cTn>
-                  </p:par>
-                  <p:par>
-                    <p:cTn id="8" fill="hold">
-                      <p:stCondLst>
-                        <p:cond delay="indefinite"/>
-                      </p:stCondLst>
-                      <p:childTnLst>
-                        <p:par>
-                          <p:cTn id="9" fill="hold">
-                            <p:stCondLst>
-                              <p:cond delay="0"/>
-                            </p:stCondLst>
-                            <p:childTnLst>
-                              <p:par>
-                                <p:cTn id="10" presetID="49" presetClass="entr" presetSubtype="0" decel="100000" fill="hold" grpId="0" nodeType="clickEffect">
-                                  <p:stCondLst>
-                                    <p:cond delay="0"/>
-                                  </p:stCondLst>
-                                  <p:childTnLst>
-                                    <p:set>
-                                      <p:cBhvr>
-                                        <p:cTn id="11" dur="1" fill="hold">
-                                          <p:stCondLst>
-                                            <p:cond delay="0"/>
-                                          </p:stCondLst>
-                                        </p:cTn>
-                                        <p:tgtEl>
-                                          <p:spTgt spid="12"/>
-                                        </p:tgtEl>
-                                        <p:attrNameLst>
-                                          <p:attrName>style.visibility</p:attrName>
-                                        </p:attrNameLst>
-                                      </p:cBhvr>
-                                      <p:to>
-                                        <p:strVal val="visible"/>
-                                      </p:to>
-                                    </p:set>
-                                    <p:anim calcmode="lin" valueType="num">
-                                      <p:cBhvr>
-                                        <p:cTn id="12" dur="500" fill="hold"/>
-                                        <p:tgtEl>
-                                          <p:spTgt spid="12"/>
-                                        </p:tgtEl>
-                                        <p:attrNameLst>
-                                          <p:attrName>ppt_w</p:attrName>
-                                        </p:attrNameLst>
-                                      </p:cBhvr>
-                                      <p:tavLst>
-                                        <p:tav tm="0">
-                                          <p:val>
-                                            <p:fltVal val="0"/>
-                                          </p:val>
-                                        </p:tav>
-                                        <p:tav tm="100000">
-                                          <p:val>
-                                            <p:strVal val="#ppt_w"/>
-                                          </p:val>
-                                        </p:tav>
-                                      </p:tavLst>
-                                    </p:anim>
-                                    <p:anim calcmode="lin" valueType="num">
-                                      <p:cBhvr>
-                                        <p:cTn id="13" dur="500" fill="hold"/>
-                                        <p:tgtEl>
-                                          <p:spTgt spid="12"/>
-                                        </p:tgtEl>
-                                        <p:attrNameLst>
-                                          <p:attrName>ppt_h</p:attrName>
-                                        </p:attrNameLst>
-                                      </p:cBhvr>
-                                      <p:tavLst>
-                                        <p:tav tm="0">
-                                          <p:val>
-                                            <p:fltVal val="0"/>
-                                          </p:val>
-                                        </p:tav>
-                                        <p:tav tm="100000">
-                                          <p:val>
-                                            <p:strVal val="#ppt_h"/>
-                                          </p:val>
-                                        </p:tav>
-                                      </p:tavLst>
-                                    </p:anim>
-                                    <p:anim calcmode="lin" valueType="num">
-                                      <p:cBhvr>
-                                        <p:cTn id="14" dur="500" fill="hold"/>
-                                        <p:tgtEl>
-                                          <p:spTgt spid="12"/>
-                                        </p:tgtEl>
-                                        <p:attrNameLst>
-                                          <p:attrName>style.rotation</p:attrName>
-                                        </p:attrNameLst>
-                                      </p:cBhvr>
-                                      <p:tavLst>
-                                        <p:tav tm="0">
-                                          <p:val>
-                                            <p:fltVal val="360"/>
-                                          </p:val>
-                                        </p:tav>
-                                        <p:tav tm="100000">
-                                          <p:val>
-                                            <p:fltVal val="0"/>
-                                          </p:val>
-                                        </p:tav>
-                                      </p:tavLst>
-                                    </p:anim>
-                                    <p:animEffect transition="in" filter="fade">
-                                      <p:cBhvr>
-                                        <p:cTn id="15" dur="500"/>
-                                        <p:tgtEl>
-                                          <p:spTgt spid="12"/>
-                                        </p:tgtEl>
-                                      </p:cBhvr>
-                                    </p:animEffect>
-                                  </p:childTnLst>
-                                </p:cTn>
-                              </p:par>
-                            </p:childTnLst>
-                          </p:cTn>
-                        </p:par>
-                      </p:childTnLst>
-                    </p:cTn>
-                  </p:par>
-                </p:childTnLst>
-              </p:cTn>
-              <p:prevCondLst>
-                <p:cond evt="onPrev" delay="0">
-                  <p:tgtEl>
-                    <p:sldTgt/>
-                  </p:tgtEl>
-                </p:cond>
-              </p:prevCondLst>
-              <p:nextCondLst>
-                <p:cond evt="onNext" delay="0">
-                  <p:tgtEl>
-                    <p:sldTgt/>
-                  </p:tgtEl>
-                </p:cond>
-              </p:nextCondLst>
-            </p:seq>
-          </p:childTnLst>
-        </p:cTn>
-      </p:par>
-    </p:tnLst>
-    <p:bldLst>
-      <p:bldP spid="11" grpId="0"/>
-      <p:bldP spid="12" grpId="0"/>
-    </p:bldLst>
   </p:timing>
 </p:sld>
 </file>
